--- a/Calendario2024/presentaciones/19_Modulo_re.pptx
+++ b/Calendario2024/presentaciones/19_Modulo_re.pptx
@@ -256,7 +256,7 @@
           <a:p>
             <a:fld id="{DDE721D5-655F-45D2-B717-3C4CD78C8568}" type="datetimeFigureOut">
               <a:rPr lang="es-MX" smtClean="0"/>
-              <a:t>09/03/2023</a:t>
+              <a:t>06/03/2024</a:t>
             </a:fld>
             <a:endParaRPr lang="es-MX" dirty="0"/>
           </a:p>
@@ -415,7 +415,7 @@
           <a:p>
             <a:fld id="{6BAB4312-99A1-4CE9-ACE7-4C62E9FD90EE}" type="slidenum">
               <a:rPr lang="es-MX" smtClean="0"/>
-              <a:t>‹Nº›</a:t>
+              <a:t>‹#›</a:t>
             </a:fld>
             <a:endParaRPr lang="es-MX" dirty="0"/>
           </a:p>
@@ -4653,7 +4653,7 @@
           <a:p>
             <a:fld id="{B3F3E716-CACC-4490-AD07-F24B6A68DE47}" type="datetimeFigureOut">
               <a:rPr lang="es-MX" smtClean="0"/>
-              <a:t>09/03/2023</a:t>
+              <a:t>06/03/2024</a:t>
             </a:fld>
             <a:endParaRPr lang="es-MX" dirty="0"/>
           </a:p>
@@ -4695,7 +4695,7 @@
           <a:p>
             <a:fld id="{52A58D3C-5A37-463D-B2C9-8DF65AE0B01C}" type="slidenum">
               <a:rPr lang="es-MX" smtClean="0"/>
-              <a:t>‹Nº›</a:t>
+              <a:t>‹#›</a:t>
             </a:fld>
             <a:endParaRPr lang="es-MX" dirty="0"/>
           </a:p>
@@ -4823,7 +4823,7 @@
           <a:p>
             <a:fld id="{B3F3E716-CACC-4490-AD07-F24B6A68DE47}" type="datetimeFigureOut">
               <a:rPr lang="es-MX" smtClean="0"/>
-              <a:t>09/03/2023</a:t>
+              <a:t>06/03/2024</a:t>
             </a:fld>
             <a:endParaRPr lang="es-MX" dirty="0"/>
           </a:p>
@@ -4865,7 +4865,7 @@
           <a:p>
             <a:fld id="{52A58D3C-5A37-463D-B2C9-8DF65AE0B01C}" type="slidenum">
               <a:rPr lang="es-MX" smtClean="0"/>
-              <a:t>‹Nº›</a:t>
+              <a:t>‹#›</a:t>
             </a:fld>
             <a:endParaRPr lang="es-MX" dirty="0"/>
           </a:p>
@@ -5003,7 +5003,7 @@
           <a:p>
             <a:fld id="{B3F3E716-CACC-4490-AD07-F24B6A68DE47}" type="datetimeFigureOut">
               <a:rPr lang="es-MX" smtClean="0"/>
-              <a:t>09/03/2023</a:t>
+              <a:t>06/03/2024</a:t>
             </a:fld>
             <a:endParaRPr lang="es-MX" dirty="0"/>
           </a:p>
@@ -5045,7 +5045,7 @@
           <a:p>
             <a:fld id="{52A58D3C-5A37-463D-B2C9-8DF65AE0B01C}" type="slidenum">
               <a:rPr lang="es-MX" smtClean="0"/>
-              <a:t>‹Nº›</a:t>
+              <a:t>‹#›</a:t>
             </a:fld>
             <a:endParaRPr lang="es-MX" dirty="0"/>
           </a:p>
@@ -5156,7 +5156,7 @@
           <a:p>
             <a:fld id="{1D8BD707-D9CF-40AE-B4C6-C98DA3205C09}" type="datetimeFigureOut">
               <a:rPr lang="en-US" smtClean="0"/>
-              <a:t>3/9/2023</a:t>
+              <a:t>3/6/2024</a:t>
             </a:fld>
             <a:endParaRPr lang="en-US" dirty="0"/>
           </a:p>
@@ -5186,7 +5186,7 @@
                 <a:cs typeface="Calibri"/>
               </a:rPr>
               <a:pPr marL="25400"/>
-              <a:t>‹Nº›</a:t>
+              <a:t>‹#›</a:t>
             </a:fld>
             <a:endParaRPr lang="es-MX" dirty="0">
               <a:cs typeface="Calibri"/>
@@ -5316,7 +5316,7 @@
           <a:p>
             <a:fld id="{B3F3E716-CACC-4490-AD07-F24B6A68DE47}" type="datetimeFigureOut">
               <a:rPr lang="es-MX" smtClean="0"/>
-              <a:t>09/03/2023</a:t>
+              <a:t>06/03/2024</a:t>
             </a:fld>
             <a:endParaRPr lang="es-MX" dirty="0"/>
           </a:p>
@@ -5358,7 +5358,7 @@
           <a:p>
             <a:fld id="{52A58D3C-5A37-463D-B2C9-8DF65AE0B01C}" type="slidenum">
               <a:rPr lang="es-MX" smtClean="0"/>
-              <a:t>‹Nº›</a:t>
+              <a:t>‹#›</a:t>
             </a:fld>
             <a:endParaRPr lang="es-MX" dirty="0"/>
           </a:p>
@@ -5562,7 +5562,7 @@
           <a:p>
             <a:fld id="{B3F3E716-CACC-4490-AD07-F24B6A68DE47}" type="datetimeFigureOut">
               <a:rPr lang="es-MX" smtClean="0"/>
-              <a:t>09/03/2023</a:t>
+              <a:t>06/03/2024</a:t>
             </a:fld>
             <a:endParaRPr lang="es-MX" dirty="0"/>
           </a:p>
@@ -5604,7 +5604,7 @@
           <a:p>
             <a:fld id="{52A58D3C-5A37-463D-B2C9-8DF65AE0B01C}" type="slidenum">
               <a:rPr lang="es-MX" smtClean="0"/>
-              <a:t>‹Nº›</a:t>
+              <a:t>‹#›</a:t>
             </a:fld>
             <a:endParaRPr lang="es-MX" dirty="0"/>
           </a:p>
@@ -5850,7 +5850,7 @@
           <a:p>
             <a:fld id="{B3F3E716-CACC-4490-AD07-F24B6A68DE47}" type="datetimeFigureOut">
               <a:rPr lang="es-MX" smtClean="0"/>
-              <a:t>09/03/2023</a:t>
+              <a:t>06/03/2024</a:t>
             </a:fld>
             <a:endParaRPr lang="es-MX" dirty="0"/>
           </a:p>
@@ -5892,7 +5892,7 @@
           <a:p>
             <a:fld id="{52A58D3C-5A37-463D-B2C9-8DF65AE0B01C}" type="slidenum">
               <a:rPr lang="es-MX" smtClean="0"/>
-              <a:t>‹Nº›</a:t>
+              <a:t>‹#›</a:t>
             </a:fld>
             <a:endParaRPr lang="es-MX" dirty="0"/>
           </a:p>
@@ -6272,7 +6272,7 @@
           <a:p>
             <a:fld id="{B3F3E716-CACC-4490-AD07-F24B6A68DE47}" type="datetimeFigureOut">
               <a:rPr lang="es-MX" smtClean="0"/>
-              <a:t>09/03/2023</a:t>
+              <a:t>06/03/2024</a:t>
             </a:fld>
             <a:endParaRPr lang="es-MX" dirty="0"/>
           </a:p>
@@ -6314,7 +6314,7 @@
           <a:p>
             <a:fld id="{52A58D3C-5A37-463D-B2C9-8DF65AE0B01C}" type="slidenum">
               <a:rPr lang="es-MX" smtClean="0"/>
-              <a:t>‹Nº›</a:t>
+              <a:t>‹#›</a:t>
             </a:fld>
             <a:endParaRPr lang="es-MX" dirty="0"/>
           </a:p>
@@ -6390,7 +6390,7 @@
           <a:p>
             <a:fld id="{B3F3E716-CACC-4490-AD07-F24B6A68DE47}" type="datetimeFigureOut">
               <a:rPr lang="es-MX" smtClean="0"/>
-              <a:t>09/03/2023</a:t>
+              <a:t>06/03/2024</a:t>
             </a:fld>
             <a:endParaRPr lang="es-MX" dirty="0"/>
           </a:p>
@@ -6432,7 +6432,7 @@
           <a:p>
             <a:fld id="{52A58D3C-5A37-463D-B2C9-8DF65AE0B01C}" type="slidenum">
               <a:rPr lang="es-MX" smtClean="0"/>
-              <a:t>‹Nº›</a:t>
+              <a:t>‹#›</a:t>
             </a:fld>
             <a:endParaRPr lang="es-MX" dirty="0"/>
           </a:p>
@@ -6485,7 +6485,7 @@
           <a:p>
             <a:fld id="{B3F3E716-CACC-4490-AD07-F24B6A68DE47}" type="datetimeFigureOut">
               <a:rPr lang="es-MX" smtClean="0"/>
-              <a:t>09/03/2023</a:t>
+              <a:t>06/03/2024</a:t>
             </a:fld>
             <a:endParaRPr lang="es-MX" dirty="0"/>
           </a:p>
@@ -6527,7 +6527,7 @@
           <a:p>
             <a:fld id="{52A58D3C-5A37-463D-B2C9-8DF65AE0B01C}" type="slidenum">
               <a:rPr lang="es-MX" smtClean="0"/>
-              <a:t>‹Nº›</a:t>
+              <a:t>‹#›</a:t>
             </a:fld>
             <a:endParaRPr lang="es-MX" dirty="0"/>
           </a:p>
@@ -6762,7 +6762,7 @@
           <a:p>
             <a:fld id="{B3F3E716-CACC-4490-AD07-F24B6A68DE47}" type="datetimeFigureOut">
               <a:rPr lang="es-MX" smtClean="0"/>
-              <a:t>09/03/2023</a:t>
+              <a:t>06/03/2024</a:t>
             </a:fld>
             <a:endParaRPr lang="es-MX" dirty="0"/>
           </a:p>
@@ -6804,7 +6804,7 @@
           <a:p>
             <a:fld id="{52A58D3C-5A37-463D-B2C9-8DF65AE0B01C}" type="slidenum">
               <a:rPr lang="es-MX" smtClean="0"/>
-              <a:t>‹Nº›</a:t>
+              <a:t>‹#›</a:t>
             </a:fld>
             <a:endParaRPr lang="es-MX" dirty="0"/>
           </a:p>
@@ -7015,7 +7015,7 @@
           <a:p>
             <a:fld id="{B3F3E716-CACC-4490-AD07-F24B6A68DE47}" type="datetimeFigureOut">
               <a:rPr lang="es-MX" smtClean="0"/>
-              <a:t>09/03/2023</a:t>
+              <a:t>06/03/2024</a:t>
             </a:fld>
             <a:endParaRPr lang="es-MX" dirty="0"/>
           </a:p>
@@ -7057,7 +7057,7 @@
           <a:p>
             <a:fld id="{52A58D3C-5A37-463D-B2C9-8DF65AE0B01C}" type="slidenum">
               <a:rPr lang="es-MX" smtClean="0"/>
-              <a:t>‹Nº›</a:t>
+              <a:t>‹#›</a:t>
             </a:fld>
             <a:endParaRPr lang="es-MX" dirty="0"/>
           </a:p>
@@ -7228,7 +7228,7 @@
           <a:p>
             <a:fld id="{B3F3E716-CACC-4490-AD07-F24B6A68DE47}" type="datetimeFigureOut">
               <a:rPr lang="es-MX" smtClean="0"/>
-              <a:t>09/03/2023</a:t>
+              <a:t>06/03/2024</a:t>
             </a:fld>
             <a:endParaRPr lang="es-MX" dirty="0"/>
           </a:p>
@@ -7306,7 +7306,7 @@
           <a:p>
             <a:fld id="{52A58D3C-5A37-463D-B2C9-8DF65AE0B01C}" type="slidenum">
               <a:rPr lang="es-MX" smtClean="0"/>
-              <a:t>‹Nº›</a:t>
+              <a:t>‹#›</a:t>
             </a:fld>
             <a:endParaRPr lang="es-MX" dirty="0"/>
           </a:p>

--- a/Calendario2024/presentaciones/19_Modulo_re.pptx
+++ b/Calendario2024/presentaciones/19_Modulo_re.pptx
@@ -5,7 +5,7 @@
     <p:sldMasterId id="2147483648" r:id="rId1"/>
   </p:sldMasterIdLst>
   <p:notesMasterIdLst>
-    <p:notesMasterId r:id="rId51"/>
+    <p:notesMasterId r:id="rId48"/>
   </p:notesMasterIdLst>
   <p:sldIdLst>
     <p:sldId id="293" r:id="rId2"/>
@@ -18,45 +18,42 @@
     <p:sldId id="625" r:id="rId9"/>
     <p:sldId id="627" r:id="rId10"/>
     <p:sldId id="628" r:id="rId11"/>
-    <p:sldId id="629" r:id="rId12"/>
-    <p:sldId id="727" r:id="rId13"/>
-    <p:sldId id="630" r:id="rId14"/>
-    <p:sldId id="729" r:id="rId15"/>
-    <p:sldId id="730" r:id="rId16"/>
-    <p:sldId id="731" r:id="rId17"/>
-    <p:sldId id="732" r:id="rId18"/>
-    <p:sldId id="733" r:id="rId19"/>
-    <p:sldId id="734" r:id="rId20"/>
-    <p:sldId id="694" r:id="rId21"/>
-    <p:sldId id="695" r:id="rId22"/>
-    <p:sldId id="696" r:id="rId23"/>
-    <p:sldId id="631" r:id="rId24"/>
-    <p:sldId id="633" r:id="rId25"/>
-    <p:sldId id="636" r:id="rId26"/>
-    <p:sldId id="665" r:id="rId27"/>
-    <p:sldId id="637" r:id="rId28"/>
-    <p:sldId id="638" r:id="rId29"/>
-    <p:sldId id="639" r:id="rId30"/>
-    <p:sldId id="640" r:id="rId31"/>
-    <p:sldId id="641" r:id="rId32"/>
-    <p:sldId id="642" r:id="rId33"/>
-    <p:sldId id="725" r:id="rId34"/>
-    <p:sldId id="728" r:id="rId35"/>
-    <p:sldId id="726" r:id="rId36"/>
-    <p:sldId id="643" r:id="rId37"/>
-    <p:sldId id="632" r:id="rId38"/>
-    <p:sldId id="647" r:id="rId39"/>
-    <p:sldId id="649" r:id="rId40"/>
-    <p:sldId id="650" r:id="rId41"/>
-    <p:sldId id="651" r:id="rId42"/>
-    <p:sldId id="652" r:id="rId43"/>
-    <p:sldId id="653" r:id="rId44"/>
-    <p:sldId id="654" r:id="rId45"/>
-    <p:sldId id="717" r:id="rId46"/>
-    <p:sldId id="714" r:id="rId47"/>
-    <p:sldId id="735" r:id="rId48"/>
-    <p:sldId id="716" r:id="rId49"/>
-    <p:sldId id="282" r:id="rId50"/>
+    <p:sldId id="729" r:id="rId12"/>
+    <p:sldId id="730" r:id="rId13"/>
+    <p:sldId id="731" r:id="rId14"/>
+    <p:sldId id="732" r:id="rId15"/>
+    <p:sldId id="733" r:id="rId16"/>
+    <p:sldId id="734" r:id="rId17"/>
+    <p:sldId id="694" r:id="rId18"/>
+    <p:sldId id="695" r:id="rId19"/>
+    <p:sldId id="696" r:id="rId20"/>
+    <p:sldId id="631" r:id="rId21"/>
+    <p:sldId id="633" r:id="rId22"/>
+    <p:sldId id="636" r:id="rId23"/>
+    <p:sldId id="665" r:id="rId24"/>
+    <p:sldId id="637" r:id="rId25"/>
+    <p:sldId id="638" r:id="rId26"/>
+    <p:sldId id="639" r:id="rId27"/>
+    <p:sldId id="640" r:id="rId28"/>
+    <p:sldId id="641" r:id="rId29"/>
+    <p:sldId id="642" r:id="rId30"/>
+    <p:sldId id="725" r:id="rId31"/>
+    <p:sldId id="728" r:id="rId32"/>
+    <p:sldId id="726" r:id="rId33"/>
+    <p:sldId id="643" r:id="rId34"/>
+    <p:sldId id="632" r:id="rId35"/>
+    <p:sldId id="647" r:id="rId36"/>
+    <p:sldId id="649" r:id="rId37"/>
+    <p:sldId id="650" r:id="rId38"/>
+    <p:sldId id="651" r:id="rId39"/>
+    <p:sldId id="652" r:id="rId40"/>
+    <p:sldId id="653" r:id="rId41"/>
+    <p:sldId id="654" r:id="rId42"/>
+    <p:sldId id="717" r:id="rId43"/>
+    <p:sldId id="714" r:id="rId44"/>
+    <p:sldId id="735" r:id="rId45"/>
+    <p:sldId id="716" r:id="rId46"/>
+    <p:sldId id="282" r:id="rId47"/>
   </p:sldIdLst>
   <p:sldSz cx="9144000" cy="6858000" type="screen4x3"/>
   <p:notesSz cx="6858000" cy="9144000"/>
@@ -256,7 +253,7 @@
           <a:p>
             <a:fld id="{DDE721D5-655F-45D2-B717-3C4CD78C8568}" type="datetimeFigureOut">
               <a:rPr lang="es-MX" smtClean="0"/>
-              <a:t>06/03/2024</a:t>
+              <a:t>07/03/2024</a:t>
             </a:fld>
             <a:endParaRPr lang="es-MX" dirty="0"/>
           </a:p>
@@ -682,7 +679,7 @@
     </p:spTree>
     <p:extLst>
       <p:ext uri="{BB962C8B-B14F-4D97-AF65-F5344CB8AC3E}">
-        <p14:creationId xmlns:p14="http://schemas.microsoft.com/office/powerpoint/2010/main" val="2099423947"/>
+        <p14:creationId xmlns:p14="http://schemas.microsoft.com/office/powerpoint/2010/main" val="3192376709"/>
       </p:ext>
     </p:extLst>
   </p:cSld>
@@ -766,7 +763,7 @@
     </p:spTree>
     <p:extLst>
       <p:ext uri="{BB962C8B-B14F-4D97-AF65-F5344CB8AC3E}">
-        <p14:creationId xmlns:p14="http://schemas.microsoft.com/office/powerpoint/2010/main" val="1517762970"/>
+        <p14:creationId xmlns:p14="http://schemas.microsoft.com/office/powerpoint/2010/main" val="3675200187"/>
       </p:ext>
     </p:extLst>
   </p:cSld>
@@ -850,7 +847,7 @@
     </p:spTree>
     <p:extLst>
       <p:ext uri="{BB962C8B-B14F-4D97-AF65-F5344CB8AC3E}">
-        <p14:creationId xmlns:p14="http://schemas.microsoft.com/office/powerpoint/2010/main" val="1385015968"/>
+        <p14:creationId xmlns:p14="http://schemas.microsoft.com/office/powerpoint/2010/main" val="3721527464"/>
       </p:ext>
     </p:extLst>
   </p:cSld>
@@ -934,7 +931,7 @@
     </p:spTree>
     <p:extLst>
       <p:ext uri="{BB962C8B-B14F-4D97-AF65-F5344CB8AC3E}">
-        <p14:creationId xmlns:p14="http://schemas.microsoft.com/office/powerpoint/2010/main" val="3192376709"/>
+        <p14:creationId xmlns:p14="http://schemas.microsoft.com/office/powerpoint/2010/main" val="1617519665"/>
       </p:ext>
     </p:extLst>
   </p:cSld>
@@ -1018,7 +1015,7 @@
     </p:spTree>
     <p:extLst>
       <p:ext uri="{BB962C8B-B14F-4D97-AF65-F5344CB8AC3E}">
-        <p14:creationId xmlns:p14="http://schemas.microsoft.com/office/powerpoint/2010/main" val="3675200187"/>
+        <p14:creationId xmlns:p14="http://schemas.microsoft.com/office/powerpoint/2010/main" val="3313525897"/>
       </p:ext>
     </p:extLst>
   </p:cSld>
@@ -1102,7 +1099,7 @@
     </p:spTree>
     <p:extLst>
       <p:ext uri="{BB962C8B-B14F-4D97-AF65-F5344CB8AC3E}">
-        <p14:creationId xmlns:p14="http://schemas.microsoft.com/office/powerpoint/2010/main" val="3721527464"/>
+        <p14:creationId xmlns:p14="http://schemas.microsoft.com/office/powerpoint/2010/main" val="3982426164"/>
       </p:ext>
     </p:extLst>
   </p:cSld>
@@ -1186,7 +1183,7 @@
     </p:spTree>
     <p:extLst>
       <p:ext uri="{BB962C8B-B14F-4D97-AF65-F5344CB8AC3E}">
-        <p14:creationId xmlns:p14="http://schemas.microsoft.com/office/powerpoint/2010/main" val="1617519665"/>
+        <p14:creationId xmlns:p14="http://schemas.microsoft.com/office/powerpoint/2010/main" val="960849942"/>
       </p:ext>
     </p:extLst>
   </p:cSld>
@@ -1270,7 +1267,7 @@
     </p:spTree>
     <p:extLst>
       <p:ext uri="{BB962C8B-B14F-4D97-AF65-F5344CB8AC3E}">
-        <p14:creationId xmlns:p14="http://schemas.microsoft.com/office/powerpoint/2010/main" val="3313525897"/>
+        <p14:creationId xmlns:p14="http://schemas.microsoft.com/office/powerpoint/2010/main" val="2344924085"/>
       </p:ext>
     </p:extLst>
   </p:cSld>
@@ -1354,7 +1351,7 @@
     </p:spTree>
     <p:extLst>
       <p:ext uri="{BB962C8B-B14F-4D97-AF65-F5344CB8AC3E}">
-        <p14:creationId xmlns:p14="http://schemas.microsoft.com/office/powerpoint/2010/main" val="3982426164"/>
+        <p14:creationId xmlns:p14="http://schemas.microsoft.com/office/powerpoint/2010/main" val="733390658"/>
       </p:ext>
     </p:extLst>
   </p:cSld>
@@ -1438,7 +1435,7 @@
     </p:spTree>
     <p:extLst>
       <p:ext uri="{BB962C8B-B14F-4D97-AF65-F5344CB8AC3E}">
-        <p14:creationId xmlns:p14="http://schemas.microsoft.com/office/powerpoint/2010/main" val="960849942"/>
+        <p14:creationId xmlns:p14="http://schemas.microsoft.com/office/powerpoint/2010/main" val="1108666071"/>
       </p:ext>
     </p:extLst>
   </p:cSld>
@@ -1606,7 +1603,7 @@
     </p:spTree>
     <p:extLst>
       <p:ext uri="{BB962C8B-B14F-4D97-AF65-F5344CB8AC3E}">
-        <p14:creationId xmlns:p14="http://schemas.microsoft.com/office/powerpoint/2010/main" val="2344924085"/>
+        <p14:creationId xmlns:p14="http://schemas.microsoft.com/office/powerpoint/2010/main" val="3264157270"/>
       </p:ext>
     </p:extLst>
   </p:cSld>
@@ -1690,7 +1687,7 @@
     </p:spTree>
     <p:extLst>
       <p:ext uri="{BB962C8B-B14F-4D97-AF65-F5344CB8AC3E}">
-        <p14:creationId xmlns:p14="http://schemas.microsoft.com/office/powerpoint/2010/main" val="733390658"/>
+        <p14:creationId xmlns:p14="http://schemas.microsoft.com/office/powerpoint/2010/main" val="1848933710"/>
       </p:ext>
     </p:extLst>
   </p:cSld>
@@ -1774,7 +1771,7 @@
     </p:spTree>
     <p:extLst>
       <p:ext uri="{BB962C8B-B14F-4D97-AF65-F5344CB8AC3E}">
-        <p14:creationId xmlns:p14="http://schemas.microsoft.com/office/powerpoint/2010/main" val="1108666071"/>
+        <p14:creationId xmlns:p14="http://schemas.microsoft.com/office/powerpoint/2010/main" val="2149111458"/>
       </p:ext>
     </p:extLst>
   </p:cSld>
@@ -1858,7 +1855,7 @@
     </p:spTree>
     <p:extLst>
       <p:ext uri="{BB962C8B-B14F-4D97-AF65-F5344CB8AC3E}">
-        <p14:creationId xmlns:p14="http://schemas.microsoft.com/office/powerpoint/2010/main" val="3264157270"/>
+        <p14:creationId xmlns:p14="http://schemas.microsoft.com/office/powerpoint/2010/main" val="1048073295"/>
       </p:ext>
     </p:extLst>
   </p:cSld>
@@ -1942,7 +1939,7 @@
     </p:spTree>
     <p:extLst>
       <p:ext uri="{BB962C8B-B14F-4D97-AF65-F5344CB8AC3E}">
-        <p14:creationId xmlns:p14="http://schemas.microsoft.com/office/powerpoint/2010/main" val="1848933710"/>
+        <p14:creationId xmlns:p14="http://schemas.microsoft.com/office/powerpoint/2010/main" val="1961775840"/>
       </p:ext>
     </p:extLst>
   </p:cSld>
@@ -2026,7 +2023,7 @@
     </p:spTree>
     <p:extLst>
       <p:ext uri="{BB962C8B-B14F-4D97-AF65-F5344CB8AC3E}">
-        <p14:creationId xmlns:p14="http://schemas.microsoft.com/office/powerpoint/2010/main" val="2149111458"/>
+        <p14:creationId xmlns:p14="http://schemas.microsoft.com/office/powerpoint/2010/main" val="3066401349"/>
       </p:ext>
     </p:extLst>
   </p:cSld>
@@ -2110,7 +2107,7 @@
     </p:spTree>
     <p:extLst>
       <p:ext uri="{BB962C8B-B14F-4D97-AF65-F5344CB8AC3E}">
-        <p14:creationId xmlns:p14="http://schemas.microsoft.com/office/powerpoint/2010/main" val="1048073295"/>
+        <p14:creationId xmlns:p14="http://schemas.microsoft.com/office/powerpoint/2010/main" val="2234000112"/>
       </p:ext>
     </p:extLst>
   </p:cSld>
@@ -2194,7 +2191,7 @@
     </p:spTree>
     <p:extLst>
       <p:ext uri="{BB962C8B-B14F-4D97-AF65-F5344CB8AC3E}">
-        <p14:creationId xmlns:p14="http://schemas.microsoft.com/office/powerpoint/2010/main" val="1961775840"/>
+        <p14:creationId xmlns:p14="http://schemas.microsoft.com/office/powerpoint/2010/main" val="2319379981"/>
       </p:ext>
     </p:extLst>
   </p:cSld>
@@ -2278,7 +2275,7 @@
     </p:spTree>
     <p:extLst>
       <p:ext uri="{BB962C8B-B14F-4D97-AF65-F5344CB8AC3E}">
-        <p14:creationId xmlns:p14="http://schemas.microsoft.com/office/powerpoint/2010/main" val="3066401349"/>
+        <p14:creationId xmlns:p14="http://schemas.microsoft.com/office/powerpoint/2010/main" val="1391905952"/>
       </p:ext>
     </p:extLst>
   </p:cSld>
@@ -2362,7 +2359,7 @@
     </p:spTree>
     <p:extLst>
       <p:ext uri="{BB962C8B-B14F-4D97-AF65-F5344CB8AC3E}">
-        <p14:creationId xmlns:p14="http://schemas.microsoft.com/office/powerpoint/2010/main" val="2234000112"/>
+        <p14:creationId xmlns:p14="http://schemas.microsoft.com/office/powerpoint/2010/main" val="93052435"/>
       </p:ext>
     </p:extLst>
   </p:cSld>
@@ -2530,7 +2527,7 @@
     </p:spTree>
     <p:extLst>
       <p:ext uri="{BB962C8B-B14F-4D97-AF65-F5344CB8AC3E}">
-        <p14:creationId xmlns:p14="http://schemas.microsoft.com/office/powerpoint/2010/main" val="2319379981"/>
+        <p14:creationId xmlns:p14="http://schemas.microsoft.com/office/powerpoint/2010/main" val="3281202480"/>
       </p:ext>
     </p:extLst>
   </p:cSld>
@@ -2614,7 +2611,7 @@
     </p:spTree>
     <p:extLst>
       <p:ext uri="{BB962C8B-B14F-4D97-AF65-F5344CB8AC3E}">
-        <p14:creationId xmlns:p14="http://schemas.microsoft.com/office/powerpoint/2010/main" val="1391905952"/>
+        <p14:creationId xmlns:p14="http://schemas.microsoft.com/office/powerpoint/2010/main" val="2640752000"/>
       </p:ext>
     </p:extLst>
   </p:cSld>
@@ -2698,7 +2695,7 @@
     </p:spTree>
     <p:extLst>
       <p:ext uri="{BB962C8B-B14F-4D97-AF65-F5344CB8AC3E}">
-        <p14:creationId xmlns:p14="http://schemas.microsoft.com/office/powerpoint/2010/main" val="93052435"/>
+        <p14:creationId xmlns:p14="http://schemas.microsoft.com/office/powerpoint/2010/main" val="1401995659"/>
       </p:ext>
     </p:extLst>
   </p:cSld>
@@ -2782,7 +2779,7 @@
     </p:spTree>
     <p:extLst>
       <p:ext uri="{BB962C8B-B14F-4D97-AF65-F5344CB8AC3E}">
-        <p14:creationId xmlns:p14="http://schemas.microsoft.com/office/powerpoint/2010/main" val="3281202480"/>
+        <p14:creationId xmlns:p14="http://schemas.microsoft.com/office/powerpoint/2010/main" val="1378240649"/>
       </p:ext>
     </p:extLst>
   </p:cSld>
@@ -2866,7 +2863,7 @@
     </p:spTree>
     <p:extLst>
       <p:ext uri="{BB962C8B-B14F-4D97-AF65-F5344CB8AC3E}">
-        <p14:creationId xmlns:p14="http://schemas.microsoft.com/office/powerpoint/2010/main" val="2640752000"/>
+        <p14:creationId xmlns:p14="http://schemas.microsoft.com/office/powerpoint/2010/main" val="97400121"/>
       </p:ext>
     </p:extLst>
   </p:cSld>
@@ -2950,7 +2947,7 @@
     </p:spTree>
     <p:extLst>
       <p:ext uri="{BB962C8B-B14F-4D97-AF65-F5344CB8AC3E}">
-        <p14:creationId xmlns:p14="http://schemas.microsoft.com/office/powerpoint/2010/main" val="1401995659"/>
+        <p14:creationId xmlns:p14="http://schemas.microsoft.com/office/powerpoint/2010/main" val="419315271"/>
       </p:ext>
     </p:extLst>
   </p:cSld>
@@ -3034,7 +3031,7 @@
     </p:spTree>
     <p:extLst>
       <p:ext uri="{BB962C8B-B14F-4D97-AF65-F5344CB8AC3E}">
-        <p14:creationId xmlns:p14="http://schemas.microsoft.com/office/powerpoint/2010/main" val="1378240649"/>
+        <p14:creationId xmlns:p14="http://schemas.microsoft.com/office/powerpoint/2010/main" val="1044791637"/>
       </p:ext>
     </p:extLst>
   </p:cSld>
@@ -3118,7 +3115,7 @@
     </p:spTree>
     <p:extLst>
       <p:ext uri="{BB962C8B-B14F-4D97-AF65-F5344CB8AC3E}">
-        <p14:creationId xmlns:p14="http://schemas.microsoft.com/office/powerpoint/2010/main" val="97400121"/>
+        <p14:creationId xmlns:p14="http://schemas.microsoft.com/office/powerpoint/2010/main" val="2879985340"/>
       </p:ext>
     </p:extLst>
   </p:cSld>
@@ -3202,7 +3199,7 @@
     </p:spTree>
     <p:extLst>
       <p:ext uri="{BB962C8B-B14F-4D97-AF65-F5344CB8AC3E}">
-        <p14:creationId xmlns:p14="http://schemas.microsoft.com/office/powerpoint/2010/main" val="419315271"/>
+        <p14:creationId xmlns:p14="http://schemas.microsoft.com/office/powerpoint/2010/main" val="1357729493"/>
       </p:ext>
     </p:extLst>
   </p:cSld>
@@ -3286,7 +3283,7 @@
     </p:spTree>
     <p:extLst>
       <p:ext uri="{BB962C8B-B14F-4D97-AF65-F5344CB8AC3E}">
-        <p14:creationId xmlns:p14="http://schemas.microsoft.com/office/powerpoint/2010/main" val="1044791637"/>
+        <p14:creationId xmlns:p14="http://schemas.microsoft.com/office/powerpoint/2010/main" val="992094736"/>
       </p:ext>
     </p:extLst>
   </p:cSld>
@@ -3454,7 +3451,7 @@
     </p:spTree>
     <p:extLst>
       <p:ext uri="{BB962C8B-B14F-4D97-AF65-F5344CB8AC3E}">
-        <p14:creationId xmlns:p14="http://schemas.microsoft.com/office/powerpoint/2010/main" val="2879985340"/>
+        <p14:creationId xmlns:p14="http://schemas.microsoft.com/office/powerpoint/2010/main" val="1494011694"/>
       </p:ext>
     </p:extLst>
   </p:cSld>
@@ -3538,7 +3535,7 @@
     </p:spTree>
     <p:extLst>
       <p:ext uri="{BB962C8B-B14F-4D97-AF65-F5344CB8AC3E}">
-        <p14:creationId xmlns:p14="http://schemas.microsoft.com/office/powerpoint/2010/main" val="1357729493"/>
+        <p14:creationId xmlns:p14="http://schemas.microsoft.com/office/powerpoint/2010/main" val="522272885"/>
       </p:ext>
     </p:extLst>
   </p:cSld>
@@ -3622,7 +3619,7 @@
     </p:spTree>
     <p:extLst>
       <p:ext uri="{BB962C8B-B14F-4D97-AF65-F5344CB8AC3E}">
-        <p14:creationId xmlns:p14="http://schemas.microsoft.com/office/powerpoint/2010/main" val="992094736"/>
+        <p14:creationId xmlns:p14="http://schemas.microsoft.com/office/powerpoint/2010/main" val="809932223"/>
       </p:ext>
     </p:extLst>
   </p:cSld>
@@ -3706,7 +3703,7 @@
     </p:spTree>
     <p:extLst>
       <p:ext uri="{BB962C8B-B14F-4D97-AF65-F5344CB8AC3E}">
-        <p14:creationId xmlns:p14="http://schemas.microsoft.com/office/powerpoint/2010/main" val="1494011694"/>
+        <p14:creationId xmlns:p14="http://schemas.microsoft.com/office/powerpoint/2010/main" val="4144349373"/>
       </p:ext>
     </p:extLst>
   </p:cSld>
@@ -3782,258 +3779,6 @@
             <a:fld id="{6BAB4312-99A1-4CE9-ACE7-4C62E9FD90EE}" type="slidenum">
               <a:rPr lang="es-MX" smtClean="0"/>
               <a:t>45</a:t>
-            </a:fld>
-            <a:endParaRPr lang="es-MX" dirty="0"/>
-          </a:p>
-        </p:txBody>
-      </p:sp>
-    </p:spTree>
-    <p:extLst>
-      <p:ext uri="{BB962C8B-B14F-4D97-AF65-F5344CB8AC3E}">
-        <p14:creationId xmlns:p14="http://schemas.microsoft.com/office/powerpoint/2010/main" val="522272885"/>
-      </p:ext>
-    </p:extLst>
-  </p:cSld>
-  <p:clrMapOvr>
-    <a:masterClrMapping/>
-  </p:clrMapOvr>
-</p:notes>
-</file>
-
-<file path=ppt/notesSlides/notesSlide45.xml><?xml version="1.0" encoding="utf-8"?>
-<p:notes xmlns:a="http://schemas.openxmlformats.org/drawingml/2006/main" xmlns:r="http://schemas.openxmlformats.org/officeDocument/2006/relationships" xmlns:p="http://schemas.openxmlformats.org/presentationml/2006/main">
-  <p:cSld>
-    <p:spTree>
-      <p:nvGrpSpPr>
-        <p:cNvPr id="1" name=""/>
-        <p:cNvGrpSpPr/>
-        <p:nvPr/>
-      </p:nvGrpSpPr>
-      <p:grpSpPr>
-        <a:xfrm>
-          <a:off x="0" y="0"/>
-          <a:ext cx="0" cy="0"/>
-          <a:chOff x="0" y="0"/>
-          <a:chExt cx="0" cy="0"/>
-        </a:xfrm>
-      </p:grpSpPr>
-      <p:sp>
-        <p:nvSpPr>
-          <p:cNvPr id="2" name="Marcador de imagen de diapositiva 1"/>
-          <p:cNvSpPr>
-            <a:spLocks noGrp="1" noRot="1" noChangeAspect="1"/>
-          </p:cNvSpPr>
-          <p:nvPr>
-            <p:ph type="sldImg"/>
-          </p:nvPr>
-        </p:nvSpPr>
-        <p:spPr/>
-      </p:sp>
-      <p:sp>
-        <p:nvSpPr>
-          <p:cNvPr id="3" name="Marcador de notas 2"/>
-          <p:cNvSpPr>
-            <a:spLocks noGrp="1"/>
-          </p:cNvSpPr>
-          <p:nvPr>
-            <p:ph type="body" idx="1"/>
-          </p:nvPr>
-        </p:nvSpPr>
-        <p:spPr/>
-        <p:txBody>
-          <a:bodyPr/>
-          <a:lstStyle/>
-          <a:p>
-            <a:endParaRPr lang="es-MX" dirty="0"/>
-          </a:p>
-        </p:txBody>
-      </p:sp>
-      <p:sp>
-        <p:nvSpPr>
-          <p:cNvPr id="4" name="Marcador de número de diapositiva 3"/>
-          <p:cNvSpPr>
-            <a:spLocks noGrp="1"/>
-          </p:cNvSpPr>
-          <p:nvPr>
-            <p:ph type="sldNum" sz="quarter" idx="5"/>
-          </p:nvPr>
-        </p:nvSpPr>
-        <p:spPr/>
-        <p:txBody>
-          <a:bodyPr/>
-          <a:lstStyle/>
-          <a:p>
-            <a:fld id="{6BAB4312-99A1-4CE9-ACE7-4C62E9FD90EE}" type="slidenum">
-              <a:rPr lang="es-MX" smtClean="0"/>
-              <a:t>46</a:t>
-            </a:fld>
-            <a:endParaRPr lang="es-MX" dirty="0"/>
-          </a:p>
-        </p:txBody>
-      </p:sp>
-    </p:spTree>
-    <p:extLst>
-      <p:ext uri="{BB962C8B-B14F-4D97-AF65-F5344CB8AC3E}">
-        <p14:creationId xmlns:p14="http://schemas.microsoft.com/office/powerpoint/2010/main" val="809932223"/>
-      </p:ext>
-    </p:extLst>
-  </p:cSld>
-  <p:clrMapOvr>
-    <a:masterClrMapping/>
-  </p:clrMapOvr>
-</p:notes>
-</file>
-
-<file path=ppt/notesSlides/notesSlide46.xml><?xml version="1.0" encoding="utf-8"?>
-<p:notes xmlns:a="http://schemas.openxmlformats.org/drawingml/2006/main" xmlns:r="http://schemas.openxmlformats.org/officeDocument/2006/relationships" xmlns:p="http://schemas.openxmlformats.org/presentationml/2006/main">
-  <p:cSld>
-    <p:spTree>
-      <p:nvGrpSpPr>
-        <p:cNvPr id="1" name=""/>
-        <p:cNvGrpSpPr/>
-        <p:nvPr/>
-      </p:nvGrpSpPr>
-      <p:grpSpPr>
-        <a:xfrm>
-          <a:off x="0" y="0"/>
-          <a:ext cx="0" cy="0"/>
-          <a:chOff x="0" y="0"/>
-          <a:chExt cx="0" cy="0"/>
-        </a:xfrm>
-      </p:grpSpPr>
-      <p:sp>
-        <p:nvSpPr>
-          <p:cNvPr id="2" name="Marcador de imagen de diapositiva 1"/>
-          <p:cNvSpPr>
-            <a:spLocks noGrp="1" noRot="1" noChangeAspect="1"/>
-          </p:cNvSpPr>
-          <p:nvPr>
-            <p:ph type="sldImg"/>
-          </p:nvPr>
-        </p:nvSpPr>
-        <p:spPr/>
-      </p:sp>
-      <p:sp>
-        <p:nvSpPr>
-          <p:cNvPr id="3" name="Marcador de notas 2"/>
-          <p:cNvSpPr>
-            <a:spLocks noGrp="1"/>
-          </p:cNvSpPr>
-          <p:nvPr>
-            <p:ph type="body" idx="1"/>
-          </p:nvPr>
-        </p:nvSpPr>
-        <p:spPr/>
-        <p:txBody>
-          <a:bodyPr/>
-          <a:lstStyle/>
-          <a:p>
-            <a:endParaRPr lang="es-MX" dirty="0"/>
-          </a:p>
-        </p:txBody>
-      </p:sp>
-      <p:sp>
-        <p:nvSpPr>
-          <p:cNvPr id="4" name="Marcador de número de diapositiva 3"/>
-          <p:cNvSpPr>
-            <a:spLocks noGrp="1"/>
-          </p:cNvSpPr>
-          <p:nvPr>
-            <p:ph type="sldNum" sz="quarter" idx="5"/>
-          </p:nvPr>
-        </p:nvSpPr>
-        <p:spPr/>
-        <p:txBody>
-          <a:bodyPr/>
-          <a:lstStyle/>
-          <a:p>
-            <a:fld id="{6BAB4312-99A1-4CE9-ACE7-4C62E9FD90EE}" type="slidenum">
-              <a:rPr lang="es-MX" smtClean="0"/>
-              <a:t>47</a:t>
-            </a:fld>
-            <a:endParaRPr lang="es-MX" dirty="0"/>
-          </a:p>
-        </p:txBody>
-      </p:sp>
-    </p:spTree>
-    <p:extLst>
-      <p:ext uri="{BB962C8B-B14F-4D97-AF65-F5344CB8AC3E}">
-        <p14:creationId xmlns:p14="http://schemas.microsoft.com/office/powerpoint/2010/main" val="4144349373"/>
-      </p:ext>
-    </p:extLst>
-  </p:cSld>
-  <p:clrMapOvr>
-    <a:masterClrMapping/>
-  </p:clrMapOvr>
-</p:notes>
-</file>
-
-<file path=ppt/notesSlides/notesSlide47.xml><?xml version="1.0" encoding="utf-8"?>
-<p:notes xmlns:a="http://schemas.openxmlformats.org/drawingml/2006/main" xmlns:r="http://schemas.openxmlformats.org/officeDocument/2006/relationships" xmlns:p="http://schemas.openxmlformats.org/presentationml/2006/main">
-  <p:cSld>
-    <p:spTree>
-      <p:nvGrpSpPr>
-        <p:cNvPr id="1" name=""/>
-        <p:cNvGrpSpPr/>
-        <p:nvPr/>
-      </p:nvGrpSpPr>
-      <p:grpSpPr>
-        <a:xfrm>
-          <a:off x="0" y="0"/>
-          <a:ext cx="0" cy="0"/>
-          <a:chOff x="0" y="0"/>
-          <a:chExt cx="0" cy="0"/>
-        </a:xfrm>
-      </p:grpSpPr>
-      <p:sp>
-        <p:nvSpPr>
-          <p:cNvPr id="2" name="Marcador de imagen de diapositiva 1"/>
-          <p:cNvSpPr>
-            <a:spLocks noGrp="1" noRot="1" noChangeAspect="1"/>
-          </p:cNvSpPr>
-          <p:nvPr>
-            <p:ph type="sldImg"/>
-          </p:nvPr>
-        </p:nvSpPr>
-        <p:spPr/>
-      </p:sp>
-      <p:sp>
-        <p:nvSpPr>
-          <p:cNvPr id="3" name="Marcador de notas 2"/>
-          <p:cNvSpPr>
-            <a:spLocks noGrp="1"/>
-          </p:cNvSpPr>
-          <p:nvPr>
-            <p:ph type="body" idx="1"/>
-          </p:nvPr>
-        </p:nvSpPr>
-        <p:spPr/>
-        <p:txBody>
-          <a:bodyPr/>
-          <a:lstStyle/>
-          <a:p>
-            <a:endParaRPr lang="es-MX" dirty="0"/>
-          </a:p>
-        </p:txBody>
-      </p:sp>
-      <p:sp>
-        <p:nvSpPr>
-          <p:cNvPr id="4" name="Marcador de número de diapositiva 3"/>
-          <p:cNvSpPr>
-            <a:spLocks noGrp="1"/>
-          </p:cNvSpPr>
-          <p:nvPr>
-            <p:ph type="sldNum" sz="quarter" idx="5"/>
-          </p:nvPr>
-        </p:nvSpPr>
-        <p:spPr/>
-        <p:txBody>
-          <a:bodyPr/>
-          <a:lstStyle/>
-          <a:p>
-            <a:fld id="{6BAB4312-99A1-4CE9-ACE7-4C62E9FD90EE}" type="slidenum">
-              <a:rPr lang="es-MX" smtClean="0"/>
-              <a:t>48</a:t>
             </a:fld>
             <a:endParaRPr lang="es-MX" dirty="0"/>
           </a:p>
@@ -4653,7 +4398,7 @@
           <a:p>
             <a:fld id="{B3F3E716-CACC-4490-AD07-F24B6A68DE47}" type="datetimeFigureOut">
               <a:rPr lang="es-MX" smtClean="0"/>
-              <a:t>06/03/2024</a:t>
+              <a:t>07/03/2024</a:t>
             </a:fld>
             <a:endParaRPr lang="es-MX" dirty="0"/>
           </a:p>
@@ -4823,7 +4568,7 @@
           <a:p>
             <a:fld id="{B3F3E716-CACC-4490-AD07-F24B6A68DE47}" type="datetimeFigureOut">
               <a:rPr lang="es-MX" smtClean="0"/>
-              <a:t>06/03/2024</a:t>
+              <a:t>07/03/2024</a:t>
             </a:fld>
             <a:endParaRPr lang="es-MX" dirty="0"/>
           </a:p>
@@ -5003,7 +4748,7 @@
           <a:p>
             <a:fld id="{B3F3E716-CACC-4490-AD07-F24B6A68DE47}" type="datetimeFigureOut">
               <a:rPr lang="es-MX" smtClean="0"/>
-              <a:t>06/03/2024</a:t>
+              <a:t>07/03/2024</a:t>
             </a:fld>
             <a:endParaRPr lang="es-MX" dirty="0"/>
           </a:p>
@@ -5156,7 +4901,7 @@
           <a:p>
             <a:fld id="{1D8BD707-D9CF-40AE-B4C6-C98DA3205C09}" type="datetimeFigureOut">
               <a:rPr lang="en-US" smtClean="0"/>
-              <a:t>3/6/2024</a:t>
+              <a:t>3/7/2024</a:t>
             </a:fld>
             <a:endParaRPr lang="en-US" dirty="0"/>
           </a:p>
@@ -5316,7 +5061,7 @@
           <a:p>
             <a:fld id="{B3F3E716-CACC-4490-AD07-F24B6A68DE47}" type="datetimeFigureOut">
               <a:rPr lang="es-MX" smtClean="0"/>
-              <a:t>06/03/2024</a:t>
+              <a:t>07/03/2024</a:t>
             </a:fld>
             <a:endParaRPr lang="es-MX" dirty="0"/>
           </a:p>
@@ -5562,7 +5307,7 @@
           <a:p>
             <a:fld id="{B3F3E716-CACC-4490-AD07-F24B6A68DE47}" type="datetimeFigureOut">
               <a:rPr lang="es-MX" smtClean="0"/>
-              <a:t>06/03/2024</a:t>
+              <a:t>07/03/2024</a:t>
             </a:fld>
             <a:endParaRPr lang="es-MX" dirty="0"/>
           </a:p>
@@ -5850,7 +5595,7 @@
           <a:p>
             <a:fld id="{B3F3E716-CACC-4490-AD07-F24B6A68DE47}" type="datetimeFigureOut">
               <a:rPr lang="es-MX" smtClean="0"/>
-              <a:t>06/03/2024</a:t>
+              <a:t>07/03/2024</a:t>
             </a:fld>
             <a:endParaRPr lang="es-MX" dirty="0"/>
           </a:p>
@@ -6272,7 +6017,7 @@
           <a:p>
             <a:fld id="{B3F3E716-CACC-4490-AD07-F24B6A68DE47}" type="datetimeFigureOut">
               <a:rPr lang="es-MX" smtClean="0"/>
-              <a:t>06/03/2024</a:t>
+              <a:t>07/03/2024</a:t>
             </a:fld>
             <a:endParaRPr lang="es-MX" dirty="0"/>
           </a:p>
@@ -6390,7 +6135,7 @@
           <a:p>
             <a:fld id="{B3F3E716-CACC-4490-AD07-F24B6A68DE47}" type="datetimeFigureOut">
               <a:rPr lang="es-MX" smtClean="0"/>
-              <a:t>06/03/2024</a:t>
+              <a:t>07/03/2024</a:t>
             </a:fld>
             <a:endParaRPr lang="es-MX" dirty="0"/>
           </a:p>
@@ -6485,7 +6230,7 @@
           <a:p>
             <a:fld id="{B3F3E716-CACC-4490-AD07-F24B6A68DE47}" type="datetimeFigureOut">
               <a:rPr lang="es-MX" smtClean="0"/>
-              <a:t>06/03/2024</a:t>
+              <a:t>07/03/2024</a:t>
             </a:fld>
             <a:endParaRPr lang="es-MX" dirty="0"/>
           </a:p>
@@ -6762,7 +6507,7 @@
           <a:p>
             <a:fld id="{B3F3E716-CACC-4490-AD07-F24B6A68DE47}" type="datetimeFigureOut">
               <a:rPr lang="es-MX" smtClean="0"/>
-              <a:t>06/03/2024</a:t>
+              <a:t>07/03/2024</a:t>
             </a:fld>
             <a:endParaRPr lang="es-MX" dirty="0"/>
           </a:p>
@@ -7015,7 +6760,7 @@
           <a:p>
             <a:fld id="{B3F3E716-CACC-4490-AD07-F24B6A68DE47}" type="datetimeFigureOut">
               <a:rPr lang="es-MX" smtClean="0"/>
-              <a:t>06/03/2024</a:t>
+              <a:t>07/03/2024</a:t>
             </a:fld>
             <a:endParaRPr lang="es-MX" dirty="0"/>
           </a:p>
@@ -7228,7 +6973,7 @@
           <a:p>
             <a:fld id="{B3F3E716-CACC-4490-AD07-F24B6A68DE47}" type="datetimeFigureOut">
               <a:rPr lang="es-MX" smtClean="0"/>
-              <a:t>06/03/2024</a:t>
+              <a:t>07/03/2024</a:t>
             </a:fld>
             <a:endParaRPr lang="es-MX" dirty="0"/>
           </a:p>
@@ -7990,13 +7735,13 @@
         </p:nvSpPr>
         <p:spPr>
           <a:xfrm>
-            <a:off x="107504" y="116632"/>
+            <a:off x="282352" y="-17738"/>
             <a:ext cx="8579296" cy="1143000"/>
           </a:xfrm>
         </p:spPr>
         <p:txBody>
           <a:bodyPr>
-            <a:normAutofit/>
+            <a:normAutofit fontScale="90000"/>
           </a:bodyPr>
           <a:lstStyle/>
           <a:p>
@@ -8017,49 +7762,17 @@
                 </a:effectLst>
                 <a:latin typeface="Dom Casual" charset="0"/>
               </a:rPr>
-              <a:t>Método </a:t>
-            </a:r>
-            <a:r>
-              <a:rPr lang="es-MX" b="1" dirty="0" err="1">
-                <a:solidFill>
-                  <a:schemeClr val="accent4">
-                    <a:lumMod val="50000"/>
-                  </a:schemeClr>
-                </a:solidFill>
-                <a:effectLst>
-                  <a:outerShdw blurRad="38100" dist="38100" dir="2700000" algn="tl">
-                    <a:srgbClr val="C0C0C0"/>
-                  </a:outerShdw>
-                </a:effectLst>
-                <a:latin typeface="Dom Casual" charset="0"/>
-              </a:rPr>
-              <a:t>finditer</a:t>
-            </a:r>
-            <a:r>
-              <a:rPr lang="es-MX" b="1" dirty="0">
-                <a:solidFill>
-                  <a:schemeClr val="accent4">
-                    <a:lumMod val="50000"/>
-                  </a:schemeClr>
-                </a:solidFill>
-                <a:effectLst>
-                  <a:outerShdw blurRad="38100" dist="38100" dir="2700000" algn="tl">
-                    <a:srgbClr val="C0C0C0"/>
-                  </a:outerShdw>
-                </a:effectLst>
-                <a:latin typeface="Dom Casual" charset="0"/>
-              </a:rPr>
-              <a:t>()</a:t>
-            </a:r>
-          </a:p>
-        </p:txBody>
-      </p:sp>
-      <p:sp>
-        <p:nvSpPr>
-          <p:cNvPr id="10" name="CuadroTexto 9">
+              <a:t>¿Cómo usar las expresiones regulares?</a:t>
+            </a:r>
+          </a:p>
+        </p:txBody>
+      </p:sp>
+      <p:sp>
+        <p:nvSpPr>
+          <p:cNvPr id="7" name="CuadroTexto 6">
             <a:extLst>
               <a:ext uri="{FF2B5EF4-FFF2-40B4-BE49-F238E27FC236}">
-                <a16:creationId xmlns:a16="http://schemas.microsoft.com/office/drawing/2014/main" id="{28D7FAFF-9722-4D6A-9DE5-55FC738D0886}"/>
+                <a16:creationId xmlns:a16="http://schemas.microsoft.com/office/drawing/2014/main" id="{0CE5AA9D-354E-4C31-88A9-A48B5A9BA280}"/>
               </a:ext>
             </a:extLst>
           </p:cNvPr>
@@ -8068,100 +7781,8 @@
         </p:nvSpPr>
         <p:spPr>
           <a:xfrm>
-            <a:off x="765920" y="2162698"/>
-            <a:ext cx="7920880" cy="506292"/>
-          </a:xfrm>
-          <a:prstGeom prst="rect">
-            <a:avLst/>
-          </a:prstGeom>
-          <a:noFill/>
-        </p:spPr>
-        <p:txBody>
-          <a:bodyPr wrap="square">
-            <a:spAutoFit/>
-          </a:bodyPr>
-          <a:lstStyle/>
-          <a:p>
-            <a:pPr algn="l">
-              <a:lnSpc>
-                <a:spcPct val="150000"/>
-              </a:lnSpc>
-            </a:pPr>
-            <a:r>
-              <a:rPr lang="es-ES" sz="2000" b="1" i="0" dirty="0">
-                <a:solidFill>
-                  <a:schemeClr val="tx1">
-                    <a:lumMod val="95000"/>
-                    <a:lumOff val="5000"/>
-                  </a:schemeClr>
-                </a:solidFill>
-                <a:effectLst/>
-              </a:rPr>
-              <a:t>Ejemplo: </a:t>
-            </a:r>
-            <a:r>
-              <a:rPr lang="es-ES" sz="2000" i="0" dirty="0">
-                <a:solidFill>
-                  <a:schemeClr val="tx1">
-                    <a:lumMod val="95000"/>
-                    <a:lumOff val="5000"/>
-                  </a:schemeClr>
-                </a:solidFill>
-                <a:effectLst/>
-              </a:rPr>
-              <a:t>Busca la palabra </a:t>
-            </a:r>
-            <a:r>
-              <a:rPr lang="es-ES" sz="2000" b="1" i="0" dirty="0" err="1">
-                <a:solidFill>
-                  <a:schemeClr val="tx1">
-                    <a:lumMod val="95000"/>
-                    <a:lumOff val="5000"/>
-                  </a:schemeClr>
-                </a:solidFill>
-                <a:effectLst/>
-              </a:rPr>
-              <a:t>is</a:t>
-            </a:r>
-            <a:r>
-              <a:rPr lang="es-ES" sz="2000" i="0" dirty="0">
-                <a:solidFill>
-                  <a:schemeClr val="tx1">
-                    <a:lumMod val="95000"/>
-                    <a:lumOff val="5000"/>
-                  </a:schemeClr>
-                </a:solidFill>
-                <a:effectLst/>
-              </a:rPr>
-              <a:t> en el texto.</a:t>
-            </a:r>
-            <a:endParaRPr lang="es-ES" sz="2000" dirty="0">
-              <a:solidFill>
-                <a:schemeClr val="tx1">
-                  <a:lumMod val="95000"/>
-                  <a:lumOff val="5000"/>
-                </a:schemeClr>
-              </a:solidFill>
-            </a:endParaRPr>
-          </a:p>
-        </p:txBody>
-      </p:sp>
-      <p:sp>
-        <p:nvSpPr>
-          <p:cNvPr id="6" name="CuadroTexto 5">
-            <a:extLst>
-              <a:ext uri="{FF2B5EF4-FFF2-40B4-BE49-F238E27FC236}">
-                <a16:creationId xmlns:a16="http://schemas.microsoft.com/office/drawing/2014/main" id="{179FB5EA-5874-4539-94A9-9E452A4E792C}"/>
-              </a:ext>
-            </a:extLst>
-          </p:cNvPr>
-          <p:cNvSpPr txBox="1"/>
-          <p:nvPr/>
-        </p:nvSpPr>
-        <p:spPr>
-          <a:xfrm>
-            <a:off x="493879" y="1354016"/>
-            <a:ext cx="7806545" cy="714298"/>
+            <a:off x="663706" y="1802272"/>
+            <a:ext cx="7632848" cy="3253455"/>
           </a:xfrm>
           <a:prstGeom prst="rect">
             <a:avLst/>
@@ -8185,109 +7806,218 @@
               <a:buChar char="•"/>
             </a:pPr>
             <a:r>
-              <a:rPr lang="es-ES" b="1" i="0" dirty="0" err="1">
+              <a:rPr lang="es-ES" b="1" dirty="0" err="1">
                 <a:solidFill>
                   <a:schemeClr val="accent6">
                     <a:lumMod val="75000"/>
                   </a:schemeClr>
                 </a:solidFill>
-                <a:effectLst/>
                 <a:latin typeface="inherit"/>
               </a:rPr>
-              <a:t>finditer</a:t>
-            </a:r>
-            <a:r>
-              <a:rPr lang="es-ES" b="1" i="0" dirty="0">
+              <a:t>split</a:t>
+            </a:r>
+            <a:r>
+              <a:rPr lang="es-ES" b="1" dirty="0">
                 <a:solidFill>
                   <a:schemeClr val="accent6">
                     <a:lumMod val="75000"/>
                   </a:schemeClr>
                 </a:solidFill>
-                <a:effectLst/>
                 <a:latin typeface="inherit"/>
               </a:rPr>
-              <a:t>()</a:t>
-            </a:r>
-            <a:r>
-              <a:rPr lang="es-ES" b="0" i="0" dirty="0">
-                <a:solidFill>
-                  <a:schemeClr val="accent6">
-                    <a:lumMod val="75000"/>
-                  </a:schemeClr>
-                </a:solidFill>
-                <a:effectLst/>
+              <a:t>(): </a:t>
+            </a:r>
+            <a:r>
+              <a:rPr lang="es-ES" dirty="0">
+                <a:solidFill>
+                  <a:srgbClr val="000000"/>
+                </a:solidFill>
                 <a:latin typeface="inherit"/>
               </a:rPr>
-              <a:t>: </a:t>
-            </a:r>
-            <a:r>
-              <a:rPr lang="es-ES" b="0" i="0" dirty="0">
-                <a:solidFill>
-                  <a:srgbClr val="000000"/>
-                </a:solidFill>
-                <a:effectLst/>
-                <a:latin typeface="inherit"/>
-              </a:rPr>
-              <a:t>Encuentra todos los subtextos donde coincide la expresión regular y  devuelve estas coincidencias como un objeto iterador.</a:t>
-            </a:r>
-          </a:p>
-        </p:txBody>
-      </p:sp>
-      <p:sp>
-        <p:nvSpPr>
-          <p:cNvPr id="9" name="CuadroTexto 8">
-            <a:extLst>
-              <a:ext uri="{FF2B5EF4-FFF2-40B4-BE49-F238E27FC236}">
-                <a16:creationId xmlns:a16="http://schemas.microsoft.com/office/drawing/2014/main" id="{6DFAFCB2-3F0A-40CE-9A55-4E188AC192B3}"/>
-              </a:ext>
-            </a:extLst>
-          </p:cNvPr>
-          <p:cNvSpPr txBox="1"/>
-          <p:nvPr/>
-        </p:nvSpPr>
-        <p:spPr>
-          <a:xfrm>
-            <a:off x="647700" y="6083232"/>
-            <a:ext cx="7806545" cy="393698"/>
-          </a:xfrm>
-          <a:prstGeom prst="rect">
-            <a:avLst/>
-          </a:prstGeom>
-          <a:noFill/>
-        </p:spPr>
-        <p:txBody>
-          <a:bodyPr wrap="square">
-            <a:spAutoFit/>
-          </a:bodyPr>
-          <a:lstStyle/>
-          <a:p>
-            <a:pPr algn="just" fontAlgn="base">
+              <a:t>El cual divide el texto en una lista, realizando las divisiones del texto en cada lugar donde se cumple con la expresión regular.</a:t>
+            </a:r>
+            <a:endParaRPr lang="es-ES" u="sng" dirty="0">
+              <a:solidFill>
+                <a:srgbClr val="000000"/>
+              </a:solidFill>
+              <a:latin typeface="inherit"/>
+            </a:endParaRPr>
+          </a:p>
+          <a:p>
+            <a:pPr marL="285750" indent="-285750" algn="just" fontAlgn="base">
               <a:lnSpc>
                 <a:spcPts val="2500"/>
               </a:lnSpc>
               <a:spcAft>
                 <a:spcPts val="1200"/>
               </a:spcAft>
+              <a:buFont typeface="Arial" panose="020B0604020202020204" pitchFamily="34" charset="0"/>
+              <a:buChar char="•"/>
             </a:pPr>
             <a:r>
-              <a:rPr lang="es-ES" b="0" i="0" dirty="0">
+              <a:rPr lang="es-ES" b="1" dirty="0">
+                <a:solidFill>
+                  <a:schemeClr val="accent6">
+                    <a:lumMod val="75000"/>
+                  </a:schemeClr>
+                </a:solidFill>
+                <a:latin typeface="inherit"/>
+              </a:rPr>
+              <a:t>sub(): </a:t>
+            </a:r>
+            <a:r>
+              <a:rPr lang="es-ES" dirty="0">
                 <a:solidFill>
                   <a:srgbClr val="000000"/>
                 </a:solidFill>
+                <a:latin typeface="inherit"/>
+              </a:rPr>
+              <a:t>El cual encuentra todos los subtextos donde existe una coincidencia con la expresión regular y luego los reemplaza con un nuevo texto.</a:t>
+            </a:r>
+          </a:p>
+          <a:p>
+            <a:pPr marL="285750" indent="-285750" algn="just" fontAlgn="base">
+              <a:lnSpc>
+                <a:spcPts val="2500"/>
+              </a:lnSpc>
+              <a:spcAft>
+                <a:spcPts val="1200"/>
+              </a:spcAft>
+              <a:buFont typeface="Arial" panose="020B0604020202020204" pitchFamily="34" charset="0"/>
+              <a:buChar char="•"/>
+            </a:pPr>
+            <a:r>
+              <a:rPr lang="es-ES" b="1" dirty="0" err="1">
+                <a:solidFill>
+                  <a:schemeClr val="accent6">
+                    <a:lumMod val="75000"/>
+                  </a:schemeClr>
+                </a:solidFill>
+                <a:latin typeface="inherit"/>
+              </a:rPr>
+              <a:t>subn</a:t>
+            </a:r>
+            <a:r>
+              <a:rPr lang="es-ES" b="1" dirty="0">
+                <a:solidFill>
+                  <a:schemeClr val="accent6">
+                    <a:lumMod val="75000"/>
+                  </a:schemeClr>
+                </a:solidFill>
+                <a:latin typeface="inherit"/>
+              </a:rPr>
+              <a:t>(): </a:t>
+            </a:r>
+            <a:r>
+              <a:rPr lang="es-ES" dirty="0">
+                <a:solidFill>
+                  <a:srgbClr val="000000"/>
+                </a:solidFill>
+                <a:latin typeface="inherit"/>
+              </a:rPr>
+              <a:t>El cual es similar al anterior pero además de devolver el nuevo texto, también devuelve el numero de reemplazos que realizó.</a:t>
+            </a:r>
+          </a:p>
+          <a:p>
+            <a:pPr marL="285750" indent="-285750" algn="just" fontAlgn="base">
+              <a:lnSpc>
+                <a:spcPts val="2500"/>
+              </a:lnSpc>
+              <a:spcAft>
+                <a:spcPts val="1200"/>
+              </a:spcAft>
+              <a:buFont typeface="Arial" panose="020B0604020202020204" pitchFamily="34" charset="0"/>
+              <a:buChar char="•"/>
+            </a:pPr>
+            <a:endParaRPr lang="es-ES" b="0" i="0" dirty="0">
+              <a:solidFill>
+                <a:srgbClr val="000000"/>
+              </a:solidFill>
+              <a:effectLst/>
+              <a:latin typeface="inherit"/>
+            </a:endParaRPr>
+          </a:p>
+          <a:p>
+            <a:pPr marL="285750" indent="-285750" algn="just" fontAlgn="base">
+              <a:lnSpc>
+                <a:spcPts val="2500"/>
+              </a:lnSpc>
+              <a:spcAft>
+                <a:spcPts val="1200"/>
+              </a:spcAft>
+              <a:buFont typeface="Arial" panose="020B0604020202020204" pitchFamily="34" charset="0"/>
+              <a:buChar char="•"/>
+            </a:pPr>
+            <a:endParaRPr lang="es-ES" b="0" i="0" dirty="0">
+              <a:solidFill>
+                <a:srgbClr val="000000"/>
+              </a:solidFill>
+              <a:effectLst/>
+              <a:latin typeface="inherit"/>
+            </a:endParaRPr>
+          </a:p>
+        </p:txBody>
+      </p:sp>
+      <p:sp>
+        <p:nvSpPr>
+          <p:cNvPr id="6" name="CuadroTexto 5">
+            <a:extLst>
+              <a:ext uri="{FF2B5EF4-FFF2-40B4-BE49-F238E27FC236}">
+                <a16:creationId xmlns:a16="http://schemas.microsoft.com/office/drawing/2014/main" id="{2392B394-963B-4356-AD56-AC5F6787A3D4}"/>
+              </a:ext>
+            </a:extLst>
+          </p:cNvPr>
+          <p:cNvSpPr txBox="1"/>
+          <p:nvPr/>
+        </p:nvSpPr>
+        <p:spPr>
+          <a:xfrm>
+            <a:off x="641181" y="827801"/>
+            <a:ext cx="7920880" cy="506292"/>
+          </a:xfrm>
+          <a:prstGeom prst="rect">
+            <a:avLst/>
+          </a:prstGeom>
+          <a:noFill/>
+        </p:spPr>
+        <p:txBody>
+          <a:bodyPr wrap="square">
+            <a:spAutoFit/>
+          </a:bodyPr>
+          <a:lstStyle/>
+          <a:p>
+            <a:pPr algn="ctr">
+              <a:lnSpc>
+                <a:spcPct val="150000"/>
+              </a:lnSpc>
+            </a:pPr>
+            <a:r>
+              <a:rPr lang="es-ES" sz="2000" b="1" i="0" dirty="0">
+                <a:solidFill>
+                  <a:schemeClr val="accent6">
+                    <a:lumMod val="75000"/>
+                  </a:schemeClr>
+                </a:solidFill>
                 <a:effectLst/>
-                <a:latin typeface="inherit"/>
-              </a:rPr>
-              <a:t>Obtenemos un objeto iterador con las coincidencias encontradas.</a:t>
-            </a:r>
+              </a:rPr>
+              <a:t>Modificando el texto de entrada</a:t>
+            </a:r>
+            <a:endParaRPr lang="es-ES" sz="2000" b="1" dirty="0">
+              <a:solidFill>
+                <a:schemeClr val="accent6">
+                  <a:lumMod val="75000"/>
+                </a:schemeClr>
+              </a:solidFill>
+            </a:endParaRPr>
           </a:p>
         </p:txBody>
       </p:sp>
       <p:pic>
         <p:nvPicPr>
-          <p:cNvPr id="3" name="Imagen 2">
+          <p:cNvPr id="5" name="Imagen 4" descr="Texto&#10;&#10;Descripción generada automáticamente con confianza media">
             <a:extLst>
               <a:ext uri="{FF2B5EF4-FFF2-40B4-BE49-F238E27FC236}">
-                <a16:creationId xmlns:a16="http://schemas.microsoft.com/office/drawing/2014/main" id="{1579AC1B-6FDA-4378-B166-FA123DB1F124}"/>
+                <a16:creationId xmlns:a16="http://schemas.microsoft.com/office/drawing/2014/main" id="{E960688C-D058-4288-BF5C-739DFB46E81D}"/>
               </a:ext>
             </a:extLst>
           </p:cNvPr>
@@ -8297,15 +8027,21 @@
           <p:nvPr/>
         </p:nvPicPr>
         <p:blipFill>
-          <a:blip r:embed="rId3"/>
+          <a:blip r:embed="rId3">
+            <a:extLst>
+              <a:ext uri="{28A0092B-C50C-407E-A947-70E740481C1C}">
+                <a14:useLocalDpi xmlns:a14="http://schemas.microsoft.com/office/drawing/2010/main" val="0"/>
+              </a:ext>
+            </a:extLst>
+          </a:blip>
           <a:stretch>
             <a:fillRect/>
           </a:stretch>
         </p:blipFill>
         <p:spPr>
           <a:xfrm>
-            <a:off x="647700" y="2899736"/>
-            <a:ext cx="7848600" cy="2952750"/>
+            <a:off x="4144329" y="4437112"/>
+            <a:ext cx="4181448" cy="1672579"/>
           </a:xfrm>
           <a:prstGeom prst="rect">
             <a:avLst/>
@@ -8315,7 +8051,7 @@
     </p:spTree>
     <p:extLst>
       <p:ext uri="{BB962C8B-B14F-4D97-AF65-F5344CB8AC3E}">
-        <p14:creationId xmlns:p14="http://schemas.microsoft.com/office/powerpoint/2010/main" val="772182703"/>
+        <p14:creationId xmlns:p14="http://schemas.microsoft.com/office/powerpoint/2010/main" val="2879371270"/>
       </p:ext>
     </p:extLst>
   </p:cSld>
@@ -8354,7 +8090,7 @@
         </p:nvSpPr>
         <p:spPr>
           <a:xfrm>
-            <a:off x="107504" y="116632"/>
+            <a:off x="241176" y="-27384"/>
             <a:ext cx="8579296" cy="1143000"/>
           </a:xfrm>
         </p:spPr>
@@ -8397,33 +8133,30 @@
                 </a:effectLst>
                 <a:latin typeface="Dom Casual" charset="0"/>
               </a:rPr>
-              <a:t>finditer</a:t>
-            </a:r>
-            <a:r>
-              <a:rPr lang="es-MX" b="1" dirty="0">
-                <a:solidFill>
-                  <a:schemeClr val="accent4">
-                    <a:lumMod val="50000"/>
-                  </a:schemeClr>
-                </a:solidFill>
-                <a:effectLst>
-                  <a:outerShdw blurRad="38100" dist="38100" dir="2700000" algn="tl">
-                    <a:srgbClr val="C0C0C0"/>
-                  </a:outerShdw>
-                </a:effectLst>
-                <a:latin typeface="Dom Casual" charset="0"/>
-              </a:rPr>
-              <a:t>()</a:t>
-            </a:r>
-          </a:p>
-        </p:txBody>
-      </p:sp>
-      <p:sp>
-        <p:nvSpPr>
-          <p:cNvPr id="6" name="CuadroTexto 5">
+              <a:t>split</a:t>
+            </a:r>
+            <a:endParaRPr lang="es-MX" b="1" dirty="0">
+              <a:solidFill>
+                <a:schemeClr val="accent4">
+                  <a:lumMod val="50000"/>
+                </a:schemeClr>
+              </a:solidFill>
+              <a:effectLst>
+                <a:outerShdw blurRad="38100" dist="38100" dir="2700000" algn="tl">
+                  <a:srgbClr val="C0C0C0"/>
+                </a:outerShdw>
+              </a:effectLst>
+              <a:latin typeface="Dom Casual" charset="0"/>
+            </a:endParaRPr>
+          </a:p>
+        </p:txBody>
+      </p:sp>
+      <p:sp>
+        <p:nvSpPr>
+          <p:cNvPr id="10" name="CuadroTexto 9">
             <a:extLst>
               <a:ext uri="{FF2B5EF4-FFF2-40B4-BE49-F238E27FC236}">
-                <a16:creationId xmlns:a16="http://schemas.microsoft.com/office/drawing/2014/main" id="{179FB5EA-5874-4539-94A9-9E452A4E792C}"/>
+                <a16:creationId xmlns:a16="http://schemas.microsoft.com/office/drawing/2014/main" id="{28D7FAFF-9722-4D6A-9DE5-55FC738D0886}"/>
               </a:ext>
             </a:extLst>
           </p:cNvPr>
@@ -8432,8 +8165,76 @@
         </p:nvSpPr>
         <p:spPr>
           <a:xfrm>
-            <a:off x="493879" y="1354016"/>
-            <a:ext cx="7806545" cy="714298"/>
+            <a:off x="689477" y="1905146"/>
+            <a:ext cx="8259755" cy="506292"/>
+          </a:xfrm>
+          <a:prstGeom prst="rect">
+            <a:avLst/>
+          </a:prstGeom>
+          <a:noFill/>
+        </p:spPr>
+        <p:txBody>
+          <a:bodyPr wrap="square">
+            <a:spAutoFit/>
+          </a:bodyPr>
+          <a:lstStyle/>
+          <a:p>
+            <a:pPr algn="l">
+              <a:lnSpc>
+                <a:spcPct val="150000"/>
+              </a:lnSpc>
+            </a:pPr>
+            <a:r>
+              <a:rPr lang="es-ES" sz="2000" b="1" i="0" dirty="0">
+                <a:solidFill>
+                  <a:schemeClr val="tx1">
+                    <a:lumMod val="95000"/>
+                    <a:lumOff val="5000"/>
+                  </a:schemeClr>
+                </a:solidFill>
+                <a:effectLst/>
+              </a:rPr>
+              <a:t>Ejemplo 1: </a:t>
+            </a:r>
+            <a:r>
+              <a:rPr lang="es-ES" sz="2000" i="0" dirty="0">
+                <a:solidFill>
+                  <a:schemeClr val="tx1">
+                    <a:lumMod val="95000"/>
+                    <a:lumOff val="5000"/>
+                  </a:schemeClr>
+                </a:solidFill>
+                <a:effectLst/>
+              </a:rPr>
+              <a:t>Divide el texto mientras no encuentre un carácter alfanumérico.</a:t>
+            </a:r>
+            <a:endParaRPr lang="es-ES" sz="2000" dirty="0">
+              <a:solidFill>
+                <a:schemeClr val="tx1">
+                  <a:lumMod val="95000"/>
+                  <a:lumOff val="5000"/>
+                </a:schemeClr>
+              </a:solidFill>
+            </a:endParaRPr>
+          </a:p>
+        </p:txBody>
+      </p:sp>
+      <p:sp>
+        <p:nvSpPr>
+          <p:cNvPr id="12" name="CuadroTexto 11">
+            <a:extLst>
+              <a:ext uri="{FF2B5EF4-FFF2-40B4-BE49-F238E27FC236}">
+                <a16:creationId xmlns:a16="http://schemas.microsoft.com/office/drawing/2014/main" id="{DF66D3C9-053F-4EFB-A0F8-196F5C716363}"/>
+              </a:ext>
+            </a:extLst>
+          </p:cNvPr>
+          <p:cNvSpPr txBox="1"/>
+          <p:nvPr/>
+        </p:nvSpPr>
+        <p:spPr>
+          <a:xfrm>
+            <a:off x="442122" y="1103175"/>
+            <a:ext cx="8259756" cy="714298"/>
           </a:xfrm>
           <a:prstGeom prst="rect">
             <a:avLst/>
@@ -8457,60 +8258,52 @@
               <a:buChar char="•"/>
             </a:pPr>
             <a:r>
-              <a:rPr lang="es-ES" b="1" i="0" dirty="0" err="1">
+              <a:rPr lang="es-ES" b="1" dirty="0" err="1">
                 <a:solidFill>
                   <a:schemeClr val="accent6">
                     <a:lumMod val="75000"/>
                   </a:schemeClr>
                 </a:solidFill>
-                <a:effectLst/>
                 <a:latin typeface="inherit"/>
               </a:rPr>
-              <a:t>finditer</a:t>
-            </a:r>
-            <a:r>
-              <a:rPr lang="es-ES" b="1" i="0" dirty="0">
+              <a:t>split</a:t>
+            </a:r>
+            <a:r>
+              <a:rPr lang="es-ES" b="1" dirty="0">
                 <a:solidFill>
                   <a:schemeClr val="accent6">
                     <a:lumMod val="75000"/>
                   </a:schemeClr>
                 </a:solidFill>
-                <a:effectLst/>
                 <a:latin typeface="inherit"/>
               </a:rPr>
-              <a:t>()</a:t>
-            </a:r>
-            <a:r>
-              <a:rPr lang="es-ES" b="0" i="0" dirty="0">
-                <a:solidFill>
-                  <a:schemeClr val="accent6">
-                    <a:lumMod val="75000"/>
-                  </a:schemeClr>
-                </a:solidFill>
-                <a:effectLst/>
+              <a:t>(): </a:t>
+            </a:r>
+            <a:r>
+              <a:rPr lang="es-ES" dirty="0">
+                <a:solidFill>
+                  <a:srgbClr val="000000"/>
+                </a:solidFill>
                 <a:latin typeface="inherit"/>
               </a:rPr>
-              <a:t>: </a:t>
-            </a:r>
-            <a:r>
-              <a:rPr lang="es-ES" b="0" i="0" dirty="0">
-                <a:solidFill>
-                  <a:srgbClr val="000000"/>
-                </a:solidFill>
-                <a:effectLst/>
-                <a:latin typeface="inherit"/>
-              </a:rPr>
-              <a:t>Encuentra todos los subtextos donde coincide la expresión regular y  devuelve estas coincidencias como un objeto iterador.</a:t>
-            </a:r>
+              <a:t>El cual divide el texto en una lista, realizando las divisiones del texto en cada lugar donde se cumple con la expresión regular.</a:t>
+            </a:r>
+            <a:endParaRPr lang="es-ES" b="0" i="0" dirty="0">
+              <a:solidFill>
+                <a:srgbClr val="000000"/>
+              </a:solidFill>
+              <a:effectLst/>
+              <a:latin typeface="inherit"/>
+            </a:endParaRPr>
           </a:p>
         </p:txBody>
       </p:sp>
       <p:pic>
         <p:nvPicPr>
-          <p:cNvPr id="4" name="Imagen 3">
+          <p:cNvPr id="5" name="Imagen 4">
             <a:extLst>
               <a:ext uri="{FF2B5EF4-FFF2-40B4-BE49-F238E27FC236}">
-                <a16:creationId xmlns:a16="http://schemas.microsoft.com/office/drawing/2014/main" id="{B3070946-D9A0-4152-A309-556E244ECFC1}"/>
+                <a16:creationId xmlns:a16="http://schemas.microsoft.com/office/drawing/2014/main" id="{31D483A6-926B-4E64-881F-0176505B1BB0}"/>
               </a:ext>
             </a:extLst>
           </p:cNvPr>
@@ -8527,159 +8320,18 @@
         </p:blipFill>
         <p:spPr>
           <a:xfrm>
-            <a:off x="823087" y="2801300"/>
-            <a:ext cx="7032079" cy="3149623"/>
+            <a:off x="1178750" y="2527124"/>
+            <a:ext cx="6786500" cy="3838878"/>
           </a:xfrm>
           <a:prstGeom prst="rect">
             <a:avLst/>
           </a:prstGeom>
         </p:spPr>
       </p:pic>
-      <p:sp>
-        <p:nvSpPr>
-          <p:cNvPr id="9" name="CuadroTexto 8">
-            <a:extLst>
-              <a:ext uri="{FF2B5EF4-FFF2-40B4-BE49-F238E27FC236}">
-                <a16:creationId xmlns:a16="http://schemas.microsoft.com/office/drawing/2014/main" id="{6DFAFCB2-3F0A-40CE-9A55-4E188AC192B3}"/>
-              </a:ext>
-            </a:extLst>
-          </p:cNvPr>
-          <p:cNvSpPr txBox="1"/>
-          <p:nvPr/>
-        </p:nvSpPr>
-        <p:spPr>
-          <a:xfrm>
-            <a:off x="823087" y="6083233"/>
-            <a:ext cx="7806545" cy="393698"/>
-          </a:xfrm>
-          <a:prstGeom prst="rect">
-            <a:avLst/>
-          </a:prstGeom>
-          <a:noFill/>
-        </p:spPr>
-        <p:txBody>
-          <a:bodyPr wrap="square">
-            <a:spAutoFit/>
-          </a:bodyPr>
-          <a:lstStyle/>
-          <a:p>
-            <a:pPr algn="just" fontAlgn="base">
-              <a:lnSpc>
-                <a:spcPts val="2500"/>
-              </a:lnSpc>
-              <a:spcAft>
-                <a:spcPts val="1200"/>
-              </a:spcAft>
-            </a:pPr>
-            <a:r>
-              <a:rPr lang="es-ES" b="0" i="0" dirty="0">
-                <a:solidFill>
-                  <a:srgbClr val="000000"/>
-                </a:solidFill>
-                <a:effectLst/>
-                <a:latin typeface="inherit"/>
-              </a:rPr>
-              <a:t>Obtenemos objetos de tipo match con las coincidencias encontradas.</a:t>
-            </a:r>
-          </a:p>
-        </p:txBody>
-      </p:sp>
-      <p:sp>
-        <p:nvSpPr>
-          <p:cNvPr id="8" name="CuadroTexto 7">
-            <a:extLst>
-              <a:ext uri="{FF2B5EF4-FFF2-40B4-BE49-F238E27FC236}">
-                <a16:creationId xmlns:a16="http://schemas.microsoft.com/office/drawing/2014/main" id="{3B22C458-4B38-4A82-B0DB-FB6DE2C52C32}"/>
-              </a:ext>
-            </a:extLst>
-          </p:cNvPr>
-          <p:cNvSpPr txBox="1"/>
-          <p:nvPr/>
-        </p:nvSpPr>
-        <p:spPr>
-          <a:xfrm>
-            <a:off x="765920" y="2162698"/>
-            <a:ext cx="7920880" cy="506292"/>
-          </a:xfrm>
-          <a:prstGeom prst="rect">
-            <a:avLst/>
-          </a:prstGeom>
-          <a:noFill/>
-        </p:spPr>
-        <p:txBody>
-          <a:bodyPr wrap="square">
-            <a:spAutoFit/>
-          </a:bodyPr>
-          <a:lstStyle/>
-          <a:p>
-            <a:pPr algn="l">
-              <a:lnSpc>
-                <a:spcPct val="150000"/>
-              </a:lnSpc>
-            </a:pPr>
-            <a:r>
-              <a:rPr lang="es-ES" sz="2000" b="1" i="0" dirty="0">
-                <a:solidFill>
-                  <a:schemeClr val="tx1">
-                    <a:lumMod val="95000"/>
-                    <a:lumOff val="5000"/>
-                  </a:schemeClr>
-                </a:solidFill>
-                <a:effectLst/>
-              </a:rPr>
-              <a:t>Ejemplo: </a:t>
-            </a:r>
-            <a:r>
-              <a:rPr lang="es-ES" sz="2000" i="0" dirty="0">
-                <a:solidFill>
-                  <a:schemeClr val="tx1">
-                    <a:lumMod val="95000"/>
-                    <a:lumOff val="5000"/>
-                  </a:schemeClr>
-                </a:solidFill>
-                <a:effectLst/>
-              </a:rPr>
-              <a:t>Busca la palabra </a:t>
-            </a:r>
-            <a:r>
-              <a:rPr lang="es-ES" sz="2000" b="1" i="0" dirty="0" err="1">
-                <a:solidFill>
-                  <a:schemeClr val="tx1">
-                    <a:lumMod val="95000"/>
-                    <a:lumOff val="5000"/>
-                  </a:schemeClr>
-                </a:solidFill>
-                <a:effectLst/>
-              </a:rPr>
-              <a:t>is</a:t>
-            </a:r>
-            <a:r>
-              <a:rPr lang="es-ES" sz="2000" i="0" dirty="0">
-                <a:solidFill>
-                  <a:schemeClr val="tx1">
-                    <a:lumMod val="95000"/>
-                    <a:lumOff val="5000"/>
-                  </a:schemeClr>
-                </a:solidFill>
-                <a:effectLst/>
-              </a:rPr>
-              <a:t> en el texto.</a:t>
-            </a:r>
-            <a:endParaRPr lang="es-ES" sz="2000" dirty="0">
-              <a:solidFill>
-                <a:schemeClr val="tx1">
-                  <a:lumMod val="95000"/>
-                  <a:lumOff val="5000"/>
-                </a:schemeClr>
-              </a:solidFill>
-            </a:endParaRPr>
-          </a:p>
-        </p:txBody>
-      </p:sp>
     </p:spTree>
     <p:extLst>
       <p:ext uri="{BB962C8B-B14F-4D97-AF65-F5344CB8AC3E}">
-        <p14:creationId xmlns:p14="http://schemas.microsoft.com/office/powerpoint/2010/main" val="1245230871"/>
+        <p14:creationId xmlns:p14="http://schemas.microsoft.com/office/powerpoint/2010/main" val="3477888184"/>
       </p:ext>
     </p:extLst>
   </p:cSld>
@@ -8718,7 +8370,7 @@
         </p:nvSpPr>
         <p:spPr>
           <a:xfrm>
-            <a:off x="107504" y="116632"/>
+            <a:off x="241176" y="-27384"/>
             <a:ext cx="8579296" cy="1143000"/>
           </a:xfrm>
         </p:spPr>
@@ -8761,24 +8413,89 @@
                 </a:effectLst>
                 <a:latin typeface="Dom Casual" charset="0"/>
               </a:rPr>
-              <a:t>finditer</a:t>
-            </a:r>
-            <a:r>
-              <a:rPr lang="es-MX" b="1" dirty="0">
-                <a:solidFill>
-                  <a:schemeClr val="accent4">
-                    <a:lumMod val="50000"/>
-                  </a:schemeClr>
-                </a:solidFill>
-                <a:effectLst>
-                  <a:outerShdw blurRad="38100" dist="38100" dir="2700000" algn="tl">
-                    <a:srgbClr val="C0C0C0"/>
-                  </a:outerShdw>
-                </a:effectLst>
-                <a:latin typeface="Dom Casual" charset="0"/>
-              </a:rPr>
-              <a:t>()</a:t>
-            </a:r>
+              <a:t>split</a:t>
+            </a:r>
+            <a:endParaRPr lang="es-MX" b="1" dirty="0">
+              <a:solidFill>
+                <a:schemeClr val="accent4">
+                  <a:lumMod val="50000"/>
+                </a:schemeClr>
+              </a:solidFill>
+              <a:effectLst>
+                <a:outerShdw blurRad="38100" dist="38100" dir="2700000" algn="tl">
+                  <a:srgbClr val="C0C0C0"/>
+                </a:outerShdw>
+              </a:effectLst>
+              <a:latin typeface="Dom Casual" charset="0"/>
+            </a:endParaRPr>
+          </a:p>
+        </p:txBody>
+      </p:sp>
+      <p:sp>
+        <p:nvSpPr>
+          <p:cNvPr id="10" name="CuadroTexto 9">
+            <a:extLst>
+              <a:ext uri="{FF2B5EF4-FFF2-40B4-BE49-F238E27FC236}">
+                <a16:creationId xmlns:a16="http://schemas.microsoft.com/office/drawing/2014/main" id="{28D7FAFF-9722-4D6A-9DE5-55FC738D0886}"/>
+              </a:ext>
+            </a:extLst>
+          </p:cNvPr>
+          <p:cNvSpPr txBox="1"/>
+          <p:nvPr/>
+        </p:nvSpPr>
+        <p:spPr>
+          <a:xfrm>
+            <a:off x="689476" y="1116562"/>
+            <a:ext cx="8259755" cy="506292"/>
+          </a:xfrm>
+          <a:prstGeom prst="rect">
+            <a:avLst/>
+          </a:prstGeom>
+          <a:noFill/>
+        </p:spPr>
+        <p:txBody>
+          <a:bodyPr wrap="square">
+            <a:spAutoFit/>
+          </a:bodyPr>
+          <a:lstStyle/>
+          <a:p>
+            <a:pPr algn="l">
+              <a:lnSpc>
+                <a:spcPct val="150000"/>
+              </a:lnSpc>
+            </a:pPr>
+            <a:r>
+              <a:rPr lang="es-ES" sz="2000" b="1" i="0" dirty="0">
+                <a:solidFill>
+                  <a:schemeClr val="tx1">
+                    <a:lumMod val="95000"/>
+                    <a:lumOff val="5000"/>
+                  </a:schemeClr>
+                </a:solidFill>
+                <a:effectLst/>
+              </a:rPr>
+              <a:t>Ejemplo 2: </a:t>
+            </a:r>
+            <a:r>
+              <a:rPr lang="es-ES" sz="2000" i="0" dirty="0">
+                <a:solidFill>
+                  <a:schemeClr val="tx1">
+                    <a:lumMod val="95000"/>
+                    <a:lumOff val="5000"/>
+                  </a:schemeClr>
+                </a:solidFill>
+                <a:effectLst/>
+              </a:rPr>
+              <a:t>Divide por línea.</a:t>
+            </a:r>
+            <a:endParaRPr lang="es-ES" sz="2000" dirty="0">
+              <a:solidFill>
+                <a:schemeClr val="tx1">
+                  <a:lumMod val="95000"/>
+                  <a:lumOff val="5000"/>
+                </a:schemeClr>
+              </a:solidFill>
+            </a:endParaRPr>
           </a:p>
         </p:txBody>
       </p:sp>
@@ -8787,7 +8504,7 @@
           <p:cNvPr id="3" name="Imagen 2">
             <a:extLst>
               <a:ext uri="{FF2B5EF4-FFF2-40B4-BE49-F238E27FC236}">
-                <a16:creationId xmlns:a16="http://schemas.microsoft.com/office/drawing/2014/main" id="{8D314A86-AAC1-479B-B6AB-4DD4D23738D9}"/>
+                <a16:creationId xmlns:a16="http://schemas.microsoft.com/office/drawing/2014/main" id="{4A76B235-E2D1-469A-947D-F9464CBBB5F5}"/>
               </a:ext>
             </a:extLst>
           </p:cNvPr>
@@ -8804,110 +8521,18 @@
         </p:blipFill>
         <p:spPr>
           <a:xfrm>
-            <a:off x="751924" y="2204864"/>
-            <a:ext cx="7420476" cy="3655561"/>
+            <a:off x="740486" y="1844824"/>
+            <a:ext cx="7663027" cy="4248472"/>
           </a:xfrm>
           <a:prstGeom prst="rect">
             <a:avLst/>
           </a:prstGeom>
         </p:spPr>
       </p:pic>
-      <p:sp>
-        <p:nvSpPr>
-          <p:cNvPr id="5" name="CuadroTexto 4">
-            <a:extLst>
-              <a:ext uri="{FF2B5EF4-FFF2-40B4-BE49-F238E27FC236}">
-                <a16:creationId xmlns:a16="http://schemas.microsoft.com/office/drawing/2014/main" id="{1556B13C-69C6-4D2C-B78C-D3C96BCCAA66}"/>
-              </a:ext>
-            </a:extLst>
-          </p:cNvPr>
-          <p:cNvSpPr txBox="1"/>
-          <p:nvPr/>
-        </p:nvSpPr>
-        <p:spPr>
-          <a:xfrm>
-            <a:off x="683568" y="1412776"/>
-            <a:ext cx="7920880" cy="506292"/>
-          </a:xfrm>
-          <a:prstGeom prst="rect">
-            <a:avLst/>
-          </a:prstGeom>
-          <a:noFill/>
-        </p:spPr>
-        <p:txBody>
-          <a:bodyPr wrap="square">
-            <a:spAutoFit/>
-          </a:bodyPr>
-          <a:lstStyle/>
-          <a:p>
-            <a:pPr algn="l">
-              <a:lnSpc>
-                <a:spcPct val="150000"/>
-              </a:lnSpc>
-            </a:pPr>
-            <a:r>
-              <a:rPr lang="es-ES" sz="2000" b="1" i="0" dirty="0">
-                <a:solidFill>
-                  <a:schemeClr val="tx1">
-                    <a:lumMod val="95000"/>
-                    <a:lumOff val="5000"/>
-                  </a:schemeClr>
-                </a:solidFill>
-                <a:effectLst/>
-              </a:rPr>
-              <a:t>Ejemplo: </a:t>
-            </a:r>
-            <a:r>
-              <a:rPr lang="es-ES" sz="2000" i="0" dirty="0">
-                <a:solidFill>
-                  <a:schemeClr val="tx1">
-                    <a:lumMod val="95000"/>
-                    <a:lumOff val="5000"/>
-                  </a:schemeClr>
-                </a:solidFill>
-                <a:effectLst/>
-              </a:rPr>
-              <a:t>Busca la palabra </a:t>
-            </a:r>
-            <a:r>
-              <a:rPr lang="es-ES" sz="2000" b="1" i="0" dirty="0" err="1">
-                <a:solidFill>
-                  <a:schemeClr val="tx1">
-                    <a:lumMod val="95000"/>
-                    <a:lumOff val="5000"/>
-                  </a:schemeClr>
-                </a:solidFill>
-                <a:effectLst/>
-              </a:rPr>
-              <a:t>is</a:t>
-            </a:r>
-            <a:r>
-              <a:rPr lang="es-ES" sz="2000" i="0" dirty="0">
-                <a:solidFill>
-                  <a:schemeClr val="tx1">
-                    <a:lumMod val="95000"/>
-                    <a:lumOff val="5000"/>
-                  </a:schemeClr>
-                </a:solidFill>
-                <a:effectLst/>
-              </a:rPr>
-              <a:t> en el texto.</a:t>
-            </a:r>
-            <a:endParaRPr lang="es-ES" sz="2000" dirty="0">
-              <a:solidFill>
-                <a:schemeClr val="tx1">
-                  <a:lumMod val="95000"/>
-                  <a:lumOff val="5000"/>
-                </a:schemeClr>
-              </a:solidFill>
-            </a:endParaRPr>
-          </a:p>
-        </p:txBody>
-      </p:sp>
     </p:spTree>
     <p:extLst>
       <p:ext uri="{BB962C8B-B14F-4D97-AF65-F5344CB8AC3E}">
-        <p14:creationId xmlns:p14="http://schemas.microsoft.com/office/powerpoint/2010/main" val="2138802002"/>
+        <p14:creationId xmlns:p14="http://schemas.microsoft.com/office/powerpoint/2010/main" val="483985002"/>
       </p:ext>
     </p:extLst>
   </p:cSld>
@@ -8946,13 +8571,13 @@
         </p:nvSpPr>
         <p:spPr>
           <a:xfrm>
-            <a:off x="282352" y="-17738"/>
+            <a:off x="241176" y="-27384"/>
             <a:ext cx="8579296" cy="1143000"/>
           </a:xfrm>
         </p:spPr>
         <p:txBody>
           <a:bodyPr>
-            <a:normAutofit fontScale="90000"/>
+            <a:normAutofit/>
           </a:bodyPr>
           <a:lstStyle/>
           <a:p>
@@ -8973,17 +8598,17 @@
                 </a:effectLst>
                 <a:latin typeface="Dom Casual" charset="0"/>
               </a:rPr>
-              <a:t>¿Cómo usar las expresiones regulares?</a:t>
-            </a:r>
-          </a:p>
-        </p:txBody>
-      </p:sp>
-      <p:sp>
-        <p:nvSpPr>
-          <p:cNvPr id="7" name="CuadroTexto 6">
+              <a:t>Método sub</a:t>
+            </a:r>
+          </a:p>
+        </p:txBody>
+      </p:sp>
+      <p:sp>
+        <p:nvSpPr>
+          <p:cNvPr id="10" name="CuadroTexto 9">
             <a:extLst>
               <a:ext uri="{FF2B5EF4-FFF2-40B4-BE49-F238E27FC236}">
-                <a16:creationId xmlns:a16="http://schemas.microsoft.com/office/drawing/2014/main" id="{0CE5AA9D-354E-4C31-88A9-A48B5A9BA280}"/>
+                <a16:creationId xmlns:a16="http://schemas.microsoft.com/office/drawing/2014/main" id="{28D7FAFF-9722-4D6A-9DE5-55FC738D0886}"/>
               </a:ext>
             </a:extLst>
           </p:cNvPr>
@@ -8992,8 +8617,76 @@
         </p:nvSpPr>
         <p:spPr>
           <a:xfrm>
-            <a:off x="663706" y="1802272"/>
-            <a:ext cx="7632848" cy="3253455"/>
+            <a:off x="683568" y="2286631"/>
+            <a:ext cx="2813224" cy="1429622"/>
+          </a:xfrm>
+          <a:prstGeom prst="rect">
+            <a:avLst/>
+          </a:prstGeom>
+          <a:noFill/>
+        </p:spPr>
+        <p:txBody>
+          <a:bodyPr wrap="square">
+            <a:spAutoFit/>
+          </a:bodyPr>
+          <a:lstStyle/>
+          <a:p>
+            <a:pPr algn="l">
+              <a:lnSpc>
+                <a:spcPct val="150000"/>
+              </a:lnSpc>
+            </a:pPr>
+            <a:r>
+              <a:rPr lang="es-ES" sz="2000" b="1" i="0" dirty="0">
+                <a:solidFill>
+                  <a:schemeClr val="tx1">
+                    <a:lumMod val="95000"/>
+                    <a:lumOff val="5000"/>
+                  </a:schemeClr>
+                </a:solidFill>
+                <a:effectLst/>
+              </a:rPr>
+              <a:t>Ejemplo 1: </a:t>
+            </a:r>
+            <a:r>
+              <a:rPr lang="es-ES" sz="2000" i="0" dirty="0">
+                <a:solidFill>
+                  <a:schemeClr val="tx1">
+                    <a:lumMod val="95000"/>
+                    <a:lumOff val="5000"/>
+                  </a:schemeClr>
+                </a:solidFill>
+                <a:effectLst/>
+              </a:rPr>
+              <a:t>Sustituir “Podrá” por “Puede” en el texto.</a:t>
+            </a:r>
+            <a:endParaRPr lang="es-ES" sz="2000" dirty="0">
+              <a:solidFill>
+                <a:schemeClr val="tx1">
+                  <a:lumMod val="95000"/>
+                  <a:lumOff val="5000"/>
+                </a:schemeClr>
+              </a:solidFill>
+            </a:endParaRPr>
+          </a:p>
+        </p:txBody>
+      </p:sp>
+      <p:sp>
+        <p:nvSpPr>
+          <p:cNvPr id="6" name="CuadroTexto 5">
+            <a:extLst>
+              <a:ext uri="{FF2B5EF4-FFF2-40B4-BE49-F238E27FC236}">
+                <a16:creationId xmlns:a16="http://schemas.microsoft.com/office/drawing/2014/main" id="{7364CB32-9566-488B-91CA-5796782DA649}"/>
+              </a:ext>
+            </a:extLst>
+          </p:cNvPr>
+          <p:cNvSpPr txBox="1"/>
+          <p:nvPr/>
+        </p:nvSpPr>
+        <p:spPr>
+          <a:xfrm>
+            <a:off x="400945" y="1328773"/>
+            <a:ext cx="8259755" cy="714298"/>
           </a:xfrm>
           <a:prstGeom prst="rect">
             <a:avLst/>
@@ -9017,7 +8710,7 @@
               <a:buChar char="•"/>
             </a:pPr>
             <a:r>
-              <a:rPr lang="es-ES" b="1" dirty="0" err="1">
+              <a:rPr lang="es-ES" b="1" dirty="0">
                 <a:solidFill>
                   <a:schemeClr val="accent6">
                     <a:lumMod val="75000"/>
@@ -9025,121 +8718,17 @@
                 </a:solidFill>
                 <a:latin typeface="inherit"/>
               </a:rPr>
-              <a:t>split</a:t>
-            </a:r>
-            <a:r>
-              <a:rPr lang="es-ES" b="1" dirty="0">
-                <a:solidFill>
-                  <a:schemeClr val="accent6">
-                    <a:lumMod val="75000"/>
-                  </a:schemeClr>
+              <a:t>sub(): </a:t>
+            </a:r>
+            <a:r>
+              <a:rPr lang="es-ES" dirty="0">
+                <a:solidFill>
+                  <a:srgbClr val="000000"/>
                 </a:solidFill>
                 <a:latin typeface="inherit"/>
               </a:rPr>
-              <a:t>(): </a:t>
-            </a:r>
-            <a:r>
-              <a:rPr lang="es-ES" dirty="0">
-                <a:solidFill>
-                  <a:srgbClr val="000000"/>
-                </a:solidFill>
-                <a:latin typeface="inherit"/>
-              </a:rPr>
-              <a:t>El cual divide el texto en una lista, realizando las divisiones del texto en cada lugar donde se cumple con la expresión regular.</a:t>
-            </a:r>
-            <a:endParaRPr lang="es-ES" u="sng" dirty="0">
-              <a:solidFill>
-                <a:srgbClr val="000000"/>
-              </a:solidFill>
-              <a:latin typeface="inherit"/>
-            </a:endParaRPr>
-          </a:p>
-          <a:p>
-            <a:pPr marL="285750" indent="-285750" algn="just" fontAlgn="base">
-              <a:lnSpc>
-                <a:spcPts val="2500"/>
-              </a:lnSpc>
-              <a:spcAft>
-                <a:spcPts val="1200"/>
-              </a:spcAft>
-              <a:buFont typeface="Arial" panose="020B0604020202020204" pitchFamily="34" charset="0"/>
-              <a:buChar char="•"/>
-            </a:pPr>
-            <a:r>
-              <a:rPr lang="es-ES" b="1" dirty="0">
-                <a:solidFill>
-                  <a:schemeClr val="accent6">
-                    <a:lumMod val="75000"/>
-                  </a:schemeClr>
-                </a:solidFill>
-                <a:latin typeface="inherit"/>
-              </a:rPr>
-              <a:t>sub(): </a:t>
-            </a:r>
-            <a:r>
-              <a:rPr lang="es-ES" dirty="0">
-                <a:solidFill>
-                  <a:srgbClr val="000000"/>
-                </a:solidFill>
-                <a:latin typeface="inherit"/>
-              </a:rPr>
               <a:t>El cual encuentra todos los subtextos donde existe una coincidencia con la expresión regular y luego los reemplaza con un nuevo texto.</a:t>
             </a:r>
-          </a:p>
-          <a:p>
-            <a:pPr marL="285750" indent="-285750" algn="just" fontAlgn="base">
-              <a:lnSpc>
-                <a:spcPts val="2500"/>
-              </a:lnSpc>
-              <a:spcAft>
-                <a:spcPts val="1200"/>
-              </a:spcAft>
-              <a:buFont typeface="Arial" panose="020B0604020202020204" pitchFamily="34" charset="0"/>
-              <a:buChar char="•"/>
-            </a:pPr>
-            <a:r>
-              <a:rPr lang="es-ES" b="1" dirty="0" err="1">
-                <a:solidFill>
-                  <a:schemeClr val="accent6">
-                    <a:lumMod val="75000"/>
-                  </a:schemeClr>
-                </a:solidFill>
-                <a:latin typeface="inherit"/>
-              </a:rPr>
-              <a:t>subn</a:t>
-            </a:r>
-            <a:r>
-              <a:rPr lang="es-ES" b="1" dirty="0">
-                <a:solidFill>
-                  <a:schemeClr val="accent6">
-                    <a:lumMod val="75000"/>
-                  </a:schemeClr>
-                </a:solidFill>
-                <a:latin typeface="inherit"/>
-              </a:rPr>
-              <a:t>(): </a:t>
-            </a:r>
-            <a:r>
-              <a:rPr lang="es-ES" dirty="0">
-                <a:solidFill>
-                  <a:srgbClr val="000000"/>
-                </a:solidFill>
-                <a:latin typeface="inherit"/>
-              </a:rPr>
-              <a:t>El cual es similar al anterior pero además de devolver el nuevo texto, también devuelve el numero de reemplazos que realizó.</a:t>
-            </a:r>
-          </a:p>
-          <a:p>
-            <a:pPr marL="285750" indent="-285750" algn="just" fontAlgn="base">
-              <a:lnSpc>
-                <a:spcPts val="2500"/>
-              </a:lnSpc>
-              <a:spcAft>
-                <a:spcPts val="1200"/>
-              </a:spcAft>
-              <a:buFont typeface="Arial" panose="020B0604020202020204" pitchFamily="34" charset="0"/>
-              <a:buChar char="•"/>
-            </a:pPr>
             <a:endParaRPr lang="es-ES" b="0" i="0" dirty="0">
               <a:solidFill>
                 <a:srgbClr val="000000"/>
@@ -9148,87 +8737,14 @@
               <a:latin typeface="inherit"/>
             </a:endParaRPr>
           </a:p>
-          <a:p>
-            <a:pPr marL="285750" indent="-285750" algn="just" fontAlgn="base">
-              <a:lnSpc>
-                <a:spcPts val="2500"/>
-              </a:lnSpc>
-              <a:spcAft>
-                <a:spcPts val="1200"/>
-              </a:spcAft>
-              <a:buFont typeface="Arial" panose="020B0604020202020204" pitchFamily="34" charset="0"/>
-              <a:buChar char="•"/>
-            </a:pPr>
-            <a:endParaRPr lang="es-ES" b="0" i="0" dirty="0">
-              <a:solidFill>
-                <a:srgbClr val="000000"/>
-              </a:solidFill>
-              <a:effectLst/>
-              <a:latin typeface="inherit"/>
-            </a:endParaRPr>
-          </a:p>
-        </p:txBody>
-      </p:sp>
-      <p:sp>
-        <p:nvSpPr>
-          <p:cNvPr id="6" name="CuadroTexto 5">
+        </p:txBody>
+      </p:sp>
+      <p:pic>
+        <p:nvPicPr>
+          <p:cNvPr id="3" name="Imagen 2">
             <a:extLst>
               <a:ext uri="{FF2B5EF4-FFF2-40B4-BE49-F238E27FC236}">
-                <a16:creationId xmlns:a16="http://schemas.microsoft.com/office/drawing/2014/main" id="{2392B394-963B-4356-AD56-AC5F6787A3D4}"/>
-              </a:ext>
-            </a:extLst>
-          </p:cNvPr>
-          <p:cNvSpPr txBox="1"/>
-          <p:nvPr/>
-        </p:nvSpPr>
-        <p:spPr>
-          <a:xfrm>
-            <a:off x="641181" y="827801"/>
-            <a:ext cx="7920880" cy="506292"/>
-          </a:xfrm>
-          <a:prstGeom prst="rect">
-            <a:avLst/>
-          </a:prstGeom>
-          <a:noFill/>
-        </p:spPr>
-        <p:txBody>
-          <a:bodyPr wrap="square">
-            <a:spAutoFit/>
-          </a:bodyPr>
-          <a:lstStyle/>
-          <a:p>
-            <a:pPr algn="ctr">
-              <a:lnSpc>
-                <a:spcPct val="150000"/>
-              </a:lnSpc>
-            </a:pPr>
-            <a:r>
-              <a:rPr lang="es-ES" sz="2000" b="1" i="0" dirty="0">
-                <a:solidFill>
-                  <a:schemeClr val="accent6">
-                    <a:lumMod val="75000"/>
-                  </a:schemeClr>
-                </a:solidFill>
-                <a:effectLst/>
-              </a:rPr>
-              <a:t>Modificando el texto de entrada</a:t>
-            </a:r>
-            <a:endParaRPr lang="es-ES" sz="2000" b="1" dirty="0">
-              <a:solidFill>
-                <a:schemeClr val="accent6">
-                  <a:lumMod val="75000"/>
-                </a:schemeClr>
-              </a:solidFill>
-            </a:endParaRPr>
-          </a:p>
-        </p:txBody>
-      </p:sp>
-      <p:pic>
-        <p:nvPicPr>
-          <p:cNvPr id="5" name="Imagen 4" descr="Texto&#10;&#10;Descripción generada automáticamente con confianza media">
-            <a:extLst>
-              <a:ext uri="{FF2B5EF4-FFF2-40B4-BE49-F238E27FC236}">
-                <a16:creationId xmlns:a16="http://schemas.microsoft.com/office/drawing/2014/main" id="{E960688C-D058-4288-BF5C-739DFB46E81D}"/>
+                <a16:creationId xmlns:a16="http://schemas.microsoft.com/office/drawing/2014/main" id="{812F64E0-F78B-484B-9422-F5BEB2D47AB1}"/>
               </a:ext>
             </a:extLst>
           </p:cNvPr>
@@ -9238,21 +8754,15 @@
           <p:nvPr/>
         </p:nvPicPr>
         <p:blipFill>
-          <a:blip r:embed="rId3">
-            <a:extLst>
-              <a:ext uri="{28A0092B-C50C-407E-A947-70E740481C1C}">
-                <a14:useLocalDpi xmlns:a14="http://schemas.microsoft.com/office/drawing/2010/main" val="0"/>
-              </a:ext>
-            </a:extLst>
-          </a:blip>
+          <a:blip r:embed="rId3"/>
           <a:stretch>
             <a:fillRect/>
           </a:stretch>
         </p:blipFill>
         <p:spPr>
           <a:xfrm>
-            <a:off x="4144329" y="4437112"/>
-            <a:ext cx="4181448" cy="1672579"/>
+            <a:off x="3923928" y="2256228"/>
+            <a:ext cx="4205242" cy="4199643"/>
           </a:xfrm>
           <a:prstGeom prst="rect">
             <a:avLst/>
@@ -9262,7 +8772,7 @@
     </p:spTree>
     <p:extLst>
       <p:ext uri="{BB962C8B-B14F-4D97-AF65-F5344CB8AC3E}">
-        <p14:creationId xmlns:p14="http://schemas.microsoft.com/office/powerpoint/2010/main" val="2879371270"/>
+        <p14:creationId xmlns:p14="http://schemas.microsoft.com/office/powerpoint/2010/main" val="2155680682"/>
       </p:ext>
     </p:extLst>
   </p:cSld>
@@ -9328,37 +8838,8 @@
                 </a:effectLst>
                 <a:latin typeface="Dom Casual" charset="0"/>
               </a:rPr>
-              <a:t>Método </a:t>
-            </a:r>
-            <a:r>
-              <a:rPr lang="es-MX" b="1" dirty="0" err="1">
-                <a:solidFill>
-                  <a:schemeClr val="accent4">
-                    <a:lumMod val="50000"/>
-                  </a:schemeClr>
-                </a:solidFill>
-                <a:effectLst>
-                  <a:outerShdw blurRad="38100" dist="38100" dir="2700000" algn="tl">
-                    <a:srgbClr val="C0C0C0"/>
-                  </a:outerShdw>
-                </a:effectLst>
-                <a:latin typeface="Dom Casual" charset="0"/>
-              </a:rPr>
-              <a:t>split</a:t>
-            </a:r>
-            <a:endParaRPr lang="es-MX" b="1" dirty="0">
-              <a:solidFill>
-                <a:schemeClr val="accent4">
-                  <a:lumMod val="50000"/>
-                </a:schemeClr>
-              </a:solidFill>
-              <a:effectLst>
-                <a:outerShdw blurRad="38100" dist="38100" dir="2700000" algn="tl">
-                  <a:srgbClr val="C0C0C0"/>
-                </a:outerShdw>
-              </a:effectLst>
-              <a:latin typeface="Dom Casual" charset="0"/>
-            </a:endParaRPr>
+              <a:t>Método sub</a:t>
+            </a:r>
           </a:p>
         </p:txBody>
       </p:sp>
@@ -9376,8 +8857,8 @@
         </p:nvSpPr>
         <p:spPr>
           <a:xfrm>
-            <a:off x="689477" y="1905146"/>
-            <a:ext cx="8259755" cy="506292"/>
+            <a:off x="683568" y="2286631"/>
+            <a:ext cx="2813224" cy="1429622"/>
           </a:xfrm>
           <a:prstGeom prst="rect">
             <a:avLst/>
@@ -9417,7 +8898,7 @@
                 </a:solidFill>
                 <a:effectLst/>
               </a:rPr>
-              <a:t>Divide el texto mientras no encuentre un carácter alfanumérico.</a:t>
+              <a:t>Sustituir “Podrá” por “Puede” en el texto.</a:t>
             </a:r>
             <a:endParaRPr lang="es-ES" sz="2000" dirty="0">
               <a:solidFill>
@@ -9432,10 +8913,10 @@
       </p:sp>
       <p:sp>
         <p:nvSpPr>
-          <p:cNvPr id="12" name="CuadroTexto 11">
+          <p:cNvPr id="6" name="CuadroTexto 5">
             <a:extLst>
               <a:ext uri="{FF2B5EF4-FFF2-40B4-BE49-F238E27FC236}">
-                <a16:creationId xmlns:a16="http://schemas.microsoft.com/office/drawing/2014/main" id="{DF66D3C9-053F-4EFB-A0F8-196F5C716363}"/>
+                <a16:creationId xmlns:a16="http://schemas.microsoft.com/office/drawing/2014/main" id="{7364CB32-9566-488B-91CA-5796782DA649}"/>
               </a:ext>
             </a:extLst>
           </p:cNvPr>
@@ -9444,8 +8925,8 @@
         </p:nvSpPr>
         <p:spPr>
           <a:xfrm>
-            <a:off x="442122" y="1103175"/>
-            <a:ext cx="8259756" cy="714298"/>
+            <a:off x="400945" y="1328773"/>
+            <a:ext cx="8259755" cy="714298"/>
           </a:xfrm>
           <a:prstGeom prst="rect">
             <a:avLst/>
@@ -9469,7 +8950,7 @@
               <a:buChar char="•"/>
             </a:pPr>
             <a:r>
-              <a:rPr lang="es-ES" b="1" dirty="0" err="1">
+              <a:rPr lang="es-ES" b="1" dirty="0">
                 <a:solidFill>
                   <a:schemeClr val="accent6">
                     <a:lumMod val="75000"/>
@@ -9477,27 +8958,16 @@
                 </a:solidFill>
                 <a:latin typeface="inherit"/>
               </a:rPr>
-              <a:t>split</a:t>
-            </a:r>
-            <a:r>
-              <a:rPr lang="es-ES" b="1" dirty="0">
-                <a:solidFill>
-                  <a:schemeClr val="accent6">
-                    <a:lumMod val="75000"/>
-                  </a:schemeClr>
+              <a:t>sub(): </a:t>
+            </a:r>
+            <a:r>
+              <a:rPr lang="es-ES" dirty="0">
+                <a:solidFill>
+                  <a:srgbClr val="000000"/>
                 </a:solidFill>
                 <a:latin typeface="inherit"/>
               </a:rPr>
-              <a:t>(): </a:t>
-            </a:r>
-            <a:r>
-              <a:rPr lang="es-ES" dirty="0">
-                <a:solidFill>
-                  <a:srgbClr val="000000"/>
-                </a:solidFill>
-                <a:latin typeface="inherit"/>
-              </a:rPr>
-              <a:t>El cual divide el texto en una lista, realizando las divisiones del texto en cada lugar donde se cumple con la expresión regular.</a:t>
+              <a:t>El cual encuentra todos los subtextos donde existe una coincidencia con la expresión regular y luego los reemplaza con un nuevo texto.</a:t>
             </a:r>
             <a:endParaRPr lang="es-ES" b="0" i="0" dirty="0">
               <a:solidFill>
@@ -9511,10 +8981,10 @@
       </p:sp>
       <p:pic>
         <p:nvPicPr>
-          <p:cNvPr id="5" name="Imagen 4">
+          <p:cNvPr id="7" name="Imagen 6">
             <a:extLst>
               <a:ext uri="{FF2B5EF4-FFF2-40B4-BE49-F238E27FC236}">
-                <a16:creationId xmlns:a16="http://schemas.microsoft.com/office/drawing/2014/main" id="{31D483A6-926B-4E64-881F-0176505B1BB0}"/>
+                <a16:creationId xmlns:a16="http://schemas.microsoft.com/office/drawing/2014/main" id="{08B0324B-F321-4275-804E-DE20DE032A68}"/>
               </a:ext>
             </a:extLst>
           </p:cNvPr>
@@ -9531,8 +9001,8 @@
         </p:blipFill>
         <p:spPr>
           <a:xfrm>
-            <a:off x="1178750" y="2527124"/>
-            <a:ext cx="6786500" cy="3838878"/>
+            <a:off x="3779912" y="2492896"/>
+            <a:ext cx="4248472" cy="3967760"/>
           </a:xfrm>
           <a:prstGeom prst="rect">
             <a:avLst/>
@@ -9542,7 +9012,7 @@
     </p:spTree>
     <p:extLst>
       <p:ext uri="{BB962C8B-B14F-4D97-AF65-F5344CB8AC3E}">
-        <p14:creationId xmlns:p14="http://schemas.microsoft.com/office/powerpoint/2010/main" val="3477888184"/>
+        <p14:creationId xmlns:p14="http://schemas.microsoft.com/office/powerpoint/2010/main" val="2789630232"/>
       </p:ext>
     </p:extLst>
   </p:cSld>
@@ -9608,37 +9078,8 @@
                 </a:effectLst>
                 <a:latin typeface="Dom Casual" charset="0"/>
               </a:rPr>
-              <a:t>Método </a:t>
-            </a:r>
-            <a:r>
-              <a:rPr lang="es-MX" b="1" dirty="0" err="1">
-                <a:solidFill>
-                  <a:schemeClr val="accent4">
-                    <a:lumMod val="50000"/>
-                  </a:schemeClr>
-                </a:solidFill>
-                <a:effectLst>
-                  <a:outerShdw blurRad="38100" dist="38100" dir="2700000" algn="tl">
-                    <a:srgbClr val="C0C0C0"/>
-                  </a:outerShdw>
-                </a:effectLst>
-                <a:latin typeface="Dom Casual" charset="0"/>
-              </a:rPr>
-              <a:t>split</a:t>
-            </a:r>
-            <a:endParaRPr lang="es-MX" b="1" dirty="0">
-              <a:solidFill>
-                <a:schemeClr val="accent4">
-                  <a:lumMod val="50000"/>
-                </a:schemeClr>
-              </a:solidFill>
-              <a:effectLst>
-                <a:outerShdw blurRad="38100" dist="38100" dir="2700000" algn="tl">
-                  <a:srgbClr val="C0C0C0"/>
-                </a:outerShdw>
-              </a:effectLst>
-              <a:latin typeface="Dom Casual" charset="0"/>
-            </a:endParaRPr>
+              <a:t>Método sub</a:t>
+            </a:r>
           </a:p>
         </p:txBody>
       </p:sp>
@@ -9656,8 +9097,8 @@
         </p:nvSpPr>
         <p:spPr>
           <a:xfrm>
-            <a:off x="689476" y="1116562"/>
-            <a:ext cx="8259755" cy="506292"/>
+            <a:off x="683568" y="1557497"/>
+            <a:ext cx="7560840" cy="506292"/>
           </a:xfrm>
           <a:prstGeom prst="rect">
             <a:avLst/>
@@ -9697,7 +9138,7 @@
                 </a:solidFill>
                 <a:effectLst/>
               </a:rPr>
-              <a:t>Divide por línea.</a:t>
+              <a:t>Convertir un número (442)-223-78-90 por 4422237890.</a:t>
             </a:r>
             <a:endParaRPr lang="es-ES" sz="2000" dirty="0">
               <a:solidFill>
@@ -9715,7 +9156,7 @@
           <p:cNvPr id="3" name="Imagen 2">
             <a:extLst>
               <a:ext uri="{FF2B5EF4-FFF2-40B4-BE49-F238E27FC236}">
-                <a16:creationId xmlns:a16="http://schemas.microsoft.com/office/drawing/2014/main" id="{4A76B235-E2D1-469A-947D-F9464CBBB5F5}"/>
+                <a16:creationId xmlns:a16="http://schemas.microsoft.com/office/drawing/2014/main" id="{E02D4951-7D82-4326-A909-ADAEFEF0F41F}"/>
               </a:ext>
             </a:extLst>
           </p:cNvPr>
@@ -9732,8 +9173,8 @@
         </p:blipFill>
         <p:spPr>
           <a:xfrm>
-            <a:off x="740486" y="1844824"/>
-            <a:ext cx="7663027" cy="4248472"/>
+            <a:off x="2109092" y="2505670"/>
+            <a:ext cx="4925815" cy="3024336"/>
           </a:xfrm>
           <a:prstGeom prst="rect">
             <a:avLst/>
@@ -9743,7 +9184,7 @@
     </p:spTree>
     <p:extLst>
       <p:ext uri="{BB962C8B-B14F-4D97-AF65-F5344CB8AC3E}">
-        <p14:creationId xmlns:p14="http://schemas.microsoft.com/office/powerpoint/2010/main" val="483985002"/>
+        <p14:creationId xmlns:p14="http://schemas.microsoft.com/office/powerpoint/2010/main" val="1799824976"/>
       </p:ext>
     </p:extLst>
   </p:cSld>
@@ -9782,8 +9223,8 @@
         </p:nvSpPr>
         <p:spPr>
           <a:xfrm>
-            <a:off x="241176" y="-27384"/>
-            <a:ext cx="8579296" cy="1143000"/>
+            <a:off x="444854" y="0"/>
+            <a:ext cx="8229600" cy="1143000"/>
           </a:xfrm>
         </p:spPr>
         <p:txBody>
@@ -9809,7 +9250,7 @@
                 </a:effectLst>
                 <a:latin typeface="Dom Casual" charset="0"/>
               </a:rPr>
-              <a:t>Método sub</a:t>
+              <a:t>Método re y expresiones regulares</a:t>
             </a:r>
           </a:p>
         </p:txBody>
@@ -9828,8 +9269,8 @@
         </p:nvSpPr>
         <p:spPr>
           <a:xfrm>
-            <a:off x="683568" y="2286631"/>
-            <a:ext cx="2813224" cy="1429622"/>
+            <a:off x="469546" y="1111789"/>
+            <a:ext cx="8204908" cy="1162113"/>
           </a:xfrm>
           <a:prstGeom prst="rect">
             <a:avLst/>
@@ -9842,110 +9283,75 @@
           </a:bodyPr>
           <a:lstStyle/>
           <a:p>
-            <a:pPr algn="l">
+            <a:pPr marL="342900" indent="-342900" algn="just">
               <a:lnSpc>
                 <a:spcPct val="150000"/>
               </a:lnSpc>
+              <a:buFont typeface="Arial" panose="020B0604020202020204" pitchFamily="34" charset="0"/>
+              <a:buChar char="•"/>
             </a:pPr>
             <a:r>
-              <a:rPr lang="es-ES" sz="2000" b="1" i="0" dirty="0">
+              <a:rPr lang="es-ES" sz="1600" b="0" dirty="0">
                 <a:solidFill>
                   <a:schemeClr val="tx1">
                     <a:lumMod val="95000"/>
                     <a:lumOff val="5000"/>
                   </a:schemeClr>
                 </a:solidFill>
-                <a:effectLst/>
-              </a:rPr>
-              <a:t>Ejemplo 1: </a:t>
-            </a:r>
-            <a:r>
-              <a:rPr lang="es-ES" sz="2000" i="0" dirty="0">
+              </a:rPr>
+              <a:t>A la izquierda tenemos un texto en</a:t>
+            </a:r>
+            <a:r>
+              <a:rPr lang="es-ES" sz="1600" dirty="0">
                 <a:solidFill>
                   <a:schemeClr val="tx1">
                     <a:lumMod val="95000"/>
                     <a:lumOff val="5000"/>
                   </a:schemeClr>
                 </a:solidFill>
+              </a:rPr>
+              <a:t> el cual vamos a identificar expresiones regulares.</a:t>
+            </a:r>
+          </a:p>
+          <a:p>
+            <a:pPr marL="342900" indent="-342900" algn="just">
+              <a:lnSpc>
+                <a:spcPct val="150000"/>
+              </a:lnSpc>
+              <a:buFont typeface="Arial" panose="020B0604020202020204" pitchFamily="34" charset="0"/>
+              <a:buChar char="•"/>
+            </a:pPr>
+            <a:r>
+              <a:rPr lang="es-ES" sz="1600" b="0" i="0" dirty="0">
+                <a:solidFill>
+                  <a:schemeClr val="tx1">
+                    <a:lumMod val="95000"/>
+                    <a:lumOff val="5000"/>
+                  </a:schemeClr>
+                </a:solidFill>
                 <a:effectLst/>
               </a:rPr>
-              <a:t>Sustituir “Podrá” por “Puede” en el texto.</a:t>
-            </a:r>
-            <a:endParaRPr lang="es-ES" sz="2000" dirty="0">
+              <a:t>A la derecha tenemos una lista </a:t>
+            </a:r>
+            <a:r>
+              <a:rPr lang="es-ES" sz="1600" dirty="0">
+                <a:solidFill>
+                  <a:schemeClr val="tx1">
+                    <a:lumMod val="95000"/>
+                    <a:lumOff val="5000"/>
+                  </a:schemeClr>
+                </a:solidFill>
+              </a:rPr>
+              <a:t>de caracteres especiales y diferentes caracteres usados en expresiones regulares.</a:t>
+            </a:r>
+            <a:endParaRPr lang="es-ES" sz="1600" b="0" i="0" dirty="0">
               <a:solidFill>
                 <a:schemeClr val="tx1">
                   <a:lumMod val="95000"/>
                   <a:lumOff val="5000"/>
                 </a:schemeClr>
               </a:solidFill>
-            </a:endParaRPr>
-          </a:p>
-        </p:txBody>
-      </p:sp>
-      <p:sp>
-        <p:nvSpPr>
-          <p:cNvPr id="6" name="CuadroTexto 5">
-            <a:extLst>
-              <a:ext uri="{FF2B5EF4-FFF2-40B4-BE49-F238E27FC236}">
-                <a16:creationId xmlns:a16="http://schemas.microsoft.com/office/drawing/2014/main" id="{7364CB32-9566-488B-91CA-5796782DA649}"/>
-              </a:ext>
-            </a:extLst>
-          </p:cNvPr>
-          <p:cNvSpPr txBox="1"/>
-          <p:nvPr/>
-        </p:nvSpPr>
-        <p:spPr>
-          <a:xfrm>
-            <a:off x="400945" y="1328773"/>
-            <a:ext cx="8259755" cy="714298"/>
-          </a:xfrm>
-          <a:prstGeom prst="rect">
-            <a:avLst/>
-          </a:prstGeom>
-          <a:noFill/>
-        </p:spPr>
-        <p:txBody>
-          <a:bodyPr wrap="square">
-            <a:spAutoFit/>
-          </a:bodyPr>
-          <a:lstStyle/>
-          <a:p>
-            <a:pPr marL="285750" indent="-285750" algn="just" fontAlgn="base">
-              <a:lnSpc>
-                <a:spcPts val="2500"/>
-              </a:lnSpc>
-              <a:spcAft>
-                <a:spcPts val="1200"/>
-              </a:spcAft>
-              <a:buFont typeface="Arial" panose="020B0604020202020204" pitchFamily="34" charset="0"/>
-              <a:buChar char="•"/>
-            </a:pPr>
-            <a:r>
-              <a:rPr lang="es-ES" b="1" dirty="0">
-                <a:solidFill>
-                  <a:schemeClr val="accent6">
-                    <a:lumMod val="75000"/>
-                  </a:schemeClr>
-                </a:solidFill>
-                <a:latin typeface="inherit"/>
-              </a:rPr>
-              <a:t>sub(): </a:t>
-            </a:r>
-            <a:r>
-              <a:rPr lang="es-ES" dirty="0">
-                <a:solidFill>
-                  <a:srgbClr val="000000"/>
-                </a:solidFill>
-                <a:latin typeface="inherit"/>
-              </a:rPr>
-              <a:t>El cual encuentra todos los subtextos donde existe una coincidencia con la expresión regular y luego los reemplaza con un nuevo texto.</a:t>
-            </a:r>
-            <a:endParaRPr lang="es-ES" b="0" i="0" dirty="0">
-              <a:solidFill>
-                <a:srgbClr val="000000"/>
-              </a:solidFill>
               <a:effectLst/>
-              <a:latin typeface="inherit"/>
             </a:endParaRPr>
           </a:p>
         </p:txBody>
@@ -9955,7 +9361,7 @@
           <p:cNvPr id="3" name="Imagen 2">
             <a:extLst>
               <a:ext uri="{FF2B5EF4-FFF2-40B4-BE49-F238E27FC236}">
-                <a16:creationId xmlns:a16="http://schemas.microsoft.com/office/drawing/2014/main" id="{812F64E0-F78B-484B-9422-F5BEB2D47AB1}"/>
+                <a16:creationId xmlns:a16="http://schemas.microsoft.com/office/drawing/2014/main" id="{AF921F72-D718-4DAA-9B7A-848F49AF21BA}"/>
               </a:ext>
             </a:extLst>
           </p:cNvPr>
@@ -9972,8 +9378,8 @@
         </p:blipFill>
         <p:spPr>
           <a:xfrm>
-            <a:off x="3923928" y="2256228"/>
-            <a:ext cx="4205242" cy="4199643"/>
+            <a:off x="444854" y="2308904"/>
+            <a:ext cx="8168897" cy="4299174"/>
           </a:xfrm>
           <a:prstGeom prst="rect">
             <a:avLst/>
@@ -9983,7 +9389,7 @@
     </p:spTree>
     <p:extLst>
       <p:ext uri="{BB962C8B-B14F-4D97-AF65-F5344CB8AC3E}">
-        <p14:creationId xmlns:p14="http://schemas.microsoft.com/office/powerpoint/2010/main" val="2155680682"/>
+        <p14:creationId xmlns:p14="http://schemas.microsoft.com/office/powerpoint/2010/main" val="3626373542"/>
       </p:ext>
     </p:extLst>
   </p:cSld>
@@ -10022,8 +9428,8 @@
         </p:nvSpPr>
         <p:spPr>
           <a:xfrm>
-            <a:off x="241176" y="-27384"/>
-            <a:ext cx="8579296" cy="1143000"/>
+            <a:off x="444854" y="0"/>
+            <a:ext cx="8229600" cy="1143000"/>
           </a:xfrm>
         </p:spPr>
         <p:txBody>
@@ -10049,7 +9455,7 @@
                 </a:effectLst>
                 <a:latin typeface="Dom Casual" charset="0"/>
               </a:rPr>
-              <a:t>Método sub</a:t>
+              <a:t>Expresiones regulares: \d</a:t>
             </a:r>
           </a:p>
         </p:txBody>
@@ -10068,8 +9474,8 @@
         </p:nvSpPr>
         <p:spPr>
           <a:xfrm>
-            <a:off x="683568" y="2286631"/>
-            <a:ext cx="2813224" cy="1429622"/>
+            <a:off x="887246" y="1268760"/>
+            <a:ext cx="7344816" cy="1162113"/>
           </a:xfrm>
           <a:prstGeom prst="rect">
             <a:avLst/>
@@ -10082,36 +9488,71 @@
           </a:bodyPr>
           <a:lstStyle/>
           <a:p>
-            <a:pPr algn="l">
+            <a:pPr algn="just">
               <a:lnSpc>
                 <a:spcPct val="150000"/>
               </a:lnSpc>
             </a:pPr>
             <a:r>
-              <a:rPr lang="es-ES" sz="2000" b="1" i="0" dirty="0">
+              <a:rPr lang="es-ES" sz="1600" b="1" dirty="0">
                 <a:solidFill>
                   <a:schemeClr val="tx1">
                     <a:lumMod val="95000"/>
                     <a:lumOff val="5000"/>
                   </a:schemeClr>
                 </a:solidFill>
-                <a:effectLst/>
-              </a:rPr>
-              <a:t>Ejemplo 1: </a:t>
-            </a:r>
-            <a:r>
-              <a:rPr lang="es-ES" sz="2000" i="0" dirty="0">
+              </a:rPr>
+              <a:t>Ejemplo: </a:t>
+            </a:r>
+            <a:r>
+              <a:rPr lang="es-ES" sz="1600" b="0" dirty="0">
                 <a:solidFill>
                   <a:schemeClr val="tx1">
                     <a:lumMod val="95000"/>
                     <a:lumOff val="5000"/>
                   </a:schemeClr>
                 </a:solidFill>
-                <a:effectLst/>
-              </a:rPr>
-              <a:t>Sustituir “Podrá” por “Puede” en el texto.</a:t>
-            </a:r>
-            <a:endParaRPr lang="es-ES" sz="2000" dirty="0">
+              </a:rPr>
+              <a:t>Busca el primer dígito en el texto. </a:t>
+            </a:r>
+          </a:p>
+          <a:p>
+            <a:pPr algn="just">
+              <a:lnSpc>
+                <a:spcPct val="150000"/>
+              </a:lnSpc>
+            </a:pPr>
+            <a:r>
+              <a:rPr lang="es-ES" sz="1600" b="1" dirty="0">
+                <a:solidFill>
+                  <a:schemeClr val="tx1">
+                    <a:lumMod val="95000"/>
+                    <a:lumOff val="5000"/>
+                  </a:schemeClr>
+                </a:solidFill>
+              </a:rPr>
+              <a:t>          </a:t>
+            </a:r>
+            <a:r>
+              <a:rPr lang="es-ES" sz="1600" b="1" dirty="0">
+                <a:solidFill>
+                  <a:srgbClr val="FF0000"/>
+                </a:solidFill>
+              </a:rPr>
+              <a:t>r</a:t>
+            </a:r>
+            <a:r>
+              <a:rPr lang="es-ES" sz="1600" dirty="0">
+                <a:solidFill>
+                  <a:schemeClr val="tx1">
+                    <a:lumMod val="95000"/>
+                    <a:lumOff val="5000"/>
+                  </a:schemeClr>
+                </a:solidFill>
+              </a:rPr>
+              <a:t> se utiliza en Python para anular caracteres o palabras especiales de Python.</a:t>
+            </a:r>
+            <a:endParaRPr lang="es-ES" sz="1600" b="0" dirty="0">
               <a:solidFill>
                 <a:schemeClr val="tx1">
                   <a:lumMod val="95000"/>
@@ -10120,82 +9561,65 @@
               </a:solidFill>
             </a:endParaRPr>
           </a:p>
-        </p:txBody>
-      </p:sp>
-      <p:sp>
-        <p:nvSpPr>
-          <p:cNvPr id="6" name="CuadroTexto 5">
+          <a:p>
+            <a:pPr lvl="1" algn="just">
+              <a:lnSpc>
+                <a:spcPct val="150000"/>
+              </a:lnSpc>
+            </a:pPr>
+            <a:r>
+              <a:rPr lang="es-ES" sz="1600" b="1" i="0" dirty="0" err="1">
+                <a:solidFill>
+                  <a:schemeClr val="accent6">
+                    <a:lumMod val="75000"/>
+                  </a:schemeClr>
+                </a:solidFill>
+                <a:effectLst/>
+              </a:rPr>
+              <a:t>re.search</a:t>
+            </a:r>
+            <a:r>
+              <a:rPr lang="es-ES" sz="1600" b="1" i="0" dirty="0">
+                <a:solidFill>
+                  <a:schemeClr val="accent6">
+                    <a:lumMod val="75000"/>
+                  </a:schemeClr>
+                </a:solidFill>
+                <a:effectLst/>
+              </a:rPr>
+              <a:t>(</a:t>
+            </a:r>
+            <a:r>
+              <a:rPr lang="es-ES" sz="1600" b="1" i="0" dirty="0" err="1">
+                <a:solidFill>
+                  <a:schemeClr val="accent6">
+                    <a:lumMod val="75000"/>
+                  </a:schemeClr>
+                </a:solidFill>
+                <a:effectLst/>
+              </a:rPr>
+              <a:t>r”Expresión</a:t>
+            </a:r>
+            <a:r>
+              <a:rPr lang="es-ES" sz="1600" b="1" i="0" dirty="0">
+                <a:solidFill>
+                  <a:schemeClr val="accent6">
+                    <a:lumMod val="75000"/>
+                  </a:schemeClr>
+                </a:solidFill>
+                <a:effectLst/>
+              </a:rPr>
+              <a:t> regular”, texto)</a:t>
+            </a:r>
+          </a:p>
+        </p:txBody>
+      </p:sp>
+      <p:pic>
+        <p:nvPicPr>
+          <p:cNvPr id="3" name="Imagen 2">
             <a:extLst>
               <a:ext uri="{FF2B5EF4-FFF2-40B4-BE49-F238E27FC236}">
-                <a16:creationId xmlns:a16="http://schemas.microsoft.com/office/drawing/2014/main" id="{7364CB32-9566-488B-91CA-5796782DA649}"/>
-              </a:ext>
-            </a:extLst>
-          </p:cNvPr>
-          <p:cNvSpPr txBox="1"/>
-          <p:nvPr/>
-        </p:nvSpPr>
-        <p:spPr>
-          <a:xfrm>
-            <a:off x="400945" y="1328773"/>
-            <a:ext cx="8259755" cy="714298"/>
-          </a:xfrm>
-          <a:prstGeom prst="rect">
-            <a:avLst/>
-          </a:prstGeom>
-          <a:noFill/>
-        </p:spPr>
-        <p:txBody>
-          <a:bodyPr wrap="square">
-            <a:spAutoFit/>
-          </a:bodyPr>
-          <a:lstStyle/>
-          <a:p>
-            <a:pPr marL="285750" indent="-285750" algn="just" fontAlgn="base">
-              <a:lnSpc>
-                <a:spcPts val="2500"/>
-              </a:lnSpc>
-              <a:spcAft>
-                <a:spcPts val="1200"/>
-              </a:spcAft>
-              <a:buFont typeface="Arial" panose="020B0604020202020204" pitchFamily="34" charset="0"/>
-              <a:buChar char="•"/>
-            </a:pPr>
-            <a:r>
-              <a:rPr lang="es-ES" b="1" dirty="0">
-                <a:solidFill>
-                  <a:schemeClr val="accent6">
-                    <a:lumMod val="75000"/>
-                  </a:schemeClr>
-                </a:solidFill>
-                <a:latin typeface="inherit"/>
-              </a:rPr>
-              <a:t>sub(): </a:t>
-            </a:r>
-            <a:r>
-              <a:rPr lang="es-ES" dirty="0">
-                <a:solidFill>
-                  <a:srgbClr val="000000"/>
-                </a:solidFill>
-                <a:latin typeface="inherit"/>
-              </a:rPr>
-              <a:t>El cual encuentra todos los subtextos donde existe una coincidencia con la expresión regular y luego los reemplaza con un nuevo texto.</a:t>
-            </a:r>
-            <a:endParaRPr lang="es-ES" b="0" i="0" dirty="0">
-              <a:solidFill>
-                <a:srgbClr val="000000"/>
-              </a:solidFill>
-              <a:effectLst/>
-              <a:latin typeface="inherit"/>
-            </a:endParaRPr>
-          </a:p>
-        </p:txBody>
-      </p:sp>
-      <p:pic>
-        <p:nvPicPr>
-          <p:cNvPr id="7" name="Imagen 6">
-            <a:extLst>
-              <a:ext uri="{FF2B5EF4-FFF2-40B4-BE49-F238E27FC236}">
-                <a16:creationId xmlns:a16="http://schemas.microsoft.com/office/drawing/2014/main" id="{08B0324B-F321-4275-804E-DE20DE032A68}"/>
+                <a16:creationId xmlns:a16="http://schemas.microsoft.com/office/drawing/2014/main" id="{B793FE48-623D-42B8-BED7-05AD9ED8B330}"/>
               </a:ext>
             </a:extLst>
           </p:cNvPr>
@@ -10212,8 +9636,8 @@
         </p:blipFill>
         <p:spPr>
           <a:xfrm>
-            <a:off x="3779912" y="2492896"/>
-            <a:ext cx="4248472" cy="3967760"/>
+            <a:off x="971600" y="2780928"/>
+            <a:ext cx="6871239" cy="3204344"/>
           </a:xfrm>
           <a:prstGeom prst="rect">
             <a:avLst/>
@@ -10223,7 +9647,7 @@
     </p:spTree>
     <p:extLst>
       <p:ext uri="{BB962C8B-B14F-4D97-AF65-F5344CB8AC3E}">
-        <p14:creationId xmlns:p14="http://schemas.microsoft.com/office/powerpoint/2010/main" val="2789630232"/>
+        <p14:creationId xmlns:p14="http://schemas.microsoft.com/office/powerpoint/2010/main" val="453553935"/>
       </p:ext>
     </p:extLst>
   </p:cSld>
@@ -10262,8 +9686,8 @@
         </p:nvSpPr>
         <p:spPr>
           <a:xfrm>
-            <a:off x="241176" y="-27384"/>
-            <a:ext cx="8579296" cy="1143000"/>
+            <a:off x="444854" y="0"/>
+            <a:ext cx="8229600" cy="1143000"/>
           </a:xfrm>
         </p:spPr>
         <p:txBody>
@@ -10289,7 +9713,7 @@
                 </a:effectLst>
                 <a:latin typeface="Dom Casual" charset="0"/>
               </a:rPr>
-              <a:t>Método sub</a:t>
+              <a:t>Expresiones regulares: \d</a:t>
             </a:r>
           </a:p>
         </p:txBody>
@@ -10308,8 +9732,8 @@
         </p:nvSpPr>
         <p:spPr>
           <a:xfrm>
-            <a:off x="683568" y="1557497"/>
-            <a:ext cx="7560840" cy="506292"/>
+            <a:off x="1011640" y="1340768"/>
+            <a:ext cx="3672408" cy="792781"/>
           </a:xfrm>
           <a:prstGeom prst="rect">
             <a:avLst/>
@@ -10322,36 +9746,24 @@
           </a:bodyPr>
           <a:lstStyle/>
           <a:p>
-            <a:pPr algn="l">
+            <a:pPr algn="just">
               <a:lnSpc>
                 <a:spcPct val="150000"/>
               </a:lnSpc>
             </a:pPr>
             <a:r>
-              <a:rPr lang="es-ES" sz="2000" b="1" i="0" dirty="0">
+              <a:rPr lang="es-ES" sz="1600" b="0" dirty="0">
                 <a:solidFill>
                   <a:schemeClr val="tx1">
                     <a:lumMod val="95000"/>
                     <a:lumOff val="5000"/>
                   </a:schemeClr>
                 </a:solidFill>
-                <a:effectLst/>
-              </a:rPr>
-              <a:t>Ejemplo 2: </a:t>
-            </a:r>
-            <a:r>
-              <a:rPr lang="es-ES" sz="2000" i="0" dirty="0">
-                <a:solidFill>
-                  <a:schemeClr val="tx1">
-                    <a:lumMod val="95000"/>
-                    <a:lumOff val="5000"/>
-                  </a:schemeClr>
-                </a:solidFill>
-                <a:effectLst/>
-              </a:rPr>
-              <a:t>Convertir un número (442)-223-78-90 por 4422237890.</a:t>
-            </a:r>
-            <a:endParaRPr lang="es-ES" sz="2000" dirty="0">
+                <a:hlinkClick r:id="rId3"/>
+              </a:rPr>
+              <a:t>https://regexr.com/</a:t>
+            </a:r>
+            <a:endParaRPr lang="es-ES" sz="1600" b="0" dirty="0">
               <a:solidFill>
                 <a:schemeClr val="tx1">
                   <a:lumMod val="95000"/>
@@ -10360,14 +9772,42 @@
               </a:solidFill>
             </a:endParaRPr>
           </a:p>
+          <a:p>
+            <a:pPr algn="just">
+              <a:lnSpc>
+                <a:spcPct val="150000"/>
+              </a:lnSpc>
+            </a:pPr>
+            <a:r>
+              <a:rPr lang="es-ES" sz="1600" i="0" dirty="0">
+                <a:solidFill>
+                  <a:schemeClr val="tx1">
+                    <a:lumMod val="95000"/>
+                    <a:lumOff val="5000"/>
+                  </a:schemeClr>
+                </a:solidFill>
+                <a:effectLst/>
+              </a:rPr>
+              <a:t>20 coincidencias</a:t>
+            </a:r>
+            <a:endParaRPr lang="es-ES" sz="1600" b="0" i="0" dirty="0">
+              <a:solidFill>
+                <a:schemeClr val="tx1">
+                  <a:lumMod val="95000"/>
+                  <a:lumOff val="5000"/>
+                </a:schemeClr>
+              </a:solidFill>
+              <a:effectLst/>
+            </a:endParaRPr>
+          </a:p>
         </p:txBody>
       </p:sp>
       <p:pic>
         <p:nvPicPr>
-          <p:cNvPr id="3" name="Imagen 2">
+          <p:cNvPr id="11" name="Imagen 10">
             <a:extLst>
               <a:ext uri="{FF2B5EF4-FFF2-40B4-BE49-F238E27FC236}">
-                <a16:creationId xmlns:a16="http://schemas.microsoft.com/office/drawing/2014/main" id="{E02D4951-7D82-4326-A909-ADAEFEF0F41F}"/>
+                <a16:creationId xmlns:a16="http://schemas.microsoft.com/office/drawing/2014/main" id="{88E4CB25-DBDE-4690-9149-04D33C8D6C57}"/>
               </a:ext>
             </a:extLst>
           </p:cNvPr>
@@ -10377,15 +9817,15 @@
           <p:nvPr/>
         </p:nvPicPr>
         <p:blipFill>
-          <a:blip r:embed="rId3"/>
+          <a:blip r:embed="rId4"/>
           <a:stretch>
             <a:fillRect/>
           </a:stretch>
         </p:blipFill>
         <p:spPr>
           <a:xfrm>
-            <a:off x="2109092" y="2505670"/>
-            <a:ext cx="4925815" cy="3024336"/>
+            <a:off x="1062037" y="2492896"/>
+            <a:ext cx="7019925" cy="3467100"/>
           </a:xfrm>
           <a:prstGeom prst="rect">
             <a:avLst/>
@@ -10395,7 +9835,7 @@
     </p:spTree>
     <p:extLst>
       <p:ext uri="{BB962C8B-B14F-4D97-AF65-F5344CB8AC3E}">
-        <p14:creationId xmlns:p14="http://schemas.microsoft.com/office/powerpoint/2010/main" val="1799824976"/>
+        <p14:creationId xmlns:p14="http://schemas.microsoft.com/office/powerpoint/2010/main" val="2767427689"/>
       </p:ext>
     </p:extLst>
   </p:cSld>
@@ -10704,657 +10144,6 @@
 </file>
 
 <file path=ppt/slides/slide20.xml><?xml version="1.0" encoding="utf-8"?>
-<p:sld xmlns:a="http://schemas.openxmlformats.org/drawingml/2006/main" xmlns:r="http://schemas.openxmlformats.org/officeDocument/2006/relationships" xmlns:p="http://schemas.openxmlformats.org/presentationml/2006/main">
-  <p:cSld>
-    <p:spTree>
-      <p:nvGrpSpPr>
-        <p:cNvPr id="1" name=""/>
-        <p:cNvGrpSpPr/>
-        <p:nvPr/>
-      </p:nvGrpSpPr>
-      <p:grpSpPr>
-        <a:xfrm>
-          <a:off x="0" y="0"/>
-          <a:ext cx="0" cy="0"/>
-          <a:chOff x="0" y="0"/>
-          <a:chExt cx="0" cy="0"/>
-        </a:xfrm>
-      </p:grpSpPr>
-      <p:sp>
-        <p:nvSpPr>
-          <p:cNvPr id="184324" name="Rectangle 4"/>
-          <p:cNvSpPr>
-            <a:spLocks noGrp="1" noChangeArrowheads="1"/>
-          </p:cNvSpPr>
-          <p:nvPr>
-            <p:ph type="title"/>
-          </p:nvPr>
-        </p:nvSpPr>
-        <p:spPr>
-          <a:xfrm>
-            <a:off x="444854" y="0"/>
-            <a:ext cx="8229600" cy="1143000"/>
-          </a:xfrm>
-        </p:spPr>
-        <p:txBody>
-          <a:bodyPr>
-            <a:normAutofit/>
-          </a:bodyPr>
-          <a:lstStyle/>
-          <a:p>
-            <a:pPr eaLnBrk="1" hangingPunct="1">
-              <a:defRPr/>
-            </a:pPr>
-            <a:r>
-              <a:rPr lang="es-MX" b="1" dirty="0">
-                <a:solidFill>
-                  <a:schemeClr val="accent4">
-                    <a:lumMod val="50000"/>
-                  </a:schemeClr>
-                </a:solidFill>
-                <a:effectLst>
-                  <a:outerShdw blurRad="38100" dist="38100" dir="2700000" algn="tl">
-                    <a:srgbClr val="C0C0C0"/>
-                  </a:outerShdw>
-                </a:effectLst>
-                <a:latin typeface="Dom Casual" charset="0"/>
-              </a:rPr>
-              <a:t>Método re y expresiones regulares</a:t>
-            </a:r>
-          </a:p>
-        </p:txBody>
-      </p:sp>
-      <p:sp>
-        <p:nvSpPr>
-          <p:cNvPr id="10" name="CuadroTexto 9">
-            <a:extLst>
-              <a:ext uri="{FF2B5EF4-FFF2-40B4-BE49-F238E27FC236}">
-                <a16:creationId xmlns:a16="http://schemas.microsoft.com/office/drawing/2014/main" id="{28D7FAFF-9722-4D6A-9DE5-55FC738D0886}"/>
-              </a:ext>
-            </a:extLst>
-          </p:cNvPr>
-          <p:cNvSpPr txBox="1"/>
-          <p:nvPr/>
-        </p:nvSpPr>
-        <p:spPr>
-          <a:xfrm>
-            <a:off x="469546" y="1111789"/>
-            <a:ext cx="8204908" cy="1162113"/>
-          </a:xfrm>
-          <a:prstGeom prst="rect">
-            <a:avLst/>
-          </a:prstGeom>
-          <a:noFill/>
-        </p:spPr>
-        <p:txBody>
-          <a:bodyPr wrap="square">
-            <a:spAutoFit/>
-          </a:bodyPr>
-          <a:lstStyle/>
-          <a:p>
-            <a:pPr marL="342900" indent="-342900" algn="just">
-              <a:lnSpc>
-                <a:spcPct val="150000"/>
-              </a:lnSpc>
-              <a:buFont typeface="Arial" panose="020B0604020202020204" pitchFamily="34" charset="0"/>
-              <a:buChar char="•"/>
-            </a:pPr>
-            <a:r>
-              <a:rPr lang="es-ES" sz="1600" b="0" dirty="0">
-                <a:solidFill>
-                  <a:schemeClr val="tx1">
-                    <a:lumMod val="95000"/>
-                    <a:lumOff val="5000"/>
-                  </a:schemeClr>
-                </a:solidFill>
-              </a:rPr>
-              <a:t>A la izquierda tenemos un texto en</a:t>
-            </a:r>
-            <a:r>
-              <a:rPr lang="es-ES" sz="1600" dirty="0">
-                <a:solidFill>
-                  <a:schemeClr val="tx1">
-                    <a:lumMod val="95000"/>
-                    <a:lumOff val="5000"/>
-                  </a:schemeClr>
-                </a:solidFill>
-              </a:rPr>
-              <a:t> el cual vamos a identificar expresiones regulares.</a:t>
-            </a:r>
-          </a:p>
-          <a:p>
-            <a:pPr marL="342900" indent="-342900" algn="just">
-              <a:lnSpc>
-                <a:spcPct val="150000"/>
-              </a:lnSpc>
-              <a:buFont typeface="Arial" panose="020B0604020202020204" pitchFamily="34" charset="0"/>
-              <a:buChar char="•"/>
-            </a:pPr>
-            <a:r>
-              <a:rPr lang="es-ES" sz="1600" b="0" i="0" dirty="0">
-                <a:solidFill>
-                  <a:schemeClr val="tx1">
-                    <a:lumMod val="95000"/>
-                    <a:lumOff val="5000"/>
-                  </a:schemeClr>
-                </a:solidFill>
-                <a:effectLst/>
-              </a:rPr>
-              <a:t>A la derecha tenemos una lista </a:t>
-            </a:r>
-            <a:r>
-              <a:rPr lang="es-ES" sz="1600" dirty="0">
-                <a:solidFill>
-                  <a:schemeClr val="tx1">
-                    <a:lumMod val="95000"/>
-                    <a:lumOff val="5000"/>
-                  </a:schemeClr>
-                </a:solidFill>
-              </a:rPr>
-              <a:t>de caracteres especiales y diferentes caracteres usados en expresiones regulares.</a:t>
-            </a:r>
-            <a:endParaRPr lang="es-ES" sz="1600" b="0" i="0" dirty="0">
-              <a:solidFill>
-                <a:schemeClr val="tx1">
-                  <a:lumMod val="95000"/>
-                  <a:lumOff val="5000"/>
-                </a:schemeClr>
-              </a:solidFill>
-              <a:effectLst/>
-            </a:endParaRPr>
-          </a:p>
-        </p:txBody>
-      </p:sp>
-      <p:pic>
-        <p:nvPicPr>
-          <p:cNvPr id="3" name="Imagen 2">
-            <a:extLst>
-              <a:ext uri="{FF2B5EF4-FFF2-40B4-BE49-F238E27FC236}">
-                <a16:creationId xmlns:a16="http://schemas.microsoft.com/office/drawing/2014/main" id="{AF921F72-D718-4DAA-9B7A-848F49AF21BA}"/>
-              </a:ext>
-            </a:extLst>
-          </p:cNvPr>
-          <p:cNvPicPr>
-            <a:picLocks noChangeAspect="1"/>
-          </p:cNvPicPr>
-          <p:nvPr/>
-        </p:nvPicPr>
-        <p:blipFill>
-          <a:blip r:embed="rId3"/>
-          <a:stretch>
-            <a:fillRect/>
-          </a:stretch>
-        </p:blipFill>
-        <p:spPr>
-          <a:xfrm>
-            <a:off x="444854" y="2308904"/>
-            <a:ext cx="8168897" cy="4299174"/>
-          </a:xfrm>
-          <a:prstGeom prst="rect">
-            <a:avLst/>
-          </a:prstGeom>
-        </p:spPr>
-      </p:pic>
-    </p:spTree>
-    <p:extLst>
-      <p:ext uri="{BB962C8B-B14F-4D97-AF65-F5344CB8AC3E}">
-        <p14:creationId xmlns:p14="http://schemas.microsoft.com/office/powerpoint/2010/main" val="3626373542"/>
-      </p:ext>
-    </p:extLst>
-  </p:cSld>
-  <p:clrMapOvr>
-    <a:masterClrMapping/>
-  </p:clrMapOvr>
-</p:sld>
-</file>
-
-<file path=ppt/slides/slide21.xml><?xml version="1.0" encoding="utf-8"?>
-<p:sld xmlns:a="http://schemas.openxmlformats.org/drawingml/2006/main" xmlns:r="http://schemas.openxmlformats.org/officeDocument/2006/relationships" xmlns:p="http://schemas.openxmlformats.org/presentationml/2006/main">
-  <p:cSld>
-    <p:spTree>
-      <p:nvGrpSpPr>
-        <p:cNvPr id="1" name=""/>
-        <p:cNvGrpSpPr/>
-        <p:nvPr/>
-      </p:nvGrpSpPr>
-      <p:grpSpPr>
-        <a:xfrm>
-          <a:off x="0" y="0"/>
-          <a:ext cx="0" cy="0"/>
-          <a:chOff x="0" y="0"/>
-          <a:chExt cx="0" cy="0"/>
-        </a:xfrm>
-      </p:grpSpPr>
-      <p:sp>
-        <p:nvSpPr>
-          <p:cNvPr id="184324" name="Rectangle 4"/>
-          <p:cNvSpPr>
-            <a:spLocks noGrp="1" noChangeArrowheads="1"/>
-          </p:cNvSpPr>
-          <p:nvPr>
-            <p:ph type="title"/>
-          </p:nvPr>
-        </p:nvSpPr>
-        <p:spPr>
-          <a:xfrm>
-            <a:off x="444854" y="0"/>
-            <a:ext cx="8229600" cy="1143000"/>
-          </a:xfrm>
-        </p:spPr>
-        <p:txBody>
-          <a:bodyPr>
-            <a:normAutofit/>
-          </a:bodyPr>
-          <a:lstStyle/>
-          <a:p>
-            <a:pPr eaLnBrk="1" hangingPunct="1">
-              <a:defRPr/>
-            </a:pPr>
-            <a:r>
-              <a:rPr lang="es-MX" b="1" dirty="0">
-                <a:solidFill>
-                  <a:schemeClr val="accent4">
-                    <a:lumMod val="50000"/>
-                  </a:schemeClr>
-                </a:solidFill>
-                <a:effectLst>
-                  <a:outerShdw blurRad="38100" dist="38100" dir="2700000" algn="tl">
-                    <a:srgbClr val="C0C0C0"/>
-                  </a:outerShdw>
-                </a:effectLst>
-                <a:latin typeface="Dom Casual" charset="0"/>
-              </a:rPr>
-              <a:t>Expresiones regulares: \d</a:t>
-            </a:r>
-          </a:p>
-        </p:txBody>
-      </p:sp>
-      <p:sp>
-        <p:nvSpPr>
-          <p:cNvPr id="10" name="CuadroTexto 9">
-            <a:extLst>
-              <a:ext uri="{FF2B5EF4-FFF2-40B4-BE49-F238E27FC236}">
-                <a16:creationId xmlns:a16="http://schemas.microsoft.com/office/drawing/2014/main" id="{28D7FAFF-9722-4D6A-9DE5-55FC738D0886}"/>
-              </a:ext>
-            </a:extLst>
-          </p:cNvPr>
-          <p:cNvSpPr txBox="1"/>
-          <p:nvPr/>
-        </p:nvSpPr>
-        <p:spPr>
-          <a:xfrm>
-            <a:off x="887246" y="1268760"/>
-            <a:ext cx="7344816" cy="1162113"/>
-          </a:xfrm>
-          <a:prstGeom prst="rect">
-            <a:avLst/>
-          </a:prstGeom>
-          <a:noFill/>
-        </p:spPr>
-        <p:txBody>
-          <a:bodyPr wrap="square">
-            <a:spAutoFit/>
-          </a:bodyPr>
-          <a:lstStyle/>
-          <a:p>
-            <a:pPr algn="just">
-              <a:lnSpc>
-                <a:spcPct val="150000"/>
-              </a:lnSpc>
-            </a:pPr>
-            <a:r>
-              <a:rPr lang="es-ES" sz="1600" b="1" dirty="0">
-                <a:solidFill>
-                  <a:schemeClr val="tx1">
-                    <a:lumMod val="95000"/>
-                    <a:lumOff val="5000"/>
-                  </a:schemeClr>
-                </a:solidFill>
-              </a:rPr>
-              <a:t>Ejemplo: </a:t>
-            </a:r>
-            <a:r>
-              <a:rPr lang="es-ES" sz="1600" b="0" dirty="0">
-                <a:solidFill>
-                  <a:schemeClr val="tx1">
-                    <a:lumMod val="95000"/>
-                    <a:lumOff val="5000"/>
-                  </a:schemeClr>
-                </a:solidFill>
-              </a:rPr>
-              <a:t>Busca el primer dígito en el texto. </a:t>
-            </a:r>
-          </a:p>
-          <a:p>
-            <a:pPr algn="just">
-              <a:lnSpc>
-                <a:spcPct val="150000"/>
-              </a:lnSpc>
-            </a:pPr>
-            <a:r>
-              <a:rPr lang="es-ES" sz="1600" b="1" dirty="0">
-                <a:solidFill>
-                  <a:schemeClr val="tx1">
-                    <a:lumMod val="95000"/>
-                    <a:lumOff val="5000"/>
-                  </a:schemeClr>
-                </a:solidFill>
-              </a:rPr>
-              <a:t>          </a:t>
-            </a:r>
-            <a:r>
-              <a:rPr lang="es-ES" sz="1600" b="1" dirty="0">
-                <a:solidFill>
-                  <a:srgbClr val="FF0000"/>
-                </a:solidFill>
-              </a:rPr>
-              <a:t>r</a:t>
-            </a:r>
-            <a:r>
-              <a:rPr lang="es-ES" sz="1600" dirty="0">
-                <a:solidFill>
-                  <a:schemeClr val="tx1">
-                    <a:lumMod val="95000"/>
-                    <a:lumOff val="5000"/>
-                  </a:schemeClr>
-                </a:solidFill>
-              </a:rPr>
-              <a:t> se utiliza en Python para anular caracteres o palabras especiales de Python.</a:t>
-            </a:r>
-            <a:endParaRPr lang="es-ES" sz="1600" b="0" dirty="0">
-              <a:solidFill>
-                <a:schemeClr val="tx1">
-                  <a:lumMod val="95000"/>
-                  <a:lumOff val="5000"/>
-                </a:schemeClr>
-              </a:solidFill>
-            </a:endParaRPr>
-          </a:p>
-          <a:p>
-            <a:pPr lvl="1" algn="just">
-              <a:lnSpc>
-                <a:spcPct val="150000"/>
-              </a:lnSpc>
-            </a:pPr>
-            <a:r>
-              <a:rPr lang="es-ES" sz="1600" b="1" i="0" dirty="0" err="1">
-                <a:solidFill>
-                  <a:schemeClr val="accent6">
-                    <a:lumMod val="75000"/>
-                  </a:schemeClr>
-                </a:solidFill>
-                <a:effectLst/>
-              </a:rPr>
-              <a:t>re.search</a:t>
-            </a:r>
-            <a:r>
-              <a:rPr lang="es-ES" sz="1600" b="1" i="0" dirty="0">
-                <a:solidFill>
-                  <a:schemeClr val="accent6">
-                    <a:lumMod val="75000"/>
-                  </a:schemeClr>
-                </a:solidFill>
-                <a:effectLst/>
-              </a:rPr>
-              <a:t>(</a:t>
-            </a:r>
-            <a:r>
-              <a:rPr lang="es-ES" sz="1600" b="1" i="0" dirty="0" err="1">
-                <a:solidFill>
-                  <a:schemeClr val="accent6">
-                    <a:lumMod val="75000"/>
-                  </a:schemeClr>
-                </a:solidFill>
-                <a:effectLst/>
-              </a:rPr>
-              <a:t>r”Expresión</a:t>
-            </a:r>
-            <a:r>
-              <a:rPr lang="es-ES" sz="1600" b="1" i="0" dirty="0">
-                <a:solidFill>
-                  <a:schemeClr val="accent6">
-                    <a:lumMod val="75000"/>
-                  </a:schemeClr>
-                </a:solidFill>
-                <a:effectLst/>
-              </a:rPr>
-              <a:t> regular”, texto)</a:t>
-            </a:r>
-          </a:p>
-        </p:txBody>
-      </p:sp>
-      <p:pic>
-        <p:nvPicPr>
-          <p:cNvPr id="3" name="Imagen 2">
-            <a:extLst>
-              <a:ext uri="{FF2B5EF4-FFF2-40B4-BE49-F238E27FC236}">
-                <a16:creationId xmlns:a16="http://schemas.microsoft.com/office/drawing/2014/main" id="{B793FE48-623D-42B8-BED7-05AD9ED8B330}"/>
-              </a:ext>
-            </a:extLst>
-          </p:cNvPr>
-          <p:cNvPicPr>
-            <a:picLocks noChangeAspect="1"/>
-          </p:cNvPicPr>
-          <p:nvPr/>
-        </p:nvPicPr>
-        <p:blipFill>
-          <a:blip r:embed="rId3"/>
-          <a:stretch>
-            <a:fillRect/>
-          </a:stretch>
-        </p:blipFill>
-        <p:spPr>
-          <a:xfrm>
-            <a:off x="971600" y="2780928"/>
-            <a:ext cx="6871239" cy="3204344"/>
-          </a:xfrm>
-          <a:prstGeom prst="rect">
-            <a:avLst/>
-          </a:prstGeom>
-        </p:spPr>
-      </p:pic>
-    </p:spTree>
-    <p:extLst>
-      <p:ext uri="{BB962C8B-B14F-4D97-AF65-F5344CB8AC3E}">
-        <p14:creationId xmlns:p14="http://schemas.microsoft.com/office/powerpoint/2010/main" val="453553935"/>
-      </p:ext>
-    </p:extLst>
-  </p:cSld>
-  <p:clrMapOvr>
-    <a:masterClrMapping/>
-  </p:clrMapOvr>
-</p:sld>
-</file>
-
-<file path=ppt/slides/slide22.xml><?xml version="1.0" encoding="utf-8"?>
-<p:sld xmlns:a="http://schemas.openxmlformats.org/drawingml/2006/main" xmlns:r="http://schemas.openxmlformats.org/officeDocument/2006/relationships" xmlns:p="http://schemas.openxmlformats.org/presentationml/2006/main">
-  <p:cSld>
-    <p:spTree>
-      <p:nvGrpSpPr>
-        <p:cNvPr id="1" name=""/>
-        <p:cNvGrpSpPr/>
-        <p:nvPr/>
-      </p:nvGrpSpPr>
-      <p:grpSpPr>
-        <a:xfrm>
-          <a:off x="0" y="0"/>
-          <a:ext cx="0" cy="0"/>
-          <a:chOff x="0" y="0"/>
-          <a:chExt cx="0" cy="0"/>
-        </a:xfrm>
-      </p:grpSpPr>
-      <p:sp>
-        <p:nvSpPr>
-          <p:cNvPr id="184324" name="Rectangle 4"/>
-          <p:cNvSpPr>
-            <a:spLocks noGrp="1" noChangeArrowheads="1"/>
-          </p:cNvSpPr>
-          <p:nvPr>
-            <p:ph type="title"/>
-          </p:nvPr>
-        </p:nvSpPr>
-        <p:spPr>
-          <a:xfrm>
-            <a:off x="444854" y="0"/>
-            <a:ext cx="8229600" cy="1143000"/>
-          </a:xfrm>
-        </p:spPr>
-        <p:txBody>
-          <a:bodyPr>
-            <a:normAutofit/>
-          </a:bodyPr>
-          <a:lstStyle/>
-          <a:p>
-            <a:pPr eaLnBrk="1" hangingPunct="1">
-              <a:defRPr/>
-            </a:pPr>
-            <a:r>
-              <a:rPr lang="es-MX" b="1" dirty="0">
-                <a:solidFill>
-                  <a:schemeClr val="accent4">
-                    <a:lumMod val="50000"/>
-                  </a:schemeClr>
-                </a:solidFill>
-                <a:effectLst>
-                  <a:outerShdw blurRad="38100" dist="38100" dir="2700000" algn="tl">
-                    <a:srgbClr val="C0C0C0"/>
-                  </a:outerShdw>
-                </a:effectLst>
-                <a:latin typeface="Dom Casual" charset="0"/>
-              </a:rPr>
-              <a:t>Expresiones regulares: \d</a:t>
-            </a:r>
-          </a:p>
-        </p:txBody>
-      </p:sp>
-      <p:sp>
-        <p:nvSpPr>
-          <p:cNvPr id="10" name="CuadroTexto 9">
-            <a:extLst>
-              <a:ext uri="{FF2B5EF4-FFF2-40B4-BE49-F238E27FC236}">
-                <a16:creationId xmlns:a16="http://schemas.microsoft.com/office/drawing/2014/main" id="{28D7FAFF-9722-4D6A-9DE5-55FC738D0886}"/>
-              </a:ext>
-            </a:extLst>
-          </p:cNvPr>
-          <p:cNvSpPr txBox="1"/>
-          <p:nvPr/>
-        </p:nvSpPr>
-        <p:spPr>
-          <a:xfrm>
-            <a:off x="1011640" y="1340768"/>
-            <a:ext cx="3672408" cy="792781"/>
-          </a:xfrm>
-          <a:prstGeom prst="rect">
-            <a:avLst/>
-          </a:prstGeom>
-          <a:noFill/>
-        </p:spPr>
-        <p:txBody>
-          <a:bodyPr wrap="square">
-            <a:spAutoFit/>
-          </a:bodyPr>
-          <a:lstStyle/>
-          <a:p>
-            <a:pPr algn="just">
-              <a:lnSpc>
-                <a:spcPct val="150000"/>
-              </a:lnSpc>
-            </a:pPr>
-            <a:r>
-              <a:rPr lang="es-ES" sz="1600" b="0" dirty="0">
-                <a:solidFill>
-                  <a:schemeClr val="tx1">
-                    <a:lumMod val="95000"/>
-                    <a:lumOff val="5000"/>
-                  </a:schemeClr>
-                </a:solidFill>
-                <a:hlinkClick r:id="rId3"/>
-              </a:rPr>
-              <a:t>https://regexr.com/</a:t>
-            </a:r>
-            <a:endParaRPr lang="es-ES" sz="1600" b="0" dirty="0">
-              <a:solidFill>
-                <a:schemeClr val="tx1">
-                  <a:lumMod val="95000"/>
-                  <a:lumOff val="5000"/>
-                </a:schemeClr>
-              </a:solidFill>
-            </a:endParaRPr>
-          </a:p>
-          <a:p>
-            <a:pPr algn="just">
-              <a:lnSpc>
-                <a:spcPct val="150000"/>
-              </a:lnSpc>
-            </a:pPr>
-            <a:r>
-              <a:rPr lang="es-ES" sz="1600" i="0" dirty="0">
-                <a:solidFill>
-                  <a:schemeClr val="tx1">
-                    <a:lumMod val="95000"/>
-                    <a:lumOff val="5000"/>
-                  </a:schemeClr>
-                </a:solidFill>
-                <a:effectLst/>
-              </a:rPr>
-              <a:t>20 coincidencias</a:t>
-            </a:r>
-            <a:endParaRPr lang="es-ES" sz="1600" b="0" i="0" dirty="0">
-              <a:solidFill>
-                <a:schemeClr val="tx1">
-                  <a:lumMod val="95000"/>
-                  <a:lumOff val="5000"/>
-                </a:schemeClr>
-              </a:solidFill>
-              <a:effectLst/>
-            </a:endParaRPr>
-          </a:p>
-        </p:txBody>
-      </p:sp>
-      <p:pic>
-        <p:nvPicPr>
-          <p:cNvPr id="11" name="Imagen 10">
-            <a:extLst>
-              <a:ext uri="{FF2B5EF4-FFF2-40B4-BE49-F238E27FC236}">
-                <a16:creationId xmlns:a16="http://schemas.microsoft.com/office/drawing/2014/main" id="{88E4CB25-DBDE-4690-9149-04D33C8D6C57}"/>
-              </a:ext>
-            </a:extLst>
-          </p:cNvPr>
-          <p:cNvPicPr>
-            <a:picLocks noChangeAspect="1"/>
-          </p:cNvPicPr>
-          <p:nvPr/>
-        </p:nvPicPr>
-        <p:blipFill>
-          <a:blip r:embed="rId4"/>
-          <a:stretch>
-            <a:fillRect/>
-          </a:stretch>
-        </p:blipFill>
-        <p:spPr>
-          <a:xfrm>
-            <a:off x="1062037" y="2492896"/>
-            <a:ext cx="7019925" cy="3467100"/>
-          </a:xfrm>
-          <a:prstGeom prst="rect">
-            <a:avLst/>
-          </a:prstGeom>
-        </p:spPr>
-      </p:pic>
-    </p:spTree>
-    <p:extLst>
-      <p:ext uri="{BB962C8B-B14F-4D97-AF65-F5344CB8AC3E}">
-        <p14:creationId xmlns:p14="http://schemas.microsoft.com/office/powerpoint/2010/main" val="2767427689"/>
-      </p:ext>
-    </p:extLst>
-  </p:cSld>
-  <p:clrMapOvr>
-    <a:masterClrMapping/>
-  </p:clrMapOvr>
-</p:sld>
-</file>
-
-<file path=ppt/slides/slide23.xml><?xml version="1.0" encoding="utf-8"?>
 <p:sld xmlns:a="http://schemas.openxmlformats.org/drawingml/2006/main" xmlns:r="http://schemas.openxmlformats.org/officeDocument/2006/relationships" xmlns:p="http://schemas.openxmlformats.org/presentationml/2006/main">
   <p:cSld>
     <p:spTree>
@@ -11944,7 +10733,7 @@
 </p:sld>
 </file>
 
-<file path=ppt/slides/slide24.xml><?xml version="1.0" encoding="utf-8"?>
+<file path=ppt/slides/slide21.xml><?xml version="1.0" encoding="utf-8"?>
 <p:sld xmlns:a="http://schemas.openxmlformats.org/drawingml/2006/main" xmlns:r="http://schemas.openxmlformats.org/officeDocument/2006/relationships" xmlns:p="http://schemas.openxmlformats.org/presentationml/2006/main">
   <p:cSld>
     <p:spTree>
@@ -12293,6 +11082,715 @@
     <p:extLst>
       <p:ext uri="{BB962C8B-B14F-4D97-AF65-F5344CB8AC3E}">
         <p14:creationId xmlns:p14="http://schemas.microsoft.com/office/powerpoint/2010/main" val="65064179"/>
+      </p:ext>
+    </p:extLst>
+  </p:cSld>
+  <p:clrMapOvr>
+    <a:masterClrMapping/>
+  </p:clrMapOvr>
+</p:sld>
+</file>
+
+<file path=ppt/slides/slide22.xml><?xml version="1.0" encoding="utf-8"?>
+<p:sld xmlns:a="http://schemas.openxmlformats.org/drawingml/2006/main" xmlns:r="http://schemas.openxmlformats.org/officeDocument/2006/relationships" xmlns:p="http://schemas.openxmlformats.org/presentationml/2006/main">
+  <p:cSld>
+    <p:spTree>
+      <p:nvGrpSpPr>
+        <p:cNvPr id="1" name=""/>
+        <p:cNvGrpSpPr/>
+        <p:nvPr/>
+      </p:nvGrpSpPr>
+      <p:grpSpPr>
+        <a:xfrm>
+          <a:off x="0" y="0"/>
+          <a:ext cx="0" cy="0"/>
+          <a:chOff x="0" y="0"/>
+          <a:chExt cx="0" cy="0"/>
+        </a:xfrm>
+      </p:grpSpPr>
+      <p:sp>
+        <p:nvSpPr>
+          <p:cNvPr id="9" name="CuadroTexto 8">
+            <a:extLst>
+              <a:ext uri="{FF2B5EF4-FFF2-40B4-BE49-F238E27FC236}">
+                <a16:creationId xmlns:a16="http://schemas.microsoft.com/office/drawing/2014/main" id="{3C2E1319-C186-4202-8393-814D31E5493C}"/>
+              </a:ext>
+            </a:extLst>
+          </p:cNvPr>
+          <p:cNvSpPr txBox="1"/>
+          <p:nvPr/>
+        </p:nvSpPr>
+        <p:spPr>
+          <a:xfrm>
+            <a:off x="899592" y="1583777"/>
+            <a:ext cx="4683827" cy="506292"/>
+          </a:xfrm>
+          <a:prstGeom prst="rect">
+            <a:avLst/>
+          </a:prstGeom>
+          <a:noFill/>
+        </p:spPr>
+        <p:txBody>
+          <a:bodyPr wrap="square">
+            <a:spAutoFit/>
+          </a:bodyPr>
+          <a:lstStyle/>
+          <a:p>
+            <a:pPr algn="l">
+              <a:lnSpc>
+                <a:spcPct val="150000"/>
+              </a:lnSpc>
+            </a:pPr>
+            <a:r>
+              <a:rPr lang="es-ES" sz="2000" b="1" i="0" dirty="0">
+                <a:solidFill>
+                  <a:schemeClr val="tx1">
+                    <a:lumMod val="95000"/>
+                    <a:lumOff val="5000"/>
+                  </a:schemeClr>
+                </a:solidFill>
+                <a:effectLst/>
+              </a:rPr>
+              <a:t>Ejemplo 2: </a:t>
+            </a:r>
+            <a:r>
+              <a:rPr lang="es-ES" sz="2000" i="0" dirty="0">
+                <a:solidFill>
+                  <a:schemeClr val="tx1">
+                    <a:lumMod val="95000"/>
+                    <a:lumOff val="5000"/>
+                  </a:schemeClr>
+                </a:solidFill>
+                <a:effectLst/>
+              </a:rPr>
+              <a:t>Busca todos los números.</a:t>
+            </a:r>
+            <a:endParaRPr lang="es-ES" sz="2000" dirty="0">
+              <a:solidFill>
+                <a:schemeClr val="tx1">
+                  <a:lumMod val="95000"/>
+                  <a:lumOff val="5000"/>
+                </a:schemeClr>
+              </a:solidFill>
+            </a:endParaRPr>
+          </a:p>
+        </p:txBody>
+      </p:sp>
+      <p:pic>
+        <p:nvPicPr>
+          <p:cNvPr id="3" name="Imagen 2">
+            <a:extLst>
+              <a:ext uri="{FF2B5EF4-FFF2-40B4-BE49-F238E27FC236}">
+                <a16:creationId xmlns:a16="http://schemas.microsoft.com/office/drawing/2014/main" id="{CBF46C46-01AA-4FAE-81E2-92FAEB4E3E47}"/>
+              </a:ext>
+            </a:extLst>
+          </p:cNvPr>
+          <p:cNvPicPr>
+            <a:picLocks noChangeAspect="1"/>
+          </p:cNvPicPr>
+          <p:nvPr/>
+        </p:nvPicPr>
+        <p:blipFill>
+          <a:blip r:embed="rId3"/>
+          <a:stretch>
+            <a:fillRect/>
+          </a:stretch>
+        </p:blipFill>
+        <p:spPr>
+          <a:xfrm>
+            <a:off x="914400" y="2420888"/>
+            <a:ext cx="7315200" cy="3333750"/>
+          </a:xfrm>
+          <a:prstGeom prst="rect">
+            <a:avLst/>
+          </a:prstGeom>
+        </p:spPr>
+      </p:pic>
+      <p:sp>
+        <p:nvSpPr>
+          <p:cNvPr id="11" name="Rectangle 4">
+            <a:extLst>
+              <a:ext uri="{FF2B5EF4-FFF2-40B4-BE49-F238E27FC236}">
+                <a16:creationId xmlns:a16="http://schemas.microsoft.com/office/drawing/2014/main" id="{5F2CD450-F1A2-44D0-826E-8133FCEE199E}"/>
+              </a:ext>
+            </a:extLst>
+          </p:cNvPr>
+          <p:cNvSpPr>
+            <a:spLocks noGrp="1" noChangeArrowheads="1"/>
+          </p:cNvSpPr>
+          <p:nvPr>
+            <p:ph type="title"/>
+          </p:nvPr>
+        </p:nvSpPr>
+        <p:spPr>
+          <a:xfrm>
+            <a:off x="289721" y="46280"/>
+            <a:ext cx="8363272" cy="1143000"/>
+          </a:xfrm>
+        </p:spPr>
+        <p:txBody>
+          <a:bodyPr>
+            <a:normAutofit/>
+          </a:bodyPr>
+          <a:lstStyle/>
+          <a:p>
+            <a:pPr eaLnBrk="1" hangingPunct="1">
+              <a:defRPr/>
+            </a:pPr>
+            <a:r>
+              <a:rPr lang="es-MX" b="1" dirty="0" err="1">
+                <a:solidFill>
+                  <a:schemeClr val="accent4">
+                    <a:lumMod val="50000"/>
+                  </a:schemeClr>
+                </a:solidFill>
+                <a:effectLst>
+                  <a:outerShdw blurRad="38100" dist="38100" dir="2700000" algn="tl">
+                    <a:srgbClr val="C0C0C0"/>
+                  </a:outerShdw>
+                </a:effectLst>
+                <a:latin typeface="Dom Casual" charset="0"/>
+              </a:rPr>
+              <a:t>Metacaracteres</a:t>
+            </a:r>
+            <a:endParaRPr lang="es-MX" b="1" dirty="0">
+              <a:solidFill>
+                <a:schemeClr val="accent4">
+                  <a:lumMod val="50000"/>
+                </a:schemeClr>
+              </a:solidFill>
+              <a:effectLst>
+                <a:outerShdw blurRad="38100" dist="38100" dir="2700000" algn="tl">
+                  <a:srgbClr val="C0C0C0"/>
+                </a:outerShdw>
+              </a:effectLst>
+              <a:latin typeface="Dom Casual" charset="0"/>
+            </a:endParaRPr>
+          </a:p>
+        </p:txBody>
+      </p:sp>
+      <p:sp>
+        <p:nvSpPr>
+          <p:cNvPr id="12" name="CuadroTexto 11">
+            <a:extLst>
+              <a:ext uri="{FF2B5EF4-FFF2-40B4-BE49-F238E27FC236}">
+                <a16:creationId xmlns:a16="http://schemas.microsoft.com/office/drawing/2014/main" id="{7A68EC81-20D1-482B-988D-DEB369A3512A}"/>
+              </a:ext>
+            </a:extLst>
+          </p:cNvPr>
+          <p:cNvSpPr txBox="1"/>
+          <p:nvPr/>
+        </p:nvSpPr>
+        <p:spPr>
+          <a:xfrm>
+            <a:off x="2627784" y="947069"/>
+            <a:ext cx="3600400" cy="393699"/>
+          </a:xfrm>
+          <a:prstGeom prst="rect">
+            <a:avLst/>
+          </a:prstGeom>
+          <a:noFill/>
+        </p:spPr>
+        <p:txBody>
+          <a:bodyPr wrap="square">
+            <a:spAutoFit/>
+          </a:bodyPr>
+          <a:lstStyle/>
+          <a:p>
+            <a:pPr algn="ctr" fontAlgn="base">
+              <a:lnSpc>
+                <a:spcPts val="2500"/>
+              </a:lnSpc>
+              <a:spcAft>
+                <a:spcPts val="600"/>
+              </a:spcAft>
+            </a:pPr>
+            <a:r>
+              <a:rPr lang="es-ES" b="1" i="0" dirty="0">
+                <a:solidFill>
+                  <a:schemeClr val="accent6">
+                    <a:lumMod val="75000"/>
+                  </a:schemeClr>
+                </a:solidFill>
+                <a:effectLst/>
+                <a:latin typeface="inherit"/>
+              </a:rPr>
+              <a:t>[] Indica un conjunto de caracteres </a:t>
+            </a:r>
+          </a:p>
+        </p:txBody>
+      </p:sp>
+    </p:spTree>
+    <p:extLst>
+      <p:ext uri="{BB962C8B-B14F-4D97-AF65-F5344CB8AC3E}">
+        <p14:creationId xmlns:p14="http://schemas.microsoft.com/office/powerpoint/2010/main" val="3640664183"/>
+      </p:ext>
+    </p:extLst>
+  </p:cSld>
+  <p:clrMapOvr>
+    <a:masterClrMapping/>
+  </p:clrMapOvr>
+</p:sld>
+</file>
+
+<file path=ppt/slides/slide23.xml><?xml version="1.0" encoding="utf-8"?>
+<p:sld xmlns:a="http://schemas.openxmlformats.org/drawingml/2006/main" xmlns:r="http://schemas.openxmlformats.org/officeDocument/2006/relationships" xmlns:p="http://schemas.openxmlformats.org/presentationml/2006/main">
+  <p:cSld>
+    <p:spTree>
+      <p:nvGrpSpPr>
+        <p:cNvPr id="1" name=""/>
+        <p:cNvGrpSpPr/>
+        <p:nvPr/>
+      </p:nvGrpSpPr>
+      <p:grpSpPr>
+        <a:xfrm>
+          <a:off x="0" y="0"/>
+          <a:ext cx="0" cy="0"/>
+          <a:chOff x="0" y="0"/>
+          <a:chExt cx="0" cy="0"/>
+        </a:xfrm>
+      </p:grpSpPr>
+      <p:sp>
+        <p:nvSpPr>
+          <p:cNvPr id="184324" name="Rectangle 4"/>
+          <p:cNvSpPr>
+            <a:spLocks noGrp="1" noChangeArrowheads="1"/>
+          </p:cNvSpPr>
+          <p:nvPr>
+            <p:ph type="title"/>
+          </p:nvPr>
+        </p:nvSpPr>
+        <p:spPr>
+          <a:xfrm>
+            <a:off x="289721" y="4056"/>
+            <a:ext cx="8363272" cy="1143000"/>
+          </a:xfrm>
+        </p:spPr>
+        <p:txBody>
+          <a:bodyPr>
+            <a:normAutofit/>
+          </a:bodyPr>
+          <a:lstStyle/>
+          <a:p>
+            <a:pPr eaLnBrk="1" hangingPunct="1">
+              <a:defRPr/>
+            </a:pPr>
+            <a:r>
+              <a:rPr lang="es-MX" b="1" dirty="0" err="1">
+                <a:solidFill>
+                  <a:schemeClr val="accent4">
+                    <a:lumMod val="50000"/>
+                  </a:schemeClr>
+                </a:solidFill>
+                <a:effectLst>
+                  <a:outerShdw blurRad="38100" dist="38100" dir="2700000" algn="tl">
+                    <a:srgbClr val="C0C0C0"/>
+                  </a:outerShdw>
+                </a:effectLst>
+                <a:latin typeface="Dom Casual" charset="0"/>
+              </a:rPr>
+              <a:t>Metacaracteres</a:t>
+            </a:r>
+            <a:endParaRPr lang="es-MX" b="1" dirty="0">
+              <a:solidFill>
+                <a:schemeClr val="accent4">
+                  <a:lumMod val="50000"/>
+                </a:schemeClr>
+              </a:solidFill>
+              <a:effectLst>
+                <a:outerShdw blurRad="38100" dist="38100" dir="2700000" algn="tl">
+                  <a:srgbClr val="C0C0C0"/>
+                </a:outerShdw>
+              </a:effectLst>
+              <a:latin typeface="Dom Casual" charset="0"/>
+            </a:endParaRPr>
+          </a:p>
+        </p:txBody>
+      </p:sp>
+      <p:sp>
+        <p:nvSpPr>
+          <p:cNvPr id="10" name="CuadroTexto 9">
+            <a:extLst>
+              <a:ext uri="{FF2B5EF4-FFF2-40B4-BE49-F238E27FC236}">
+                <a16:creationId xmlns:a16="http://schemas.microsoft.com/office/drawing/2014/main" id="{65A32C36-6B63-4F4C-8762-95C0DAD8965B}"/>
+              </a:ext>
+            </a:extLst>
+          </p:cNvPr>
+          <p:cNvSpPr txBox="1"/>
+          <p:nvPr/>
+        </p:nvSpPr>
+        <p:spPr>
+          <a:xfrm>
+            <a:off x="891025" y="950207"/>
+            <a:ext cx="7065349" cy="393698"/>
+          </a:xfrm>
+          <a:prstGeom prst="rect">
+            <a:avLst/>
+          </a:prstGeom>
+          <a:noFill/>
+        </p:spPr>
+        <p:txBody>
+          <a:bodyPr wrap="square">
+            <a:spAutoFit/>
+          </a:bodyPr>
+          <a:lstStyle/>
+          <a:p>
+            <a:pPr algn="ctr" fontAlgn="base">
+              <a:lnSpc>
+                <a:spcPts val="2500"/>
+              </a:lnSpc>
+              <a:spcAft>
+                <a:spcPts val="600"/>
+              </a:spcAft>
+            </a:pPr>
+            <a:r>
+              <a:rPr lang="es-ES" b="1" i="0" dirty="0">
+                <a:solidFill>
+                  <a:schemeClr val="accent6">
+                    <a:lumMod val="75000"/>
+                  </a:schemeClr>
+                </a:solidFill>
+                <a:effectLst/>
+                <a:latin typeface="inherit"/>
+              </a:rPr>
+              <a:t>Punto(.) Cualquier carácter excepto el salto de línea</a:t>
+            </a:r>
+          </a:p>
+        </p:txBody>
+      </p:sp>
+      <p:sp>
+        <p:nvSpPr>
+          <p:cNvPr id="7" name="CuadroTexto 6">
+            <a:extLst>
+              <a:ext uri="{FF2B5EF4-FFF2-40B4-BE49-F238E27FC236}">
+                <a16:creationId xmlns:a16="http://schemas.microsoft.com/office/drawing/2014/main" id="{C45CBD37-E855-453E-8CDA-5467A4B05037}"/>
+              </a:ext>
+            </a:extLst>
+          </p:cNvPr>
+          <p:cNvSpPr txBox="1"/>
+          <p:nvPr/>
+        </p:nvSpPr>
+        <p:spPr>
+          <a:xfrm>
+            <a:off x="489179" y="1628800"/>
+            <a:ext cx="7964356" cy="393698"/>
+          </a:xfrm>
+          <a:prstGeom prst="rect">
+            <a:avLst/>
+          </a:prstGeom>
+          <a:noFill/>
+        </p:spPr>
+        <p:txBody>
+          <a:bodyPr wrap="square">
+            <a:spAutoFit/>
+          </a:bodyPr>
+          <a:lstStyle/>
+          <a:p>
+            <a:pPr marL="285750" indent="-285750" algn="just" fontAlgn="base">
+              <a:lnSpc>
+                <a:spcPts val="2500"/>
+              </a:lnSpc>
+              <a:spcAft>
+                <a:spcPts val="600"/>
+              </a:spcAft>
+              <a:buFont typeface="Arial" panose="020B0604020202020204" pitchFamily="34" charset="0"/>
+              <a:buChar char="•"/>
+            </a:pPr>
+            <a:r>
+              <a:rPr lang="es-ES" b="0" i="0" dirty="0">
+                <a:solidFill>
+                  <a:srgbClr val="000000"/>
+                </a:solidFill>
+                <a:effectLst/>
+                <a:latin typeface="inherit"/>
+              </a:rPr>
+              <a:t>Encuentra todos los caracteres.</a:t>
+            </a:r>
+          </a:p>
+        </p:txBody>
+      </p:sp>
+      <p:pic>
+        <p:nvPicPr>
+          <p:cNvPr id="3" name="Imagen 2">
+            <a:extLst>
+              <a:ext uri="{FF2B5EF4-FFF2-40B4-BE49-F238E27FC236}">
+                <a16:creationId xmlns:a16="http://schemas.microsoft.com/office/drawing/2014/main" id="{432A1748-633E-43E7-BE55-E8492049DF22}"/>
+              </a:ext>
+            </a:extLst>
+          </p:cNvPr>
+          <p:cNvPicPr>
+            <a:picLocks noChangeAspect="1"/>
+          </p:cNvPicPr>
+          <p:nvPr/>
+        </p:nvPicPr>
+        <p:blipFill>
+          <a:blip r:embed="rId3"/>
+          <a:stretch>
+            <a:fillRect/>
+          </a:stretch>
+        </p:blipFill>
+        <p:spPr>
+          <a:xfrm>
+            <a:off x="2733013" y="2276872"/>
+            <a:ext cx="3381375" cy="3619500"/>
+          </a:xfrm>
+          <a:prstGeom prst="rect">
+            <a:avLst/>
+          </a:prstGeom>
+        </p:spPr>
+      </p:pic>
+    </p:spTree>
+    <p:extLst>
+      <p:ext uri="{BB962C8B-B14F-4D97-AF65-F5344CB8AC3E}">
+        <p14:creationId xmlns:p14="http://schemas.microsoft.com/office/powerpoint/2010/main" val="1011036219"/>
+      </p:ext>
+    </p:extLst>
+  </p:cSld>
+  <p:clrMapOvr>
+    <a:masterClrMapping/>
+  </p:clrMapOvr>
+</p:sld>
+</file>
+
+<file path=ppt/slides/slide24.xml><?xml version="1.0" encoding="utf-8"?>
+<p:sld xmlns:a="http://schemas.openxmlformats.org/drawingml/2006/main" xmlns:r="http://schemas.openxmlformats.org/officeDocument/2006/relationships" xmlns:p="http://schemas.openxmlformats.org/presentationml/2006/main">
+  <p:cSld>
+    <p:spTree>
+      <p:nvGrpSpPr>
+        <p:cNvPr id="1" name=""/>
+        <p:cNvGrpSpPr/>
+        <p:nvPr/>
+      </p:nvGrpSpPr>
+      <p:grpSpPr>
+        <a:xfrm>
+          <a:off x="0" y="0"/>
+          <a:ext cx="0" cy="0"/>
+          <a:chOff x="0" y="0"/>
+          <a:chExt cx="0" cy="0"/>
+        </a:xfrm>
+      </p:grpSpPr>
+      <p:sp>
+        <p:nvSpPr>
+          <p:cNvPr id="184324" name="Rectangle 4"/>
+          <p:cNvSpPr>
+            <a:spLocks noGrp="1" noChangeArrowheads="1"/>
+          </p:cNvSpPr>
+          <p:nvPr>
+            <p:ph type="title"/>
+          </p:nvPr>
+        </p:nvSpPr>
+        <p:spPr>
+          <a:xfrm>
+            <a:off x="289721" y="4056"/>
+            <a:ext cx="8363272" cy="1143000"/>
+          </a:xfrm>
+        </p:spPr>
+        <p:txBody>
+          <a:bodyPr>
+            <a:normAutofit/>
+          </a:bodyPr>
+          <a:lstStyle/>
+          <a:p>
+            <a:pPr eaLnBrk="1" hangingPunct="1">
+              <a:defRPr/>
+            </a:pPr>
+            <a:r>
+              <a:rPr lang="es-MX" b="1" dirty="0" err="1">
+                <a:solidFill>
+                  <a:schemeClr val="accent4">
+                    <a:lumMod val="50000"/>
+                  </a:schemeClr>
+                </a:solidFill>
+                <a:effectLst>
+                  <a:outerShdw blurRad="38100" dist="38100" dir="2700000" algn="tl">
+                    <a:srgbClr val="C0C0C0"/>
+                  </a:outerShdw>
+                </a:effectLst>
+                <a:latin typeface="Dom Casual" charset="0"/>
+              </a:rPr>
+              <a:t>Metacaracteres</a:t>
+            </a:r>
+            <a:endParaRPr lang="es-MX" b="1" dirty="0">
+              <a:solidFill>
+                <a:schemeClr val="accent4">
+                  <a:lumMod val="50000"/>
+                </a:schemeClr>
+              </a:solidFill>
+              <a:effectLst>
+                <a:outerShdw blurRad="38100" dist="38100" dir="2700000" algn="tl">
+                  <a:srgbClr val="C0C0C0"/>
+                </a:outerShdw>
+              </a:effectLst>
+              <a:latin typeface="Dom Casual" charset="0"/>
+            </a:endParaRPr>
+          </a:p>
+        </p:txBody>
+      </p:sp>
+      <p:pic>
+        <p:nvPicPr>
+          <p:cNvPr id="6" name="Imagen 5">
+            <a:extLst>
+              <a:ext uri="{FF2B5EF4-FFF2-40B4-BE49-F238E27FC236}">
+                <a16:creationId xmlns:a16="http://schemas.microsoft.com/office/drawing/2014/main" id="{89503A3F-E9DA-4811-B06F-68C27D84A950}"/>
+              </a:ext>
+            </a:extLst>
+          </p:cNvPr>
+          <p:cNvPicPr>
+            <a:picLocks noChangeAspect="1"/>
+          </p:cNvPicPr>
+          <p:nvPr/>
+        </p:nvPicPr>
+        <p:blipFill>
+          <a:blip r:embed="rId3"/>
+          <a:stretch>
+            <a:fillRect/>
+          </a:stretch>
+        </p:blipFill>
+        <p:spPr>
+          <a:xfrm>
+            <a:off x="936011" y="2615298"/>
+            <a:ext cx="7581900" cy="2781300"/>
+          </a:xfrm>
+          <a:prstGeom prst="rect">
+            <a:avLst/>
+          </a:prstGeom>
+        </p:spPr>
+      </p:pic>
+      <p:sp>
+        <p:nvSpPr>
+          <p:cNvPr id="10" name="CuadroTexto 9">
+            <a:extLst>
+              <a:ext uri="{FF2B5EF4-FFF2-40B4-BE49-F238E27FC236}">
+                <a16:creationId xmlns:a16="http://schemas.microsoft.com/office/drawing/2014/main" id="{65A32C36-6B63-4F4C-8762-95C0DAD8965B}"/>
+              </a:ext>
+            </a:extLst>
+          </p:cNvPr>
+          <p:cNvSpPr txBox="1"/>
+          <p:nvPr/>
+        </p:nvSpPr>
+        <p:spPr>
+          <a:xfrm>
+            <a:off x="891027" y="854548"/>
+            <a:ext cx="7065349" cy="393698"/>
+          </a:xfrm>
+          <a:prstGeom prst="rect">
+            <a:avLst/>
+          </a:prstGeom>
+          <a:noFill/>
+        </p:spPr>
+        <p:txBody>
+          <a:bodyPr wrap="square">
+            <a:spAutoFit/>
+          </a:bodyPr>
+          <a:lstStyle/>
+          <a:p>
+            <a:pPr algn="ctr" fontAlgn="base">
+              <a:lnSpc>
+                <a:spcPts val="2500"/>
+              </a:lnSpc>
+              <a:spcAft>
+                <a:spcPts val="600"/>
+              </a:spcAft>
+            </a:pPr>
+            <a:r>
+              <a:rPr lang="es-ES" b="1" i="0" dirty="0">
+                <a:solidFill>
+                  <a:schemeClr val="accent6">
+                    <a:lumMod val="75000"/>
+                  </a:schemeClr>
+                </a:solidFill>
+                <a:effectLst/>
+                <a:latin typeface="inherit"/>
+              </a:rPr>
+              <a:t>Punto(.) Cualquier carácter excepto el salto de línea</a:t>
+            </a:r>
+          </a:p>
+        </p:txBody>
+      </p:sp>
+      <p:sp>
+        <p:nvSpPr>
+          <p:cNvPr id="7" name="CuadroTexto 6">
+            <a:extLst>
+              <a:ext uri="{FF2B5EF4-FFF2-40B4-BE49-F238E27FC236}">
+                <a16:creationId xmlns:a16="http://schemas.microsoft.com/office/drawing/2014/main" id="{D063FB26-AAEE-4512-8152-582C6C8E3508}"/>
+              </a:ext>
+            </a:extLst>
+          </p:cNvPr>
+          <p:cNvSpPr txBox="1"/>
+          <p:nvPr/>
+        </p:nvSpPr>
+        <p:spPr>
+          <a:xfrm>
+            <a:off x="891027" y="1744402"/>
+            <a:ext cx="7920880" cy="506292"/>
+          </a:xfrm>
+          <a:prstGeom prst="rect">
+            <a:avLst/>
+          </a:prstGeom>
+          <a:noFill/>
+        </p:spPr>
+        <p:txBody>
+          <a:bodyPr wrap="square">
+            <a:spAutoFit/>
+          </a:bodyPr>
+          <a:lstStyle/>
+          <a:p>
+            <a:pPr algn="l">
+              <a:lnSpc>
+                <a:spcPct val="150000"/>
+              </a:lnSpc>
+            </a:pPr>
+            <a:r>
+              <a:rPr lang="es-ES" sz="2000" b="1" i="0" dirty="0">
+                <a:solidFill>
+                  <a:schemeClr val="tx1">
+                    <a:lumMod val="95000"/>
+                    <a:lumOff val="5000"/>
+                  </a:schemeClr>
+                </a:solidFill>
+                <a:effectLst/>
+              </a:rPr>
+              <a:t>Ejemplo 3: </a:t>
+            </a:r>
+            <a:r>
+              <a:rPr lang="es-ES" sz="2000" i="0" dirty="0">
+                <a:solidFill>
+                  <a:schemeClr val="tx1">
+                    <a:lumMod val="95000"/>
+                    <a:lumOff val="5000"/>
+                  </a:schemeClr>
+                </a:solidFill>
+                <a:effectLst/>
+              </a:rPr>
+              <a:t>Texto con 4 caracteres y que termine en ar.</a:t>
+            </a:r>
+            <a:r>
+              <a:rPr lang="es-ES" sz="2000" b="1" i="0" dirty="0">
+                <a:solidFill>
+                  <a:schemeClr val="tx1">
+                    <a:lumMod val="95000"/>
+                    <a:lumOff val="5000"/>
+                  </a:schemeClr>
+                </a:solidFill>
+                <a:effectLst/>
+              </a:rPr>
+              <a:t> </a:t>
+            </a:r>
+            <a:endParaRPr lang="es-ES" sz="2000" b="1" dirty="0">
+              <a:solidFill>
+                <a:schemeClr val="tx1">
+                  <a:lumMod val="95000"/>
+                  <a:lumOff val="5000"/>
+                </a:schemeClr>
+              </a:solidFill>
+            </a:endParaRPr>
+          </a:p>
+        </p:txBody>
+      </p:sp>
+    </p:spTree>
+    <p:extLst>
+      <p:ext uri="{BB962C8B-B14F-4D97-AF65-F5344CB8AC3E}">
+        <p14:creationId xmlns:p14="http://schemas.microsoft.com/office/powerpoint/2010/main" val="3835174959"/>
       </p:ext>
     </p:extLst>
   </p:cSld>
@@ -12333,8 +11831,8 @@
         </p:nvSpPr>
         <p:spPr>
           <a:xfrm>
-            <a:off x="899592" y="1583777"/>
-            <a:ext cx="4683827" cy="506292"/>
+            <a:off x="732113" y="1996191"/>
+            <a:ext cx="7920880" cy="506292"/>
           </a:xfrm>
           <a:prstGeom prst="rect">
             <a:avLst/>
@@ -12362,7 +11860,7 @@
                 </a:solidFill>
                 <a:effectLst/>
               </a:rPr>
-              <a:t>Ejemplo 2: </a:t>
+              <a:t>Ejemplo 3: </a:t>
             </a:r>
             <a:r>
               <a:rPr lang="es-ES" sz="2000" i="0" dirty="0">
@@ -12374,9 +11872,21 @@
                 </a:solidFill>
                 <a:effectLst/>
               </a:rPr>
-              <a:t>Busca todos los números.</a:t>
-            </a:r>
-            <a:endParaRPr lang="es-ES" sz="2000" dirty="0">
+              <a:t>Texto con 4 caracteres y que termine en ar.</a:t>
+            </a:r>
+            <a:r>
+              <a:rPr lang="es-ES" sz="2000" b="1" i="0" dirty="0">
+                <a:solidFill>
+                  <a:schemeClr val="tx1">
+                    <a:lumMod val="95000"/>
+                    <a:lumOff val="5000"/>
+                  </a:schemeClr>
+                </a:solidFill>
+                <a:effectLst/>
+              </a:rPr>
+              <a:t> </a:t>
+            </a:r>
+            <a:endParaRPr lang="es-ES" sz="2000" b="1" dirty="0">
               <a:solidFill>
                 <a:schemeClr val="tx1">
                   <a:lumMod val="95000"/>
@@ -12392,7 +11902,7 @@
           <p:cNvPr id="3" name="Imagen 2">
             <a:extLst>
               <a:ext uri="{FF2B5EF4-FFF2-40B4-BE49-F238E27FC236}">
-                <a16:creationId xmlns:a16="http://schemas.microsoft.com/office/drawing/2014/main" id="{CBF46C46-01AA-4FAE-81E2-92FAEB4E3E47}"/>
+                <a16:creationId xmlns:a16="http://schemas.microsoft.com/office/drawing/2014/main" id="{EA9CC210-D544-440F-8021-7745484E46E6}"/>
               </a:ext>
             </a:extLst>
           </p:cNvPr>
@@ -12409,8 +11919,8 @@
         </p:blipFill>
         <p:spPr>
           <a:xfrm>
-            <a:off x="914400" y="2420888"/>
-            <a:ext cx="7315200" cy="3333750"/>
+            <a:off x="895639" y="2805616"/>
+            <a:ext cx="7611568" cy="2264537"/>
           </a:xfrm>
           <a:prstGeom prst="rect">
             <a:avLst/>
@@ -12419,33 +11929,49 @@
       </p:pic>
       <p:sp>
         <p:nvSpPr>
-          <p:cNvPr id="11" name="Rectangle 4">
+          <p:cNvPr id="10" name="Rectangle 4">
             <a:extLst>
               <a:ext uri="{FF2B5EF4-FFF2-40B4-BE49-F238E27FC236}">
-                <a16:creationId xmlns:a16="http://schemas.microsoft.com/office/drawing/2014/main" id="{5F2CD450-F1A2-44D0-826E-8133FCEE199E}"/>
+                <a16:creationId xmlns:a16="http://schemas.microsoft.com/office/drawing/2014/main" id="{47566EE0-4954-4E0D-B2B2-3E11D449C07F}"/>
               </a:ext>
             </a:extLst>
           </p:cNvPr>
-          <p:cNvSpPr>
-            <a:spLocks noGrp="1" noChangeArrowheads="1"/>
-          </p:cNvSpPr>
-          <p:nvPr>
-            <p:ph type="title"/>
-          </p:nvPr>
+          <p:cNvSpPr txBox="1">
+            <a:spLocks noChangeArrowheads="1"/>
+          </p:cNvSpPr>
+          <p:nvPr/>
         </p:nvSpPr>
         <p:spPr>
           <a:xfrm>
-            <a:off x="289721" y="46280"/>
+            <a:off x="289721" y="4056"/>
             <a:ext cx="8363272" cy="1143000"/>
           </a:xfrm>
-        </p:spPr>
-        <p:txBody>
-          <a:bodyPr>
+          <a:prstGeom prst="rect">
+            <a:avLst/>
+          </a:prstGeom>
+        </p:spPr>
+        <p:txBody>
+          <a:bodyPr vert="horz" lIns="91440" tIns="45720" rIns="91440" bIns="45720" rtlCol="0" anchor="ctr">
             <a:normAutofit/>
           </a:bodyPr>
-          <a:lstStyle/>
-          <a:p>
-            <a:pPr eaLnBrk="1" hangingPunct="1">
+          <a:lstStyle>
+            <a:lvl1pPr algn="ctr" defTabSz="914400" rtl="0" eaLnBrk="1" latinLnBrk="0" hangingPunct="1">
+              <a:spcBef>
+                <a:spcPct val="0"/>
+              </a:spcBef>
+              <a:buNone/>
+              <a:defRPr sz="4400" kern="1200">
+                <a:solidFill>
+                  <a:schemeClr val="tx1"/>
+                </a:solidFill>
+                <a:latin typeface="+mj-lt"/>
+                <a:ea typeface="+mj-ea"/>
+                <a:cs typeface="+mj-cs"/>
+              </a:defRPr>
+            </a:lvl1pPr>
+          </a:lstStyle>
+          <a:p>
+            <a:pPr>
               <a:defRPr/>
             </a:pPr>
             <a:r>
@@ -12482,10 +12008,10 @@
       </p:sp>
       <p:sp>
         <p:nvSpPr>
-          <p:cNvPr id="12" name="CuadroTexto 11">
+          <p:cNvPr id="11" name="CuadroTexto 10">
             <a:extLst>
               <a:ext uri="{FF2B5EF4-FFF2-40B4-BE49-F238E27FC236}">
-                <a16:creationId xmlns:a16="http://schemas.microsoft.com/office/drawing/2014/main" id="{7A68EC81-20D1-482B-988D-DEB369A3512A}"/>
+                <a16:creationId xmlns:a16="http://schemas.microsoft.com/office/drawing/2014/main" id="{DB4734F2-B2C4-4B79-90BB-D1E93446E6FA}"/>
               </a:ext>
             </a:extLst>
           </p:cNvPr>
@@ -12494,8 +12020,8 @@
         </p:nvSpPr>
         <p:spPr>
           <a:xfrm>
-            <a:off x="2627784" y="947069"/>
-            <a:ext cx="3600400" cy="393699"/>
+            <a:off x="891027" y="908720"/>
+            <a:ext cx="7065349" cy="393698"/>
           </a:xfrm>
           <a:prstGeom prst="rect">
             <a:avLst/>
@@ -12526,7 +12052,7 @@
                 <a:effectLst/>
                 <a:latin typeface="inherit"/>
               </a:rPr>
-              <a:t>[] Indica un conjunto de caracteres </a:t>
+              <a:t>Punto(.) Cualquier carácter excepto el salto de línea</a:t>
             </a:r>
           </a:p>
         </p:txBody>
@@ -12534,7 +12060,7 @@
     </p:spTree>
     <p:extLst>
       <p:ext uri="{BB962C8B-B14F-4D97-AF65-F5344CB8AC3E}">
-        <p14:creationId xmlns:p14="http://schemas.microsoft.com/office/powerpoint/2010/main" val="3640664183"/>
+        <p14:creationId xmlns:p14="http://schemas.microsoft.com/office/powerpoint/2010/main" val="1850835887"/>
       </p:ext>
     </p:extLst>
   </p:cSld>
@@ -12620,10 +12146,10 @@
       </p:sp>
       <p:sp>
         <p:nvSpPr>
-          <p:cNvPr id="10" name="CuadroTexto 9">
+          <p:cNvPr id="8" name="CuadroTexto 7">
             <a:extLst>
               <a:ext uri="{FF2B5EF4-FFF2-40B4-BE49-F238E27FC236}">
-                <a16:creationId xmlns:a16="http://schemas.microsoft.com/office/drawing/2014/main" id="{65A32C36-6B63-4F4C-8762-95C0DAD8965B}"/>
+                <a16:creationId xmlns:a16="http://schemas.microsoft.com/office/drawing/2014/main" id="{C54CFFB0-D6E7-4679-A6E8-7F8B2E54D6C1}"/>
               </a:ext>
             </a:extLst>
           </p:cNvPr>
@@ -12632,8 +12158,8 @@
         </p:nvSpPr>
         <p:spPr>
           <a:xfrm>
-            <a:off x="891025" y="950207"/>
-            <a:ext cx="7065349" cy="393698"/>
+            <a:off x="2511993" y="950207"/>
+            <a:ext cx="4369025" cy="393698"/>
           </a:xfrm>
           <a:prstGeom prst="rect">
             <a:avLst/>
@@ -12646,7 +12172,7 @@
           </a:bodyPr>
           <a:lstStyle/>
           <a:p>
-            <a:pPr algn="ctr" fontAlgn="base">
+            <a:pPr algn="just" fontAlgn="base">
               <a:lnSpc>
                 <a:spcPts val="2500"/>
               </a:lnSpc>
@@ -12664,59 +12190,27 @@
                 <a:effectLst/>
                 <a:latin typeface="inherit"/>
               </a:rPr>
-              <a:t>Punto(.) Cualquier carácter excepto el salto de línea</a:t>
-            </a:r>
-          </a:p>
-        </p:txBody>
-      </p:sp>
-      <p:sp>
-        <p:nvSpPr>
-          <p:cNvPr id="7" name="CuadroTexto 6">
-            <a:extLst>
-              <a:ext uri="{FF2B5EF4-FFF2-40B4-BE49-F238E27FC236}">
-                <a16:creationId xmlns:a16="http://schemas.microsoft.com/office/drawing/2014/main" id="{C45CBD37-E855-453E-8CDA-5467A4B05037}"/>
-              </a:ext>
-            </a:extLst>
-          </p:cNvPr>
-          <p:cNvSpPr txBox="1"/>
-          <p:nvPr/>
-        </p:nvSpPr>
-        <p:spPr>
-          <a:xfrm>
-            <a:off x="489179" y="1628800"/>
-            <a:ext cx="7964356" cy="393698"/>
-          </a:xfrm>
-          <a:prstGeom prst="rect">
-            <a:avLst/>
-          </a:prstGeom>
-          <a:noFill/>
-        </p:spPr>
-        <p:txBody>
-          <a:bodyPr wrap="square">
-            <a:spAutoFit/>
-          </a:bodyPr>
-          <a:lstStyle/>
-          <a:p>
-            <a:pPr marL="285750" indent="-285750" algn="just" fontAlgn="base">
-              <a:lnSpc>
-                <a:spcPts val="2500"/>
-              </a:lnSpc>
-              <a:spcAft>
-                <a:spcPts val="600"/>
-              </a:spcAft>
-              <a:buFont typeface="Arial" panose="020B0604020202020204" pitchFamily="34" charset="0"/>
-              <a:buChar char="•"/>
-            </a:pPr>
-            <a:r>
-              <a:rPr lang="es-ES" b="0" i="0" dirty="0">
-                <a:solidFill>
-                  <a:srgbClr val="000000"/>
-                </a:solidFill>
-                <a:effectLst/>
-                <a:latin typeface="inherit"/>
-              </a:rPr>
-              <a:t>Encuentra todos los caracteres.</a:t>
-            </a:r>
+              <a:t>^ </a:t>
+            </a:r>
+            <a:r>
+              <a:rPr lang="es-MX" b="1" dirty="0">
+                <a:solidFill>
+                  <a:schemeClr val="accent6">
+                    <a:lumMod val="75000"/>
+                  </a:schemeClr>
+                </a:solidFill>
+              </a:rPr>
+              <a:t>Coincide con el comienzo de la cadena</a:t>
+            </a:r>
+            <a:endParaRPr lang="es-ES" b="1" i="0" dirty="0">
+              <a:solidFill>
+                <a:schemeClr val="accent6">
+                  <a:lumMod val="75000"/>
+                </a:schemeClr>
+              </a:solidFill>
+              <a:effectLst/>
+              <a:latin typeface="inherit"/>
+            </a:endParaRPr>
           </a:p>
         </p:txBody>
       </p:sp>
@@ -12725,7 +12219,7 @@
           <p:cNvPr id="3" name="Imagen 2">
             <a:extLst>
               <a:ext uri="{FF2B5EF4-FFF2-40B4-BE49-F238E27FC236}">
-                <a16:creationId xmlns:a16="http://schemas.microsoft.com/office/drawing/2014/main" id="{432A1748-633E-43E7-BE55-E8492049DF22}"/>
+                <a16:creationId xmlns:a16="http://schemas.microsoft.com/office/drawing/2014/main" id="{4F4872DA-619A-41A1-BE49-20DE32CBC51C}"/>
               </a:ext>
             </a:extLst>
           </p:cNvPr>
@@ -12742,18 +12236,86 @@
         </p:blipFill>
         <p:spPr>
           <a:xfrm>
-            <a:off x="2733013" y="2276872"/>
-            <a:ext cx="3381375" cy="3619500"/>
+            <a:off x="678202" y="2290056"/>
+            <a:ext cx="8001000" cy="3733800"/>
           </a:xfrm>
           <a:prstGeom prst="rect">
             <a:avLst/>
           </a:prstGeom>
         </p:spPr>
       </p:pic>
+      <p:sp>
+        <p:nvSpPr>
+          <p:cNvPr id="6" name="CuadroTexto 5">
+            <a:extLst>
+              <a:ext uri="{FF2B5EF4-FFF2-40B4-BE49-F238E27FC236}">
+                <a16:creationId xmlns:a16="http://schemas.microsoft.com/office/drawing/2014/main" id="{12BEA311-D141-4761-9657-1E9AB156D83F}"/>
+              </a:ext>
+            </a:extLst>
+          </p:cNvPr>
+          <p:cNvSpPr txBox="1"/>
+          <p:nvPr/>
+        </p:nvSpPr>
+        <p:spPr>
+          <a:xfrm>
+            <a:off x="611560" y="1583476"/>
+            <a:ext cx="7920880" cy="506292"/>
+          </a:xfrm>
+          <a:prstGeom prst="rect">
+            <a:avLst/>
+          </a:prstGeom>
+          <a:noFill/>
+        </p:spPr>
+        <p:txBody>
+          <a:bodyPr wrap="square">
+            <a:spAutoFit/>
+          </a:bodyPr>
+          <a:lstStyle/>
+          <a:p>
+            <a:pPr algn="l">
+              <a:lnSpc>
+                <a:spcPct val="150000"/>
+              </a:lnSpc>
+            </a:pPr>
+            <a:r>
+              <a:rPr lang="es-ES" sz="2000" b="1" i="0" dirty="0">
+                <a:solidFill>
+                  <a:schemeClr val="tx1">
+                    <a:lumMod val="95000"/>
+                    <a:lumOff val="5000"/>
+                  </a:schemeClr>
+                </a:solidFill>
+                <a:effectLst/>
+              </a:rPr>
+              <a:t>Ejemplo 4: </a:t>
+            </a:r>
+            <a:r>
+              <a:rPr lang="es-ES" sz="2000" i="0" dirty="0">
+                <a:solidFill>
+                  <a:schemeClr val="tx1">
+                    <a:lumMod val="95000"/>
+                    <a:lumOff val="5000"/>
+                  </a:schemeClr>
+                </a:solidFill>
+                <a:effectLst/>
+              </a:rPr>
+              <a:t>Letra que comience en mayúsculas.</a:t>
+            </a:r>
+            <a:endParaRPr lang="es-ES" sz="2000" dirty="0">
+              <a:solidFill>
+                <a:schemeClr val="tx1">
+                  <a:lumMod val="95000"/>
+                  <a:lumOff val="5000"/>
+                </a:schemeClr>
+              </a:solidFill>
+            </a:endParaRPr>
+          </a:p>
+        </p:txBody>
+      </p:sp>
     </p:spTree>
     <p:extLst>
       <p:ext uri="{BB962C8B-B14F-4D97-AF65-F5344CB8AC3E}">
-        <p14:creationId xmlns:p14="http://schemas.microsoft.com/office/powerpoint/2010/main" val="1011036219"/>
+        <p14:creationId xmlns:p14="http://schemas.microsoft.com/office/powerpoint/2010/main" val="661053148"/>
       </p:ext>
     </p:extLst>
   </p:cSld>
@@ -12837,12 +12399,150 @@
           </a:p>
         </p:txBody>
       </p:sp>
+      <p:sp>
+        <p:nvSpPr>
+          <p:cNvPr id="8" name="CuadroTexto 7">
+            <a:extLst>
+              <a:ext uri="{FF2B5EF4-FFF2-40B4-BE49-F238E27FC236}">
+                <a16:creationId xmlns:a16="http://schemas.microsoft.com/office/drawing/2014/main" id="{C54CFFB0-D6E7-4679-A6E8-7F8B2E54D6C1}"/>
+              </a:ext>
+            </a:extLst>
+          </p:cNvPr>
+          <p:cNvSpPr txBox="1"/>
+          <p:nvPr/>
+        </p:nvSpPr>
+        <p:spPr>
+          <a:xfrm>
+            <a:off x="2511993" y="950207"/>
+            <a:ext cx="4369025" cy="393698"/>
+          </a:xfrm>
+          <a:prstGeom prst="rect">
+            <a:avLst/>
+          </a:prstGeom>
+          <a:noFill/>
+        </p:spPr>
+        <p:txBody>
+          <a:bodyPr wrap="square">
+            <a:spAutoFit/>
+          </a:bodyPr>
+          <a:lstStyle/>
+          <a:p>
+            <a:pPr algn="just" fontAlgn="base">
+              <a:lnSpc>
+                <a:spcPts val="2500"/>
+              </a:lnSpc>
+              <a:spcAft>
+                <a:spcPts val="600"/>
+              </a:spcAft>
+            </a:pPr>
+            <a:r>
+              <a:rPr lang="es-ES" b="1" i="0" dirty="0">
+                <a:solidFill>
+                  <a:schemeClr val="accent6">
+                    <a:lumMod val="75000"/>
+                  </a:schemeClr>
+                </a:solidFill>
+                <a:effectLst/>
+                <a:latin typeface="inherit"/>
+              </a:rPr>
+              <a:t>^ </a:t>
+            </a:r>
+            <a:r>
+              <a:rPr lang="es-MX" b="1" dirty="0">
+                <a:solidFill>
+                  <a:schemeClr val="accent6">
+                    <a:lumMod val="75000"/>
+                  </a:schemeClr>
+                </a:solidFill>
+              </a:rPr>
+              <a:t>Coincide con el comienzo de la cadena</a:t>
+            </a:r>
+            <a:endParaRPr lang="es-ES" b="1" i="0" dirty="0">
+              <a:solidFill>
+                <a:schemeClr val="accent6">
+                  <a:lumMod val="75000"/>
+                </a:schemeClr>
+              </a:solidFill>
+              <a:effectLst/>
+              <a:latin typeface="inherit"/>
+            </a:endParaRPr>
+          </a:p>
+        </p:txBody>
+      </p:sp>
+      <p:sp>
+        <p:nvSpPr>
+          <p:cNvPr id="9" name="CuadroTexto 8">
+            <a:extLst>
+              <a:ext uri="{FF2B5EF4-FFF2-40B4-BE49-F238E27FC236}">
+                <a16:creationId xmlns:a16="http://schemas.microsoft.com/office/drawing/2014/main" id="{3C2E1319-C186-4202-8393-814D31E5493C}"/>
+              </a:ext>
+            </a:extLst>
+          </p:cNvPr>
+          <p:cNvSpPr txBox="1"/>
+          <p:nvPr/>
+        </p:nvSpPr>
+        <p:spPr>
+          <a:xfrm>
+            <a:off x="611560" y="1583476"/>
+            <a:ext cx="7920880" cy="506292"/>
+          </a:xfrm>
+          <a:prstGeom prst="rect">
+            <a:avLst/>
+          </a:prstGeom>
+          <a:noFill/>
+        </p:spPr>
+        <p:txBody>
+          <a:bodyPr wrap="square">
+            <a:spAutoFit/>
+          </a:bodyPr>
+          <a:lstStyle/>
+          <a:p>
+            <a:pPr algn="l">
+              <a:lnSpc>
+                <a:spcPct val="150000"/>
+              </a:lnSpc>
+            </a:pPr>
+            <a:r>
+              <a:rPr lang="es-ES" sz="2000" b="1" i="0" dirty="0">
+                <a:solidFill>
+                  <a:schemeClr val="tx1">
+                    <a:lumMod val="95000"/>
+                    <a:lumOff val="5000"/>
+                  </a:schemeClr>
+                </a:solidFill>
+                <a:effectLst/>
+              </a:rPr>
+              <a:t>Ejemplo 4: </a:t>
+            </a:r>
+            <a:r>
+              <a:rPr lang="es-ES" sz="2000" i="0" dirty="0">
+                <a:solidFill>
+                  <a:schemeClr val="tx1">
+                    <a:lumMod val="95000"/>
+                    <a:lumOff val="5000"/>
+                  </a:schemeClr>
+                </a:solidFill>
+                <a:effectLst/>
+              </a:rPr>
+              <a:t>Letra que comience en mayúsculas.</a:t>
+            </a:r>
+            <a:endParaRPr lang="es-ES" sz="2000" dirty="0">
+              <a:solidFill>
+                <a:schemeClr val="tx1">
+                  <a:lumMod val="95000"/>
+                  <a:lumOff val="5000"/>
+                </a:schemeClr>
+              </a:solidFill>
+            </a:endParaRPr>
+          </a:p>
+        </p:txBody>
+      </p:sp>
       <p:pic>
         <p:nvPicPr>
-          <p:cNvPr id="6" name="Imagen 5">
+          <p:cNvPr id="4" name="Imagen 3">
             <a:extLst>
               <a:ext uri="{FF2B5EF4-FFF2-40B4-BE49-F238E27FC236}">
-                <a16:creationId xmlns:a16="http://schemas.microsoft.com/office/drawing/2014/main" id="{89503A3F-E9DA-4811-B06F-68C27D84A950}"/>
+                <a16:creationId xmlns:a16="http://schemas.microsoft.com/office/drawing/2014/main" id="{D030C024-0B9F-42D1-BEC6-A46FCB039A44}"/>
               </a:ext>
             </a:extLst>
           </p:cNvPr>
@@ -12859,149 +12559,18 @@
         </p:blipFill>
         <p:spPr>
           <a:xfrm>
-            <a:off x="936011" y="2615298"/>
-            <a:ext cx="7581900" cy="2781300"/>
+            <a:off x="611560" y="2305544"/>
+            <a:ext cx="8162925" cy="2857500"/>
           </a:xfrm>
           <a:prstGeom prst="rect">
             <a:avLst/>
           </a:prstGeom>
         </p:spPr>
       </p:pic>
-      <p:sp>
-        <p:nvSpPr>
-          <p:cNvPr id="10" name="CuadroTexto 9">
-            <a:extLst>
-              <a:ext uri="{FF2B5EF4-FFF2-40B4-BE49-F238E27FC236}">
-                <a16:creationId xmlns:a16="http://schemas.microsoft.com/office/drawing/2014/main" id="{65A32C36-6B63-4F4C-8762-95C0DAD8965B}"/>
-              </a:ext>
-            </a:extLst>
-          </p:cNvPr>
-          <p:cNvSpPr txBox="1"/>
-          <p:nvPr/>
-        </p:nvSpPr>
-        <p:spPr>
-          <a:xfrm>
-            <a:off x="891027" y="854548"/>
-            <a:ext cx="7065349" cy="393698"/>
-          </a:xfrm>
-          <a:prstGeom prst="rect">
-            <a:avLst/>
-          </a:prstGeom>
-          <a:noFill/>
-        </p:spPr>
-        <p:txBody>
-          <a:bodyPr wrap="square">
-            <a:spAutoFit/>
-          </a:bodyPr>
-          <a:lstStyle/>
-          <a:p>
-            <a:pPr algn="ctr" fontAlgn="base">
-              <a:lnSpc>
-                <a:spcPts val="2500"/>
-              </a:lnSpc>
-              <a:spcAft>
-                <a:spcPts val="600"/>
-              </a:spcAft>
-            </a:pPr>
-            <a:r>
-              <a:rPr lang="es-ES" b="1" i="0" dirty="0">
-                <a:solidFill>
-                  <a:schemeClr val="accent6">
-                    <a:lumMod val="75000"/>
-                  </a:schemeClr>
-                </a:solidFill>
-                <a:effectLst/>
-                <a:latin typeface="inherit"/>
-              </a:rPr>
-              <a:t>Punto(.) Cualquier carácter excepto el salto de línea</a:t>
-            </a:r>
-          </a:p>
-        </p:txBody>
-      </p:sp>
-      <p:sp>
-        <p:nvSpPr>
-          <p:cNvPr id="7" name="CuadroTexto 6">
-            <a:extLst>
-              <a:ext uri="{FF2B5EF4-FFF2-40B4-BE49-F238E27FC236}">
-                <a16:creationId xmlns:a16="http://schemas.microsoft.com/office/drawing/2014/main" id="{D063FB26-AAEE-4512-8152-582C6C8E3508}"/>
-              </a:ext>
-            </a:extLst>
-          </p:cNvPr>
-          <p:cNvSpPr txBox="1"/>
-          <p:nvPr/>
-        </p:nvSpPr>
-        <p:spPr>
-          <a:xfrm>
-            <a:off x="891027" y="1744402"/>
-            <a:ext cx="7920880" cy="506292"/>
-          </a:xfrm>
-          <a:prstGeom prst="rect">
-            <a:avLst/>
-          </a:prstGeom>
-          <a:noFill/>
-        </p:spPr>
-        <p:txBody>
-          <a:bodyPr wrap="square">
-            <a:spAutoFit/>
-          </a:bodyPr>
-          <a:lstStyle/>
-          <a:p>
-            <a:pPr algn="l">
-              <a:lnSpc>
-                <a:spcPct val="150000"/>
-              </a:lnSpc>
-            </a:pPr>
-            <a:r>
-              <a:rPr lang="es-ES" sz="2000" b="1" i="0" dirty="0">
-                <a:solidFill>
-                  <a:schemeClr val="tx1">
-                    <a:lumMod val="95000"/>
-                    <a:lumOff val="5000"/>
-                  </a:schemeClr>
-                </a:solidFill>
-                <a:effectLst/>
-              </a:rPr>
-              <a:t>Ejemplo 3: </a:t>
-            </a:r>
-            <a:r>
-              <a:rPr lang="es-ES" sz="2000" i="0" dirty="0">
-                <a:solidFill>
-                  <a:schemeClr val="tx1">
-                    <a:lumMod val="95000"/>
-                    <a:lumOff val="5000"/>
-                  </a:schemeClr>
-                </a:solidFill>
-                <a:effectLst/>
-              </a:rPr>
-              <a:t>Texto con 4 caracteres y que termine en ar.</a:t>
-            </a:r>
-            <a:r>
-              <a:rPr lang="es-ES" sz="2000" b="1" i="0" dirty="0">
-                <a:solidFill>
-                  <a:schemeClr val="tx1">
-                    <a:lumMod val="95000"/>
-                    <a:lumOff val="5000"/>
-                  </a:schemeClr>
-                </a:solidFill>
-                <a:effectLst/>
-              </a:rPr>
-              <a:t> </a:t>
-            </a:r>
-            <a:endParaRPr lang="es-ES" sz="2000" b="1" dirty="0">
-              <a:solidFill>
-                <a:schemeClr val="tx1">
-                  <a:lumMod val="95000"/>
-                  <a:lumOff val="5000"/>
-                </a:schemeClr>
-              </a:solidFill>
-            </a:endParaRPr>
-          </a:p>
-        </p:txBody>
-      </p:sp>
     </p:spTree>
     <p:extLst>
       <p:ext uri="{BB962C8B-B14F-4D97-AF65-F5344CB8AC3E}">
-        <p14:creationId xmlns:p14="http://schemas.microsoft.com/office/powerpoint/2010/main" val="3835174959"/>
+        <p14:creationId xmlns:p14="http://schemas.microsoft.com/office/powerpoint/2010/main" val="499312516"/>
       </p:ext>
     </p:extLst>
   </p:cSld>
@@ -13030,1384 +12599,6 @@
       </p:grpSpPr>
       <p:sp>
         <p:nvSpPr>
-          <p:cNvPr id="9" name="CuadroTexto 8">
-            <a:extLst>
-              <a:ext uri="{FF2B5EF4-FFF2-40B4-BE49-F238E27FC236}">
-                <a16:creationId xmlns:a16="http://schemas.microsoft.com/office/drawing/2014/main" id="{3C2E1319-C186-4202-8393-814D31E5493C}"/>
-              </a:ext>
-            </a:extLst>
-          </p:cNvPr>
-          <p:cNvSpPr txBox="1"/>
-          <p:nvPr/>
-        </p:nvSpPr>
-        <p:spPr>
-          <a:xfrm>
-            <a:off x="732113" y="1996191"/>
-            <a:ext cx="7920880" cy="506292"/>
-          </a:xfrm>
-          <a:prstGeom prst="rect">
-            <a:avLst/>
-          </a:prstGeom>
-          <a:noFill/>
-        </p:spPr>
-        <p:txBody>
-          <a:bodyPr wrap="square">
-            <a:spAutoFit/>
-          </a:bodyPr>
-          <a:lstStyle/>
-          <a:p>
-            <a:pPr algn="l">
-              <a:lnSpc>
-                <a:spcPct val="150000"/>
-              </a:lnSpc>
-            </a:pPr>
-            <a:r>
-              <a:rPr lang="es-ES" sz="2000" b="1" i="0" dirty="0">
-                <a:solidFill>
-                  <a:schemeClr val="tx1">
-                    <a:lumMod val="95000"/>
-                    <a:lumOff val="5000"/>
-                  </a:schemeClr>
-                </a:solidFill>
-                <a:effectLst/>
-              </a:rPr>
-              <a:t>Ejemplo 3: </a:t>
-            </a:r>
-            <a:r>
-              <a:rPr lang="es-ES" sz="2000" i="0" dirty="0">
-                <a:solidFill>
-                  <a:schemeClr val="tx1">
-                    <a:lumMod val="95000"/>
-                    <a:lumOff val="5000"/>
-                  </a:schemeClr>
-                </a:solidFill>
-                <a:effectLst/>
-              </a:rPr>
-              <a:t>Texto con 4 caracteres y que termine en ar.</a:t>
-            </a:r>
-            <a:r>
-              <a:rPr lang="es-ES" sz="2000" b="1" i="0" dirty="0">
-                <a:solidFill>
-                  <a:schemeClr val="tx1">
-                    <a:lumMod val="95000"/>
-                    <a:lumOff val="5000"/>
-                  </a:schemeClr>
-                </a:solidFill>
-                <a:effectLst/>
-              </a:rPr>
-              <a:t> </a:t>
-            </a:r>
-            <a:endParaRPr lang="es-ES" sz="2000" b="1" dirty="0">
-              <a:solidFill>
-                <a:schemeClr val="tx1">
-                  <a:lumMod val="95000"/>
-                  <a:lumOff val="5000"/>
-                </a:schemeClr>
-              </a:solidFill>
-            </a:endParaRPr>
-          </a:p>
-        </p:txBody>
-      </p:sp>
-      <p:pic>
-        <p:nvPicPr>
-          <p:cNvPr id="3" name="Imagen 2">
-            <a:extLst>
-              <a:ext uri="{FF2B5EF4-FFF2-40B4-BE49-F238E27FC236}">
-                <a16:creationId xmlns:a16="http://schemas.microsoft.com/office/drawing/2014/main" id="{EA9CC210-D544-440F-8021-7745484E46E6}"/>
-              </a:ext>
-            </a:extLst>
-          </p:cNvPr>
-          <p:cNvPicPr>
-            <a:picLocks noChangeAspect="1"/>
-          </p:cNvPicPr>
-          <p:nvPr/>
-        </p:nvPicPr>
-        <p:blipFill>
-          <a:blip r:embed="rId3"/>
-          <a:stretch>
-            <a:fillRect/>
-          </a:stretch>
-        </p:blipFill>
-        <p:spPr>
-          <a:xfrm>
-            <a:off x="895639" y="2805616"/>
-            <a:ext cx="7611568" cy="2264537"/>
-          </a:xfrm>
-          <a:prstGeom prst="rect">
-            <a:avLst/>
-          </a:prstGeom>
-        </p:spPr>
-      </p:pic>
-      <p:sp>
-        <p:nvSpPr>
-          <p:cNvPr id="10" name="Rectangle 4">
-            <a:extLst>
-              <a:ext uri="{FF2B5EF4-FFF2-40B4-BE49-F238E27FC236}">
-                <a16:creationId xmlns:a16="http://schemas.microsoft.com/office/drawing/2014/main" id="{47566EE0-4954-4E0D-B2B2-3E11D449C07F}"/>
-              </a:ext>
-            </a:extLst>
-          </p:cNvPr>
-          <p:cNvSpPr txBox="1">
-            <a:spLocks noChangeArrowheads="1"/>
-          </p:cNvSpPr>
-          <p:nvPr/>
-        </p:nvSpPr>
-        <p:spPr>
-          <a:xfrm>
-            <a:off x="289721" y="4056"/>
-            <a:ext cx="8363272" cy="1143000"/>
-          </a:xfrm>
-          <a:prstGeom prst="rect">
-            <a:avLst/>
-          </a:prstGeom>
-        </p:spPr>
-        <p:txBody>
-          <a:bodyPr vert="horz" lIns="91440" tIns="45720" rIns="91440" bIns="45720" rtlCol="0" anchor="ctr">
-            <a:normAutofit/>
-          </a:bodyPr>
-          <a:lstStyle>
-            <a:lvl1pPr algn="ctr" defTabSz="914400" rtl="0" eaLnBrk="1" latinLnBrk="0" hangingPunct="1">
-              <a:spcBef>
-                <a:spcPct val="0"/>
-              </a:spcBef>
-              <a:buNone/>
-              <a:defRPr sz="4400" kern="1200">
-                <a:solidFill>
-                  <a:schemeClr val="tx1"/>
-                </a:solidFill>
-                <a:latin typeface="+mj-lt"/>
-                <a:ea typeface="+mj-ea"/>
-                <a:cs typeface="+mj-cs"/>
-              </a:defRPr>
-            </a:lvl1pPr>
-          </a:lstStyle>
-          <a:p>
-            <a:pPr>
-              <a:defRPr/>
-            </a:pPr>
-            <a:r>
-              <a:rPr lang="es-MX" b="1" dirty="0" err="1">
-                <a:solidFill>
-                  <a:schemeClr val="accent4">
-                    <a:lumMod val="50000"/>
-                  </a:schemeClr>
-                </a:solidFill>
-                <a:effectLst>
-                  <a:outerShdw blurRad="38100" dist="38100" dir="2700000" algn="tl">
-                    <a:srgbClr val="C0C0C0"/>
-                  </a:outerShdw>
-                </a:effectLst>
-                <a:latin typeface="Dom Casual" charset="0"/>
-              </a:rPr>
-              <a:t>Metacaracteres</a:t>
-            </a:r>
-            <a:endParaRPr lang="es-MX" b="1" dirty="0">
-              <a:solidFill>
-                <a:schemeClr val="accent4">
-                  <a:lumMod val="50000"/>
-                </a:schemeClr>
-              </a:solidFill>
-              <a:effectLst>
-                <a:outerShdw blurRad="38100" dist="38100" dir="2700000" algn="tl">
-                  <a:srgbClr val="C0C0C0"/>
-                </a:outerShdw>
-              </a:effectLst>
-              <a:latin typeface="Dom Casual" charset="0"/>
-            </a:endParaRPr>
-          </a:p>
-        </p:txBody>
-      </p:sp>
-      <p:sp>
-        <p:nvSpPr>
-          <p:cNvPr id="11" name="CuadroTexto 10">
-            <a:extLst>
-              <a:ext uri="{FF2B5EF4-FFF2-40B4-BE49-F238E27FC236}">
-                <a16:creationId xmlns:a16="http://schemas.microsoft.com/office/drawing/2014/main" id="{DB4734F2-B2C4-4B79-90BB-D1E93446E6FA}"/>
-              </a:ext>
-            </a:extLst>
-          </p:cNvPr>
-          <p:cNvSpPr txBox="1"/>
-          <p:nvPr/>
-        </p:nvSpPr>
-        <p:spPr>
-          <a:xfrm>
-            <a:off x="891027" y="908720"/>
-            <a:ext cx="7065349" cy="393698"/>
-          </a:xfrm>
-          <a:prstGeom prst="rect">
-            <a:avLst/>
-          </a:prstGeom>
-          <a:noFill/>
-        </p:spPr>
-        <p:txBody>
-          <a:bodyPr wrap="square">
-            <a:spAutoFit/>
-          </a:bodyPr>
-          <a:lstStyle/>
-          <a:p>
-            <a:pPr algn="ctr" fontAlgn="base">
-              <a:lnSpc>
-                <a:spcPts val="2500"/>
-              </a:lnSpc>
-              <a:spcAft>
-                <a:spcPts val="600"/>
-              </a:spcAft>
-            </a:pPr>
-            <a:r>
-              <a:rPr lang="es-ES" b="1" i="0" dirty="0">
-                <a:solidFill>
-                  <a:schemeClr val="accent6">
-                    <a:lumMod val="75000"/>
-                  </a:schemeClr>
-                </a:solidFill>
-                <a:effectLst/>
-                <a:latin typeface="inherit"/>
-              </a:rPr>
-              <a:t>Punto(.) Cualquier carácter excepto el salto de línea</a:t>
-            </a:r>
-          </a:p>
-        </p:txBody>
-      </p:sp>
-    </p:spTree>
-    <p:extLst>
-      <p:ext uri="{BB962C8B-B14F-4D97-AF65-F5344CB8AC3E}">
-        <p14:creationId xmlns:p14="http://schemas.microsoft.com/office/powerpoint/2010/main" val="1850835887"/>
-      </p:ext>
-    </p:extLst>
-  </p:cSld>
-  <p:clrMapOvr>
-    <a:masterClrMapping/>
-  </p:clrMapOvr>
-</p:sld>
-</file>
-
-<file path=ppt/slides/slide29.xml><?xml version="1.0" encoding="utf-8"?>
-<p:sld xmlns:a="http://schemas.openxmlformats.org/drawingml/2006/main" xmlns:r="http://schemas.openxmlformats.org/officeDocument/2006/relationships" xmlns:p="http://schemas.openxmlformats.org/presentationml/2006/main">
-  <p:cSld>
-    <p:spTree>
-      <p:nvGrpSpPr>
-        <p:cNvPr id="1" name=""/>
-        <p:cNvGrpSpPr/>
-        <p:nvPr/>
-      </p:nvGrpSpPr>
-      <p:grpSpPr>
-        <a:xfrm>
-          <a:off x="0" y="0"/>
-          <a:ext cx="0" cy="0"/>
-          <a:chOff x="0" y="0"/>
-          <a:chExt cx="0" cy="0"/>
-        </a:xfrm>
-      </p:grpSpPr>
-      <p:sp>
-        <p:nvSpPr>
-          <p:cNvPr id="184324" name="Rectangle 4"/>
-          <p:cNvSpPr>
-            <a:spLocks noGrp="1" noChangeArrowheads="1"/>
-          </p:cNvSpPr>
-          <p:nvPr>
-            <p:ph type="title"/>
-          </p:nvPr>
-        </p:nvSpPr>
-        <p:spPr>
-          <a:xfrm>
-            <a:off x="289721" y="4056"/>
-            <a:ext cx="8363272" cy="1143000"/>
-          </a:xfrm>
-        </p:spPr>
-        <p:txBody>
-          <a:bodyPr>
-            <a:normAutofit/>
-          </a:bodyPr>
-          <a:lstStyle/>
-          <a:p>
-            <a:pPr eaLnBrk="1" hangingPunct="1">
-              <a:defRPr/>
-            </a:pPr>
-            <a:r>
-              <a:rPr lang="es-MX" b="1" dirty="0" err="1">
-                <a:solidFill>
-                  <a:schemeClr val="accent4">
-                    <a:lumMod val="50000"/>
-                  </a:schemeClr>
-                </a:solidFill>
-                <a:effectLst>
-                  <a:outerShdw blurRad="38100" dist="38100" dir="2700000" algn="tl">
-                    <a:srgbClr val="C0C0C0"/>
-                  </a:outerShdw>
-                </a:effectLst>
-                <a:latin typeface="Dom Casual" charset="0"/>
-              </a:rPr>
-              <a:t>Metacaracteres</a:t>
-            </a:r>
-            <a:endParaRPr lang="es-MX" b="1" dirty="0">
-              <a:solidFill>
-                <a:schemeClr val="accent4">
-                  <a:lumMod val="50000"/>
-                </a:schemeClr>
-              </a:solidFill>
-              <a:effectLst>
-                <a:outerShdw blurRad="38100" dist="38100" dir="2700000" algn="tl">
-                  <a:srgbClr val="C0C0C0"/>
-                </a:outerShdw>
-              </a:effectLst>
-              <a:latin typeface="Dom Casual" charset="0"/>
-            </a:endParaRPr>
-          </a:p>
-        </p:txBody>
-      </p:sp>
-      <p:sp>
-        <p:nvSpPr>
-          <p:cNvPr id="8" name="CuadroTexto 7">
-            <a:extLst>
-              <a:ext uri="{FF2B5EF4-FFF2-40B4-BE49-F238E27FC236}">
-                <a16:creationId xmlns:a16="http://schemas.microsoft.com/office/drawing/2014/main" id="{C54CFFB0-D6E7-4679-A6E8-7F8B2E54D6C1}"/>
-              </a:ext>
-            </a:extLst>
-          </p:cNvPr>
-          <p:cNvSpPr txBox="1"/>
-          <p:nvPr/>
-        </p:nvSpPr>
-        <p:spPr>
-          <a:xfrm>
-            <a:off x="2511993" y="950207"/>
-            <a:ext cx="4369025" cy="393698"/>
-          </a:xfrm>
-          <a:prstGeom prst="rect">
-            <a:avLst/>
-          </a:prstGeom>
-          <a:noFill/>
-        </p:spPr>
-        <p:txBody>
-          <a:bodyPr wrap="square">
-            <a:spAutoFit/>
-          </a:bodyPr>
-          <a:lstStyle/>
-          <a:p>
-            <a:pPr algn="just" fontAlgn="base">
-              <a:lnSpc>
-                <a:spcPts val="2500"/>
-              </a:lnSpc>
-              <a:spcAft>
-                <a:spcPts val="600"/>
-              </a:spcAft>
-            </a:pPr>
-            <a:r>
-              <a:rPr lang="es-ES" b="1" i="0" dirty="0">
-                <a:solidFill>
-                  <a:schemeClr val="accent6">
-                    <a:lumMod val="75000"/>
-                  </a:schemeClr>
-                </a:solidFill>
-                <a:effectLst/>
-                <a:latin typeface="inherit"/>
-              </a:rPr>
-              <a:t>^ </a:t>
-            </a:r>
-            <a:r>
-              <a:rPr lang="es-MX" b="1" dirty="0">
-                <a:solidFill>
-                  <a:schemeClr val="accent6">
-                    <a:lumMod val="75000"/>
-                  </a:schemeClr>
-                </a:solidFill>
-              </a:rPr>
-              <a:t>Coincide con el comienzo de la cadena</a:t>
-            </a:r>
-            <a:endParaRPr lang="es-ES" b="1" i="0" dirty="0">
-              <a:solidFill>
-                <a:schemeClr val="accent6">
-                  <a:lumMod val="75000"/>
-                </a:schemeClr>
-              </a:solidFill>
-              <a:effectLst/>
-              <a:latin typeface="inherit"/>
-            </a:endParaRPr>
-          </a:p>
-        </p:txBody>
-      </p:sp>
-      <p:pic>
-        <p:nvPicPr>
-          <p:cNvPr id="3" name="Imagen 2">
-            <a:extLst>
-              <a:ext uri="{FF2B5EF4-FFF2-40B4-BE49-F238E27FC236}">
-                <a16:creationId xmlns:a16="http://schemas.microsoft.com/office/drawing/2014/main" id="{4F4872DA-619A-41A1-BE49-20DE32CBC51C}"/>
-              </a:ext>
-            </a:extLst>
-          </p:cNvPr>
-          <p:cNvPicPr>
-            <a:picLocks noChangeAspect="1"/>
-          </p:cNvPicPr>
-          <p:nvPr/>
-        </p:nvPicPr>
-        <p:blipFill>
-          <a:blip r:embed="rId3"/>
-          <a:stretch>
-            <a:fillRect/>
-          </a:stretch>
-        </p:blipFill>
-        <p:spPr>
-          <a:xfrm>
-            <a:off x="678202" y="2290056"/>
-            <a:ext cx="8001000" cy="3733800"/>
-          </a:xfrm>
-          <a:prstGeom prst="rect">
-            <a:avLst/>
-          </a:prstGeom>
-        </p:spPr>
-      </p:pic>
-      <p:sp>
-        <p:nvSpPr>
-          <p:cNvPr id="6" name="CuadroTexto 5">
-            <a:extLst>
-              <a:ext uri="{FF2B5EF4-FFF2-40B4-BE49-F238E27FC236}">
-                <a16:creationId xmlns:a16="http://schemas.microsoft.com/office/drawing/2014/main" id="{12BEA311-D141-4761-9657-1E9AB156D83F}"/>
-              </a:ext>
-            </a:extLst>
-          </p:cNvPr>
-          <p:cNvSpPr txBox="1"/>
-          <p:nvPr/>
-        </p:nvSpPr>
-        <p:spPr>
-          <a:xfrm>
-            <a:off x="611560" y="1583476"/>
-            <a:ext cx="7920880" cy="506292"/>
-          </a:xfrm>
-          <a:prstGeom prst="rect">
-            <a:avLst/>
-          </a:prstGeom>
-          <a:noFill/>
-        </p:spPr>
-        <p:txBody>
-          <a:bodyPr wrap="square">
-            <a:spAutoFit/>
-          </a:bodyPr>
-          <a:lstStyle/>
-          <a:p>
-            <a:pPr algn="l">
-              <a:lnSpc>
-                <a:spcPct val="150000"/>
-              </a:lnSpc>
-            </a:pPr>
-            <a:r>
-              <a:rPr lang="es-ES" sz="2000" b="1" i="0" dirty="0">
-                <a:solidFill>
-                  <a:schemeClr val="tx1">
-                    <a:lumMod val="95000"/>
-                    <a:lumOff val="5000"/>
-                  </a:schemeClr>
-                </a:solidFill>
-                <a:effectLst/>
-              </a:rPr>
-              <a:t>Ejemplo 4: </a:t>
-            </a:r>
-            <a:r>
-              <a:rPr lang="es-ES" sz="2000" i="0" dirty="0">
-                <a:solidFill>
-                  <a:schemeClr val="tx1">
-                    <a:lumMod val="95000"/>
-                    <a:lumOff val="5000"/>
-                  </a:schemeClr>
-                </a:solidFill>
-                <a:effectLst/>
-              </a:rPr>
-              <a:t>Letra que comience en mayúsculas.</a:t>
-            </a:r>
-            <a:endParaRPr lang="es-ES" sz="2000" dirty="0">
-              <a:solidFill>
-                <a:schemeClr val="tx1">
-                  <a:lumMod val="95000"/>
-                  <a:lumOff val="5000"/>
-                </a:schemeClr>
-              </a:solidFill>
-            </a:endParaRPr>
-          </a:p>
-        </p:txBody>
-      </p:sp>
-    </p:spTree>
-    <p:extLst>
-      <p:ext uri="{BB962C8B-B14F-4D97-AF65-F5344CB8AC3E}">
-        <p14:creationId xmlns:p14="http://schemas.microsoft.com/office/powerpoint/2010/main" val="661053148"/>
-      </p:ext>
-    </p:extLst>
-  </p:cSld>
-  <p:clrMapOvr>
-    <a:masterClrMapping/>
-  </p:clrMapOvr>
-</p:sld>
-</file>
-
-<file path=ppt/slides/slide3.xml><?xml version="1.0" encoding="utf-8"?>
-<p:sld xmlns:a="http://schemas.openxmlformats.org/drawingml/2006/main" xmlns:r="http://schemas.openxmlformats.org/officeDocument/2006/relationships" xmlns:p="http://schemas.openxmlformats.org/presentationml/2006/main">
-  <p:cSld>
-    <p:spTree>
-      <p:nvGrpSpPr>
-        <p:cNvPr id="1" name=""/>
-        <p:cNvGrpSpPr/>
-        <p:nvPr/>
-      </p:nvGrpSpPr>
-      <p:grpSpPr>
-        <a:xfrm>
-          <a:off x="0" y="0"/>
-          <a:ext cx="0" cy="0"/>
-          <a:chOff x="0" y="0"/>
-          <a:chExt cx="0" cy="0"/>
-        </a:xfrm>
-      </p:grpSpPr>
-      <p:sp>
-        <p:nvSpPr>
-          <p:cNvPr id="184324" name="Rectangle 4"/>
-          <p:cNvSpPr>
-            <a:spLocks noGrp="1" noChangeArrowheads="1"/>
-          </p:cNvSpPr>
-          <p:nvPr>
-            <p:ph type="title"/>
-          </p:nvPr>
-        </p:nvSpPr>
-        <p:spPr>
-          <a:xfrm>
-            <a:off x="282352" y="-17738"/>
-            <a:ext cx="8579296" cy="1143000"/>
-          </a:xfrm>
-        </p:spPr>
-        <p:txBody>
-          <a:bodyPr>
-            <a:normAutofit fontScale="90000"/>
-          </a:bodyPr>
-          <a:lstStyle/>
-          <a:p>
-            <a:pPr eaLnBrk="1" hangingPunct="1">
-              <a:defRPr/>
-            </a:pPr>
-            <a:r>
-              <a:rPr lang="es-MX" b="1" dirty="0">
-                <a:solidFill>
-                  <a:schemeClr val="accent4">
-                    <a:lumMod val="50000"/>
-                  </a:schemeClr>
-                </a:solidFill>
-                <a:effectLst>
-                  <a:outerShdw blurRad="38100" dist="38100" dir="2700000" algn="tl">
-                    <a:srgbClr val="C0C0C0"/>
-                  </a:outerShdw>
-                </a:effectLst>
-                <a:latin typeface="Dom Casual" charset="0"/>
-              </a:rPr>
-              <a:t>¿Cómo usar las expresiones regulares?</a:t>
-            </a:r>
-          </a:p>
-        </p:txBody>
-      </p:sp>
-      <p:sp>
-        <p:nvSpPr>
-          <p:cNvPr id="10" name="CuadroTexto 9">
-            <a:extLst>
-              <a:ext uri="{FF2B5EF4-FFF2-40B4-BE49-F238E27FC236}">
-                <a16:creationId xmlns:a16="http://schemas.microsoft.com/office/drawing/2014/main" id="{28D7FAFF-9722-4D6A-9DE5-55FC738D0886}"/>
-              </a:ext>
-            </a:extLst>
-          </p:cNvPr>
-          <p:cNvSpPr txBox="1"/>
-          <p:nvPr/>
-        </p:nvSpPr>
-        <p:spPr>
-          <a:xfrm>
-            <a:off x="423664" y="1643589"/>
-            <a:ext cx="7920880" cy="506292"/>
-          </a:xfrm>
-          <a:prstGeom prst="rect">
-            <a:avLst/>
-          </a:prstGeom>
-          <a:noFill/>
-        </p:spPr>
-        <p:txBody>
-          <a:bodyPr wrap="square">
-            <a:spAutoFit/>
-          </a:bodyPr>
-          <a:lstStyle/>
-          <a:p>
-            <a:pPr algn="l">
-              <a:lnSpc>
-                <a:spcPct val="150000"/>
-              </a:lnSpc>
-            </a:pPr>
-            <a:r>
-              <a:rPr lang="es-ES" sz="2000" i="0" dirty="0">
-                <a:solidFill>
-                  <a:schemeClr val="tx1">
-                    <a:lumMod val="95000"/>
-                    <a:lumOff val="5000"/>
-                  </a:schemeClr>
-                </a:solidFill>
-                <a:effectLst/>
-              </a:rPr>
-              <a:t>Algunos métodos para usar el módulo</a:t>
-            </a:r>
-            <a:r>
-              <a:rPr lang="es-ES" sz="2000" i="0" dirty="0">
-                <a:solidFill>
-                  <a:srgbClr val="FF0000"/>
-                </a:solidFill>
-                <a:effectLst/>
-              </a:rPr>
-              <a:t> </a:t>
-            </a:r>
-            <a:r>
-              <a:rPr lang="es-ES" sz="2000" b="1" i="0" dirty="0">
-                <a:solidFill>
-                  <a:srgbClr val="FF0000"/>
-                </a:solidFill>
-                <a:effectLst/>
-              </a:rPr>
-              <a:t>re </a:t>
-            </a:r>
-            <a:r>
-              <a:rPr lang="es-ES" sz="2000" i="0" dirty="0">
-                <a:solidFill>
-                  <a:schemeClr val="tx1">
-                    <a:lumMod val="95000"/>
-                    <a:lumOff val="5000"/>
-                  </a:schemeClr>
-                </a:solidFill>
-                <a:effectLst/>
-              </a:rPr>
-              <a:t>de Python: </a:t>
-            </a:r>
-            <a:endParaRPr lang="es-ES" sz="2000" b="1" dirty="0">
-              <a:solidFill>
-                <a:schemeClr val="tx1">
-                  <a:lumMod val="95000"/>
-                  <a:lumOff val="5000"/>
-                </a:schemeClr>
-              </a:solidFill>
-            </a:endParaRPr>
-          </a:p>
-        </p:txBody>
-      </p:sp>
-      <p:sp>
-        <p:nvSpPr>
-          <p:cNvPr id="7" name="CuadroTexto 6">
-            <a:extLst>
-              <a:ext uri="{FF2B5EF4-FFF2-40B4-BE49-F238E27FC236}">
-                <a16:creationId xmlns:a16="http://schemas.microsoft.com/office/drawing/2014/main" id="{0CE5AA9D-354E-4C31-88A9-A48B5A9BA280}"/>
-              </a:ext>
-            </a:extLst>
-          </p:cNvPr>
-          <p:cNvSpPr txBox="1"/>
-          <p:nvPr/>
-        </p:nvSpPr>
-        <p:spPr>
-          <a:xfrm>
-            <a:off x="423664" y="2267744"/>
-            <a:ext cx="8259756" cy="3099566"/>
-          </a:xfrm>
-          <a:prstGeom prst="rect">
-            <a:avLst/>
-          </a:prstGeom>
-          <a:noFill/>
-        </p:spPr>
-        <p:txBody>
-          <a:bodyPr wrap="square">
-            <a:spAutoFit/>
-          </a:bodyPr>
-          <a:lstStyle/>
-          <a:p>
-            <a:pPr marL="285750" indent="-285750" algn="just" fontAlgn="base">
-              <a:lnSpc>
-                <a:spcPts val="2500"/>
-              </a:lnSpc>
-              <a:spcAft>
-                <a:spcPts val="1200"/>
-              </a:spcAft>
-              <a:buFont typeface="Arial" panose="020B0604020202020204" pitchFamily="34" charset="0"/>
-              <a:buChar char="•"/>
-            </a:pPr>
-            <a:r>
-              <a:rPr lang="es-ES" b="1" i="0" dirty="0">
-                <a:solidFill>
-                  <a:schemeClr val="accent6">
-                    <a:lumMod val="75000"/>
-                  </a:schemeClr>
-                </a:solidFill>
-                <a:effectLst/>
-                <a:latin typeface="inherit"/>
-              </a:rPr>
-              <a:t>match()</a:t>
-            </a:r>
-            <a:r>
-              <a:rPr lang="es-ES" b="0" i="0" dirty="0">
-                <a:solidFill>
-                  <a:schemeClr val="accent6">
-                    <a:lumMod val="75000"/>
-                  </a:schemeClr>
-                </a:solidFill>
-                <a:effectLst/>
-                <a:latin typeface="inherit"/>
-              </a:rPr>
-              <a:t>: </a:t>
-            </a:r>
-            <a:r>
-              <a:rPr lang="es-ES" b="0" i="0" dirty="0">
-                <a:solidFill>
-                  <a:srgbClr val="000000"/>
-                </a:solidFill>
-                <a:effectLst/>
-                <a:latin typeface="inherit"/>
-              </a:rPr>
-              <a:t>Determina si la expresión regular tiene coincidencias en el comienzo del texto.</a:t>
-            </a:r>
-          </a:p>
-          <a:p>
-            <a:pPr marL="285750" indent="-285750" algn="just" fontAlgn="base">
-              <a:lnSpc>
-                <a:spcPts val="2500"/>
-              </a:lnSpc>
-              <a:spcAft>
-                <a:spcPts val="1200"/>
-              </a:spcAft>
-              <a:buFont typeface="Arial" panose="020B0604020202020204" pitchFamily="34" charset="0"/>
-              <a:buChar char="•"/>
-            </a:pPr>
-            <a:r>
-              <a:rPr lang="es-ES" b="1" i="0" dirty="0" err="1">
-                <a:solidFill>
-                  <a:schemeClr val="accent6">
-                    <a:lumMod val="75000"/>
-                  </a:schemeClr>
-                </a:solidFill>
-                <a:effectLst/>
-                <a:latin typeface="inherit"/>
-              </a:rPr>
-              <a:t>search</a:t>
-            </a:r>
-            <a:r>
-              <a:rPr lang="es-ES" b="1" i="0" dirty="0">
-                <a:solidFill>
-                  <a:schemeClr val="accent6">
-                    <a:lumMod val="75000"/>
-                  </a:schemeClr>
-                </a:solidFill>
-                <a:effectLst/>
-                <a:latin typeface="inherit"/>
-              </a:rPr>
-              <a:t>()</a:t>
-            </a:r>
-            <a:r>
-              <a:rPr lang="es-ES" b="0" i="0" dirty="0">
-                <a:solidFill>
-                  <a:schemeClr val="accent6">
-                    <a:lumMod val="75000"/>
-                  </a:schemeClr>
-                </a:solidFill>
-                <a:effectLst/>
-                <a:latin typeface="inherit"/>
-              </a:rPr>
-              <a:t>: </a:t>
-            </a:r>
-            <a:r>
-              <a:rPr lang="es-ES" b="0" i="0" dirty="0">
-                <a:solidFill>
-                  <a:srgbClr val="000000"/>
-                </a:solidFill>
-                <a:effectLst/>
-                <a:latin typeface="inherit"/>
-              </a:rPr>
-              <a:t>Escanea todo el texto buscando cualquier ubicación donde coincida la expresión regular. Devuelve un objeto </a:t>
-            </a:r>
-            <a:r>
-              <a:rPr lang="es-ES" b="0" i="0" dirty="0" err="1">
-                <a:solidFill>
-                  <a:srgbClr val="000000"/>
-                </a:solidFill>
-                <a:effectLst/>
-                <a:latin typeface="inherit"/>
-              </a:rPr>
-              <a:t>math</a:t>
-            </a:r>
-            <a:r>
-              <a:rPr lang="es-ES" b="0" i="0" dirty="0">
-                <a:solidFill>
-                  <a:srgbClr val="000000"/>
-                </a:solidFill>
-                <a:effectLst/>
-                <a:latin typeface="inherit"/>
-              </a:rPr>
-              <a:t>.</a:t>
-            </a:r>
-          </a:p>
-          <a:p>
-            <a:pPr marL="285750" indent="-285750" algn="just" fontAlgn="base">
-              <a:lnSpc>
-                <a:spcPts val="2500"/>
-              </a:lnSpc>
-              <a:spcAft>
-                <a:spcPts val="1200"/>
-              </a:spcAft>
-              <a:buFont typeface="Arial" panose="020B0604020202020204" pitchFamily="34" charset="0"/>
-              <a:buChar char="•"/>
-            </a:pPr>
-            <a:r>
-              <a:rPr lang="es-ES" b="1" i="0" dirty="0" err="1">
-                <a:solidFill>
-                  <a:schemeClr val="accent6">
-                    <a:lumMod val="75000"/>
-                  </a:schemeClr>
-                </a:solidFill>
-                <a:effectLst/>
-                <a:latin typeface="inherit"/>
-              </a:rPr>
-              <a:t>findall</a:t>
-            </a:r>
-            <a:r>
-              <a:rPr lang="es-ES" b="1" i="0" dirty="0">
-                <a:solidFill>
-                  <a:schemeClr val="accent6">
-                    <a:lumMod val="75000"/>
-                  </a:schemeClr>
-                </a:solidFill>
-                <a:effectLst/>
-                <a:latin typeface="inherit"/>
-              </a:rPr>
-              <a:t>()</a:t>
-            </a:r>
-            <a:r>
-              <a:rPr lang="es-ES" b="0" i="0" dirty="0">
-                <a:solidFill>
-                  <a:schemeClr val="accent6">
-                    <a:lumMod val="75000"/>
-                  </a:schemeClr>
-                </a:solidFill>
-                <a:effectLst/>
-                <a:latin typeface="inherit"/>
-              </a:rPr>
-              <a:t>: </a:t>
-            </a:r>
-            <a:r>
-              <a:rPr lang="es-ES" b="0" i="0" dirty="0">
-                <a:solidFill>
-                  <a:srgbClr val="000000"/>
-                </a:solidFill>
-                <a:effectLst/>
-                <a:latin typeface="inherit"/>
-              </a:rPr>
-              <a:t>Encuentra todos los subtextos donde coincide </a:t>
-            </a:r>
-            <a:r>
-              <a:rPr lang="es-ES" dirty="0">
-                <a:solidFill>
-                  <a:srgbClr val="000000"/>
-                </a:solidFill>
-                <a:latin typeface="inherit"/>
-              </a:rPr>
-              <a:t>la expresión regular y </a:t>
-            </a:r>
-            <a:r>
-              <a:rPr lang="es-ES" b="0" i="0" dirty="0">
-                <a:solidFill>
-                  <a:srgbClr val="000000"/>
-                </a:solidFill>
-                <a:effectLst/>
-                <a:latin typeface="inherit"/>
-              </a:rPr>
-              <a:t> devuelve estas coincidencias como una lista.</a:t>
-            </a:r>
-          </a:p>
-          <a:p>
-            <a:pPr marL="285750" indent="-285750" algn="just" fontAlgn="base">
-              <a:lnSpc>
-                <a:spcPts val="2500"/>
-              </a:lnSpc>
-              <a:spcAft>
-                <a:spcPts val="1200"/>
-              </a:spcAft>
-              <a:buFont typeface="Arial" panose="020B0604020202020204" pitchFamily="34" charset="0"/>
-              <a:buChar char="•"/>
-            </a:pPr>
-            <a:r>
-              <a:rPr lang="es-ES" b="1" i="0" dirty="0" err="1">
-                <a:solidFill>
-                  <a:schemeClr val="accent6">
-                    <a:lumMod val="75000"/>
-                  </a:schemeClr>
-                </a:solidFill>
-                <a:effectLst/>
-                <a:latin typeface="inherit"/>
-              </a:rPr>
-              <a:t>finditer</a:t>
-            </a:r>
-            <a:r>
-              <a:rPr lang="es-ES" b="1" i="0" dirty="0">
-                <a:solidFill>
-                  <a:schemeClr val="accent6">
-                    <a:lumMod val="75000"/>
-                  </a:schemeClr>
-                </a:solidFill>
-                <a:effectLst/>
-                <a:latin typeface="inherit"/>
-              </a:rPr>
-              <a:t>()</a:t>
-            </a:r>
-            <a:r>
-              <a:rPr lang="es-ES" b="0" i="0" dirty="0">
-                <a:solidFill>
-                  <a:schemeClr val="accent6">
-                    <a:lumMod val="75000"/>
-                  </a:schemeClr>
-                </a:solidFill>
-                <a:effectLst/>
-                <a:latin typeface="inherit"/>
-              </a:rPr>
-              <a:t>: </a:t>
-            </a:r>
-            <a:r>
-              <a:rPr lang="es-ES" b="0" i="0" dirty="0">
-                <a:solidFill>
-                  <a:srgbClr val="000000"/>
-                </a:solidFill>
-                <a:effectLst/>
-                <a:latin typeface="inherit"/>
-              </a:rPr>
-              <a:t>Encuentra todos los subtextos donde coincide la expresión regular y  devuelve estas coincidencias como un objeto iterador.</a:t>
-            </a:r>
-          </a:p>
-        </p:txBody>
-      </p:sp>
-      <p:sp>
-        <p:nvSpPr>
-          <p:cNvPr id="8" name="CuadroTexto 7">
-            <a:extLst>
-              <a:ext uri="{FF2B5EF4-FFF2-40B4-BE49-F238E27FC236}">
-                <a16:creationId xmlns:a16="http://schemas.microsoft.com/office/drawing/2014/main" id="{E64D28A7-B772-479A-8C51-15D9FA37942C}"/>
-              </a:ext>
-            </a:extLst>
-          </p:cNvPr>
-          <p:cNvSpPr txBox="1"/>
-          <p:nvPr/>
-        </p:nvSpPr>
-        <p:spPr>
-          <a:xfrm>
-            <a:off x="641181" y="5603036"/>
-            <a:ext cx="7617742" cy="833305"/>
-          </a:xfrm>
-          <a:prstGeom prst="rect">
-            <a:avLst/>
-          </a:prstGeom>
-          <a:noFill/>
-        </p:spPr>
-        <p:txBody>
-          <a:bodyPr wrap="square">
-            <a:spAutoFit/>
-          </a:bodyPr>
-          <a:lstStyle/>
-          <a:p>
-            <a:pPr algn="just">
-              <a:lnSpc>
-                <a:spcPts val="3000"/>
-              </a:lnSpc>
-            </a:pPr>
-            <a:r>
-              <a:rPr lang="es-ES" sz="2000" i="0" dirty="0">
-                <a:solidFill>
-                  <a:schemeClr val="tx1">
-                    <a:lumMod val="95000"/>
-                    <a:lumOff val="5000"/>
-                  </a:schemeClr>
-                </a:solidFill>
-                <a:effectLst/>
-              </a:rPr>
-              <a:t>Todos estos métodos reciben dos parámetros: la </a:t>
-            </a:r>
-            <a:r>
-              <a:rPr lang="es-ES" sz="2000" b="1" i="0" dirty="0">
-                <a:solidFill>
-                  <a:srgbClr val="FF0000"/>
-                </a:solidFill>
-                <a:effectLst/>
-              </a:rPr>
-              <a:t>expresión a evaluar </a:t>
-            </a:r>
-            <a:r>
-              <a:rPr lang="es-ES" sz="2000" i="0" dirty="0">
-                <a:solidFill>
-                  <a:schemeClr val="tx1">
-                    <a:lumMod val="95000"/>
-                    <a:lumOff val="5000"/>
-                  </a:schemeClr>
-                </a:solidFill>
-                <a:effectLst/>
-              </a:rPr>
-              <a:t>y el </a:t>
-            </a:r>
-            <a:r>
-              <a:rPr lang="es-ES" sz="2000" b="1" dirty="0">
-                <a:solidFill>
-                  <a:srgbClr val="FF0000"/>
-                </a:solidFill>
-              </a:rPr>
-              <a:t>texto</a:t>
-            </a:r>
-            <a:r>
-              <a:rPr lang="es-ES" sz="2000" dirty="0">
-                <a:solidFill>
-                  <a:schemeClr val="tx1">
-                    <a:lumMod val="95000"/>
-                    <a:lumOff val="5000"/>
-                  </a:schemeClr>
-                </a:solidFill>
-              </a:rPr>
-              <a:t>.</a:t>
-            </a:r>
-            <a:endParaRPr lang="es-ES" sz="2000" b="1" dirty="0">
-              <a:solidFill>
-                <a:schemeClr val="tx1">
-                  <a:lumMod val="95000"/>
-                  <a:lumOff val="5000"/>
-                </a:schemeClr>
-              </a:solidFill>
-            </a:endParaRPr>
-          </a:p>
-        </p:txBody>
-      </p:sp>
-      <p:sp>
-        <p:nvSpPr>
-          <p:cNvPr id="6" name="CuadroTexto 5">
-            <a:extLst>
-              <a:ext uri="{FF2B5EF4-FFF2-40B4-BE49-F238E27FC236}">
-                <a16:creationId xmlns:a16="http://schemas.microsoft.com/office/drawing/2014/main" id="{D615B10D-C612-427D-B4F2-796382C7C728}"/>
-              </a:ext>
-            </a:extLst>
-          </p:cNvPr>
-          <p:cNvSpPr txBox="1"/>
-          <p:nvPr/>
-        </p:nvSpPr>
-        <p:spPr>
-          <a:xfrm>
-            <a:off x="641181" y="827801"/>
-            <a:ext cx="7920880" cy="506292"/>
-          </a:xfrm>
-          <a:prstGeom prst="rect">
-            <a:avLst/>
-          </a:prstGeom>
-          <a:noFill/>
-        </p:spPr>
-        <p:txBody>
-          <a:bodyPr wrap="square">
-            <a:spAutoFit/>
-          </a:bodyPr>
-          <a:lstStyle/>
-          <a:p>
-            <a:pPr algn="ctr">
-              <a:lnSpc>
-                <a:spcPct val="150000"/>
-              </a:lnSpc>
-            </a:pPr>
-            <a:r>
-              <a:rPr lang="es-ES" sz="2000" b="1" i="0" dirty="0">
-                <a:solidFill>
-                  <a:schemeClr val="accent6">
-                    <a:lumMod val="75000"/>
-                  </a:schemeClr>
-                </a:solidFill>
-                <a:effectLst/>
-              </a:rPr>
-              <a:t>Buscando coincidencias</a:t>
-            </a:r>
-            <a:endParaRPr lang="es-ES" sz="2000" b="1" dirty="0">
-              <a:solidFill>
-                <a:schemeClr val="accent6">
-                  <a:lumMod val="75000"/>
-                </a:schemeClr>
-              </a:solidFill>
-            </a:endParaRPr>
-          </a:p>
-        </p:txBody>
-      </p:sp>
-    </p:spTree>
-    <p:extLst>
-      <p:ext uri="{BB962C8B-B14F-4D97-AF65-F5344CB8AC3E}">
-        <p14:creationId xmlns:p14="http://schemas.microsoft.com/office/powerpoint/2010/main" val="658639050"/>
-      </p:ext>
-    </p:extLst>
-  </p:cSld>
-  <p:clrMapOvr>
-    <a:masterClrMapping/>
-  </p:clrMapOvr>
-</p:sld>
-</file>
-
-<file path=ppt/slides/slide30.xml><?xml version="1.0" encoding="utf-8"?>
-<p:sld xmlns:a="http://schemas.openxmlformats.org/drawingml/2006/main" xmlns:r="http://schemas.openxmlformats.org/officeDocument/2006/relationships" xmlns:p="http://schemas.openxmlformats.org/presentationml/2006/main">
-  <p:cSld>
-    <p:spTree>
-      <p:nvGrpSpPr>
-        <p:cNvPr id="1" name=""/>
-        <p:cNvGrpSpPr/>
-        <p:nvPr/>
-      </p:nvGrpSpPr>
-      <p:grpSpPr>
-        <a:xfrm>
-          <a:off x="0" y="0"/>
-          <a:ext cx="0" cy="0"/>
-          <a:chOff x="0" y="0"/>
-          <a:chExt cx="0" cy="0"/>
-        </a:xfrm>
-      </p:grpSpPr>
-      <p:sp>
-        <p:nvSpPr>
-          <p:cNvPr id="184324" name="Rectangle 4"/>
-          <p:cNvSpPr>
-            <a:spLocks noGrp="1" noChangeArrowheads="1"/>
-          </p:cNvSpPr>
-          <p:nvPr>
-            <p:ph type="title"/>
-          </p:nvPr>
-        </p:nvSpPr>
-        <p:spPr>
-          <a:xfrm>
-            <a:off x="289721" y="4056"/>
-            <a:ext cx="8363272" cy="1143000"/>
-          </a:xfrm>
-        </p:spPr>
-        <p:txBody>
-          <a:bodyPr>
-            <a:normAutofit/>
-          </a:bodyPr>
-          <a:lstStyle/>
-          <a:p>
-            <a:pPr eaLnBrk="1" hangingPunct="1">
-              <a:defRPr/>
-            </a:pPr>
-            <a:r>
-              <a:rPr lang="es-MX" b="1" dirty="0" err="1">
-                <a:solidFill>
-                  <a:schemeClr val="accent4">
-                    <a:lumMod val="50000"/>
-                  </a:schemeClr>
-                </a:solidFill>
-                <a:effectLst>
-                  <a:outerShdw blurRad="38100" dist="38100" dir="2700000" algn="tl">
-                    <a:srgbClr val="C0C0C0"/>
-                  </a:outerShdw>
-                </a:effectLst>
-                <a:latin typeface="Dom Casual" charset="0"/>
-              </a:rPr>
-              <a:t>Metacaracteres</a:t>
-            </a:r>
-            <a:endParaRPr lang="es-MX" b="1" dirty="0">
-              <a:solidFill>
-                <a:schemeClr val="accent4">
-                  <a:lumMod val="50000"/>
-                </a:schemeClr>
-              </a:solidFill>
-              <a:effectLst>
-                <a:outerShdw blurRad="38100" dist="38100" dir="2700000" algn="tl">
-                  <a:srgbClr val="C0C0C0"/>
-                </a:outerShdw>
-              </a:effectLst>
-              <a:latin typeface="Dom Casual" charset="0"/>
-            </a:endParaRPr>
-          </a:p>
-        </p:txBody>
-      </p:sp>
-      <p:sp>
-        <p:nvSpPr>
-          <p:cNvPr id="8" name="CuadroTexto 7">
-            <a:extLst>
-              <a:ext uri="{FF2B5EF4-FFF2-40B4-BE49-F238E27FC236}">
-                <a16:creationId xmlns:a16="http://schemas.microsoft.com/office/drawing/2014/main" id="{C54CFFB0-D6E7-4679-A6E8-7F8B2E54D6C1}"/>
-              </a:ext>
-            </a:extLst>
-          </p:cNvPr>
-          <p:cNvSpPr txBox="1"/>
-          <p:nvPr/>
-        </p:nvSpPr>
-        <p:spPr>
-          <a:xfrm>
-            <a:off x="2511993" y="950207"/>
-            <a:ext cx="4369025" cy="393698"/>
-          </a:xfrm>
-          <a:prstGeom prst="rect">
-            <a:avLst/>
-          </a:prstGeom>
-          <a:noFill/>
-        </p:spPr>
-        <p:txBody>
-          <a:bodyPr wrap="square">
-            <a:spAutoFit/>
-          </a:bodyPr>
-          <a:lstStyle/>
-          <a:p>
-            <a:pPr algn="just" fontAlgn="base">
-              <a:lnSpc>
-                <a:spcPts val="2500"/>
-              </a:lnSpc>
-              <a:spcAft>
-                <a:spcPts val="600"/>
-              </a:spcAft>
-            </a:pPr>
-            <a:r>
-              <a:rPr lang="es-ES" b="1" i="0" dirty="0">
-                <a:solidFill>
-                  <a:schemeClr val="accent6">
-                    <a:lumMod val="75000"/>
-                  </a:schemeClr>
-                </a:solidFill>
-                <a:effectLst/>
-                <a:latin typeface="inherit"/>
-              </a:rPr>
-              <a:t>^ </a:t>
-            </a:r>
-            <a:r>
-              <a:rPr lang="es-MX" b="1" dirty="0">
-                <a:solidFill>
-                  <a:schemeClr val="accent6">
-                    <a:lumMod val="75000"/>
-                  </a:schemeClr>
-                </a:solidFill>
-              </a:rPr>
-              <a:t>Coincide con el comienzo de la cadena</a:t>
-            </a:r>
-            <a:endParaRPr lang="es-ES" b="1" i="0" dirty="0">
-              <a:solidFill>
-                <a:schemeClr val="accent6">
-                  <a:lumMod val="75000"/>
-                </a:schemeClr>
-              </a:solidFill>
-              <a:effectLst/>
-              <a:latin typeface="inherit"/>
-            </a:endParaRPr>
-          </a:p>
-        </p:txBody>
-      </p:sp>
-      <p:sp>
-        <p:nvSpPr>
-          <p:cNvPr id="9" name="CuadroTexto 8">
-            <a:extLst>
-              <a:ext uri="{FF2B5EF4-FFF2-40B4-BE49-F238E27FC236}">
-                <a16:creationId xmlns:a16="http://schemas.microsoft.com/office/drawing/2014/main" id="{3C2E1319-C186-4202-8393-814D31E5493C}"/>
-              </a:ext>
-            </a:extLst>
-          </p:cNvPr>
-          <p:cNvSpPr txBox="1"/>
-          <p:nvPr/>
-        </p:nvSpPr>
-        <p:spPr>
-          <a:xfrm>
-            <a:off x="611560" y="1583476"/>
-            <a:ext cx="7920880" cy="506292"/>
-          </a:xfrm>
-          <a:prstGeom prst="rect">
-            <a:avLst/>
-          </a:prstGeom>
-          <a:noFill/>
-        </p:spPr>
-        <p:txBody>
-          <a:bodyPr wrap="square">
-            <a:spAutoFit/>
-          </a:bodyPr>
-          <a:lstStyle/>
-          <a:p>
-            <a:pPr algn="l">
-              <a:lnSpc>
-                <a:spcPct val="150000"/>
-              </a:lnSpc>
-            </a:pPr>
-            <a:r>
-              <a:rPr lang="es-ES" sz="2000" b="1" i="0" dirty="0">
-                <a:solidFill>
-                  <a:schemeClr val="tx1">
-                    <a:lumMod val="95000"/>
-                    <a:lumOff val="5000"/>
-                  </a:schemeClr>
-                </a:solidFill>
-                <a:effectLst/>
-              </a:rPr>
-              <a:t>Ejemplo 4: </a:t>
-            </a:r>
-            <a:r>
-              <a:rPr lang="es-ES" sz="2000" i="0" dirty="0">
-                <a:solidFill>
-                  <a:schemeClr val="tx1">
-                    <a:lumMod val="95000"/>
-                    <a:lumOff val="5000"/>
-                  </a:schemeClr>
-                </a:solidFill>
-                <a:effectLst/>
-              </a:rPr>
-              <a:t>Letra que comience en mayúsculas.</a:t>
-            </a:r>
-            <a:endParaRPr lang="es-ES" sz="2000" dirty="0">
-              <a:solidFill>
-                <a:schemeClr val="tx1">
-                  <a:lumMod val="95000"/>
-                  <a:lumOff val="5000"/>
-                </a:schemeClr>
-              </a:solidFill>
-            </a:endParaRPr>
-          </a:p>
-        </p:txBody>
-      </p:sp>
-      <p:pic>
-        <p:nvPicPr>
-          <p:cNvPr id="4" name="Imagen 3">
-            <a:extLst>
-              <a:ext uri="{FF2B5EF4-FFF2-40B4-BE49-F238E27FC236}">
-                <a16:creationId xmlns:a16="http://schemas.microsoft.com/office/drawing/2014/main" id="{D030C024-0B9F-42D1-BEC6-A46FCB039A44}"/>
-              </a:ext>
-            </a:extLst>
-          </p:cNvPr>
-          <p:cNvPicPr>
-            <a:picLocks noChangeAspect="1"/>
-          </p:cNvPicPr>
-          <p:nvPr/>
-        </p:nvPicPr>
-        <p:blipFill>
-          <a:blip r:embed="rId3"/>
-          <a:stretch>
-            <a:fillRect/>
-          </a:stretch>
-        </p:blipFill>
-        <p:spPr>
-          <a:xfrm>
-            <a:off x="611560" y="2305544"/>
-            <a:ext cx="8162925" cy="2857500"/>
-          </a:xfrm>
-          <a:prstGeom prst="rect">
-            <a:avLst/>
-          </a:prstGeom>
-        </p:spPr>
-      </p:pic>
-    </p:spTree>
-    <p:extLst>
-      <p:ext uri="{BB962C8B-B14F-4D97-AF65-F5344CB8AC3E}">
-        <p14:creationId xmlns:p14="http://schemas.microsoft.com/office/powerpoint/2010/main" val="499312516"/>
-      </p:ext>
-    </p:extLst>
-  </p:cSld>
-  <p:clrMapOvr>
-    <a:masterClrMapping/>
-  </p:clrMapOvr>
-</p:sld>
-</file>
-
-<file path=ppt/slides/slide31.xml><?xml version="1.0" encoding="utf-8"?>
-<p:sld xmlns:a="http://schemas.openxmlformats.org/drawingml/2006/main" xmlns:r="http://schemas.openxmlformats.org/officeDocument/2006/relationships" xmlns:p="http://schemas.openxmlformats.org/presentationml/2006/main">
-  <p:cSld>
-    <p:spTree>
-      <p:nvGrpSpPr>
-        <p:cNvPr id="1" name=""/>
-        <p:cNvGrpSpPr/>
-        <p:nvPr/>
-      </p:nvGrpSpPr>
-      <p:grpSpPr>
-        <a:xfrm>
-          <a:off x="0" y="0"/>
-          <a:ext cx="0" cy="0"/>
-          <a:chOff x="0" y="0"/>
-          <a:chExt cx="0" cy="0"/>
-        </a:xfrm>
-      </p:grpSpPr>
-      <p:sp>
-        <p:nvSpPr>
           <p:cNvPr id="184324" name="Rectangle 4"/>
           <p:cNvSpPr>
             <a:spLocks noGrp="1" noChangeArrowheads="1"/>
@@ -14688,7 +12879,7 @@
 </p:sld>
 </file>
 
-<file path=ppt/slides/slide32.xml><?xml version="1.0" encoding="utf-8"?>
+<file path=ppt/slides/slide29.xml><?xml version="1.0" encoding="utf-8"?>
 <p:sld xmlns:a="http://schemas.openxmlformats.org/drawingml/2006/main" xmlns:r="http://schemas.openxmlformats.org/officeDocument/2006/relationships" xmlns:p="http://schemas.openxmlformats.org/presentationml/2006/main">
   <p:cSld>
     <p:spTree>
@@ -14987,7 +13178,547 @@
 </p:sld>
 </file>
 
-<file path=ppt/slides/slide33.xml><?xml version="1.0" encoding="utf-8"?>
+<file path=ppt/slides/slide3.xml><?xml version="1.0" encoding="utf-8"?>
+<p:sld xmlns:a="http://schemas.openxmlformats.org/drawingml/2006/main" xmlns:r="http://schemas.openxmlformats.org/officeDocument/2006/relationships" xmlns:p="http://schemas.openxmlformats.org/presentationml/2006/main">
+  <p:cSld>
+    <p:spTree>
+      <p:nvGrpSpPr>
+        <p:cNvPr id="1" name=""/>
+        <p:cNvGrpSpPr/>
+        <p:nvPr/>
+      </p:nvGrpSpPr>
+      <p:grpSpPr>
+        <a:xfrm>
+          <a:off x="0" y="0"/>
+          <a:ext cx="0" cy="0"/>
+          <a:chOff x="0" y="0"/>
+          <a:chExt cx="0" cy="0"/>
+        </a:xfrm>
+      </p:grpSpPr>
+      <p:sp>
+        <p:nvSpPr>
+          <p:cNvPr id="184324" name="Rectangle 4"/>
+          <p:cNvSpPr>
+            <a:spLocks noGrp="1" noChangeArrowheads="1"/>
+          </p:cNvSpPr>
+          <p:nvPr>
+            <p:ph type="title"/>
+          </p:nvPr>
+        </p:nvSpPr>
+        <p:spPr>
+          <a:xfrm>
+            <a:off x="282352" y="-17738"/>
+            <a:ext cx="8579296" cy="1143000"/>
+          </a:xfrm>
+        </p:spPr>
+        <p:txBody>
+          <a:bodyPr>
+            <a:normAutofit fontScale="90000"/>
+          </a:bodyPr>
+          <a:lstStyle/>
+          <a:p>
+            <a:pPr eaLnBrk="1" hangingPunct="1">
+              <a:defRPr/>
+            </a:pPr>
+            <a:r>
+              <a:rPr lang="es-MX" b="1" dirty="0">
+                <a:solidFill>
+                  <a:schemeClr val="accent4">
+                    <a:lumMod val="50000"/>
+                  </a:schemeClr>
+                </a:solidFill>
+                <a:effectLst>
+                  <a:outerShdw blurRad="38100" dist="38100" dir="2700000" algn="tl">
+                    <a:srgbClr val="C0C0C0"/>
+                  </a:outerShdw>
+                </a:effectLst>
+                <a:latin typeface="Dom Casual" charset="0"/>
+              </a:rPr>
+              <a:t>¿Cómo usar las expresiones regulares?</a:t>
+            </a:r>
+          </a:p>
+        </p:txBody>
+      </p:sp>
+      <p:sp>
+        <p:nvSpPr>
+          <p:cNvPr id="10" name="CuadroTexto 9">
+            <a:extLst>
+              <a:ext uri="{FF2B5EF4-FFF2-40B4-BE49-F238E27FC236}">
+                <a16:creationId xmlns:a16="http://schemas.microsoft.com/office/drawing/2014/main" id="{28D7FAFF-9722-4D6A-9DE5-55FC738D0886}"/>
+              </a:ext>
+            </a:extLst>
+          </p:cNvPr>
+          <p:cNvSpPr txBox="1"/>
+          <p:nvPr/>
+        </p:nvSpPr>
+        <p:spPr>
+          <a:xfrm>
+            <a:off x="423664" y="1643589"/>
+            <a:ext cx="7920880" cy="506292"/>
+          </a:xfrm>
+          <a:prstGeom prst="rect">
+            <a:avLst/>
+          </a:prstGeom>
+          <a:noFill/>
+        </p:spPr>
+        <p:txBody>
+          <a:bodyPr wrap="square">
+            <a:spAutoFit/>
+          </a:bodyPr>
+          <a:lstStyle/>
+          <a:p>
+            <a:pPr algn="l">
+              <a:lnSpc>
+                <a:spcPct val="150000"/>
+              </a:lnSpc>
+            </a:pPr>
+            <a:r>
+              <a:rPr lang="es-ES" sz="2000" i="0" dirty="0">
+                <a:solidFill>
+                  <a:schemeClr val="tx1">
+                    <a:lumMod val="95000"/>
+                    <a:lumOff val="5000"/>
+                  </a:schemeClr>
+                </a:solidFill>
+                <a:effectLst/>
+              </a:rPr>
+              <a:t>Algunos métodos para usar el módulo</a:t>
+            </a:r>
+            <a:r>
+              <a:rPr lang="es-ES" sz="2000" i="0" dirty="0">
+                <a:solidFill>
+                  <a:srgbClr val="FF0000"/>
+                </a:solidFill>
+                <a:effectLst/>
+              </a:rPr>
+              <a:t> </a:t>
+            </a:r>
+            <a:r>
+              <a:rPr lang="es-ES" sz="2000" b="1" i="0" dirty="0">
+                <a:solidFill>
+                  <a:srgbClr val="FF0000"/>
+                </a:solidFill>
+                <a:effectLst/>
+              </a:rPr>
+              <a:t>re </a:t>
+            </a:r>
+            <a:r>
+              <a:rPr lang="es-ES" sz="2000" i="0" dirty="0">
+                <a:solidFill>
+                  <a:schemeClr val="tx1">
+                    <a:lumMod val="95000"/>
+                    <a:lumOff val="5000"/>
+                  </a:schemeClr>
+                </a:solidFill>
+                <a:effectLst/>
+              </a:rPr>
+              <a:t>de Python: </a:t>
+            </a:r>
+            <a:endParaRPr lang="es-ES" sz="2000" b="1" dirty="0">
+              <a:solidFill>
+                <a:schemeClr val="tx1">
+                  <a:lumMod val="95000"/>
+                  <a:lumOff val="5000"/>
+                </a:schemeClr>
+              </a:solidFill>
+            </a:endParaRPr>
+          </a:p>
+        </p:txBody>
+      </p:sp>
+      <p:sp>
+        <p:nvSpPr>
+          <p:cNvPr id="7" name="CuadroTexto 6">
+            <a:extLst>
+              <a:ext uri="{FF2B5EF4-FFF2-40B4-BE49-F238E27FC236}">
+                <a16:creationId xmlns:a16="http://schemas.microsoft.com/office/drawing/2014/main" id="{0CE5AA9D-354E-4C31-88A9-A48B5A9BA280}"/>
+              </a:ext>
+            </a:extLst>
+          </p:cNvPr>
+          <p:cNvSpPr txBox="1"/>
+          <p:nvPr/>
+        </p:nvSpPr>
+        <p:spPr>
+          <a:xfrm>
+            <a:off x="423664" y="2267744"/>
+            <a:ext cx="7920880" cy="2304477"/>
+          </a:xfrm>
+          <a:prstGeom prst="rect">
+            <a:avLst/>
+          </a:prstGeom>
+          <a:noFill/>
+        </p:spPr>
+        <p:txBody>
+          <a:bodyPr wrap="square">
+            <a:spAutoFit/>
+          </a:bodyPr>
+          <a:lstStyle/>
+          <a:p>
+            <a:pPr marL="285750" indent="-285750" algn="just" fontAlgn="base">
+              <a:lnSpc>
+                <a:spcPts val="2500"/>
+              </a:lnSpc>
+              <a:spcAft>
+                <a:spcPts val="1200"/>
+              </a:spcAft>
+              <a:buFont typeface="Arial" panose="020B0604020202020204" pitchFamily="34" charset="0"/>
+              <a:buChar char="•"/>
+            </a:pPr>
+            <a:r>
+              <a:rPr lang="es-ES" b="1" i="0" dirty="0">
+                <a:solidFill>
+                  <a:schemeClr val="accent6">
+                    <a:lumMod val="75000"/>
+                  </a:schemeClr>
+                </a:solidFill>
+                <a:effectLst/>
+                <a:latin typeface="inherit"/>
+              </a:rPr>
+              <a:t>match()</a:t>
+            </a:r>
+            <a:r>
+              <a:rPr lang="es-ES" b="0" i="0" dirty="0">
+                <a:solidFill>
+                  <a:schemeClr val="accent6">
+                    <a:lumMod val="75000"/>
+                  </a:schemeClr>
+                </a:solidFill>
+                <a:effectLst/>
+                <a:latin typeface="inherit"/>
+              </a:rPr>
+              <a:t>: </a:t>
+            </a:r>
+            <a:r>
+              <a:rPr lang="es-ES" b="0" i="0" dirty="0">
+                <a:solidFill>
+                  <a:srgbClr val="000000"/>
+                </a:solidFill>
+                <a:effectLst/>
+                <a:latin typeface="inherit"/>
+              </a:rPr>
+              <a:t>Determina si la expresión regular tiene coincidencias en el comienzo del texto.</a:t>
+            </a:r>
+          </a:p>
+          <a:p>
+            <a:pPr marL="285750" indent="-285750" algn="just" fontAlgn="base">
+              <a:lnSpc>
+                <a:spcPts val="2500"/>
+              </a:lnSpc>
+              <a:spcAft>
+                <a:spcPts val="1200"/>
+              </a:spcAft>
+              <a:buFont typeface="Arial" panose="020B0604020202020204" pitchFamily="34" charset="0"/>
+              <a:buChar char="•"/>
+            </a:pPr>
+            <a:r>
+              <a:rPr lang="es-ES" b="1" i="0" dirty="0" err="1">
+                <a:solidFill>
+                  <a:schemeClr val="accent6">
+                    <a:lumMod val="75000"/>
+                  </a:schemeClr>
+                </a:solidFill>
+                <a:effectLst/>
+                <a:latin typeface="inherit"/>
+              </a:rPr>
+              <a:t>search</a:t>
+            </a:r>
+            <a:r>
+              <a:rPr lang="es-ES" b="1" i="0" dirty="0">
+                <a:solidFill>
+                  <a:schemeClr val="accent6">
+                    <a:lumMod val="75000"/>
+                  </a:schemeClr>
+                </a:solidFill>
+                <a:effectLst/>
+                <a:latin typeface="inherit"/>
+              </a:rPr>
+              <a:t>()</a:t>
+            </a:r>
+            <a:r>
+              <a:rPr lang="es-ES" b="0" i="0" dirty="0">
+                <a:solidFill>
+                  <a:schemeClr val="accent6">
+                    <a:lumMod val="75000"/>
+                  </a:schemeClr>
+                </a:solidFill>
+                <a:effectLst/>
+                <a:latin typeface="inherit"/>
+              </a:rPr>
+              <a:t>: </a:t>
+            </a:r>
+            <a:r>
+              <a:rPr lang="es-ES" b="0" i="0" dirty="0">
+                <a:solidFill>
+                  <a:srgbClr val="000000"/>
+                </a:solidFill>
+                <a:effectLst/>
+                <a:latin typeface="inherit"/>
+              </a:rPr>
+              <a:t>Escanea todo el texto buscando cualquier ubicación donde coincida la expresión regular. Devuelve un objeto </a:t>
+            </a:r>
+            <a:r>
+              <a:rPr lang="es-ES" b="0" i="0" dirty="0" err="1">
+                <a:solidFill>
+                  <a:srgbClr val="000000"/>
+                </a:solidFill>
+                <a:effectLst/>
+                <a:latin typeface="inherit"/>
+              </a:rPr>
+              <a:t>math</a:t>
+            </a:r>
+            <a:r>
+              <a:rPr lang="es-ES" b="0" i="0" dirty="0">
+                <a:solidFill>
+                  <a:srgbClr val="000000"/>
+                </a:solidFill>
+                <a:effectLst/>
+                <a:latin typeface="inherit"/>
+              </a:rPr>
+              <a:t>.</a:t>
+            </a:r>
+          </a:p>
+          <a:p>
+            <a:pPr marL="285750" indent="-285750" algn="just" fontAlgn="base">
+              <a:lnSpc>
+                <a:spcPts val="2500"/>
+              </a:lnSpc>
+              <a:spcAft>
+                <a:spcPts val="1200"/>
+              </a:spcAft>
+              <a:buFont typeface="Arial" panose="020B0604020202020204" pitchFamily="34" charset="0"/>
+              <a:buChar char="•"/>
+            </a:pPr>
+            <a:r>
+              <a:rPr lang="es-ES" b="1" i="0" dirty="0" err="1">
+                <a:solidFill>
+                  <a:schemeClr val="accent6">
+                    <a:lumMod val="75000"/>
+                  </a:schemeClr>
+                </a:solidFill>
+                <a:effectLst/>
+                <a:latin typeface="inherit"/>
+              </a:rPr>
+              <a:t>findall</a:t>
+            </a:r>
+            <a:r>
+              <a:rPr lang="es-ES" b="1" i="0" dirty="0">
+                <a:solidFill>
+                  <a:schemeClr val="accent6">
+                    <a:lumMod val="75000"/>
+                  </a:schemeClr>
+                </a:solidFill>
+                <a:effectLst/>
+                <a:latin typeface="inherit"/>
+              </a:rPr>
+              <a:t>()</a:t>
+            </a:r>
+            <a:r>
+              <a:rPr lang="es-ES" b="0" i="0" dirty="0">
+                <a:solidFill>
+                  <a:schemeClr val="accent6">
+                    <a:lumMod val="75000"/>
+                  </a:schemeClr>
+                </a:solidFill>
+                <a:effectLst/>
+                <a:latin typeface="inherit"/>
+              </a:rPr>
+              <a:t>: </a:t>
+            </a:r>
+            <a:r>
+              <a:rPr lang="es-ES" b="0" i="0" dirty="0">
+                <a:solidFill>
+                  <a:srgbClr val="000000"/>
+                </a:solidFill>
+                <a:effectLst/>
+                <a:latin typeface="inherit"/>
+              </a:rPr>
+              <a:t>Encuentra todos los subtextos donde coincide </a:t>
+            </a:r>
+            <a:r>
+              <a:rPr lang="es-ES" dirty="0">
+                <a:solidFill>
+                  <a:srgbClr val="000000"/>
+                </a:solidFill>
+                <a:latin typeface="inherit"/>
+              </a:rPr>
+              <a:t>la expresión regular y </a:t>
+            </a:r>
+            <a:r>
+              <a:rPr lang="es-ES" b="0" i="0" dirty="0">
+                <a:solidFill>
+                  <a:srgbClr val="000000"/>
+                </a:solidFill>
+                <a:effectLst/>
+                <a:latin typeface="inherit"/>
+              </a:rPr>
+              <a:t> devuelve estas coincidencias como una lista.</a:t>
+            </a:r>
+          </a:p>
+        </p:txBody>
+      </p:sp>
+      <p:sp>
+        <p:nvSpPr>
+          <p:cNvPr id="8" name="CuadroTexto 7">
+            <a:extLst>
+              <a:ext uri="{FF2B5EF4-FFF2-40B4-BE49-F238E27FC236}">
+                <a16:creationId xmlns:a16="http://schemas.microsoft.com/office/drawing/2014/main" id="{E64D28A7-B772-479A-8C51-15D9FA37942C}"/>
+              </a:ext>
+            </a:extLst>
+          </p:cNvPr>
+          <p:cNvSpPr txBox="1"/>
+          <p:nvPr/>
+        </p:nvSpPr>
+        <p:spPr>
+          <a:xfrm>
+            <a:off x="575233" y="4913123"/>
+            <a:ext cx="7617742" cy="833305"/>
+          </a:xfrm>
+          <a:prstGeom prst="rect">
+            <a:avLst/>
+          </a:prstGeom>
+          <a:noFill/>
+        </p:spPr>
+        <p:txBody>
+          <a:bodyPr wrap="square">
+            <a:spAutoFit/>
+          </a:bodyPr>
+          <a:lstStyle/>
+          <a:p>
+            <a:pPr algn="just">
+              <a:lnSpc>
+                <a:spcPts val="3000"/>
+              </a:lnSpc>
+            </a:pPr>
+            <a:r>
+              <a:rPr lang="es-ES" sz="2000" i="0" dirty="0">
+                <a:solidFill>
+                  <a:schemeClr val="tx1">
+                    <a:lumMod val="95000"/>
+                    <a:lumOff val="5000"/>
+                  </a:schemeClr>
+                </a:solidFill>
+                <a:effectLst/>
+              </a:rPr>
+              <a:t>Todos estos métodos reciben dos parámetros: la </a:t>
+            </a:r>
+            <a:r>
+              <a:rPr lang="es-ES" sz="2000" b="1" i="0" dirty="0">
+                <a:solidFill>
+                  <a:srgbClr val="FF0000"/>
+                </a:solidFill>
+                <a:effectLst/>
+              </a:rPr>
+              <a:t>expresión a evaluar </a:t>
+            </a:r>
+            <a:r>
+              <a:rPr lang="es-ES" sz="2000" i="0" dirty="0">
+                <a:solidFill>
+                  <a:schemeClr val="tx1">
+                    <a:lumMod val="95000"/>
+                    <a:lumOff val="5000"/>
+                  </a:schemeClr>
+                </a:solidFill>
+                <a:effectLst/>
+              </a:rPr>
+              <a:t>y el </a:t>
+            </a:r>
+            <a:r>
+              <a:rPr lang="es-ES" sz="2000" b="1" dirty="0">
+                <a:solidFill>
+                  <a:srgbClr val="FF0000"/>
+                </a:solidFill>
+              </a:rPr>
+              <a:t>texto</a:t>
+            </a:r>
+            <a:r>
+              <a:rPr lang="es-ES" sz="2000" dirty="0">
+                <a:solidFill>
+                  <a:schemeClr val="tx1">
+                    <a:lumMod val="95000"/>
+                    <a:lumOff val="5000"/>
+                  </a:schemeClr>
+                </a:solidFill>
+              </a:rPr>
+              <a:t>.</a:t>
+            </a:r>
+            <a:endParaRPr lang="es-ES" sz="2000" b="1" dirty="0">
+              <a:solidFill>
+                <a:schemeClr val="tx1">
+                  <a:lumMod val="95000"/>
+                  <a:lumOff val="5000"/>
+                </a:schemeClr>
+              </a:solidFill>
+            </a:endParaRPr>
+          </a:p>
+        </p:txBody>
+      </p:sp>
+      <p:sp>
+        <p:nvSpPr>
+          <p:cNvPr id="6" name="CuadroTexto 5">
+            <a:extLst>
+              <a:ext uri="{FF2B5EF4-FFF2-40B4-BE49-F238E27FC236}">
+                <a16:creationId xmlns:a16="http://schemas.microsoft.com/office/drawing/2014/main" id="{D615B10D-C612-427D-B4F2-796382C7C728}"/>
+              </a:ext>
+            </a:extLst>
+          </p:cNvPr>
+          <p:cNvSpPr txBox="1"/>
+          <p:nvPr/>
+        </p:nvSpPr>
+        <p:spPr>
+          <a:xfrm>
+            <a:off x="641181" y="827801"/>
+            <a:ext cx="7920880" cy="506292"/>
+          </a:xfrm>
+          <a:prstGeom prst="rect">
+            <a:avLst/>
+          </a:prstGeom>
+          <a:noFill/>
+        </p:spPr>
+        <p:txBody>
+          <a:bodyPr wrap="square">
+            <a:spAutoFit/>
+          </a:bodyPr>
+          <a:lstStyle/>
+          <a:p>
+            <a:pPr algn="ctr">
+              <a:lnSpc>
+                <a:spcPct val="150000"/>
+              </a:lnSpc>
+            </a:pPr>
+            <a:r>
+              <a:rPr lang="es-ES" sz="2000" b="1" i="0" dirty="0">
+                <a:solidFill>
+                  <a:schemeClr val="accent6">
+                    <a:lumMod val="75000"/>
+                  </a:schemeClr>
+                </a:solidFill>
+                <a:effectLst/>
+              </a:rPr>
+              <a:t>Buscando coincidencias</a:t>
+            </a:r>
+            <a:endParaRPr lang="es-ES" sz="2000" b="1" dirty="0">
+              <a:solidFill>
+                <a:schemeClr val="accent6">
+                  <a:lumMod val="75000"/>
+                </a:schemeClr>
+              </a:solidFill>
+            </a:endParaRPr>
+          </a:p>
+        </p:txBody>
+      </p:sp>
+    </p:spTree>
+    <p:extLst>
+      <p:ext uri="{BB962C8B-B14F-4D97-AF65-F5344CB8AC3E}">
+        <p14:creationId xmlns:p14="http://schemas.microsoft.com/office/powerpoint/2010/main" val="658639050"/>
+      </p:ext>
+    </p:extLst>
+  </p:cSld>
+  <p:clrMapOvr>
+    <a:masterClrMapping/>
+  </p:clrMapOvr>
+</p:sld>
+</file>
+
+<file path=ppt/slides/slide30.xml><?xml version="1.0" encoding="utf-8"?>
 <p:sld xmlns:a="http://schemas.openxmlformats.org/drawingml/2006/main" xmlns:r="http://schemas.openxmlformats.org/officeDocument/2006/relationships" xmlns:p="http://schemas.openxmlformats.org/presentationml/2006/main">
   <p:cSld>
     <p:spTree>
@@ -15246,7 +13977,7 @@
 </p:sld>
 </file>
 
-<file path=ppt/slides/slide34.xml><?xml version="1.0" encoding="utf-8"?>
+<file path=ppt/slides/slide31.xml><?xml version="1.0" encoding="utf-8"?>
 <p:sld xmlns:a="http://schemas.openxmlformats.org/drawingml/2006/main" xmlns:r="http://schemas.openxmlformats.org/officeDocument/2006/relationships" xmlns:p="http://schemas.openxmlformats.org/presentationml/2006/main">
   <p:cSld>
     <p:spTree>
@@ -15518,7 +14249,7 @@
 </p:sld>
 </file>
 
-<file path=ppt/slides/slide35.xml><?xml version="1.0" encoding="utf-8"?>
+<file path=ppt/slides/slide32.xml><?xml version="1.0" encoding="utf-8"?>
 <p:sld xmlns:a="http://schemas.openxmlformats.org/drawingml/2006/main" xmlns:r="http://schemas.openxmlformats.org/officeDocument/2006/relationships" xmlns:p="http://schemas.openxmlformats.org/presentationml/2006/main">
   <p:cSld>
     <p:spTree>
@@ -15823,7 +14554,7 @@
 </p:sld>
 </file>
 
-<file path=ppt/slides/slide36.xml><?xml version="1.0" encoding="utf-8"?>
+<file path=ppt/slides/slide33.xml><?xml version="1.0" encoding="utf-8"?>
 <p:sld xmlns:a="http://schemas.openxmlformats.org/drawingml/2006/main" xmlns:r="http://schemas.openxmlformats.org/officeDocument/2006/relationships" xmlns:p="http://schemas.openxmlformats.org/presentationml/2006/main">
   <p:cSld>
     <p:spTree>
@@ -16086,7 +14817,7 @@
 </p:sld>
 </file>
 
-<file path=ppt/slides/slide37.xml><?xml version="1.0" encoding="utf-8"?>
+<file path=ppt/slides/slide34.xml><?xml version="1.0" encoding="utf-8"?>
 <p:sld xmlns:a="http://schemas.openxmlformats.org/drawingml/2006/main" xmlns:r="http://schemas.openxmlformats.org/officeDocument/2006/relationships" xmlns:p="http://schemas.openxmlformats.org/presentationml/2006/main">
   <p:cSld>
     <p:spTree>
@@ -16577,7 +15308,7 @@
 </p:sld>
 </file>
 
-<file path=ppt/slides/slide38.xml><?xml version="1.0" encoding="utf-8"?>
+<file path=ppt/slides/slide35.xml><?xml version="1.0" encoding="utf-8"?>
 <p:sld xmlns:a="http://schemas.openxmlformats.org/drawingml/2006/main" xmlns:r="http://schemas.openxmlformats.org/officeDocument/2006/relationships" xmlns:p="http://schemas.openxmlformats.org/presentationml/2006/main">
   <p:cSld>
     <p:spTree>
@@ -16928,6 +15659,1108 @@
     <p:extLst>
       <p:ext uri="{BB962C8B-B14F-4D97-AF65-F5344CB8AC3E}">
         <p14:creationId xmlns:p14="http://schemas.microsoft.com/office/powerpoint/2010/main" val="1433914172"/>
+      </p:ext>
+    </p:extLst>
+  </p:cSld>
+  <p:clrMapOvr>
+    <a:masterClrMapping/>
+  </p:clrMapOvr>
+</p:sld>
+</file>
+
+<file path=ppt/slides/slide36.xml><?xml version="1.0" encoding="utf-8"?>
+<p:sld xmlns:a="http://schemas.openxmlformats.org/drawingml/2006/main" xmlns:r="http://schemas.openxmlformats.org/officeDocument/2006/relationships" xmlns:p="http://schemas.openxmlformats.org/presentationml/2006/main">
+  <p:cSld>
+    <p:spTree>
+      <p:nvGrpSpPr>
+        <p:cNvPr id="1" name=""/>
+        <p:cNvGrpSpPr/>
+        <p:nvPr/>
+      </p:nvGrpSpPr>
+      <p:grpSpPr>
+        <a:xfrm>
+          <a:off x="0" y="0"/>
+          <a:ext cx="0" cy="0"/>
+          <a:chOff x="0" y="0"/>
+          <a:chExt cx="0" cy="0"/>
+        </a:xfrm>
+      </p:grpSpPr>
+      <p:sp>
+        <p:nvSpPr>
+          <p:cNvPr id="184324" name="Rectangle 4"/>
+          <p:cNvSpPr>
+            <a:spLocks noGrp="1" noChangeArrowheads="1"/>
+          </p:cNvSpPr>
+          <p:nvPr>
+            <p:ph type="title"/>
+          </p:nvPr>
+        </p:nvSpPr>
+        <p:spPr>
+          <a:xfrm>
+            <a:off x="289721" y="4056"/>
+            <a:ext cx="8363272" cy="1143000"/>
+          </a:xfrm>
+        </p:spPr>
+        <p:txBody>
+          <a:bodyPr>
+            <a:normAutofit/>
+          </a:bodyPr>
+          <a:lstStyle/>
+          <a:p>
+            <a:pPr eaLnBrk="1" hangingPunct="1">
+              <a:defRPr/>
+            </a:pPr>
+            <a:r>
+              <a:rPr lang="es-MX" b="1" dirty="0" err="1">
+                <a:solidFill>
+                  <a:schemeClr val="accent4">
+                    <a:lumMod val="50000"/>
+                  </a:schemeClr>
+                </a:solidFill>
+                <a:effectLst>
+                  <a:outerShdw blurRad="38100" dist="38100" dir="2700000" algn="tl">
+                    <a:srgbClr val="C0C0C0"/>
+                  </a:outerShdw>
+                </a:effectLst>
+                <a:latin typeface="Dom Casual" charset="0"/>
+              </a:rPr>
+              <a:t>Metacaracteres</a:t>
+            </a:r>
+            <a:endParaRPr lang="es-MX" b="1" dirty="0">
+              <a:solidFill>
+                <a:schemeClr val="accent4">
+                  <a:lumMod val="50000"/>
+                </a:schemeClr>
+              </a:solidFill>
+              <a:effectLst>
+                <a:outerShdw blurRad="38100" dist="38100" dir="2700000" algn="tl">
+                  <a:srgbClr val="C0C0C0"/>
+                </a:outerShdw>
+              </a:effectLst>
+              <a:latin typeface="Dom Casual" charset="0"/>
+            </a:endParaRPr>
+          </a:p>
+        </p:txBody>
+      </p:sp>
+      <p:sp>
+        <p:nvSpPr>
+          <p:cNvPr id="8" name="CuadroTexto 7">
+            <a:extLst>
+              <a:ext uri="{FF2B5EF4-FFF2-40B4-BE49-F238E27FC236}">
+                <a16:creationId xmlns:a16="http://schemas.microsoft.com/office/drawing/2014/main" id="{C54CFFB0-D6E7-4679-A6E8-7F8B2E54D6C1}"/>
+              </a:ext>
+            </a:extLst>
+          </p:cNvPr>
+          <p:cNvSpPr txBox="1"/>
+          <p:nvPr/>
+        </p:nvSpPr>
+        <p:spPr>
+          <a:xfrm>
+            <a:off x="2286845" y="950207"/>
+            <a:ext cx="4229372" cy="714298"/>
+          </a:xfrm>
+          <a:prstGeom prst="rect">
+            <a:avLst/>
+          </a:prstGeom>
+          <a:noFill/>
+        </p:spPr>
+        <p:txBody>
+          <a:bodyPr wrap="square">
+            <a:spAutoFit/>
+          </a:bodyPr>
+          <a:lstStyle/>
+          <a:p>
+            <a:pPr algn="ctr" fontAlgn="base">
+              <a:lnSpc>
+                <a:spcPts val="2500"/>
+              </a:lnSpc>
+              <a:spcAft>
+                <a:spcPts val="600"/>
+              </a:spcAft>
+            </a:pPr>
+            <a:r>
+              <a:rPr lang="es-ES" b="1" i="0" dirty="0">
+                <a:solidFill>
+                  <a:schemeClr val="accent6">
+                    <a:lumMod val="75000"/>
+                  </a:schemeClr>
+                </a:solidFill>
+                <a:effectLst/>
+                <a:latin typeface="inherit"/>
+              </a:rPr>
+              <a:t> + Definen </a:t>
+            </a:r>
+            <a:r>
+              <a:rPr lang="es-ES" b="1" dirty="0">
+                <a:solidFill>
+                  <a:schemeClr val="accent6">
+                    <a:lumMod val="75000"/>
+                  </a:schemeClr>
+                </a:solidFill>
+                <a:latin typeface="inherit"/>
+              </a:rPr>
+              <a:t>el número de </a:t>
+            </a:r>
+            <a:r>
+              <a:rPr lang="es-ES" b="1" i="0" dirty="0">
+                <a:solidFill>
+                  <a:schemeClr val="accent6">
+                    <a:lumMod val="75000"/>
+                  </a:schemeClr>
+                </a:solidFill>
+                <a:effectLst/>
+                <a:latin typeface="inherit"/>
+              </a:rPr>
+              <a:t>repeticiones de la expresión regular precedente</a:t>
+            </a:r>
+          </a:p>
+        </p:txBody>
+      </p:sp>
+      <p:sp>
+        <p:nvSpPr>
+          <p:cNvPr id="9" name="CuadroTexto 8">
+            <a:extLst>
+              <a:ext uri="{FF2B5EF4-FFF2-40B4-BE49-F238E27FC236}">
+                <a16:creationId xmlns:a16="http://schemas.microsoft.com/office/drawing/2014/main" id="{3C2E1319-C186-4202-8393-814D31E5493C}"/>
+              </a:ext>
+            </a:extLst>
+          </p:cNvPr>
+          <p:cNvSpPr txBox="1"/>
+          <p:nvPr/>
+        </p:nvSpPr>
+        <p:spPr>
+          <a:xfrm>
+            <a:off x="611560" y="1583476"/>
+            <a:ext cx="7920880" cy="506292"/>
+          </a:xfrm>
+          <a:prstGeom prst="rect">
+            <a:avLst/>
+          </a:prstGeom>
+          <a:noFill/>
+        </p:spPr>
+        <p:txBody>
+          <a:bodyPr wrap="square">
+            <a:spAutoFit/>
+          </a:bodyPr>
+          <a:lstStyle/>
+          <a:p>
+            <a:pPr algn="l">
+              <a:lnSpc>
+                <a:spcPct val="150000"/>
+              </a:lnSpc>
+            </a:pPr>
+            <a:r>
+              <a:rPr lang="es-ES" sz="2000" b="1" i="0" dirty="0">
+                <a:solidFill>
+                  <a:schemeClr val="tx1">
+                    <a:lumMod val="95000"/>
+                    <a:lumOff val="5000"/>
+                  </a:schemeClr>
+                </a:solidFill>
+                <a:effectLst/>
+              </a:rPr>
+              <a:t>Ejemplo 2:</a:t>
+            </a:r>
+            <a:endParaRPr lang="es-ES" sz="2000" b="1" dirty="0">
+              <a:solidFill>
+                <a:schemeClr val="tx1">
+                  <a:lumMod val="95000"/>
+                  <a:lumOff val="5000"/>
+                </a:schemeClr>
+              </a:solidFill>
+            </a:endParaRPr>
+          </a:p>
+        </p:txBody>
+      </p:sp>
+      <p:sp>
+        <p:nvSpPr>
+          <p:cNvPr id="10" name="Abrir llave 9">
+            <a:extLst>
+              <a:ext uri="{FF2B5EF4-FFF2-40B4-BE49-F238E27FC236}">
+                <a16:creationId xmlns:a16="http://schemas.microsoft.com/office/drawing/2014/main" id="{F795473D-90D4-4794-8F57-1F88444BF981}"/>
+              </a:ext>
+            </a:extLst>
+          </p:cNvPr>
+          <p:cNvSpPr/>
+          <p:nvPr/>
+        </p:nvSpPr>
+        <p:spPr>
+          <a:xfrm rot="16200000">
+            <a:off x="7328241" y="5006428"/>
+            <a:ext cx="242932" cy="293259"/>
+          </a:xfrm>
+          <a:prstGeom prst="leftBrace">
+            <a:avLst/>
+          </a:prstGeom>
+        </p:spPr>
+        <p:style>
+          <a:lnRef idx="1">
+            <a:schemeClr val="accent1"/>
+          </a:lnRef>
+          <a:fillRef idx="0">
+            <a:schemeClr val="accent1"/>
+          </a:fillRef>
+          <a:effectRef idx="0">
+            <a:schemeClr val="accent1"/>
+          </a:effectRef>
+          <a:fontRef idx="minor">
+            <a:schemeClr val="tx1"/>
+          </a:fontRef>
+        </p:style>
+        <p:txBody>
+          <a:bodyPr rtlCol="0" anchor="ctr"/>
+          <a:lstStyle/>
+          <a:p>
+            <a:pPr algn="ctr"/>
+            <a:endParaRPr lang="es-MX"/>
+          </a:p>
+        </p:txBody>
+      </p:sp>
+      <p:sp>
+        <p:nvSpPr>
+          <p:cNvPr id="12" name="CuadroTexto 11">
+            <a:extLst>
+              <a:ext uri="{FF2B5EF4-FFF2-40B4-BE49-F238E27FC236}">
+                <a16:creationId xmlns:a16="http://schemas.microsoft.com/office/drawing/2014/main" id="{85E1941A-2DA6-443A-9843-A084D86AC459}"/>
+              </a:ext>
+            </a:extLst>
+          </p:cNvPr>
+          <p:cNvSpPr txBox="1"/>
+          <p:nvPr/>
+        </p:nvSpPr>
+        <p:spPr>
+          <a:xfrm>
+            <a:off x="611560" y="2089768"/>
+            <a:ext cx="8041433" cy="707501"/>
+          </a:xfrm>
+          <a:prstGeom prst="rect">
+            <a:avLst/>
+          </a:prstGeom>
+          <a:noFill/>
+        </p:spPr>
+        <p:txBody>
+          <a:bodyPr wrap="square">
+            <a:spAutoFit/>
+          </a:bodyPr>
+          <a:lstStyle/>
+          <a:p>
+            <a:pPr algn="just">
+              <a:lnSpc>
+                <a:spcPts val="2500"/>
+              </a:lnSpc>
+            </a:pPr>
+            <a:r>
+              <a:rPr lang="es-ES" sz="1600" b="0" i="0" dirty="0">
+                <a:solidFill>
+                  <a:srgbClr val="333333"/>
+                </a:solidFill>
+                <a:effectLst/>
+              </a:rPr>
+              <a:t>Una palabra que tenga cualquier tipo de caracteres repetido una o más veces y que luego le siga un </a:t>
+            </a:r>
+            <a:r>
+              <a:rPr lang="es-ES" sz="1600" b="1" i="0" dirty="0" err="1">
+                <a:solidFill>
+                  <a:srgbClr val="333333"/>
+                </a:solidFill>
+                <a:effectLst/>
+              </a:rPr>
+              <a:t>er</a:t>
+            </a:r>
+            <a:r>
+              <a:rPr lang="es-ES" sz="1600" b="0" i="0" dirty="0">
+                <a:solidFill>
+                  <a:srgbClr val="333333"/>
+                </a:solidFill>
+                <a:effectLst/>
+              </a:rPr>
+              <a:t>.</a:t>
+            </a:r>
+            <a:endParaRPr lang="es-ES" sz="1600" b="0" i="0" dirty="0">
+              <a:solidFill>
+                <a:srgbClr val="AAAAAA"/>
+              </a:solidFill>
+              <a:effectLst/>
+            </a:endParaRPr>
+          </a:p>
+        </p:txBody>
+      </p:sp>
+      <p:pic>
+        <p:nvPicPr>
+          <p:cNvPr id="6" name="Imagen 5">
+            <a:extLst>
+              <a:ext uri="{FF2B5EF4-FFF2-40B4-BE49-F238E27FC236}">
+                <a16:creationId xmlns:a16="http://schemas.microsoft.com/office/drawing/2014/main" id="{2EFDE507-6CDB-4252-9C26-27D007FDAAFE}"/>
+              </a:ext>
+            </a:extLst>
+          </p:cNvPr>
+          <p:cNvPicPr>
+            <a:picLocks noChangeAspect="1"/>
+          </p:cNvPicPr>
+          <p:nvPr/>
+        </p:nvPicPr>
+        <p:blipFill>
+          <a:blip r:embed="rId3"/>
+          <a:stretch>
+            <a:fillRect/>
+          </a:stretch>
+        </p:blipFill>
+        <p:spPr>
+          <a:xfrm>
+            <a:off x="646620" y="2924944"/>
+            <a:ext cx="7038975" cy="3686175"/>
+          </a:xfrm>
+          <a:prstGeom prst="rect">
+            <a:avLst/>
+          </a:prstGeom>
+        </p:spPr>
+      </p:pic>
+    </p:spTree>
+    <p:extLst>
+      <p:ext uri="{BB962C8B-B14F-4D97-AF65-F5344CB8AC3E}">
+        <p14:creationId xmlns:p14="http://schemas.microsoft.com/office/powerpoint/2010/main" val="199591875"/>
+      </p:ext>
+    </p:extLst>
+  </p:cSld>
+  <p:clrMapOvr>
+    <a:masterClrMapping/>
+  </p:clrMapOvr>
+</p:sld>
+</file>
+
+<file path=ppt/slides/slide37.xml><?xml version="1.0" encoding="utf-8"?>
+<p:sld xmlns:a="http://schemas.openxmlformats.org/drawingml/2006/main" xmlns:r="http://schemas.openxmlformats.org/officeDocument/2006/relationships" xmlns:p="http://schemas.openxmlformats.org/presentationml/2006/main">
+  <p:cSld>
+    <p:spTree>
+      <p:nvGrpSpPr>
+        <p:cNvPr id="1" name=""/>
+        <p:cNvGrpSpPr/>
+        <p:nvPr/>
+      </p:nvGrpSpPr>
+      <p:grpSpPr>
+        <a:xfrm>
+          <a:off x="0" y="0"/>
+          <a:ext cx="0" cy="0"/>
+          <a:chOff x="0" y="0"/>
+          <a:chExt cx="0" cy="0"/>
+        </a:xfrm>
+      </p:grpSpPr>
+      <p:sp>
+        <p:nvSpPr>
+          <p:cNvPr id="184324" name="Rectangle 4"/>
+          <p:cNvSpPr>
+            <a:spLocks noGrp="1" noChangeArrowheads="1"/>
+          </p:cNvSpPr>
+          <p:nvPr>
+            <p:ph type="title"/>
+          </p:nvPr>
+        </p:nvSpPr>
+        <p:spPr>
+          <a:xfrm>
+            <a:off x="289721" y="4056"/>
+            <a:ext cx="8363272" cy="1143000"/>
+          </a:xfrm>
+        </p:spPr>
+        <p:txBody>
+          <a:bodyPr>
+            <a:normAutofit/>
+          </a:bodyPr>
+          <a:lstStyle/>
+          <a:p>
+            <a:pPr eaLnBrk="1" hangingPunct="1">
+              <a:defRPr/>
+            </a:pPr>
+            <a:r>
+              <a:rPr lang="es-MX" b="1" dirty="0" err="1">
+                <a:solidFill>
+                  <a:schemeClr val="accent4">
+                    <a:lumMod val="50000"/>
+                  </a:schemeClr>
+                </a:solidFill>
+                <a:effectLst>
+                  <a:outerShdw blurRad="38100" dist="38100" dir="2700000" algn="tl">
+                    <a:srgbClr val="C0C0C0"/>
+                  </a:outerShdw>
+                </a:effectLst>
+                <a:latin typeface="Dom Casual" charset="0"/>
+              </a:rPr>
+              <a:t>Metacaracteres</a:t>
+            </a:r>
+            <a:endParaRPr lang="es-MX" b="1" dirty="0">
+              <a:solidFill>
+                <a:schemeClr val="accent4">
+                  <a:lumMod val="50000"/>
+                </a:schemeClr>
+              </a:solidFill>
+              <a:effectLst>
+                <a:outerShdw blurRad="38100" dist="38100" dir="2700000" algn="tl">
+                  <a:srgbClr val="C0C0C0"/>
+                </a:outerShdw>
+              </a:effectLst>
+              <a:latin typeface="Dom Casual" charset="0"/>
+            </a:endParaRPr>
+          </a:p>
+        </p:txBody>
+      </p:sp>
+      <p:sp>
+        <p:nvSpPr>
+          <p:cNvPr id="8" name="CuadroTexto 7">
+            <a:extLst>
+              <a:ext uri="{FF2B5EF4-FFF2-40B4-BE49-F238E27FC236}">
+                <a16:creationId xmlns:a16="http://schemas.microsoft.com/office/drawing/2014/main" id="{C54CFFB0-D6E7-4679-A6E8-7F8B2E54D6C1}"/>
+              </a:ext>
+            </a:extLst>
+          </p:cNvPr>
+          <p:cNvSpPr txBox="1"/>
+          <p:nvPr/>
+        </p:nvSpPr>
+        <p:spPr>
+          <a:xfrm>
+            <a:off x="2286845" y="950207"/>
+            <a:ext cx="4229372" cy="714298"/>
+          </a:xfrm>
+          <a:prstGeom prst="rect">
+            <a:avLst/>
+          </a:prstGeom>
+          <a:noFill/>
+        </p:spPr>
+        <p:txBody>
+          <a:bodyPr wrap="square">
+            <a:spAutoFit/>
+          </a:bodyPr>
+          <a:lstStyle/>
+          <a:p>
+            <a:pPr algn="ctr" fontAlgn="base">
+              <a:lnSpc>
+                <a:spcPts val="2500"/>
+              </a:lnSpc>
+              <a:spcAft>
+                <a:spcPts val="600"/>
+              </a:spcAft>
+            </a:pPr>
+            <a:r>
+              <a:rPr lang="es-ES" b="1" dirty="0">
+                <a:solidFill>
+                  <a:schemeClr val="accent6">
+                    <a:lumMod val="75000"/>
+                  </a:schemeClr>
+                </a:solidFill>
+                <a:latin typeface="inherit"/>
+              </a:rPr>
+              <a:t> </a:t>
+            </a:r>
+            <a:r>
+              <a:rPr lang="es-ES" b="1" i="0" dirty="0">
+                <a:solidFill>
+                  <a:schemeClr val="accent6">
+                    <a:lumMod val="75000"/>
+                  </a:schemeClr>
+                </a:solidFill>
+                <a:effectLst/>
+                <a:latin typeface="inherit"/>
+              </a:rPr>
+              <a:t>+ Definen </a:t>
+            </a:r>
+            <a:r>
+              <a:rPr lang="es-ES" b="1" dirty="0">
+                <a:solidFill>
+                  <a:schemeClr val="accent6">
+                    <a:lumMod val="75000"/>
+                  </a:schemeClr>
+                </a:solidFill>
+                <a:latin typeface="inherit"/>
+              </a:rPr>
+              <a:t>el número de </a:t>
+            </a:r>
+            <a:r>
+              <a:rPr lang="es-ES" b="1" i="0" dirty="0">
+                <a:solidFill>
+                  <a:schemeClr val="accent6">
+                    <a:lumMod val="75000"/>
+                  </a:schemeClr>
+                </a:solidFill>
+                <a:effectLst/>
+                <a:latin typeface="inherit"/>
+              </a:rPr>
+              <a:t>repeticiones de la expresión regular precedente</a:t>
+            </a:r>
+          </a:p>
+        </p:txBody>
+      </p:sp>
+      <p:sp>
+        <p:nvSpPr>
+          <p:cNvPr id="9" name="CuadroTexto 8">
+            <a:extLst>
+              <a:ext uri="{FF2B5EF4-FFF2-40B4-BE49-F238E27FC236}">
+                <a16:creationId xmlns:a16="http://schemas.microsoft.com/office/drawing/2014/main" id="{3C2E1319-C186-4202-8393-814D31E5493C}"/>
+              </a:ext>
+            </a:extLst>
+          </p:cNvPr>
+          <p:cNvSpPr txBox="1"/>
+          <p:nvPr/>
+        </p:nvSpPr>
+        <p:spPr>
+          <a:xfrm>
+            <a:off x="611560" y="1583476"/>
+            <a:ext cx="7920880" cy="506292"/>
+          </a:xfrm>
+          <a:prstGeom prst="rect">
+            <a:avLst/>
+          </a:prstGeom>
+          <a:noFill/>
+        </p:spPr>
+        <p:txBody>
+          <a:bodyPr wrap="square">
+            <a:spAutoFit/>
+          </a:bodyPr>
+          <a:lstStyle/>
+          <a:p>
+            <a:pPr algn="l">
+              <a:lnSpc>
+                <a:spcPct val="150000"/>
+              </a:lnSpc>
+            </a:pPr>
+            <a:r>
+              <a:rPr lang="es-ES" sz="2000" b="1" i="0" dirty="0">
+                <a:solidFill>
+                  <a:schemeClr val="tx1">
+                    <a:lumMod val="95000"/>
+                    <a:lumOff val="5000"/>
+                  </a:schemeClr>
+                </a:solidFill>
+                <a:effectLst/>
+              </a:rPr>
+              <a:t>Ejemplo 3:</a:t>
+            </a:r>
+            <a:endParaRPr lang="es-ES" sz="2000" b="1" dirty="0">
+              <a:solidFill>
+                <a:schemeClr val="tx1">
+                  <a:lumMod val="95000"/>
+                  <a:lumOff val="5000"/>
+                </a:schemeClr>
+              </a:solidFill>
+            </a:endParaRPr>
+          </a:p>
+        </p:txBody>
+      </p:sp>
+      <p:sp>
+        <p:nvSpPr>
+          <p:cNvPr id="10" name="Abrir llave 9">
+            <a:extLst>
+              <a:ext uri="{FF2B5EF4-FFF2-40B4-BE49-F238E27FC236}">
+                <a16:creationId xmlns:a16="http://schemas.microsoft.com/office/drawing/2014/main" id="{F795473D-90D4-4794-8F57-1F88444BF981}"/>
+              </a:ext>
+            </a:extLst>
+          </p:cNvPr>
+          <p:cNvSpPr/>
+          <p:nvPr/>
+        </p:nvSpPr>
+        <p:spPr>
+          <a:xfrm rot="16200000">
+            <a:off x="7328241" y="5006428"/>
+            <a:ext cx="242932" cy="293259"/>
+          </a:xfrm>
+          <a:prstGeom prst="leftBrace">
+            <a:avLst/>
+          </a:prstGeom>
+        </p:spPr>
+        <p:style>
+          <a:lnRef idx="1">
+            <a:schemeClr val="accent1"/>
+          </a:lnRef>
+          <a:fillRef idx="0">
+            <a:schemeClr val="accent1"/>
+          </a:fillRef>
+          <a:effectRef idx="0">
+            <a:schemeClr val="accent1"/>
+          </a:effectRef>
+          <a:fontRef idx="minor">
+            <a:schemeClr val="tx1"/>
+          </a:fontRef>
+        </p:style>
+        <p:txBody>
+          <a:bodyPr rtlCol="0" anchor="ctr"/>
+          <a:lstStyle/>
+          <a:p>
+            <a:pPr algn="ctr"/>
+            <a:endParaRPr lang="es-MX"/>
+          </a:p>
+        </p:txBody>
+      </p:sp>
+      <p:sp>
+        <p:nvSpPr>
+          <p:cNvPr id="12" name="CuadroTexto 11">
+            <a:extLst>
+              <a:ext uri="{FF2B5EF4-FFF2-40B4-BE49-F238E27FC236}">
+                <a16:creationId xmlns:a16="http://schemas.microsoft.com/office/drawing/2014/main" id="{85E1941A-2DA6-443A-9843-A084D86AC459}"/>
+              </a:ext>
+            </a:extLst>
+          </p:cNvPr>
+          <p:cNvSpPr txBox="1"/>
+          <p:nvPr/>
+        </p:nvSpPr>
+        <p:spPr>
+          <a:xfrm>
+            <a:off x="611560" y="2089768"/>
+            <a:ext cx="8041433" cy="707501"/>
+          </a:xfrm>
+          <a:prstGeom prst="rect">
+            <a:avLst/>
+          </a:prstGeom>
+          <a:noFill/>
+        </p:spPr>
+        <p:txBody>
+          <a:bodyPr wrap="square">
+            <a:spAutoFit/>
+          </a:bodyPr>
+          <a:lstStyle/>
+          <a:p>
+            <a:pPr algn="just">
+              <a:lnSpc>
+                <a:spcPts val="2500"/>
+              </a:lnSpc>
+            </a:pPr>
+            <a:r>
+              <a:rPr lang="es-ES" sz="1600" b="0" i="0" dirty="0">
+                <a:solidFill>
+                  <a:srgbClr val="333333"/>
+                </a:solidFill>
+                <a:effectLst/>
+              </a:rPr>
+              <a:t>Palabras que tengan caracteres de la ‘a’ a la ‘z’ repetidos una o más veces y que luego le siga un </a:t>
+            </a:r>
+            <a:r>
+              <a:rPr lang="es-ES" sz="1600" b="1" i="0" dirty="0" err="1">
+                <a:solidFill>
+                  <a:srgbClr val="333333"/>
+                </a:solidFill>
+                <a:effectLst/>
+              </a:rPr>
+              <a:t>er</a:t>
+            </a:r>
+            <a:r>
+              <a:rPr lang="es-ES" sz="1600" b="0" i="0" dirty="0">
+                <a:solidFill>
+                  <a:srgbClr val="333333"/>
+                </a:solidFill>
+                <a:effectLst/>
+              </a:rPr>
+              <a:t>.</a:t>
+            </a:r>
+            <a:endParaRPr lang="es-ES" sz="1600" b="0" i="0" dirty="0">
+              <a:solidFill>
+                <a:srgbClr val="AAAAAA"/>
+              </a:solidFill>
+              <a:effectLst/>
+            </a:endParaRPr>
+          </a:p>
+        </p:txBody>
+      </p:sp>
+      <p:pic>
+        <p:nvPicPr>
+          <p:cNvPr id="3" name="Imagen 2">
+            <a:extLst>
+              <a:ext uri="{FF2B5EF4-FFF2-40B4-BE49-F238E27FC236}">
+                <a16:creationId xmlns:a16="http://schemas.microsoft.com/office/drawing/2014/main" id="{367D6562-FC96-4812-A5D3-7044AF6375BE}"/>
+              </a:ext>
+            </a:extLst>
+          </p:cNvPr>
+          <p:cNvPicPr>
+            <a:picLocks noChangeAspect="1"/>
+          </p:cNvPicPr>
+          <p:nvPr/>
+        </p:nvPicPr>
+        <p:blipFill>
+          <a:blip r:embed="rId3"/>
+          <a:stretch>
+            <a:fillRect/>
+          </a:stretch>
+        </p:blipFill>
+        <p:spPr>
+          <a:xfrm>
+            <a:off x="643406" y="3026677"/>
+            <a:ext cx="8010163" cy="2634572"/>
+          </a:xfrm>
+          <a:prstGeom prst="rect">
+            <a:avLst/>
+          </a:prstGeom>
+        </p:spPr>
+      </p:pic>
+    </p:spTree>
+    <p:extLst>
+      <p:ext uri="{BB962C8B-B14F-4D97-AF65-F5344CB8AC3E}">
+        <p14:creationId xmlns:p14="http://schemas.microsoft.com/office/powerpoint/2010/main" val="929584033"/>
+      </p:ext>
+    </p:extLst>
+  </p:cSld>
+  <p:clrMapOvr>
+    <a:masterClrMapping/>
+  </p:clrMapOvr>
+</p:sld>
+</file>
+
+<file path=ppt/slides/slide38.xml><?xml version="1.0" encoding="utf-8"?>
+<p:sld xmlns:a="http://schemas.openxmlformats.org/drawingml/2006/main" xmlns:r="http://schemas.openxmlformats.org/officeDocument/2006/relationships" xmlns:p="http://schemas.openxmlformats.org/presentationml/2006/main">
+  <p:cSld>
+    <p:spTree>
+      <p:nvGrpSpPr>
+        <p:cNvPr id="1" name=""/>
+        <p:cNvGrpSpPr/>
+        <p:nvPr/>
+      </p:nvGrpSpPr>
+      <p:grpSpPr>
+        <a:xfrm>
+          <a:off x="0" y="0"/>
+          <a:ext cx="0" cy="0"/>
+          <a:chOff x="0" y="0"/>
+          <a:chExt cx="0" cy="0"/>
+        </a:xfrm>
+      </p:grpSpPr>
+      <p:sp>
+        <p:nvSpPr>
+          <p:cNvPr id="184324" name="Rectangle 4"/>
+          <p:cNvSpPr>
+            <a:spLocks noGrp="1" noChangeArrowheads="1"/>
+          </p:cNvSpPr>
+          <p:nvPr>
+            <p:ph type="title"/>
+          </p:nvPr>
+        </p:nvSpPr>
+        <p:spPr>
+          <a:xfrm>
+            <a:off x="289721" y="4056"/>
+            <a:ext cx="8363272" cy="1143000"/>
+          </a:xfrm>
+        </p:spPr>
+        <p:txBody>
+          <a:bodyPr>
+            <a:normAutofit/>
+          </a:bodyPr>
+          <a:lstStyle/>
+          <a:p>
+            <a:pPr eaLnBrk="1" hangingPunct="1">
+              <a:defRPr/>
+            </a:pPr>
+            <a:r>
+              <a:rPr lang="es-MX" b="1" dirty="0" err="1">
+                <a:solidFill>
+                  <a:schemeClr val="accent4">
+                    <a:lumMod val="50000"/>
+                  </a:schemeClr>
+                </a:solidFill>
+                <a:effectLst>
+                  <a:outerShdw blurRad="38100" dist="38100" dir="2700000" algn="tl">
+                    <a:srgbClr val="C0C0C0"/>
+                  </a:outerShdw>
+                </a:effectLst>
+                <a:latin typeface="Dom Casual" charset="0"/>
+              </a:rPr>
+              <a:t>Metacaracteres</a:t>
+            </a:r>
+            <a:endParaRPr lang="es-MX" b="1" dirty="0">
+              <a:solidFill>
+                <a:schemeClr val="accent4">
+                  <a:lumMod val="50000"/>
+                </a:schemeClr>
+              </a:solidFill>
+              <a:effectLst>
+                <a:outerShdw blurRad="38100" dist="38100" dir="2700000" algn="tl">
+                  <a:srgbClr val="C0C0C0"/>
+                </a:outerShdw>
+              </a:effectLst>
+              <a:latin typeface="Dom Casual" charset="0"/>
+            </a:endParaRPr>
+          </a:p>
+        </p:txBody>
+      </p:sp>
+      <p:sp>
+        <p:nvSpPr>
+          <p:cNvPr id="8" name="CuadroTexto 7">
+            <a:extLst>
+              <a:ext uri="{FF2B5EF4-FFF2-40B4-BE49-F238E27FC236}">
+                <a16:creationId xmlns:a16="http://schemas.microsoft.com/office/drawing/2014/main" id="{C54CFFB0-D6E7-4679-A6E8-7F8B2E54D6C1}"/>
+              </a:ext>
+            </a:extLst>
+          </p:cNvPr>
+          <p:cNvSpPr txBox="1"/>
+          <p:nvPr/>
+        </p:nvSpPr>
+        <p:spPr>
+          <a:xfrm>
+            <a:off x="2051720" y="950207"/>
+            <a:ext cx="4680520" cy="714298"/>
+          </a:xfrm>
+          <a:prstGeom prst="rect">
+            <a:avLst/>
+          </a:prstGeom>
+          <a:noFill/>
+        </p:spPr>
+        <p:txBody>
+          <a:bodyPr wrap="square">
+            <a:spAutoFit/>
+          </a:bodyPr>
+          <a:lstStyle/>
+          <a:p>
+            <a:pPr algn="ctr" fontAlgn="base">
+              <a:lnSpc>
+                <a:spcPts val="2500"/>
+              </a:lnSpc>
+              <a:spcAft>
+                <a:spcPts val="600"/>
+              </a:spcAft>
+            </a:pPr>
+            <a:r>
+              <a:rPr lang="es-ES" b="1" dirty="0">
+                <a:solidFill>
+                  <a:schemeClr val="accent6">
+                    <a:lumMod val="75000"/>
+                  </a:schemeClr>
+                </a:solidFill>
+                <a:latin typeface="inherit"/>
+              </a:rPr>
+              <a:t> </a:t>
+            </a:r>
+            <a:r>
+              <a:rPr lang="es-ES" b="1" i="0" dirty="0">
+                <a:solidFill>
+                  <a:schemeClr val="accent6">
+                    <a:lumMod val="75000"/>
+                  </a:schemeClr>
+                </a:solidFill>
+                <a:effectLst/>
+                <a:latin typeface="inherit"/>
+              </a:rPr>
+              <a:t>{} Definen </a:t>
+            </a:r>
+            <a:r>
+              <a:rPr lang="es-ES" b="1" dirty="0">
+                <a:solidFill>
+                  <a:schemeClr val="accent6">
+                    <a:lumMod val="75000"/>
+                  </a:schemeClr>
+                </a:solidFill>
+                <a:latin typeface="inherit"/>
+              </a:rPr>
+              <a:t>el número exacto de </a:t>
+            </a:r>
+            <a:r>
+              <a:rPr lang="es-ES" b="1" i="0" dirty="0">
+                <a:solidFill>
+                  <a:schemeClr val="accent6">
+                    <a:lumMod val="75000"/>
+                  </a:schemeClr>
+                </a:solidFill>
+                <a:effectLst/>
+                <a:latin typeface="inherit"/>
+              </a:rPr>
+              <a:t>repeticiones de la expresión regular precedente</a:t>
+            </a:r>
+          </a:p>
+        </p:txBody>
+      </p:sp>
+      <p:sp>
+        <p:nvSpPr>
+          <p:cNvPr id="9" name="CuadroTexto 8">
+            <a:extLst>
+              <a:ext uri="{FF2B5EF4-FFF2-40B4-BE49-F238E27FC236}">
+                <a16:creationId xmlns:a16="http://schemas.microsoft.com/office/drawing/2014/main" id="{3C2E1319-C186-4202-8393-814D31E5493C}"/>
+              </a:ext>
+            </a:extLst>
+          </p:cNvPr>
+          <p:cNvSpPr txBox="1"/>
+          <p:nvPr/>
+        </p:nvSpPr>
+        <p:spPr>
+          <a:xfrm>
+            <a:off x="611560" y="1583476"/>
+            <a:ext cx="7920880" cy="506292"/>
+          </a:xfrm>
+          <a:prstGeom prst="rect">
+            <a:avLst/>
+          </a:prstGeom>
+          <a:noFill/>
+        </p:spPr>
+        <p:txBody>
+          <a:bodyPr wrap="square">
+            <a:spAutoFit/>
+          </a:bodyPr>
+          <a:lstStyle/>
+          <a:p>
+            <a:pPr algn="l">
+              <a:lnSpc>
+                <a:spcPct val="150000"/>
+              </a:lnSpc>
+            </a:pPr>
+            <a:r>
+              <a:rPr lang="es-ES" sz="2000" b="1" i="0" dirty="0">
+                <a:solidFill>
+                  <a:schemeClr val="tx1">
+                    <a:lumMod val="95000"/>
+                    <a:lumOff val="5000"/>
+                  </a:schemeClr>
+                </a:solidFill>
+                <a:effectLst/>
+              </a:rPr>
+              <a:t>Ejemplo 4:</a:t>
+            </a:r>
+            <a:endParaRPr lang="es-ES" sz="2000" b="1" dirty="0">
+              <a:solidFill>
+                <a:schemeClr val="tx1">
+                  <a:lumMod val="95000"/>
+                  <a:lumOff val="5000"/>
+                </a:schemeClr>
+              </a:solidFill>
+            </a:endParaRPr>
+          </a:p>
+        </p:txBody>
+      </p:sp>
+      <p:sp>
+        <p:nvSpPr>
+          <p:cNvPr id="10" name="Abrir llave 9">
+            <a:extLst>
+              <a:ext uri="{FF2B5EF4-FFF2-40B4-BE49-F238E27FC236}">
+                <a16:creationId xmlns:a16="http://schemas.microsoft.com/office/drawing/2014/main" id="{F795473D-90D4-4794-8F57-1F88444BF981}"/>
+              </a:ext>
+            </a:extLst>
+          </p:cNvPr>
+          <p:cNvSpPr/>
+          <p:nvPr/>
+        </p:nvSpPr>
+        <p:spPr>
+          <a:xfrm rot="16200000">
+            <a:off x="7328241" y="5006428"/>
+            <a:ext cx="242932" cy="293259"/>
+          </a:xfrm>
+          <a:prstGeom prst="leftBrace">
+            <a:avLst/>
+          </a:prstGeom>
+        </p:spPr>
+        <p:style>
+          <a:lnRef idx="1">
+            <a:schemeClr val="accent1"/>
+          </a:lnRef>
+          <a:fillRef idx="0">
+            <a:schemeClr val="accent1"/>
+          </a:fillRef>
+          <a:effectRef idx="0">
+            <a:schemeClr val="accent1"/>
+          </a:effectRef>
+          <a:fontRef idx="minor">
+            <a:schemeClr val="tx1"/>
+          </a:fontRef>
+        </p:style>
+        <p:txBody>
+          <a:bodyPr rtlCol="0" anchor="ctr"/>
+          <a:lstStyle/>
+          <a:p>
+            <a:pPr algn="ctr"/>
+            <a:endParaRPr lang="es-MX"/>
+          </a:p>
+        </p:txBody>
+      </p:sp>
+      <p:sp>
+        <p:nvSpPr>
+          <p:cNvPr id="12" name="CuadroTexto 11">
+            <a:extLst>
+              <a:ext uri="{FF2B5EF4-FFF2-40B4-BE49-F238E27FC236}">
+                <a16:creationId xmlns:a16="http://schemas.microsoft.com/office/drawing/2014/main" id="{85E1941A-2DA6-443A-9843-A084D86AC459}"/>
+              </a:ext>
+            </a:extLst>
+          </p:cNvPr>
+          <p:cNvSpPr txBox="1"/>
+          <p:nvPr/>
+        </p:nvSpPr>
+        <p:spPr>
+          <a:xfrm>
+            <a:off x="611560" y="2089768"/>
+            <a:ext cx="8041433" cy="707501"/>
+          </a:xfrm>
+          <a:prstGeom prst="rect">
+            <a:avLst/>
+          </a:prstGeom>
+          <a:noFill/>
+        </p:spPr>
+        <p:txBody>
+          <a:bodyPr wrap="square">
+            <a:spAutoFit/>
+          </a:bodyPr>
+          <a:lstStyle/>
+          <a:p>
+            <a:pPr algn="just">
+              <a:lnSpc>
+                <a:spcPts val="2500"/>
+              </a:lnSpc>
+            </a:pPr>
+            <a:r>
+              <a:rPr lang="es-ES" sz="1600" b="0" i="0" dirty="0">
+                <a:solidFill>
+                  <a:srgbClr val="333333"/>
+                </a:solidFill>
+                <a:effectLst/>
+              </a:rPr>
+              <a:t>Palabras que tengan cuatro caracteres de la ‘a’ a la ‘z’ repetidos una o más veces y que luego le siga un </a:t>
+            </a:r>
+            <a:r>
+              <a:rPr lang="es-ES" sz="1600" b="1" i="0" dirty="0" err="1">
+                <a:solidFill>
+                  <a:srgbClr val="333333"/>
+                </a:solidFill>
+                <a:effectLst/>
+              </a:rPr>
+              <a:t>er</a:t>
+            </a:r>
+            <a:r>
+              <a:rPr lang="es-ES" sz="1600" b="0" i="0" dirty="0">
+                <a:solidFill>
+                  <a:srgbClr val="333333"/>
+                </a:solidFill>
+                <a:effectLst/>
+              </a:rPr>
+              <a:t>.</a:t>
+            </a:r>
+            <a:endParaRPr lang="es-ES" sz="1600" b="0" i="0" dirty="0">
+              <a:solidFill>
+                <a:srgbClr val="AAAAAA"/>
+              </a:solidFill>
+              <a:effectLst/>
+            </a:endParaRPr>
+          </a:p>
+        </p:txBody>
+      </p:sp>
+      <p:pic>
+        <p:nvPicPr>
+          <p:cNvPr id="6" name="Imagen 5">
+            <a:extLst>
+              <a:ext uri="{FF2B5EF4-FFF2-40B4-BE49-F238E27FC236}">
+                <a16:creationId xmlns:a16="http://schemas.microsoft.com/office/drawing/2014/main" id="{65576E1C-9BCF-4A1F-AFDE-67E73D9B1B3A}"/>
+              </a:ext>
+            </a:extLst>
+          </p:cNvPr>
+          <p:cNvPicPr>
+            <a:picLocks noChangeAspect="1"/>
+          </p:cNvPicPr>
+          <p:nvPr/>
+        </p:nvPicPr>
+        <p:blipFill>
+          <a:blip r:embed="rId3"/>
+          <a:stretch>
+            <a:fillRect/>
+          </a:stretch>
+        </p:blipFill>
+        <p:spPr>
+          <a:xfrm>
+            <a:off x="755576" y="3032480"/>
+            <a:ext cx="7399987" cy="2545326"/>
+          </a:xfrm>
+          <a:prstGeom prst="rect">
+            <a:avLst/>
+          </a:prstGeom>
+        </p:spPr>
+      </p:pic>
+    </p:spTree>
+    <p:extLst>
+      <p:ext uri="{BB962C8B-B14F-4D97-AF65-F5344CB8AC3E}">
+        <p14:creationId xmlns:p14="http://schemas.microsoft.com/office/powerpoint/2010/main" val="1823986916"/>
       </p:ext>
     </p:extLst>
   </p:cSld>
@@ -17025,8 +16858,8 @@
         </p:nvSpPr>
         <p:spPr>
           <a:xfrm>
-            <a:off x="2286845" y="950207"/>
-            <a:ext cx="4229372" cy="714298"/>
+            <a:off x="2195736" y="950207"/>
+            <a:ext cx="4608511" cy="714298"/>
           </a:xfrm>
           <a:prstGeom prst="rect">
             <a:avLst/>
@@ -17048,16 +16881,27 @@
               </a:spcAft>
             </a:pPr>
             <a:r>
-              <a:rPr lang="es-ES" b="1" i="0" dirty="0">
+              <a:rPr lang="es-ES" b="1" dirty="0">
                 <a:solidFill>
                   <a:schemeClr val="accent6">
                     <a:lumMod val="75000"/>
                   </a:schemeClr>
                 </a:solidFill>
+                <a:latin typeface="inherit"/>
+              </a:rPr>
+              <a:t> </a:t>
+            </a:r>
+            <a:r>
+              <a:rPr lang="es-ES" b="1" i="0" dirty="0">
+                <a:solidFill>
+                  <a:schemeClr val="accent6">
+                    <a:lumMod val="75000"/>
+                  </a:schemeClr>
+                </a:solidFill>
                 <a:effectLst/>
                 <a:latin typeface="inherit"/>
               </a:rPr>
-              <a:t> + Definen </a:t>
+              <a:t>{} Definen </a:t>
             </a:r>
             <a:r>
               <a:rPr lang="es-ES" b="1" dirty="0">
@@ -17068,7 +16912,7 @@
                 </a:solidFill>
                 <a:latin typeface="inherit"/>
               </a:rPr>
-              <a:t>el número de </a:t>
+              <a:t>el número exacto de </a:t>
             </a:r>
             <a:r>
               <a:rPr lang="es-ES" b="1" i="0" dirty="0">
@@ -17128,7 +16972,7 @@
                 </a:solidFill>
                 <a:effectLst/>
               </a:rPr>
-              <a:t>Ejemplo 2:</a:t>
+              <a:t>Ejemplo 5:</a:t>
             </a:r>
             <a:endParaRPr lang="es-ES" sz="2000" b="1" dirty="0">
               <a:solidFill>
@@ -17138,50 +16982,6 @@
                 </a:schemeClr>
               </a:solidFill>
             </a:endParaRPr>
-          </a:p>
-        </p:txBody>
-      </p:sp>
-      <p:sp>
-        <p:nvSpPr>
-          <p:cNvPr id="10" name="Abrir llave 9">
-            <a:extLst>
-              <a:ext uri="{FF2B5EF4-FFF2-40B4-BE49-F238E27FC236}">
-                <a16:creationId xmlns:a16="http://schemas.microsoft.com/office/drawing/2014/main" id="{F795473D-90D4-4794-8F57-1F88444BF981}"/>
-              </a:ext>
-            </a:extLst>
-          </p:cNvPr>
-          <p:cNvSpPr/>
-          <p:nvPr/>
-        </p:nvSpPr>
-        <p:spPr>
-          <a:xfrm rot="16200000">
-            <a:off x="7328241" y="5006428"/>
-            <a:ext cx="242932" cy="293259"/>
-          </a:xfrm>
-          <a:prstGeom prst="leftBrace">
-            <a:avLst/>
-          </a:prstGeom>
-        </p:spPr>
-        <p:style>
-          <a:lnRef idx="1">
-            <a:schemeClr val="accent1"/>
-          </a:lnRef>
-          <a:fillRef idx="0">
-            <a:schemeClr val="accent1"/>
-          </a:fillRef>
-          <a:effectRef idx="0">
-            <a:schemeClr val="accent1"/>
-          </a:effectRef>
-          <a:fontRef idx="minor">
-            <a:schemeClr val="tx1"/>
-          </a:fontRef>
-        </p:style>
-        <p:txBody>
-          <a:bodyPr rtlCol="0" anchor="ctr"/>
-          <a:lstStyle/>
-          <a:p>
-            <a:pPr algn="ctr"/>
-            <a:endParaRPr lang="es-MX"/>
           </a:p>
         </p:txBody>
       </p:sp>
@@ -17225,7 +17025,7 @@
                 </a:solidFill>
                 <a:effectLst/>
               </a:rPr>
-              <a:t>Una palabra que tenga cualquier tipo de caracteres repetido una o más veces y que luego le siga un </a:t>
+              <a:t>Palabras que tengan cinco caracteres de la ‘a’ a la ‘z’ repetidos una o más veces y que luego le siga un </a:t>
             </a:r>
             <a:r>
               <a:rPr lang="es-ES" sz="1600" b="1" i="0" dirty="0" err="1">
@@ -17256,10 +17056,10 @@
       </p:sp>
       <p:pic>
         <p:nvPicPr>
-          <p:cNvPr id="6" name="Imagen 5">
+          <p:cNvPr id="3" name="Imagen 2">
             <a:extLst>
               <a:ext uri="{FF2B5EF4-FFF2-40B4-BE49-F238E27FC236}">
-                <a16:creationId xmlns:a16="http://schemas.microsoft.com/office/drawing/2014/main" id="{2EFDE507-6CDB-4252-9C26-27D007FDAAFE}"/>
+                <a16:creationId xmlns:a16="http://schemas.microsoft.com/office/drawing/2014/main" id="{41D5B816-F41C-4A41-AFAA-8D2B5C16CBF4}"/>
               </a:ext>
             </a:extLst>
           </p:cNvPr>
@@ -17276,8 +17076,8 @@
         </p:blipFill>
         <p:spPr>
           <a:xfrm>
-            <a:off x="646620" y="2924944"/>
-            <a:ext cx="7038975" cy="3686175"/>
+            <a:off x="683567" y="2996952"/>
+            <a:ext cx="7632848" cy="2593434"/>
           </a:xfrm>
           <a:prstGeom prst="rect">
             <a:avLst/>
@@ -17287,7 +17087,7 @@
     </p:spTree>
     <p:extLst>
       <p:ext uri="{BB962C8B-B14F-4D97-AF65-F5344CB8AC3E}">
-        <p14:creationId xmlns:p14="http://schemas.microsoft.com/office/powerpoint/2010/main" val="199591875"/>
+        <p14:creationId xmlns:p14="http://schemas.microsoft.com/office/powerpoint/2010/main" val="99952455"/>
       </p:ext>
     </p:extLst>
   </p:cSld>
@@ -17956,8 +17756,8 @@
         </p:nvSpPr>
         <p:spPr>
           <a:xfrm>
-            <a:off x="2286845" y="950207"/>
-            <a:ext cx="4229372" cy="714298"/>
+            <a:off x="2051720" y="950207"/>
+            <a:ext cx="4680520" cy="714298"/>
           </a:xfrm>
           <a:prstGeom prst="rect">
             <a:avLst/>
@@ -17999,7 +17799,7 @@
                 <a:effectLst/>
                 <a:latin typeface="inherit"/>
               </a:rPr>
-              <a:t>+ Definen </a:t>
+              <a:t>{} Definen </a:t>
             </a:r>
             <a:r>
               <a:rPr lang="es-ES" b="1" dirty="0">
@@ -18010,7 +17810,7 @@
                 </a:solidFill>
                 <a:latin typeface="inherit"/>
               </a:rPr>
-              <a:t>el número de </a:t>
+              <a:t>el número exacto de </a:t>
             </a:r>
             <a:r>
               <a:rPr lang="es-ES" b="1" i="0" dirty="0">
@@ -18070,7 +17870,7 @@
                 </a:solidFill>
                 <a:effectLst/>
               </a:rPr>
-              <a:t>Ejemplo 3:</a:t>
+              <a:t>Ejemplo 6:</a:t>
             </a:r>
             <a:endParaRPr lang="es-ES" sz="2000" b="1" dirty="0">
               <a:solidFill>
@@ -18127,81 +17927,12 @@
           </a:p>
         </p:txBody>
       </p:sp>
-      <p:sp>
-        <p:nvSpPr>
-          <p:cNvPr id="12" name="CuadroTexto 11">
-            <a:extLst>
-              <a:ext uri="{FF2B5EF4-FFF2-40B4-BE49-F238E27FC236}">
-                <a16:creationId xmlns:a16="http://schemas.microsoft.com/office/drawing/2014/main" id="{85E1941A-2DA6-443A-9843-A084D86AC459}"/>
-              </a:ext>
-            </a:extLst>
-          </p:cNvPr>
-          <p:cNvSpPr txBox="1"/>
-          <p:nvPr/>
-        </p:nvSpPr>
-        <p:spPr>
-          <a:xfrm>
-            <a:off x="611560" y="2089768"/>
-            <a:ext cx="8041433" cy="707501"/>
-          </a:xfrm>
-          <a:prstGeom prst="rect">
-            <a:avLst/>
-          </a:prstGeom>
-          <a:noFill/>
-        </p:spPr>
-        <p:txBody>
-          <a:bodyPr wrap="square">
-            <a:spAutoFit/>
-          </a:bodyPr>
-          <a:lstStyle/>
-          <a:p>
-            <a:pPr algn="just">
-              <a:lnSpc>
-                <a:spcPts val="2500"/>
-              </a:lnSpc>
-            </a:pPr>
-            <a:r>
-              <a:rPr lang="es-ES" sz="1600" b="0" i="0" dirty="0">
-                <a:solidFill>
-                  <a:srgbClr val="333333"/>
-                </a:solidFill>
-                <a:effectLst/>
-              </a:rPr>
-              <a:t>Palabras que tengan caracteres de la ‘a’ a la ‘z’ repetidos una o más veces y que luego le siga un </a:t>
-            </a:r>
-            <a:r>
-              <a:rPr lang="es-ES" sz="1600" b="1" i="0" dirty="0" err="1">
-                <a:solidFill>
-                  <a:srgbClr val="333333"/>
-                </a:solidFill>
-                <a:effectLst/>
-              </a:rPr>
-              <a:t>er</a:t>
-            </a:r>
-            <a:r>
-              <a:rPr lang="es-ES" sz="1600" b="0" i="0" dirty="0">
-                <a:solidFill>
-                  <a:srgbClr val="333333"/>
-                </a:solidFill>
-                <a:effectLst/>
-              </a:rPr>
-              <a:t>.</a:t>
-            </a:r>
-            <a:endParaRPr lang="es-ES" sz="1600" b="0" i="0" dirty="0">
-              <a:solidFill>
-                <a:srgbClr val="AAAAAA"/>
-              </a:solidFill>
-              <a:effectLst/>
-            </a:endParaRPr>
-          </a:p>
-        </p:txBody>
-      </p:sp>
       <p:pic>
         <p:nvPicPr>
           <p:cNvPr id="3" name="Imagen 2">
             <a:extLst>
               <a:ext uri="{FF2B5EF4-FFF2-40B4-BE49-F238E27FC236}">
-                <a16:creationId xmlns:a16="http://schemas.microsoft.com/office/drawing/2014/main" id="{367D6562-FC96-4812-A5D3-7044AF6375BE}"/>
+                <a16:creationId xmlns:a16="http://schemas.microsoft.com/office/drawing/2014/main" id="{8E367D70-F93E-4B84-B819-E8E5EC24CCC0}"/>
               </a:ext>
             </a:extLst>
           </p:cNvPr>
@@ -18218,18 +17949,69 @@
         </p:blipFill>
         <p:spPr>
           <a:xfrm>
-            <a:off x="643406" y="3026677"/>
-            <a:ext cx="8010163" cy="2634572"/>
+            <a:off x="671139" y="2789828"/>
+            <a:ext cx="7892890" cy="3183008"/>
           </a:xfrm>
           <a:prstGeom prst="rect">
             <a:avLst/>
           </a:prstGeom>
         </p:spPr>
       </p:pic>
+      <p:sp>
+        <p:nvSpPr>
+          <p:cNvPr id="11" name="CuadroTexto 10">
+            <a:extLst>
+              <a:ext uri="{FF2B5EF4-FFF2-40B4-BE49-F238E27FC236}">
+                <a16:creationId xmlns:a16="http://schemas.microsoft.com/office/drawing/2014/main" id="{A01963C4-5EE1-4A60-85A8-719A3CE36006}"/>
+              </a:ext>
+            </a:extLst>
+          </p:cNvPr>
+          <p:cNvSpPr txBox="1"/>
+          <p:nvPr/>
+        </p:nvSpPr>
+        <p:spPr>
+          <a:xfrm>
+            <a:off x="611560" y="2089768"/>
+            <a:ext cx="8041433" cy="386901"/>
+          </a:xfrm>
+          <a:prstGeom prst="rect">
+            <a:avLst/>
+          </a:prstGeom>
+          <a:noFill/>
+        </p:spPr>
+        <p:txBody>
+          <a:bodyPr wrap="square">
+            <a:spAutoFit/>
+          </a:bodyPr>
+          <a:lstStyle/>
+          <a:p>
+            <a:pPr algn="just">
+              <a:lnSpc>
+                <a:spcPts val="2500"/>
+              </a:lnSpc>
+            </a:pPr>
+            <a:r>
+              <a:rPr lang="es-ES" sz="1600" b="0" i="0" dirty="0">
+                <a:solidFill>
+                  <a:srgbClr val="333333"/>
+                </a:solidFill>
+                <a:effectLst/>
+              </a:rPr>
+              <a:t>Obtenemos una lista de tuplas.</a:t>
+            </a:r>
+            <a:endParaRPr lang="es-ES" sz="1600" b="0" i="0" dirty="0">
+              <a:solidFill>
+                <a:srgbClr val="AAAAAA"/>
+              </a:solidFill>
+              <a:effectLst/>
+            </a:endParaRPr>
+          </a:p>
+        </p:txBody>
+      </p:sp>
     </p:spTree>
     <p:extLst>
       <p:ext uri="{BB962C8B-B14F-4D97-AF65-F5344CB8AC3E}">
-        <p14:creationId xmlns:p14="http://schemas.microsoft.com/office/powerpoint/2010/main" val="929584033"/>
+        <p14:creationId xmlns:p14="http://schemas.microsoft.com/office/powerpoint/2010/main" val="2642150718"/>
       </p:ext>
     </p:extLst>
   </p:cSld>
@@ -18268,1057 +18050,6 @@
         </p:nvSpPr>
         <p:spPr>
           <a:xfrm>
-            <a:off x="289721" y="4056"/>
-            <a:ext cx="8363272" cy="1143000"/>
-          </a:xfrm>
-        </p:spPr>
-        <p:txBody>
-          <a:bodyPr>
-            <a:normAutofit/>
-          </a:bodyPr>
-          <a:lstStyle/>
-          <a:p>
-            <a:pPr eaLnBrk="1" hangingPunct="1">
-              <a:defRPr/>
-            </a:pPr>
-            <a:r>
-              <a:rPr lang="es-MX" b="1" dirty="0" err="1">
-                <a:solidFill>
-                  <a:schemeClr val="accent4">
-                    <a:lumMod val="50000"/>
-                  </a:schemeClr>
-                </a:solidFill>
-                <a:effectLst>
-                  <a:outerShdw blurRad="38100" dist="38100" dir="2700000" algn="tl">
-                    <a:srgbClr val="C0C0C0"/>
-                  </a:outerShdw>
-                </a:effectLst>
-                <a:latin typeface="Dom Casual" charset="0"/>
-              </a:rPr>
-              <a:t>Metacaracteres</a:t>
-            </a:r>
-            <a:endParaRPr lang="es-MX" b="1" dirty="0">
-              <a:solidFill>
-                <a:schemeClr val="accent4">
-                  <a:lumMod val="50000"/>
-                </a:schemeClr>
-              </a:solidFill>
-              <a:effectLst>
-                <a:outerShdw blurRad="38100" dist="38100" dir="2700000" algn="tl">
-                  <a:srgbClr val="C0C0C0"/>
-                </a:outerShdw>
-              </a:effectLst>
-              <a:latin typeface="Dom Casual" charset="0"/>
-            </a:endParaRPr>
-          </a:p>
-        </p:txBody>
-      </p:sp>
-      <p:sp>
-        <p:nvSpPr>
-          <p:cNvPr id="8" name="CuadroTexto 7">
-            <a:extLst>
-              <a:ext uri="{FF2B5EF4-FFF2-40B4-BE49-F238E27FC236}">
-                <a16:creationId xmlns:a16="http://schemas.microsoft.com/office/drawing/2014/main" id="{C54CFFB0-D6E7-4679-A6E8-7F8B2E54D6C1}"/>
-              </a:ext>
-            </a:extLst>
-          </p:cNvPr>
-          <p:cNvSpPr txBox="1"/>
-          <p:nvPr/>
-        </p:nvSpPr>
-        <p:spPr>
-          <a:xfrm>
-            <a:off x="2051720" y="950207"/>
-            <a:ext cx="4680520" cy="714298"/>
-          </a:xfrm>
-          <a:prstGeom prst="rect">
-            <a:avLst/>
-          </a:prstGeom>
-          <a:noFill/>
-        </p:spPr>
-        <p:txBody>
-          <a:bodyPr wrap="square">
-            <a:spAutoFit/>
-          </a:bodyPr>
-          <a:lstStyle/>
-          <a:p>
-            <a:pPr algn="ctr" fontAlgn="base">
-              <a:lnSpc>
-                <a:spcPts val="2500"/>
-              </a:lnSpc>
-              <a:spcAft>
-                <a:spcPts val="600"/>
-              </a:spcAft>
-            </a:pPr>
-            <a:r>
-              <a:rPr lang="es-ES" b="1" dirty="0">
-                <a:solidFill>
-                  <a:schemeClr val="accent6">
-                    <a:lumMod val="75000"/>
-                  </a:schemeClr>
-                </a:solidFill>
-                <a:latin typeface="inherit"/>
-              </a:rPr>
-              <a:t> </a:t>
-            </a:r>
-            <a:r>
-              <a:rPr lang="es-ES" b="1" i="0" dirty="0">
-                <a:solidFill>
-                  <a:schemeClr val="accent6">
-                    <a:lumMod val="75000"/>
-                  </a:schemeClr>
-                </a:solidFill>
-                <a:effectLst/>
-                <a:latin typeface="inherit"/>
-              </a:rPr>
-              <a:t>{} Definen </a:t>
-            </a:r>
-            <a:r>
-              <a:rPr lang="es-ES" b="1" dirty="0">
-                <a:solidFill>
-                  <a:schemeClr val="accent6">
-                    <a:lumMod val="75000"/>
-                  </a:schemeClr>
-                </a:solidFill>
-                <a:latin typeface="inherit"/>
-              </a:rPr>
-              <a:t>el número exacto de </a:t>
-            </a:r>
-            <a:r>
-              <a:rPr lang="es-ES" b="1" i="0" dirty="0">
-                <a:solidFill>
-                  <a:schemeClr val="accent6">
-                    <a:lumMod val="75000"/>
-                  </a:schemeClr>
-                </a:solidFill>
-                <a:effectLst/>
-                <a:latin typeface="inherit"/>
-              </a:rPr>
-              <a:t>repeticiones de la expresión regular precedente</a:t>
-            </a:r>
-          </a:p>
-        </p:txBody>
-      </p:sp>
-      <p:sp>
-        <p:nvSpPr>
-          <p:cNvPr id="9" name="CuadroTexto 8">
-            <a:extLst>
-              <a:ext uri="{FF2B5EF4-FFF2-40B4-BE49-F238E27FC236}">
-                <a16:creationId xmlns:a16="http://schemas.microsoft.com/office/drawing/2014/main" id="{3C2E1319-C186-4202-8393-814D31E5493C}"/>
-              </a:ext>
-            </a:extLst>
-          </p:cNvPr>
-          <p:cNvSpPr txBox="1"/>
-          <p:nvPr/>
-        </p:nvSpPr>
-        <p:spPr>
-          <a:xfrm>
-            <a:off x="611560" y="1583476"/>
-            <a:ext cx="7920880" cy="506292"/>
-          </a:xfrm>
-          <a:prstGeom prst="rect">
-            <a:avLst/>
-          </a:prstGeom>
-          <a:noFill/>
-        </p:spPr>
-        <p:txBody>
-          <a:bodyPr wrap="square">
-            <a:spAutoFit/>
-          </a:bodyPr>
-          <a:lstStyle/>
-          <a:p>
-            <a:pPr algn="l">
-              <a:lnSpc>
-                <a:spcPct val="150000"/>
-              </a:lnSpc>
-            </a:pPr>
-            <a:r>
-              <a:rPr lang="es-ES" sz="2000" b="1" i="0" dirty="0">
-                <a:solidFill>
-                  <a:schemeClr val="tx1">
-                    <a:lumMod val="95000"/>
-                    <a:lumOff val="5000"/>
-                  </a:schemeClr>
-                </a:solidFill>
-                <a:effectLst/>
-              </a:rPr>
-              <a:t>Ejemplo 4:</a:t>
-            </a:r>
-            <a:endParaRPr lang="es-ES" sz="2000" b="1" dirty="0">
-              <a:solidFill>
-                <a:schemeClr val="tx1">
-                  <a:lumMod val="95000"/>
-                  <a:lumOff val="5000"/>
-                </a:schemeClr>
-              </a:solidFill>
-            </a:endParaRPr>
-          </a:p>
-        </p:txBody>
-      </p:sp>
-      <p:sp>
-        <p:nvSpPr>
-          <p:cNvPr id="10" name="Abrir llave 9">
-            <a:extLst>
-              <a:ext uri="{FF2B5EF4-FFF2-40B4-BE49-F238E27FC236}">
-                <a16:creationId xmlns:a16="http://schemas.microsoft.com/office/drawing/2014/main" id="{F795473D-90D4-4794-8F57-1F88444BF981}"/>
-              </a:ext>
-            </a:extLst>
-          </p:cNvPr>
-          <p:cNvSpPr/>
-          <p:nvPr/>
-        </p:nvSpPr>
-        <p:spPr>
-          <a:xfrm rot="16200000">
-            <a:off x="7328241" y="5006428"/>
-            <a:ext cx="242932" cy="293259"/>
-          </a:xfrm>
-          <a:prstGeom prst="leftBrace">
-            <a:avLst/>
-          </a:prstGeom>
-        </p:spPr>
-        <p:style>
-          <a:lnRef idx="1">
-            <a:schemeClr val="accent1"/>
-          </a:lnRef>
-          <a:fillRef idx="0">
-            <a:schemeClr val="accent1"/>
-          </a:fillRef>
-          <a:effectRef idx="0">
-            <a:schemeClr val="accent1"/>
-          </a:effectRef>
-          <a:fontRef idx="minor">
-            <a:schemeClr val="tx1"/>
-          </a:fontRef>
-        </p:style>
-        <p:txBody>
-          <a:bodyPr rtlCol="0" anchor="ctr"/>
-          <a:lstStyle/>
-          <a:p>
-            <a:pPr algn="ctr"/>
-            <a:endParaRPr lang="es-MX"/>
-          </a:p>
-        </p:txBody>
-      </p:sp>
-      <p:sp>
-        <p:nvSpPr>
-          <p:cNvPr id="12" name="CuadroTexto 11">
-            <a:extLst>
-              <a:ext uri="{FF2B5EF4-FFF2-40B4-BE49-F238E27FC236}">
-                <a16:creationId xmlns:a16="http://schemas.microsoft.com/office/drawing/2014/main" id="{85E1941A-2DA6-443A-9843-A084D86AC459}"/>
-              </a:ext>
-            </a:extLst>
-          </p:cNvPr>
-          <p:cNvSpPr txBox="1"/>
-          <p:nvPr/>
-        </p:nvSpPr>
-        <p:spPr>
-          <a:xfrm>
-            <a:off x="611560" y="2089768"/>
-            <a:ext cx="8041433" cy="707501"/>
-          </a:xfrm>
-          <a:prstGeom prst="rect">
-            <a:avLst/>
-          </a:prstGeom>
-          <a:noFill/>
-        </p:spPr>
-        <p:txBody>
-          <a:bodyPr wrap="square">
-            <a:spAutoFit/>
-          </a:bodyPr>
-          <a:lstStyle/>
-          <a:p>
-            <a:pPr algn="just">
-              <a:lnSpc>
-                <a:spcPts val="2500"/>
-              </a:lnSpc>
-            </a:pPr>
-            <a:r>
-              <a:rPr lang="es-ES" sz="1600" b="0" i="0" dirty="0">
-                <a:solidFill>
-                  <a:srgbClr val="333333"/>
-                </a:solidFill>
-                <a:effectLst/>
-              </a:rPr>
-              <a:t>Palabras que tengan cuatro caracteres de la ‘a’ a la ‘z’ repetidos una o más veces y que luego le siga un </a:t>
-            </a:r>
-            <a:r>
-              <a:rPr lang="es-ES" sz="1600" b="1" i="0" dirty="0" err="1">
-                <a:solidFill>
-                  <a:srgbClr val="333333"/>
-                </a:solidFill>
-                <a:effectLst/>
-              </a:rPr>
-              <a:t>er</a:t>
-            </a:r>
-            <a:r>
-              <a:rPr lang="es-ES" sz="1600" b="0" i="0" dirty="0">
-                <a:solidFill>
-                  <a:srgbClr val="333333"/>
-                </a:solidFill>
-                <a:effectLst/>
-              </a:rPr>
-              <a:t>.</a:t>
-            </a:r>
-            <a:endParaRPr lang="es-ES" sz="1600" b="0" i="0" dirty="0">
-              <a:solidFill>
-                <a:srgbClr val="AAAAAA"/>
-              </a:solidFill>
-              <a:effectLst/>
-            </a:endParaRPr>
-          </a:p>
-        </p:txBody>
-      </p:sp>
-      <p:pic>
-        <p:nvPicPr>
-          <p:cNvPr id="6" name="Imagen 5">
-            <a:extLst>
-              <a:ext uri="{FF2B5EF4-FFF2-40B4-BE49-F238E27FC236}">
-                <a16:creationId xmlns:a16="http://schemas.microsoft.com/office/drawing/2014/main" id="{65576E1C-9BCF-4A1F-AFDE-67E73D9B1B3A}"/>
-              </a:ext>
-            </a:extLst>
-          </p:cNvPr>
-          <p:cNvPicPr>
-            <a:picLocks noChangeAspect="1"/>
-          </p:cNvPicPr>
-          <p:nvPr/>
-        </p:nvPicPr>
-        <p:blipFill>
-          <a:blip r:embed="rId3"/>
-          <a:stretch>
-            <a:fillRect/>
-          </a:stretch>
-        </p:blipFill>
-        <p:spPr>
-          <a:xfrm>
-            <a:off x="755576" y="3032480"/>
-            <a:ext cx="7399987" cy="2545326"/>
-          </a:xfrm>
-          <a:prstGeom prst="rect">
-            <a:avLst/>
-          </a:prstGeom>
-        </p:spPr>
-      </p:pic>
-    </p:spTree>
-    <p:extLst>
-      <p:ext uri="{BB962C8B-B14F-4D97-AF65-F5344CB8AC3E}">
-        <p14:creationId xmlns:p14="http://schemas.microsoft.com/office/powerpoint/2010/main" val="1823986916"/>
-      </p:ext>
-    </p:extLst>
-  </p:cSld>
-  <p:clrMapOvr>
-    <a:masterClrMapping/>
-  </p:clrMapOvr>
-</p:sld>
-</file>
-
-<file path=ppt/slides/slide42.xml><?xml version="1.0" encoding="utf-8"?>
-<p:sld xmlns:a="http://schemas.openxmlformats.org/drawingml/2006/main" xmlns:r="http://schemas.openxmlformats.org/officeDocument/2006/relationships" xmlns:p="http://schemas.openxmlformats.org/presentationml/2006/main">
-  <p:cSld>
-    <p:spTree>
-      <p:nvGrpSpPr>
-        <p:cNvPr id="1" name=""/>
-        <p:cNvGrpSpPr/>
-        <p:nvPr/>
-      </p:nvGrpSpPr>
-      <p:grpSpPr>
-        <a:xfrm>
-          <a:off x="0" y="0"/>
-          <a:ext cx="0" cy="0"/>
-          <a:chOff x="0" y="0"/>
-          <a:chExt cx="0" cy="0"/>
-        </a:xfrm>
-      </p:grpSpPr>
-      <p:sp>
-        <p:nvSpPr>
-          <p:cNvPr id="184324" name="Rectangle 4"/>
-          <p:cNvSpPr>
-            <a:spLocks noGrp="1" noChangeArrowheads="1"/>
-          </p:cNvSpPr>
-          <p:nvPr>
-            <p:ph type="title"/>
-          </p:nvPr>
-        </p:nvSpPr>
-        <p:spPr>
-          <a:xfrm>
-            <a:off x="289721" y="4056"/>
-            <a:ext cx="8363272" cy="1143000"/>
-          </a:xfrm>
-        </p:spPr>
-        <p:txBody>
-          <a:bodyPr>
-            <a:normAutofit/>
-          </a:bodyPr>
-          <a:lstStyle/>
-          <a:p>
-            <a:pPr eaLnBrk="1" hangingPunct="1">
-              <a:defRPr/>
-            </a:pPr>
-            <a:r>
-              <a:rPr lang="es-MX" b="1" dirty="0" err="1">
-                <a:solidFill>
-                  <a:schemeClr val="accent4">
-                    <a:lumMod val="50000"/>
-                  </a:schemeClr>
-                </a:solidFill>
-                <a:effectLst>
-                  <a:outerShdw blurRad="38100" dist="38100" dir="2700000" algn="tl">
-                    <a:srgbClr val="C0C0C0"/>
-                  </a:outerShdw>
-                </a:effectLst>
-                <a:latin typeface="Dom Casual" charset="0"/>
-              </a:rPr>
-              <a:t>Metacaracteres</a:t>
-            </a:r>
-            <a:endParaRPr lang="es-MX" b="1" dirty="0">
-              <a:solidFill>
-                <a:schemeClr val="accent4">
-                  <a:lumMod val="50000"/>
-                </a:schemeClr>
-              </a:solidFill>
-              <a:effectLst>
-                <a:outerShdw blurRad="38100" dist="38100" dir="2700000" algn="tl">
-                  <a:srgbClr val="C0C0C0"/>
-                </a:outerShdw>
-              </a:effectLst>
-              <a:latin typeface="Dom Casual" charset="0"/>
-            </a:endParaRPr>
-          </a:p>
-        </p:txBody>
-      </p:sp>
-      <p:sp>
-        <p:nvSpPr>
-          <p:cNvPr id="8" name="CuadroTexto 7">
-            <a:extLst>
-              <a:ext uri="{FF2B5EF4-FFF2-40B4-BE49-F238E27FC236}">
-                <a16:creationId xmlns:a16="http://schemas.microsoft.com/office/drawing/2014/main" id="{C54CFFB0-D6E7-4679-A6E8-7F8B2E54D6C1}"/>
-              </a:ext>
-            </a:extLst>
-          </p:cNvPr>
-          <p:cNvSpPr txBox="1"/>
-          <p:nvPr/>
-        </p:nvSpPr>
-        <p:spPr>
-          <a:xfrm>
-            <a:off x="2195736" y="950207"/>
-            <a:ext cx="4608511" cy="714298"/>
-          </a:xfrm>
-          <a:prstGeom prst="rect">
-            <a:avLst/>
-          </a:prstGeom>
-          <a:noFill/>
-        </p:spPr>
-        <p:txBody>
-          <a:bodyPr wrap="square">
-            <a:spAutoFit/>
-          </a:bodyPr>
-          <a:lstStyle/>
-          <a:p>
-            <a:pPr algn="ctr" fontAlgn="base">
-              <a:lnSpc>
-                <a:spcPts val="2500"/>
-              </a:lnSpc>
-              <a:spcAft>
-                <a:spcPts val="600"/>
-              </a:spcAft>
-            </a:pPr>
-            <a:r>
-              <a:rPr lang="es-ES" b="1" dirty="0">
-                <a:solidFill>
-                  <a:schemeClr val="accent6">
-                    <a:lumMod val="75000"/>
-                  </a:schemeClr>
-                </a:solidFill>
-                <a:latin typeface="inherit"/>
-              </a:rPr>
-              <a:t> </a:t>
-            </a:r>
-            <a:r>
-              <a:rPr lang="es-ES" b="1" i="0" dirty="0">
-                <a:solidFill>
-                  <a:schemeClr val="accent6">
-                    <a:lumMod val="75000"/>
-                  </a:schemeClr>
-                </a:solidFill>
-                <a:effectLst/>
-                <a:latin typeface="inherit"/>
-              </a:rPr>
-              <a:t>{} Definen </a:t>
-            </a:r>
-            <a:r>
-              <a:rPr lang="es-ES" b="1" dirty="0">
-                <a:solidFill>
-                  <a:schemeClr val="accent6">
-                    <a:lumMod val="75000"/>
-                  </a:schemeClr>
-                </a:solidFill>
-                <a:latin typeface="inherit"/>
-              </a:rPr>
-              <a:t>el número exacto de </a:t>
-            </a:r>
-            <a:r>
-              <a:rPr lang="es-ES" b="1" i="0" dirty="0">
-                <a:solidFill>
-                  <a:schemeClr val="accent6">
-                    <a:lumMod val="75000"/>
-                  </a:schemeClr>
-                </a:solidFill>
-                <a:effectLst/>
-                <a:latin typeface="inherit"/>
-              </a:rPr>
-              <a:t>repeticiones de la expresión regular precedente</a:t>
-            </a:r>
-          </a:p>
-        </p:txBody>
-      </p:sp>
-      <p:sp>
-        <p:nvSpPr>
-          <p:cNvPr id="9" name="CuadroTexto 8">
-            <a:extLst>
-              <a:ext uri="{FF2B5EF4-FFF2-40B4-BE49-F238E27FC236}">
-                <a16:creationId xmlns:a16="http://schemas.microsoft.com/office/drawing/2014/main" id="{3C2E1319-C186-4202-8393-814D31E5493C}"/>
-              </a:ext>
-            </a:extLst>
-          </p:cNvPr>
-          <p:cNvSpPr txBox="1"/>
-          <p:nvPr/>
-        </p:nvSpPr>
-        <p:spPr>
-          <a:xfrm>
-            <a:off x="611560" y="1583476"/>
-            <a:ext cx="7920880" cy="506292"/>
-          </a:xfrm>
-          <a:prstGeom prst="rect">
-            <a:avLst/>
-          </a:prstGeom>
-          <a:noFill/>
-        </p:spPr>
-        <p:txBody>
-          <a:bodyPr wrap="square">
-            <a:spAutoFit/>
-          </a:bodyPr>
-          <a:lstStyle/>
-          <a:p>
-            <a:pPr algn="l">
-              <a:lnSpc>
-                <a:spcPct val="150000"/>
-              </a:lnSpc>
-            </a:pPr>
-            <a:r>
-              <a:rPr lang="es-ES" sz="2000" b="1" i="0" dirty="0">
-                <a:solidFill>
-                  <a:schemeClr val="tx1">
-                    <a:lumMod val="95000"/>
-                    <a:lumOff val="5000"/>
-                  </a:schemeClr>
-                </a:solidFill>
-                <a:effectLst/>
-              </a:rPr>
-              <a:t>Ejemplo 5:</a:t>
-            </a:r>
-            <a:endParaRPr lang="es-ES" sz="2000" b="1" dirty="0">
-              <a:solidFill>
-                <a:schemeClr val="tx1">
-                  <a:lumMod val="95000"/>
-                  <a:lumOff val="5000"/>
-                </a:schemeClr>
-              </a:solidFill>
-            </a:endParaRPr>
-          </a:p>
-        </p:txBody>
-      </p:sp>
-      <p:sp>
-        <p:nvSpPr>
-          <p:cNvPr id="12" name="CuadroTexto 11">
-            <a:extLst>
-              <a:ext uri="{FF2B5EF4-FFF2-40B4-BE49-F238E27FC236}">
-                <a16:creationId xmlns:a16="http://schemas.microsoft.com/office/drawing/2014/main" id="{85E1941A-2DA6-443A-9843-A084D86AC459}"/>
-              </a:ext>
-            </a:extLst>
-          </p:cNvPr>
-          <p:cNvSpPr txBox="1"/>
-          <p:nvPr/>
-        </p:nvSpPr>
-        <p:spPr>
-          <a:xfrm>
-            <a:off x="611560" y="2089768"/>
-            <a:ext cx="8041433" cy="707501"/>
-          </a:xfrm>
-          <a:prstGeom prst="rect">
-            <a:avLst/>
-          </a:prstGeom>
-          <a:noFill/>
-        </p:spPr>
-        <p:txBody>
-          <a:bodyPr wrap="square">
-            <a:spAutoFit/>
-          </a:bodyPr>
-          <a:lstStyle/>
-          <a:p>
-            <a:pPr algn="just">
-              <a:lnSpc>
-                <a:spcPts val="2500"/>
-              </a:lnSpc>
-            </a:pPr>
-            <a:r>
-              <a:rPr lang="es-ES" sz="1600" b="0" i="0" dirty="0">
-                <a:solidFill>
-                  <a:srgbClr val="333333"/>
-                </a:solidFill>
-                <a:effectLst/>
-              </a:rPr>
-              <a:t>Palabras que tengan cinco caracteres de la ‘a’ a la ‘z’ repetidos una o más veces y que luego le siga un </a:t>
-            </a:r>
-            <a:r>
-              <a:rPr lang="es-ES" sz="1600" b="1" i="0" dirty="0" err="1">
-                <a:solidFill>
-                  <a:srgbClr val="333333"/>
-                </a:solidFill>
-                <a:effectLst/>
-              </a:rPr>
-              <a:t>er</a:t>
-            </a:r>
-            <a:r>
-              <a:rPr lang="es-ES" sz="1600" b="0" i="0" dirty="0">
-                <a:solidFill>
-                  <a:srgbClr val="333333"/>
-                </a:solidFill>
-                <a:effectLst/>
-              </a:rPr>
-              <a:t>.</a:t>
-            </a:r>
-            <a:endParaRPr lang="es-ES" sz="1600" b="0" i="0" dirty="0">
-              <a:solidFill>
-                <a:srgbClr val="AAAAAA"/>
-              </a:solidFill>
-              <a:effectLst/>
-            </a:endParaRPr>
-          </a:p>
-        </p:txBody>
-      </p:sp>
-      <p:pic>
-        <p:nvPicPr>
-          <p:cNvPr id="3" name="Imagen 2">
-            <a:extLst>
-              <a:ext uri="{FF2B5EF4-FFF2-40B4-BE49-F238E27FC236}">
-                <a16:creationId xmlns:a16="http://schemas.microsoft.com/office/drawing/2014/main" id="{41D5B816-F41C-4A41-AFAA-8D2B5C16CBF4}"/>
-              </a:ext>
-            </a:extLst>
-          </p:cNvPr>
-          <p:cNvPicPr>
-            <a:picLocks noChangeAspect="1"/>
-          </p:cNvPicPr>
-          <p:nvPr/>
-        </p:nvPicPr>
-        <p:blipFill>
-          <a:blip r:embed="rId3"/>
-          <a:stretch>
-            <a:fillRect/>
-          </a:stretch>
-        </p:blipFill>
-        <p:spPr>
-          <a:xfrm>
-            <a:off x="683567" y="2996952"/>
-            <a:ext cx="7632848" cy="2593434"/>
-          </a:xfrm>
-          <a:prstGeom prst="rect">
-            <a:avLst/>
-          </a:prstGeom>
-        </p:spPr>
-      </p:pic>
-    </p:spTree>
-    <p:extLst>
-      <p:ext uri="{BB962C8B-B14F-4D97-AF65-F5344CB8AC3E}">
-        <p14:creationId xmlns:p14="http://schemas.microsoft.com/office/powerpoint/2010/main" val="99952455"/>
-      </p:ext>
-    </p:extLst>
-  </p:cSld>
-  <p:clrMapOvr>
-    <a:masterClrMapping/>
-  </p:clrMapOvr>
-</p:sld>
-</file>
-
-<file path=ppt/slides/slide43.xml><?xml version="1.0" encoding="utf-8"?>
-<p:sld xmlns:a="http://schemas.openxmlformats.org/drawingml/2006/main" xmlns:r="http://schemas.openxmlformats.org/officeDocument/2006/relationships" xmlns:p="http://schemas.openxmlformats.org/presentationml/2006/main">
-  <p:cSld>
-    <p:spTree>
-      <p:nvGrpSpPr>
-        <p:cNvPr id="1" name=""/>
-        <p:cNvGrpSpPr/>
-        <p:nvPr/>
-      </p:nvGrpSpPr>
-      <p:grpSpPr>
-        <a:xfrm>
-          <a:off x="0" y="0"/>
-          <a:ext cx="0" cy="0"/>
-          <a:chOff x="0" y="0"/>
-          <a:chExt cx="0" cy="0"/>
-        </a:xfrm>
-      </p:grpSpPr>
-      <p:sp>
-        <p:nvSpPr>
-          <p:cNvPr id="184324" name="Rectangle 4"/>
-          <p:cNvSpPr>
-            <a:spLocks noGrp="1" noChangeArrowheads="1"/>
-          </p:cNvSpPr>
-          <p:nvPr>
-            <p:ph type="title"/>
-          </p:nvPr>
-        </p:nvSpPr>
-        <p:spPr>
-          <a:xfrm>
-            <a:off x="289721" y="4056"/>
-            <a:ext cx="8363272" cy="1143000"/>
-          </a:xfrm>
-        </p:spPr>
-        <p:txBody>
-          <a:bodyPr>
-            <a:normAutofit/>
-          </a:bodyPr>
-          <a:lstStyle/>
-          <a:p>
-            <a:pPr eaLnBrk="1" hangingPunct="1">
-              <a:defRPr/>
-            </a:pPr>
-            <a:r>
-              <a:rPr lang="es-MX" b="1" dirty="0" err="1">
-                <a:solidFill>
-                  <a:schemeClr val="accent4">
-                    <a:lumMod val="50000"/>
-                  </a:schemeClr>
-                </a:solidFill>
-                <a:effectLst>
-                  <a:outerShdw blurRad="38100" dist="38100" dir="2700000" algn="tl">
-                    <a:srgbClr val="C0C0C0"/>
-                  </a:outerShdw>
-                </a:effectLst>
-                <a:latin typeface="Dom Casual" charset="0"/>
-              </a:rPr>
-              <a:t>Metacaracteres</a:t>
-            </a:r>
-            <a:endParaRPr lang="es-MX" b="1" dirty="0">
-              <a:solidFill>
-                <a:schemeClr val="accent4">
-                  <a:lumMod val="50000"/>
-                </a:schemeClr>
-              </a:solidFill>
-              <a:effectLst>
-                <a:outerShdw blurRad="38100" dist="38100" dir="2700000" algn="tl">
-                  <a:srgbClr val="C0C0C0"/>
-                </a:outerShdw>
-              </a:effectLst>
-              <a:latin typeface="Dom Casual" charset="0"/>
-            </a:endParaRPr>
-          </a:p>
-        </p:txBody>
-      </p:sp>
-      <p:sp>
-        <p:nvSpPr>
-          <p:cNvPr id="8" name="CuadroTexto 7">
-            <a:extLst>
-              <a:ext uri="{FF2B5EF4-FFF2-40B4-BE49-F238E27FC236}">
-                <a16:creationId xmlns:a16="http://schemas.microsoft.com/office/drawing/2014/main" id="{C54CFFB0-D6E7-4679-A6E8-7F8B2E54D6C1}"/>
-              </a:ext>
-            </a:extLst>
-          </p:cNvPr>
-          <p:cNvSpPr txBox="1"/>
-          <p:nvPr/>
-        </p:nvSpPr>
-        <p:spPr>
-          <a:xfrm>
-            <a:off x="2051720" y="950207"/>
-            <a:ext cx="4680520" cy="714298"/>
-          </a:xfrm>
-          <a:prstGeom prst="rect">
-            <a:avLst/>
-          </a:prstGeom>
-          <a:noFill/>
-        </p:spPr>
-        <p:txBody>
-          <a:bodyPr wrap="square">
-            <a:spAutoFit/>
-          </a:bodyPr>
-          <a:lstStyle/>
-          <a:p>
-            <a:pPr algn="ctr" fontAlgn="base">
-              <a:lnSpc>
-                <a:spcPts val="2500"/>
-              </a:lnSpc>
-              <a:spcAft>
-                <a:spcPts val="600"/>
-              </a:spcAft>
-            </a:pPr>
-            <a:r>
-              <a:rPr lang="es-ES" b="1" dirty="0">
-                <a:solidFill>
-                  <a:schemeClr val="accent6">
-                    <a:lumMod val="75000"/>
-                  </a:schemeClr>
-                </a:solidFill>
-                <a:latin typeface="inherit"/>
-              </a:rPr>
-              <a:t> </a:t>
-            </a:r>
-            <a:r>
-              <a:rPr lang="es-ES" b="1" i="0" dirty="0">
-                <a:solidFill>
-                  <a:schemeClr val="accent6">
-                    <a:lumMod val="75000"/>
-                  </a:schemeClr>
-                </a:solidFill>
-                <a:effectLst/>
-                <a:latin typeface="inherit"/>
-              </a:rPr>
-              <a:t>{} Definen </a:t>
-            </a:r>
-            <a:r>
-              <a:rPr lang="es-ES" b="1" dirty="0">
-                <a:solidFill>
-                  <a:schemeClr val="accent6">
-                    <a:lumMod val="75000"/>
-                  </a:schemeClr>
-                </a:solidFill>
-                <a:latin typeface="inherit"/>
-              </a:rPr>
-              <a:t>el número exacto de </a:t>
-            </a:r>
-            <a:r>
-              <a:rPr lang="es-ES" b="1" i="0" dirty="0">
-                <a:solidFill>
-                  <a:schemeClr val="accent6">
-                    <a:lumMod val="75000"/>
-                  </a:schemeClr>
-                </a:solidFill>
-                <a:effectLst/>
-                <a:latin typeface="inherit"/>
-              </a:rPr>
-              <a:t>repeticiones de la expresión regular precedente</a:t>
-            </a:r>
-          </a:p>
-        </p:txBody>
-      </p:sp>
-      <p:sp>
-        <p:nvSpPr>
-          <p:cNvPr id="9" name="CuadroTexto 8">
-            <a:extLst>
-              <a:ext uri="{FF2B5EF4-FFF2-40B4-BE49-F238E27FC236}">
-                <a16:creationId xmlns:a16="http://schemas.microsoft.com/office/drawing/2014/main" id="{3C2E1319-C186-4202-8393-814D31E5493C}"/>
-              </a:ext>
-            </a:extLst>
-          </p:cNvPr>
-          <p:cNvSpPr txBox="1"/>
-          <p:nvPr/>
-        </p:nvSpPr>
-        <p:spPr>
-          <a:xfrm>
-            <a:off x="611560" y="1583476"/>
-            <a:ext cx="7920880" cy="506292"/>
-          </a:xfrm>
-          <a:prstGeom prst="rect">
-            <a:avLst/>
-          </a:prstGeom>
-          <a:noFill/>
-        </p:spPr>
-        <p:txBody>
-          <a:bodyPr wrap="square">
-            <a:spAutoFit/>
-          </a:bodyPr>
-          <a:lstStyle/>
-          <a:p>
-            <a:pPr algn="l">
-              <a:lnSpc>
-                <a:spcPct val="150000"/>
-              </a:lnSpc>
-            </a:pPr>
-            <a:r>
-              <a:rPr lang="es-ES" sz="2000" b="1" i="0" dirty="0">
-                <a:solidFill>
-                  <a:schemeClr val="tx1">
-                    <a:lumMod val="95000"/>
-                    <a:lumOff val="5000"/>
-                  </a:schemeClr>
-                </a:solidFill>
-                <a:effectLst/>
-              </a:rPr>
-              <a:t>Ejemplo 6:</a:t>
-            </a:r>
-            <a:endParaRPr lang="es-ES" sz="2000" b="1" dirty="0">
-              <a:solidFill>
-                <a:schemeClr val="tx1">
-                  <a:lumMod val="95000"/>
-                  <a:lumOff val="5000"/>
-                </a:schemeClr>
-              </a:solidFill>
-            </a:endParaRPr>
-          </a:p>
-        </p:txBody>
-      </p:sp>
-      <p:sp>
-        <p:nvSpPr>
-          <p:cNvPr id="10" name="Abrir llave 9">
-            <a:extLst>
-              <a:ext uri="{FF2B5EF4-FFF2-40B4-BE49-F238E27FC236}">
-                <a16:creationId xmlns:a16="http://schemas.microsoft.com/office/drawing/2014/main" id="{F795473D-90D4-4794-8F57-1F88444BF981}"/>
-              </a:ext>
-            </a:extLst>
-          </p:cNvPr>
-          <p:cNvSpPr/>
-          <p:nvPr/>
-        </p:nvSpPr>
-        <p:spPr>
-          <a:xfrm rot="16200000">
-            <a:off x="7328241" y="5006428"/>
-            <a:ext cx="242932" cy="293259"/>
-          </a:xfrm>
-          <a:prstGeom prst="leftBrace">
-            <a:avLst/>
-          </a:prstGeom>
-        </p:spPr>
-        <p:style>
-          <a:lnRef idx="1">
-            <a:schemeClr val="accent1"/>
-          </a:lnRef>
-          <a:fillRef idx="0">
-            <a:schemeClr val="accent1"/>
-          </a:fillRef>
-          <a:effectRef idx="0">
-            <a:schemeClr val="accent1"/>
-          </a:effectRef>
-          <a:fontRef idx="minor">
-            <a:schemeClr val="tx1"/>
-          </a:fontRef>
-        </p:style>
-        <p:txBody>
-          <a:bodyPr rtlCol="0" anchor="ctr"/>
-          <a:lstStyle/>
-          <a:p>
-            <a:pPr algn="ctr"/>
-            <a:endParaRPr lang="es-MX"/>
-          </a:p>
-        </p:txBody>
-      </p:sp>
-      <p:pic>
-        <p:nvPicPr>
-          <p:cNvPr id="3" name="Imagen 2">
-            <a:extLst>
-              <a:ext uri="{FF2B5EF4-FFF2-40B4-BE49-F238E27FC236}">
-                <a16:creationId xmlns:a16="http://schemas.microsoft.com/office/drawing/2014/main" id="{8E367D70-F93E-4B84-B819-E8E5EC24CCC0}"/>
-              </a:ext>
-            </a:extLst>
-          </p:cNvPr>
-          <p:cNvPicPr>
-            <a:picLocks noChangeAspect="1"/>
-          </p:cNvPicPr>
-          <p:nvPr/>
-        </p:nvPicPr>
-        <p:blipFill>
-          <a:blip r:embed="rId3"/>
-          <a:stretch>
-            <a:fillRect/>
-          </a:stretch>
-        </p:blipFill>
-        <p:spPr>
-          <a:xfrm>
-            <a:off x="671139" y="2789828"/>
-            <a:ext cx="7892890" cy="3183008"/>
-          </a:xfrm>
-          <a:prstGeom prst="rect">
-            <a:avLst/>
-          </a:prstGeom>
-        </p:spPr>
-      </p:pic>
-      <p:sp>
-        <p:nvSpPr>
-          <p:cNvPr id="11" name="CuadroTexto 10">
-            <a:extLst>
-              <a:ext uri="{FF2B5EF4-FFF2-40B4-BE49-F238E27FC236}">
-                <a16:creationId xmlns:a16="http://schemas.microsoft.com/office/drawing/2014/main" id="{A01963C4-5EE1-4A60-85A8-719A3CE36006}"/>
-              </a:ext>
-            </a:extLst>
-          </p:cNvPr>
-          <p:cNvSpPr txBox="1"/>
-          <p:nvPr/>
-        </p:nvSpPr>
-        <p:spPr>
-          <a:xfrm>
-            <a:off x="611560" y="2089768"/>
-            <a:ext cx="8041433" cy="386901"/>
-          </a:xfrm>
-          <a:prstGeom prst="rect">
-            <a:avLst/>
-          </a:prstGeom>
-          <a:noFill/>
-        </p:spPr>
-        <p:txBody>
-          <a:bodyPr wrap="square">
-            <a:spAutoFit/>
-          </a:bodyPr>
-          <a:lstStyle/>
-          <a:p>
-            <a:pPr algn="just">
-              <a:lnSpc>
-                <a:spcPts val="2500"/>
-              </a:lnSpc>
-            </a:pPr>
-            <a:r>
-              <a:rPr lang="es-ES" sz="1600" b="0" i="0" dirty="0">
-                <a:solidFill>
-                  <a:srgbClr val="333333"/>
-                </a:solidFill>
-                <a:effectLst/>
-              </a:rPr>
-              <a:t>Obtenemos una lista de tuplas.</a:t>
-            </a:r>
-            <a:endParaRPr lang="es-ES" sz="1600" b="0" i="0" dirty="0">
-              <a:solidFill>
-                <a:srgbClr val="AAAAAA"/>
-              </a:solidFill>
-              <a:effectLst/>
-            </a:endParaRPr>
-          </a:p>
-        </p:txBody>
-      </p:sp>
-    </p:spTree>
-    <p:extLst>
-      <p:ext uri="{BB962C8B-B14F-4D97-AF65-F5344CB8AC3E}">
-        <p14:creationId xmlns:p14="http://schemas.microsoft.com/office/powerpoint/2010/main" val="2642150718"/>
-      </p:ext>
-    </p:extLst>
-  </p:cSld>
-  <p:clrMapOvr>
-    <a:masterClrMapping/>
-  </p:clrMapOvr>
-</p:sld>
-</file>
-
-<file path=ppt/slides/slide44.xml><?xml version="1.0" encoding="utf-8"?>
-<p:sld xmlns:a="http://schemas.openxmlformats.org/drawingml/2006/main" xmlns:r="http://schemas.openxmlformats.org/officeDocument/2006/relationships" xmlns:p="http://schemas.openxmlformats.org/presentationml/2006/main">
-  <p:cSld>
-    <p:spTree>
-      <p:nvGrpSpPr>
-        <p:cNvPr id="1" name=""/>
-        <p:cNvGrpSpPr/>
-        <p:nvPr/>
-      </p:nvGrpSpPr>
-      <p:grpSpPr>
-        <a:xfrm>
-          <a:off x="0" y="0"/>
-          <a:ext cx="0" cy="0"/>
-          <a:chOff x="0" y="0"/>
-          <a:chExt cx="0" cy="0"/>
-        </a:xfrm>
-      </p:grpSpPr>
-      <p:sp>
-        <p:nvSpPr>
-          <p:cNvPr id="184324" name="Rectangle 4"/>
-          <p:cNvSpPr>
-            <a:spLocks noGrp="1" noChangeArrowheads="1"/>
-          </p:cNvSpPr>
-          <p:nvPr>
-            <p:ph type="title"/>
-          </p:nvPr>
-        </p:nvSpPr>
-        <p:spPr>
-          <a:xfrm>
             <a:off x="289722" y="332656"/>
             <a:ext cx="8363272" cy="1143000"/>
           </a:xfrm>
@@ -19579,7 +18310,7 @@
 </p:sld>
 </file>
 
-<file path=ppt/slides/slide45.xml><?xml version="1.0" encoding="utf-8"?>
+<file path=ppt/slides/slide42.xml><?xml version="1.0" encoding="utf-8"?>
 <p:sld xmlns:a="http://schemas.openxmlformats.org/drawingml/2006/main" xmlns:r="http://schemas.openxmlformats.org/officeDocument/2006/relationships" xmlns:p="http://schemas.openxmlformats.org/presentationml/2006/main">
   <p:cSld>
     <p:spTree>
@@ -19911,7 +18642,7 @@
 </p:sld>
 </file>
 
-<file path=ppt/slides/slide46.xml><?xml version="1.0" encoding="utf-8"?>
+<file path=ppt/slides/slide43.xml><?xml version="1.0" encoding="utf-8"?>
 <p:sld xmlns:a="http://schemas.openxmlformats.org/drawingml/2006/main" xmlns:r="http://schemas.openxmlformats.org/officeDocument/2006/relationships" xmlns:p="http://schemas.openxmlformats.org/presentationml/2006/main">
   <p:cSld>
     <p:spTree>
@@ -20210,7 +18941,7 @@
                   </a:schemeClr>
                 </a:solidFill>
               </a:rPr>
-              <a:t>gm</a:t>
+              <a:t>re.M</a:t>
             </a:r>
             <a:r>
               <a:rPr lang="es-ES" sz="2000" b="1" dirty="0">
@@ -20250,7 +18981,7 @@
 </p:sld>
 </file>
 
-<file path=ppt/slides/slide47.xml><?xml version="1.0" encoding="utf-8"?>
+<file path=ppt/slides/slide44.xml><?xml version="1.0" encoding="utf-8"?>
 <p:sld xmlns:a="http://schemas.openxmlformats.org/drawingml/2006/main" xmlns:r="http://schemas.openxmlformats.org/officeDocument/2006/relationships" xmlns:p="http://schemas.openxmlformats.org/presentationml/2006/main">
   <p:cSld>
     <p:spTree>
@@ -20522,7 +19253,7 @@
 </p:sld>
 </file>
 
-<file path=ppt/slides/slide48.xml><?xml version="1.0" encoding="utf-8"?>
+<file path=ppt/slides/slide45.xml><?xml version="1.0" encoding="utf-8"?>
 <p:sld xmlns:a="http://schemas.openxmlformats.org/drawingml/2006/main" xmlns:r="http://schemas.openxmlformats.org/officeDocument/2006/relationships" xmlns:p="http://schemas.openxmlformats.org/presentationml/2006/main">
   <p:cSld>
     <p:spTree>
@@ -20794,7 +19525,7 @@
 </p:sld>
 </file>
 
-<file path=ppt/slides/slide49.xml><?xml version="1.0" encoding="utf-8"?>
+<file path=ppt/slides/slide46.xml><?xml version="1.0" encoding="utf-8"?>
 <p:sld xmlns:a="http://schemas.openxmlformats.org/drawingml/2006/main" xmlns:r="http://schemas.openxmlformats.org/officeDocument/2006/relationships" xmlns:p="http://schemas.openxmlformats.org/presentationml/2006/main">
   <p:cSld>
     <p:spTree>
@@ -22018,7 +20749,7 @@
                 <a:cs typeface="Calibri"/>
               </a:rPr>
               <a:pPr marL="25400"/>
-              <a:t>49</a:t>
+              <a:t>46</a:t>
             </a:fld>
             <a:endParaRPr dirty="0">
               <a:latin typeface="Calibri"/>
